--- a/pres.pptx
+++ b/pres.pptx
@@ -1,11 +1,14 @@
 
 <file path=ppt/presentation.xml><?xml version="1.0" encoding="utf-8"?>
-<p:presentation xmlns:a="http://schemas.openxmlformats.org/drawingml/2006/main" xmlns:r="http://schemas.openxmlformats.org/officeDocument/2006/relationships" xmlns:p="http://schemas.openxmlformats.org/presentationml/2006/main" xmlns:m="http://schemas.openxmlformats.org/officeDocument/2006/math" xmlns:w="http://schemas.openxmlformats.org/wordprocessingml/2006/main" saveSubsetFonts="1">
+<p:presentation xmlns:a="http://schemas.openxmlformats.org/drawingml/2006/main" xmlns:r="http://schemas.openxmlformats.org/officeDocument/2006/relationships" xmlns:p="http://schemas.openxmlformats.org/presentationml/2006/main">
   <p:sldMasterIdLst>
     <p:sldMasterId id="2147483648" r:id="rId1"/>
   </p:sldMasterIdLst>
   <p:sldIdLst>
     <p:sldId id="256" r:id="rId3"/>
+    <p:sldId id="257" r:id="rId4"/>
+    <p:sldId id="258" r:id="rId5"/>
+    <p:sldId id="259" r:id="rId6"/>
   </p:sldIdLst>
   <p:sldSz cx="12192000" cy="6858000"/>
   <p:notesSz cx="12192000" cy="6858000"/>
@@ -108,7 +111,7 @@
 </file>
 
 <file path=ppt/slideLayouts/slideLayout1.xml><?xml version="1.0" encoding="utf-8"?>
-<p:sldLayout xmlns:a="http://schemas.openxmlformats.org/drawingml/2006/main" xmlns:r="http://schemas.openxmlformats.org/officeDocument/2006/relationships" xmlns:p="http://schemas.openxmlformats.org/presentationml/2006/main" xmlns:m="http://schemas.openxmlformats.org/officeDocument/2006/math" xmlns:w="http://schemas.openxmlformats.org/wordprocessingml/2006/main" matchingName="" preserve="1" showMasterPhAnim="0" type="title" userDrawn="1">
+<p:sldLayout xmlns:a="http://schemas.openxmlformats.org/drawingml/2006/main" xmlns:r="http://schemas.openxmlformats.org/officeDocument/2006/relationships" xmlns:p="http://schemas.openxmlformats.org/presentationml/2006/main" type="title" preserve="1" showMasterPhAnim="0" userDrawn="1">
   <p:cSld name="Title Slide">
     <p:spTree>
       <p:nvGrpSpPr>
@@ -246,8 +249,7 @@
               <a:defRPr/>
             </a:pPr>
             <a:fld id="{BCC18F51-09EC-435C-A3BA-64A766E099C0}" type="datetimeFigureOut">
-              <a:rPr lang="zh-CN"/>
-              <a:t/>
+              <a:rPr lang="zh-CN" altLang="en-US"/>
             </a:fld>
             <a:endParaRPr lang="zh-CN"/>
           </a:p>
@@ -295,7 +297,6 @@
             </a:pPr>
             <a:fld id="{08395586-F03A-48D1-94DF-16B239DF4FB5}" type="slidenum">
               <a:rPr lang="zh-CN"/>
-              <a:t/>
             </a:fld>
             <a:endParaRPr lang="zh-CN"/>
           </a:p>
@@ -310,7 +311,7 @@
 </file>
 
 <file path=ppt/slideLayouts/slideLayout10.xml><?xml version="1.0" encoding="utf-8"?>
-<p:sldLayout xmlns:a="http://schemas.openxmlformats.org/drawingml/2006/main" xmlns:r="http://schemas.openxmlformats.org/officeDocument/2006/relationships" xmlns:p="http://schemas.openxmlformats.org/presentationml/2006/main" xmlns:m="http://schemas.openxmlformats.org/officeDocument/2006/math" xmlns:w="http://schemas.openxmlformats.org/wordprocessingml/2006/main" matchingName="" preserve="1" showMasterPhAnim="0" type="vertTx" userDrawn="1">
+<p:sldLayout xmlns:a="http://schemas.openxmlformats.org/drawingml/2006/main" xmlns:r="http://schemas.openxmlformats.org/officeDocument/2006/relationships" xmlns:p="http://schemas.openxmlformats.org/presentationml/2006/main" type="vertTx" preserve="1" showMasterPhAnim="0" userDrawn="1">
   <p:cSld name="Title and Vertical Text">
     <p:spTree>
       <p:nvGrpSpPr>
@@ -374,7 +375,7 @@
               <a:rPr lang="zh-CN"/>
               <a:t>Click to edit Master text styles</a:t>
             </a:r>
-            <a:endParaRPr/>
+            <a:endParaRPr lang="zh-CN"/>
           </a:p>
           <a:p>
             <a:pPr lvl="1">
@@ -384,7 +385,7 @@
               <a:rPr lang="zh-CN"/>
               <a:t>Second level</a:t>
             </a:r>
-            <a:endParaRPr/>
+            <a:endParaRPr lang="zh-CN"/>
           </a:p>
           <a:p>
             <a:pPr lvl="2">
@@ -394,7 +395,7 @@
               <a:rPr lang="zh-CN"/>
               <a:t>Third level</a:t>
             </a:r>
-            <a:endParaRPr/>
+            <a:endParaRPr lang="zh-CN"/>
           </a:p>
           <a:p>
             <a:pPr lvl="3">
@@ -404,7 +405,7 @@
               <a:rPr lang="zh-CN"/>
               <a:t>Fourth level</a:t>
             </a:r>
-            <a:endParaRPr/>
+            <a:endParaRPr lang="zh-CN"/>
           </a:p>
           <a:p>
             <a:pPr lvl="4">
@@ -437,8 +438,7 @@
               <a:defRPr/>
             </a:pPr>
             <a:fld id="{BCC18F51-09EC-435C-A3BA-64A766E099C0}" type="datetimeFigureOut">
-              <a:rPr lang="zh-CN"/>
-              <a:t/>
+              <a:rPr lang="zh-CN" altLang="en-US"/>
             </a:fld>
             <a:endParaRPr lang="zh-CN"/>
           </a:p>
@@ -486,7 +486,6 @@
             </a:pPr>
             <a:fld id="{08395586-F03A-48D1-94DF-16B239DF4FB5}" type="slidenum">
               <a:rPr lang="zh-CN"/>
-              <a:t/>
             </a:fld>
             <a:endParaRPr lang="zh-CN"/>
           </a:p>
@@ -501,7 +500,7 @@
 </file>
 
 <file path=ppt/slideLayouts/slideLayout11.xml><?xml version="1.0" encoding="utf-8"?>
-<p:sldLayout xmlns:a="http://schemas.openxmlformats.org/drawingml/2006/main" xmlns:r="http://schemas.openxmlformats.org/officeDocument/2006/relationships" xmlns:p="http://schemas.openxmlformats.org/presentationml/2006/main" xmlns:m="http://schemas.openxmlformats.org/officeDocument/2006/math" xmlns:w="http://schemas.openxmlformats.org/wordprocessingml/2006/main" matchingName="" preserve="1" showMasterPhAnim="0" type="vertTitleAndTx" userDrawn="1">
+<p:sldLayout xmlns:a="http://schemas.openxmlformats.org/drawingml/2006/main" xmlns:r="http://schemas.openxmlformats.org/officeDocument/2006/relationships" xmlns:p="http://schemas.openxmlformats.org/presentationml/2006/main" type="vertTitleAndTx" preserve="1" showMasterPhAnim="0" userDrawn="1">
   <p:cSld name="Vertical Title and Text">
     <p:spTree>
       <p:nvGrpSpPr>
@@ -575,7 +574,7 @@
               <a:rPr lang="zh-CN"/>
               <a:t>Click to edit Master text styles</a:t>
             </a:r>
-            <a:endParaRPr/>
+            <a:endParaRPr lang="zh-CN"/>
           </a:p>
           <a:p>
             <a:pPr lvl="1">
@@ -585,7 +584,7 @@
               <a:rPr lang="zh-CN"/>
               <a:t>Second level</a:t>
             </a:r>
-            <a:endParaRPr/>
+            <a:endParaRPr lang="zh-CN"/>
           </a:p>
           <a:p>
             <a:pPr lvl="2">
@@ -595,7 +594,7 @@
               <a:rPr lang="zh-CN"/>
               <a:t>Third level</a:t>
             </a:r>
-            <a:endParaRPr/>
+            <a:endParaRPr lang="zh-CN"/>
           </a:p>
           <a:p>
             <a:pPr lvl="3">
@@ -605,7 +604,7 @@
               <a:rPr lang="zh-CN"/>
               <a:t>Fourth level</a:t>
             </a:r>
-            <a:endParaRPr/>
+            <a:endParaRPr lang="zh-CN"/>
           </a:p>
           <a:p>
             <a:pPr lvl="4">
@@ -638,8 +637,7 @@
               <a:defRPr/>
             </a:pPr>
             <a:fld id="{BCC18F51-09EC-435C-A3BA-64A766E099C0}" type="datetimeFigureOut">
-              <a:rPr lang="zh-CN"/>
-              <a:t/>
+              <a:rPr lang="zh-CN" altLang="en-US"/>
             </a:fld>
             <a:endParaRPr lang="zh-CN"/>
           </a:p>
@@ -687,7 +685,6 @@
             </a:pPr>
             <a:fld id="{08395586-F03A-48D1-94DF-16B239DF4FB5}" type="slidenum">
               <a:rPr lang="zh-CN"/>
-              <a:t/>
             </a:fld>
             <a:endParaRPr lang="zh-CN"/>
           </a:p>
@@ -702,7 +699,7 @@
 </file>
 
 <file path=ppt/slideLayouts/slideLayout2.xml><?xml version="1.0" encoding="utf-8"?>
-<p:sldLayout xmlns:a="http://schemas.openxmlformats.org/drawingml/2006/main" xmlns:r="http://schemas.openxmlformats.org/officeDocument/2006/relationships" xmlns:p="http://schemas.openxmlformats.org/presentationml/2006/main" xmlns:m="http://schemas.openxmlformats.org/officeDocument/2006/math" xmlns:w="http://schemas.openxmlformats.org/wordprocessingml/2006/main" matchingName="" preserve="1" showMasterPhAnim="0" type="obj" userDrawn="1">
+<p:sldLayout xmlns:a="http://schemas.openxmlformats.org/drawingml/2006/main" xmlns:r="http://schemas.openxmlformats.org/officeDocument/2006/relationships" xmlns:p="http://schemas.openxmlformats.org/presentationml/2006/main" type="obj" preserve="1" showMasterPhAnim="0" userDrawn="1">
   <p:cSld name="Title and Content">
     <p:spTree>
       <p:nvGrpSpPr>
@@ -766,7 +763,7 @@
               <a:rPr lang="zh-CN"/>
               <a:t>Click to edit Master text styles</a:t>
             </a:r>
-            <a:endParaRPr/>
+            <a:endParaRPr lang="zh-CN"/>
           </a:p>
           <a:p>
             <a:pPr lvl="1">
@@ -776,7 +773,7 @@
               <a:rPr lang="zh-CN"/>
               <a:t>Second level</a:t>
             </a:r>
-            <a:endParaRPr/>
+            <a:endParaRPr lang="zh-CN"/>
           </a:p>
           <a:p>
             <a:pPr lvl="2">
@@ -786,7 +783,7 @@
               <a:rPr lang="zh-CN"/>
               <a:t>Third level</a:t>
             </a:r>
-            <a:endParaRPr/>
+            <a:endParaRPr lang="zh-CN"/>
           </a:p>
           <a:p>
             <a:pPr lvl="3">
@@ -796,7 +793,7 @@
               <a:rPr lang="zh-CN"/>
               <a:t>Fourth level</a:t>
             </a:r>
-            <a:endParaRPr/>
+            <a:endParaRPr lang="zh-CN"/>
           </a:p>
           <a:p>
             <a:pPr lvl="4">
@@ -829,8 +826,7 @@
               <a:defRPr/>
             </a:pPr>
             <a:fld id="{BCC18F51-09EC-435C-A3BA-64A766E099C0}" type="datetimeFigureOut">
-              <a:rPr lang="zh-CN"/>
-              <a:t/>
+              <a:rPr lang="zh-CN" altLang="en-US"/>
             </a:fld>
             <a:endParaRPr lang="zh-CN"/>
           </a:p>
@@ -878,7 +874,6 @@
             </a:pPr>
             <a:fld id="{08395586-F03A-48D1-94DF-16B239DF4FB5}" type="slidenum">
               <a:rPr lang="zh-CN"/>
-              <a:t/>
             </a:fld>
             <a:endParaRPr lang="zh-CN"/>
           </a:p>
@@ -893,7 +888,7 @@
 </file>
 
 <file path=ppt/slideLayouts/slideLayout3.xml><?xml version="1.0" encoding="utf-8"?>
-<p:sldLayout xmlns:a="http://schemas.openxmlformats.org/drawingml/2006/main" xmlns:r="http://schemas.openxmlformats.org/officeDocument/2006/relationships" xmlns:p="http://schemas.openxmlformats.org/presentationml/2006/main" xmlns:m="http://schemas.openxmlformats.org/officeDocument/2006/math" xmlns:w="http://schemas.openxmlformats.org/wordprocessingml/2006/main" matchingName="" preserve="1" showMasterPhAnim="0" type="secHead" userDrawn="1">
+<p:sldLayout xmlns:a="http://schemas.openxmlformats.org/drawingml/2006/main" xmlns:r="http://schemas.openxmlformats.org/officeDocument/2006/relationships" xmlns:p="http://schemas.openxmlformats.org/presentationml/2006/main" type="secHead" preserve="1" showMasterPhAnim="0" userDrawn="1">
   <p:cSld name="Section Header">
     <p:spTree>
       <p:nvGrpSpPr>
@@ -1062,7 +1057,7 @@
               <a:rPr lang="zh-CN"/>
               <a:t>Click to edit Master text styles</a:t>
             </a:r>
-            <a:endParaRPr/>
+            <a:endParaRPr lang="zh-CN"/>
           </a:p>
         </p:txBody>
       </p:sp>
@@ -1085,8 +1080,7 @@
               <a:defRPr/>
             </a:pPr>
             <a:fld id="{BCC18F51-09EC-435C-A3BA-64A766E099C0}" type="datetimeFigureOut">
-              <a:rPr lang="zh-CN"/>
-              <a:t/>
+              <a:rPr lang="zh-CN" altLang="en-US"/>
             </a:fld>
             <a:endParaRPr lang="zh-CN"/>
           </a:p>
@@ -1134,7 +1128,6 @@
             </a:pPr>
             <a:fld id="{08395586-F03A-48D1-94DF-16B239DF4FB5}" type="slidenum">
               <a:rPr lang="zh-CN"/>
-              <a:t/>
             </a:fld>
             <a:endParaRPr lang="zh-CN"/>
           </a:p>
@@ -1149,7 +1142,7 @@
 </file>
 
 <file path=ppt/slideLayouts/slideLayout4.xml><?xml version="1.0" encoding="utf-8"?>
-<p:sldLayout xmlns:a="http://schemas.openxmlformats.org/drawingml/2006/main" xmlns:r="http://schemas.openxmlformats.org/officeDocument/2006/relationships" xmlns:p="http://schemas.openxmlformats.org/presentationml/2006/main" xmlns:m="http://schemas.openxmlformats.org/officeDocument/2006/math" xmlns:w="http://schemas.openxmlformats.org/wordprocessingml/2006/main" matchingName="" preserve="1" showMasterPhAnim="0" type="twoObj" userDrawn="1">
+<p:sldLayout xmlns:a="http://schemas.openxmlformats.org/drawingml/2006/main" xmlns:r="http://schemas.openxmlformats.org/officeDocument/2006/relationships" xmlns:p="http://schemas.openxmlformats.org/presentationml/2006/main" type="twoObj" preserve="1" showMasterPhAnim="0" userDrawn="1">
   <p:cSld name="Two Content">
     <p:spTree>
       <p:nvGrpSpPr>
@@ -1218,7 +1211,7 @@
               <a:rPr lang="zh-CN"/>
               <a:t>Click to edit Master text styles</a:t>
             </a:r>
-            <a:endParaRPr/>
+            <a:endParaRPr lang="zh-CN"/>
           </a:p>
           <a:p>
             <a:pPr lvl="1">
@@ -1228,7 +1221,7 @@
               <a:rPr lang="zh-CN"/>
               <a:t>Second level</a:t>
             </a:r>
-            <a:endParaRPr/>
+            <a:endParaRPr lang="zh-CN"/>
           </a:p>
           <a:p>
             <a:pPr lvl="2">
@@ -1238,7 +1231,7 @@
               <a:rPr lang="zh-CN"/>
               <a:t>Third level</a:t>
             </a:r>
-            <a:endParaRPr/>
+            <a:endParaRPr lang="zh-CN"/>
           </a:p>
           <a:p>
             <a:pPr lvl="3">
@@ -1248,7 +1241,7 @@
               <a:rPr lang="zh-CN"/>
               <a:t>Fourth level</a:t>
             </a:r>
-            <a:endParaRPr/>
+            <a:endParaRPr lang="zh-CN"/>
           </a:p>
           <a:p>
             <a:pPr lvl="4">
@@ -1289,7 +1282,7 @@
               <a:rPr lang="zh-CN"/>
               <a:t>Click to edit Master text styles</a:t>
             </a:r>
-            <a:endParaRPr/>
+            <a:endParaRPr lang="zh-CN"/>
           </a:p>
           <a:p>
             <a:pPr lvl="1">
@@ -1299,7 +1292,7 @@
               <a:rPr lang="zh-CN"/>
               <a:t>Second level</a:t>
             </a:r>
-            <a:endParaRPr/>
+            <a:endParaRPr lang="zh-CN"/>
           </a:p>
           <a:p>
             <a:pPr lvl="2">
@@ -1309,7 +1302,7 @@
               <a:rPr lang="zh-CN"/>
               <a:t>Third level</a:t>
             </a:r>
-            <a:endParaRPr/>
+            <a:endParaRPr lang="zh-CN"/>
           </a:p>
           <a:p>
             <a:pPr lvl="3">
@@ -1319,7 +1312,7 @@
               <a:rPr lang="zh-CN"/>
               <a:t>Fourth level</a:t>
             </a:r>
-            <a:endParaRPr/>
+            <a:endParaRPr lang="zh-CN"/>
           </a:p>
           <a:p>
             <a:pPr lvl="4">
@@ -1352,8 +1345,7 @@
               <a:defRPr/>
             </a:pPr>
             <a:fld id="{BCC18F51-09EC-435C-A3BA-64A766E099C0}" type="datetimeFigureOut">
-              <a:rPr lang="zh-CN"/>
-              <a:t/>
+              <a:rPr lang="zh-CN" altLang="en-US"/>
             </a:fld>
             <a:endParaRPr lang="zh-CN"/>
           </a:p>
@@ -1401,7 +1393,6 @@
             </a:pPr>
             <a:fld id="{08395586-F03A-48D1-94DF-16B239DF4FB5}" type="slidenum">
               <a:rPr lang="zh-CN"/>
-              <a:t/>
             </a:fld>
             <a:endParaRPr lang="zh-CN"/>
           </a:p>
@@ -1416,7 +1407,7 @@
 </file>
 
 <file path=ppt/slideLayouts/slideLayout5.xml><?xml version="1.0" encoding="utf-8"?>
-<p:sldLayout xmlns:a="http://schemas.openxmlformats.org/drawingml/2006/main" xmlns:r="http://schemas.openxmlformats.org/officeDocument/2006/relationships" xmlns:p="http://schemas.openxmlformats.org/presentationml/2006/main" xmlns:m="http://schemas.openxmlformats.org/officeDocument/2006/math" xmlns:w="http://schemas.openxmlformats.org/wordprocessingml/2006/main" matchingName="" preserve="1" showMasterPhAnim="0" type="twoTxTwoObj" userDrawn="1">
+<p:sldLayout xmlns:a="http://schemas.openxmlformats.org/drawingml/2006/main" xmlns:r="http://schemas.openxmlformats.org/officeDocument/2006/relationships" xmlns:p="http://schemas.openxmlformats.org/presentationml/2006/main" type="twoTxTwoObj" preserve="1" showMasterPhAnim="0" userDrawn="1">
   <p:cSld name="Comparison">
     <p:spTree>
       <p:nvGrpSpPr>
@@ -1527,7 +1518,7 @@
               <a:rPr lang="zh-CN"/>
               <a:t>Click to edit Master text styles</a:t>
             </a:r>
-            <a:endParaRPr/>
+            <a:endParaRPr lang="zh-CN"/>
           </a:p>
         </p:txBody>
       </p:sp>
@@ -1558,7 +1549,7 @@
               <a:rPr lang="zh-CN"/>
               <a:t>Click to edit Master text styles</a:t>
             </a:r>
-            <a:endParaRPr/>
+            <a:endParaRPr lang="zh-CN"/>
           </a:p>
           <a:p>
             <a:pPr lvl="1">
@@ -1568,7 +1559,7 @@
               <a:rPr lang="zh-CN"/>
               <a:t>Second level</a:t>
             </a:r>
-            <a:endParaRPr/>
+            <a:endParaRPr lang="zh-CN"/>
           </a:p>
           <a:p>
             <a:pPr lvl="2">
@@ -1578,7 +1569,7 @@
               <a:rPr lang="zh-CN"/>
               <a:t>Third level</a:t>
             </a:r>
-            <a:endParaRPr/>
+            <a:endParaRPr lang="zh-CN"/>
           </a:p>
           <a:p>
             <a:pPr lvl="3">
@@ -1588,7 +1579,7 @@
               <a:rPr lang="zh-CN"/>
               <a:t>Fourth level</a:t>
             </a:r>
-            <a:endParaRPr/>
+            <a:endParaRPr lang="zh-CN"/>
           </a:p>
           <a:p>
             <a:pPr lvl="4">
@@ -1666,7 +1657,7 @@
               <a:rPr lang="zh-CN"/>
               <a:t>Click to edit Master text styles</a:t>
             </a:r>
-            <a:endParaRPr/>
+            <a:endParaRPr lang="zh-CN"/>
           </a:p>
         </p:txBody>
       </p:sp>
@@ -1697,7 +1688,7 @@
               <a:rPr lang="zh-CN"/>
               <a:t>Click to edit Master text styles</a:t>
             </a:r>
-            <a:endParaRPr/>
+            <a:endParaRPr lang="zh-CN"/>
           </a:p>
           <a:p>
             <a:pPr lvl="1">
@@ -1707,7 +1698,7 @@
               <a:rPr lang="zh-CN"/>
               <a:t>Second level</a:t>
             </a:r>
-            <a:endParaRPr/>
+            <a:endParaRPr lang="zh-CN"/>
           </a:p>
           <a:p>
             <a:pPr lvl="2">
@@ -1717,7 +1708,7 @@
               <a:rPr lang="zh-CN"/>
               <a:t>Third level</a:t>
             </a:r>
-            <a:endParaRPr/>
+            <a:endParaRPr lang="zh-CN"/>
           </a:p>
           <a:p>
             <a:pPr lvl="3">
@@ -1727,7 +1718,7 @@
               <a:rPr lang="zh-CN"/>
               <a:t>Fourth level</a:t>
             </a:r>
-            <a:endParaRPr/>
+            <a:endParaRPr lang="zh-CN"/>
           </a:p>
           <a:p>
             <a:pPr lvl="4">
@@ -1760,8 +1751,7 @@
               <a:defRPr/>
             </a:pPr>
             <a:fld id="{BCC18F51-09EC-435C-A3BA-64A766E099C0}" type="datetimeFigureOut">
-              <a:rPr lang="zh-CN"/>
-              <a:t/>
+              <a:rPr lang="zh-CN" altLang="en-US"/>
             </a:fld>
             <a:endParaRPr lang="zh-CN"/>
           </a:p>
@@ -1809,7 +1799,6 @@
             </a:pPr>
             <a:fld id="{08395586-F03A-48D1-94DF-16B239DF4FB5}" type="slidenum">
               <a:rPr lang="zh-CN"/>
-              <a:t/>
             </a:fld>
             <a:endParaRPr lang="zh-CN"/>
           </a:p>
@@ -1824,7 +1813,7 @@
 </file>
 
 <file path=ppt/slideLayouts/slideLayout6.xml><?xml version="1.0" encoding="utf-8"?>
-<p:sldLayout xmlns:a="http://schemas.openxmlformats.org/drawingml/2006/main" xmlns:r="http://schemas.openxmlformats.org/officeDocument/2006/relationships" xmlns:p="http://schemas.openxmlformats.org/presentationml/2006/main" xmlns:m="http://schemas.openxmlformats.org/officeDocument/2006/math" xmlns:w="http://schemas.openxmlformats.org/wordprocessingml/2006/main" matchingName="" preserve="1" showMasterPhAnim="0" type="titleOnly" userDrawn="1">
+<p:sldLayout xmlns:a="http://schemas.openxmlformats.org/drawingml/2006/main" xmlns:r="http://schemas.openxmlformats.org/officeDocument/2006/relationships" xmlns:p="http://schemas.openxmlformats.org/presentationml/2006/main" type="titleOnly" preserve="1" showMasterPhAnim="0" userDrawn="1">
   <p:cSld name="Title Only">
     <p:spTree>
       <p:nvGrpSpPr>
@@ -1885,8 +1874,7 @@
               <a:defRPr/>
             </a:pPr>
             <a:fld id="{BCC18F51-09EC-435C-A3BA-64A766E099C0}" type="datetimeFigureOut">
-              <a:rPr lang="zh-CN"/>
-              <a:t/>
+              <a:rPr lang="zh-CN" altLang="en-US"/>
             </a:fld>
             <a:endParaRPr lang="zh-CN"/>
           </a:p>
@@ -1934,7 +1922,6 @@
             </a:pPr>
             <a:fld id="{08395586-F03A-48D1-94DF-16B239DF4FB5}" type="slidenum">
               <a:rPr lang="zh-CN"/>
-              <a:t/>
             </a:fld>
             <a:endParaRPr lang="zh-CN"/>
           </a:p>
@@ -1949,7 +1936,7 @@
 </file>
 
 <file path=ppt/slideLayouts/slideLayout7.xml><?xml version="1.0" encoding="utf-8"?>
-<p:sldLayout xmlns:a="http://schemas.openxmlformats.org/drawingml/2006/main" xmlns:r="http://schemas.openxmlformats.org/officeDocument/2006/relationships" xmlns:p="http://schemas.openxmlformats.org/presentationml/2006/main" xmlns:m="http://schemas.openxmlformats.org/officeDocument/2006/math" xmlns:w="http://schemas.openxmlformats.org/wordprocessingml/2006/main" matchingName="" preserve="1" showMasterPhAnim="0" type="blank" userDrawn="1">
+<p:sldLayout xmlns:a="http://schemas.openxmlformats.org/drawingml/2006/main" xmlns:r="http://schemas.openxmlformats.org/officeDocument/2006/relationships" xmlns:p="http://schemas.openxmlformats.org/presentationml/2006/main" type="blank" preserve="1" showMasterPhAnim="0" userDrawn="1">
   <p:cSld name="Blank">
     <p:spTree>
       <p:nvGrpSpPr>
@@ -1984,8 +1971,7 @@
               <a:defRPr/>
             </a:pPr>
             <a:fld id="{BCC18F51-09EC-435C-A3BA-64A766E099C0}" type="datetimeFigureOut">
-              <a:rPr lang="zh-CN"/>
-              <a:t/>
+              <a:rPr lang="zh-CN" altLang="en-US"/>
             </a:fld>
             <a:endParaRPr lang="zh-CN"/>
           </a:p>
@@ -2033,7 +2019,6 @@
             </a:pPr>
             <a:fld id="{08395586-F03A-48D1-94DF-16B239DF4FB5}" type="slidenum">
               <a:rPr lang="zh-CN"/>
-              <a:t/>
             </a:fld>
             <a:endParaRPr lang="zh-CN"/>
           </a:p>
@@ -2048,7 +2033,7 @@
 </file>
 
 <file path=ppt/slideLayouts/slideLayout8.xml><?xml version="1.0" encoding="utf-8"?>
-<p:sldLayout xmlns:a="http://schemas.openxmlformats.org/drawingml/2006/main" xmlns:r="http://schemas.openxmlformats.org/officeDocument/2006/relationships" xmlns:p="http://schemas.openxmlformats.org/presentationml/2006/main" xmlns:m="http://schemas.openxmlformats.org/officeDocument/2006/math" xmlns:w="http://schemas.openxmlformats.org/wordprocessingml/2006/main" matchingName="" preserve="1" showMasterPhAnim="0" type="objTx" userDrawn="1">
+<p:sldLayout xmlns:a="http://schemas.openxmlformats.org/drawingml/2006/main" xmlns:r="http://schemas.openxmlformats.org/officeDocument/2006/relationships" xmlns:p="http://schemas.openxmlformats.org/presentationml/2006/main" type="objTx" preserve="1" showMasterPhAnim="0" userDrawn="1">
   <p:cSld name="Content with Caption">
     <p:spTree>
       <p:nvGrpSpPr>
@@ -2154,7 +2139,7 @@
               <a:rPr lang="zh-CN"/>
               <a:t>Click to edit Master text styles</a:t>
             </a:r>
-            <a:endParaRPr/>
+            <a:endParaRPr lang="zh-CN"/>
           </a:p>
           <a:p>
             <a:pPr lvl="1">
@@ -2164,7 +2149,7 @@
               <a:rPr lang="zh-CN"/>
               <a:t>Second level</a:t>
             </a:r>
-            <a:endParaRPr/>
+            <a:endParaRPr lang="zh-CN"/>
           </a:p>
           <a:p>
             <a:pPr lvl="2">
@@ -2174,7 +2159,7 @@
               <a:rPr lang="zh-CN"/>
               <a:t>Third level</a:t>
             </a:r>
-            <a:endParaRPr/>
+            <a:endParaRPr lang="zh-CN"/>
           </a:p>
           <a:p>
             <a:pPr lvl="3">
@@ -2184,7 +2169,7 @@
               <a:rPr lang="zh-CN"/>
               <a:t>Fourth level</a:t>
             </a:r>
-            <a:endParaRPr/>
+            <a:endParaRPr lang="zh-CN"/>
           </a:p>
           <a:p>
             <a:pPr lvl="4">
@@ -2262,7 +2247,7 @@
               <a:rPr lang="zh-CN"/>
               <a:t>Click to edit Master text styles</a:t>
             </a:r>
-            <a:endParaRPr/>
+            <a:endParaRPr lang="zh-CN"/>
           </a:p>
         </p:txBody>
       </p:sp>
@@ -2285,8 +2270,7 @@
               <a:defRPr/>
             </a:pPr>
             <a:fld id="{BCC18F51-09EC-435C-A3BA-64A766E099C0}" type="datetimeFigureOut">
-              <a:rPr lang="zh-CN"/>
-              <a:t/>
+              <a:rPr lang="zh-CN" altLang="en-US"/>
             </a:fld>
             <a:endParaRPr lang="zh-CN"/>
           </a:p>
@@ -2334,7 +2318,6 @@
             </a:pPr>
             <a:fld id="{08395586-F03A-48D1-94DF-16B239DF4FB5}" type="slidenum">
               <a:rPr lang="zh-CN"/>
-              <a:t/>
             </a:fld>
             <a:endParaRPr lang="zh-CN"/>
           </a:p>
@@ -2349,7 +2332,7 @@
 </file>
 
 <file path=ppt/slideLayouts/slideLayout9.xml><?xml version="1.0" encoding="utf-8"?>
-<p:sldLayout xmlns:a="http://schemas.openxmlformats.org/drawingml/2006/main" xmlns:r="http://schemas.openxmlformats.org/officeDocument/2006/relationships" xmlns:p="http://schemas.openxmlformats.org/presentationml/2006/main" xmlns:m="http://schemas.openxmlformats.org/officeDocument/2006/math" xmlns:w="http://schemas.openxmlformats.org/wordprocessingml/2006/main" matchingName="" preserve="1" showMasterPhAnim="0" type="picTx" userDrawn="1">
+<p:sldLayout xmlns:a="http://schemas.openxmlformats.org/drawingml/2006/main" xmlns:r="http://schemas.openxmlformats.org/officeDocument/2006/relationships" xmlns:p="http://schemas.openxmlformats.org/presentationml/2006/main" type="picTx" preserve="1" showMasterPhAnim="0" userDrawn="1">
   <p:cSld name="Picture with Caption">
     <p:spTree>
       <p:nvGrpSpPr>
@@ -2404,7 +2387,7 @@
         <p:nvSpPr>
           <p:cNvPr id="3" name="Picture Placeholder 2"/>
           <p:cNvSpPr>
-            <a:spLocks noChangeAspect="1" noGrp="1"/>
+            <a:spLocks noGrp="1" noChangeAspect="1"/>
           </p:cNvSpPr>
           <p:nvPr>
             <p:ph type="pic" idx="1"/>
@@ -2532,7 +2515,7 @@
               <a:rPr lang="zh-CN"/>
               <a:t>Click to edit Master text styles</a:t>
             </a:r>
-            <a:endParaRPr/>
+            <a:endParaRPr lang="zh-CN"/>
           </a:p>
         </p:txBody>
       </p:sp>
@@ -2555,8 +2538,7 @@
               <a:defRPr/>
             </a:pPr>
             <a:fld id="{BCC18F51-09EC-435C-A3BA-64A766E099C0}" type="datetimeFigureOut">
-              <a:rPr lang="zh-CN"/>
-              <a:t/>
+              <a:rPr lang="zh-CN" altLang="en-US"/>
             </a:fld>
             <a:endParaRPr lang="zh-CN"/>
           </a:p>
@@ -2604,7 +2586,6 @@
             </a:pPr>
             <a:fld id="{08395586-F03A-48D1-94DF-16B239DF4FB5}" type="slidenum">
               <a:rPr lang="zh-CN"/>
-              <a:t/>
             </a:fld>
             <a:endParaRPr lang="zh-CN"/>
           </a:p>
@@ -2619,8 +2600,8 @@
 </file>
 
 <file path=ppt/slideMasters/slideMaster1.xml><?xml version="1.0" encoding="utf-8"?>
-<p:sldMaster xmlns:a="http://schemas.openxmlformats.org/drawingml/2006/main" xmlns:r="http://schemas.openxmlformats.org/officeDocument/2006/relationships" xmlns:p="http://schemas.openxmlformats.org/presentationml/2006/main" xmlns:m="http://schemas.openxmlformats.org/officeDocument/2006/math" xmlns:w="http://schemas.openxmlformats.org/wordprocessingml/2006/main" preserve="0">
-  <p:cSld name="">
+<p:sldMaster xmlns:a="http://schemas.openxmlformats.org/drawingml/2006/main" xmlns:r="http://schemas.openxmlformats.org/officeDocument/2006/relationships" xmlns:p="http://schemas.openxmlformats.org/presentationml/2006/main">
+  <p:cSld>
     <p:bg>
       <p:bgRef idx="1001">
         <a:schemeClr val="bg1"/>
@@ -2708,7 +2689,7 @@
               <a:rPr lang="zh-CN"/>
               <a:t>Click to edit Master text styles</a:t>
             </a:r>
-            <a:endParaRPr/>
+            <a:endParaRPr lang="zh-CN"/>
           </a:p>
           <a:p>
             <a:pPr lvl="1">
@@ -2718,7 +2699,7 @@
               <a:rPr lang="zh-CN"/>
               <a:t>Second level</a:t>
             </a:r>
-            <a:endParaRPr/>
+            <a:endParaRPr lang="zh-CN"/>
           </a:p>
           <a:p>
             <a:pPr lvl="2">
@@ -2728,7 +2709,7 @@
               <a:rPr lang="zh-CN"/>
               <a:t>Third level</a:t>
             </a:r>
-            <a:endParaRPr/>
+            <a:endParaRPr lang="zh-CN"/>
           </a:p>
           <a:p>
             <a:pPr lvl="3">
@@ -2738,7 +2719,7 @@
               <a:rPr lang="zh-CN"/>
               <a:t>Fourth level</a:t>
             </a:r>
-            <a:endParaRPr/>
+            <a:endParaRPr lang="zh-CN"/>
           </a:p>
           <a:p>
             <a:pPr lvl="4">
@@ -2789,8 +2770,7 @@
               <a:defRPr/>
             </a:pPr>
             <a:fld id="{BCC18F51-09EC-435C-A3BA-64A766E099C0}" type="datetimeFigureOut">
-              <a:rPr lang="zh-CN"/>
-              <a:t/>
+              <a:rPr lang="zh-CN" altLang="en-US"/>
             </a:fld>
             <a:endParaRPr lang="zh-CN"/>
           </a:p>
@@ -2874,7 +2854,6 @@
             </a:pPr>
             <a:fld id="{08395586-F03A-48D1-94DF-16B239DF4FB5}" type="slidenum">
               <a:rPr lang="zh-CN"/>
-              <a:t/>
             </a:fld>
             <a:endParaRPr lang="zh-CN"/>
           </a:p>
@@ -2924,7 +2903,7 @@
         <a:spcBef>
           <a:spcPts val="1000"/>
         </a:spcBef>
-        <a:buFont typeface="Arial"/>
+        <a:buFont typeface="Arial" panose="020B0604020202020204"/>
         <a:buChar char="•"/>
         <a:defRPr sz="2800">
           <a:solidFill>
@@ -2942,7 +2921,7 @@
         <a:spcBef>
           <a:spcPts val="500"/>
         </a:spcBef>
-        <a:buFont typeface="Arial"/>
+        <a:buFont typeface="Arial" panose="020B0604020202020204"/>
         <a:buChar char="•"/>
         <a:defRPr sz="2400">
           <a:solidFill>
@@ -2960,7 +2939,7 @@
         <a:spcBef>
           <a:spcPts val="500"/>
         </a:spcBef>
-        <a:buFont typeface="Arial"/>
+        <a:buFont typeface="Arial" panose="020B0604020202020204"/>
         <a:buChar char="•"/>
         <a:defRPr sz="2000">
           <a:solidFill>
@@ -2978,7 +2957,7 @@
         <a:spcBef>
           <a:spcPts val="500"/>
         </a:spcBef>
-        <a:buFont typeface="Arial"/>
+        <a:buFont typeface="Arial" panose="020B0604020202020204"/>
         <a:buChar char="•"/>
         <a:defRPr sz="1800">
           <a:solidFill>
@@ -2996,7 +2975,7 @@
         <a:spcBef>
           <a:spcPts val="500"/>
         </a:spcBef>
-        <a:buFont typeface="Arial"/>
+        <a:buFont typeface="Arial" panose="020B0604020202020204"/>
         <a:buChar char="•"/>
         <a:defRPr sz="1800">
           <a:solidFill>
@@ -3014,7 +2993,7 @@
         <a:spcBef>
           <a:spcPts val="500"/>
         </a:spcBef>
-        <a:buFont typeface="Arial"/>
+        <a:buFont typeface="Arial" panose="020B0604020202020204"/>
         <a:buChar char="•"/>
         <a:defRPr sz="1800">
           <a:solidFill>
@@ -3032,7 +3011,7 @@
         <a:spcBef>
           <a:spcPts val="500"/>
         </a:spcBef>
-        <a:buFont typeface="Arial"/>
+        <a:buFont typeface="Arial" panose="020B0604020202020204"/>
         <a:buChar char="•"/>
         <a:defRPr sz="1800">
           <a:solidFill>
@@ -3050,7 +3029,7 @@
         <a:spcBef>
           <a:spcPts val="500"/>
         </a:spcBef>
-        <a:buFont typeface="Arial"/>
+        <a:buFont typeface="Arial" panose="020B0604020202020204"/>
         <a:buChar char="•"/>
         <a:defRPr sz="1800">
           <a:solidFill>
@@ -3068,7 +3047,7 @@
         <a:spcBef>
           <a:spcPts val="500"/>
         </a:spcBef>
-        <a:buFont typeface="Arial"/>
+        <a:buFont typeface="Arial" panose="020B0604020202020204"/>
         <a:buChar char="•"/>
         <a:defRPr sz="1800">
           <a:solidFill>
@@ -3180,8 +3159,8 @@
 </file>
 
 <file path=ppt/slides/slide1.xml><?xml version="1.0" encoding="utf-8"?>
-<p:sld xmlns:a="http://schemas.openxmlformats.org/drawingml/2006/main" xmlns:r="http://schemas.openxmlformats.org/officeDocument/2006/relationships" xmlns:p="http://schemas.openxmlformats.org/presentationml/2006/main" xmlns:m="http://schemas.openxmlformats.org/officeDocument/2006/math" xmlns:w="http://schemas.openxmlformats.org/wordprocessingml/2006/main" showMasterPhAnim="0" show="1">
-  <p:cSld name="">
+<p:sld xmlns:a="http://schemas.openxmlformats.org/drawingml/2006/main" xmlns:r="http://schemas.openxmlformats.org/officeDocument/2006/relationships" xmlns:p="http://schemas.openxmlformats.org/presentationml/2006/main" showMasterPhAnim="0">
+  <p:cSld>
     <p:spTree>
       <p:nvGrpSpPr>
         <p:cNvPr id="1" name=""/>
@@ -3206,9 +3185,16 @@
             <p:ph type="ctrTitle"/>
           </p:nvPr>
         </p:nvSpPr>
-        <p:spPr bwMode="auto"/>
-        <p:txBody>
-          <a:bodyPr/>
+        <p:spPr bwMode="auto">
+          <a:xfrm>
+            <a:off x="1524635" y="1427163"/>
+            <a:ext cx="9144000" cy="2387600"/>
+          </a:xfrm>
+        </p:spPr>
+        <p:txBody>
+          <a:bodyPr>
+            <a:normAutofit fontScale="90000"/>
+          </a:bodyPr>
           <a:lstStyle/>
           <a:p>
             <a:pPr>
@@ -3216,9 +3202,16 @@
             </a:pPr>
             <a:r>
               <a:rPr lang="en-US"/>
-              <a:t>Subverting</a:t>
-            </a:r>
-            <a:endParaRPr lang="zh-CN"/>
+              <a:t>Hiding Sensitive Information in Desensitized Voice</a:t>
+            </a:r>
+            <a:br>
+              <a:rPr lang="en-US"/>
+            </a:br>
+            <a:r>
+              <a:rPr lang="en-US"/>
+              <a:t>Sequences</a:t>
+            </a:r>
+            <a:endParaRPr lang="en-US"/>
           </a:p>
         </p:txBody>
       </p:sp>
@@ -3232,15 +3225,147 @@
             <p:ph type="subTitle" idx="1"/>
           </p:nvPr>
         </p:nvSpPr>
-        <p:spPr bwMode="auto"/>
-        <p:txBody>
-          <a:bodyPr/>
-          <a:lstStyle/>
-          <a:p>
-            <a:pPr>
-              <a:defRPr/>
-            </a:pPr>
-            <a:endParaRPr lang="zh-CN"/>
+        <p:spPr bwMode="auto">
+          <a:xfrm>
+            <a:off x="1113790" y="5601970"/>
+            <a:ext cx="9965055" cy="557530"/>
+          </a:xfrm>
+        </p:spPr>
+        <p:txBody>
+          <a:bodyPr/>
+          <a:lstStyle/>
+          <a:p>
+            <a:pPr>
+              <a:defRPr/>
+            </a:pPr>
+            <a:r>
+              <a:rPr lang="zh-CN"/>
+              <a:t>1</a:t>
+            </a:r>
+            <a:r>
+              <a:rPr lang="zh-CN" baseline="30000"/>
+              <a:t>st</a:t>
+            </a:r>
+            <a:r>
+              <a:rPr lang="zh-CN"/>
+              <a:t> Hai Huang, 2</a:t>
+            </a:r>
+            <a:r>
+              <a:rPr lang="zh-CN" baseline="30000"/>
+              <a:t>nd</a:t>
+            </a:r>
+            <a:r>
+              <a:rPr lang="zh-CN"/>
+              <a:t> Jingzhi Zhang, </a:t>
+            </a:r>
+            <a:r>
+              <a:rPr lang="zh-CN" i="1"/>
+              <a:t>3</a:t>
+            </a:r>
+            <a:r>
+              <a:rPr lang="zh-CN" i="1" baseline="30000"/>
+              <a:t>rd</a:t>
+            </a:r>
+            <a:r>
+              <a:rPr lang="zh-CN" i="1"/>
+              <a:t> Dixuan Chen, 4</a:t>
+            </a:r>
+            <a:r>
+              <a:rPr lang="zh-CN" i="1" baseline="30000"/>
+              <a:t>th</a:t>
+            </a:r>
+            <a:r>
+              <a:rPr lang="zh-CN" i="1"/>
+              <a:t> Hongyang Yan</a:t>
+            </a:r>
+            <a:endParaRPr lang="zh-CN" i="1"/>
+          </a:p>
+        </p:txBody>
+      </p:sp>
+      <p:sp>
+        <p:nvSpPr>
+          <p:cNvPr id="4" name="Text Box 3"/>
+          <p:cNvSpPr txBox="1"/>
+          <p:nvPr/>
+        </p:nvSpPr>
+        <p:spPr>
+          <a:xfrm rot="21060000">
+            <a:off x="1679575" y="882015"/>
+            <a:ext cx="3272155" cy="521970"/>
+          </a:xfrm>
+          <a:prstGeom prst="rect">
+            <a:avLst/>
+          </a:prstGeom>
+          <a:noFill/>
+        </p:spPr>
+        <p:txBody>
+          <a:bodyPr wrap="square" rtlCol="0">
+            <a:spAutoFit/>
+          </a:bodyPr>
+          <a:p>
+            <a:r>
+              <a:rPr lang="en-US" sz="2800"/>
+              <a:t>TALKING ABOUT...</a:t>
+            </a:r>
+            <a:endParaRPr lang="en-US" sz="2800"/>
+          </a:p>
+        </p:txBody>
+      </p:sp>
+      <p:sp>
+        <p:nvSpPr>
+          <p:cNvPr id="5" name="Text Box 4"/>
+          <p:cNvSpPr txBox="1"/>
+          <p:nvPr/>
+        </p:nvSpPr>
+        <p:spPr>
+          <a:xfrm>
+            <a:off x="2154555" y="4337685"/>
+            <a:ext cx="7882890" cy="368300"/>
+          </a:xfrm>
+          <a:prstGeom prst="rect">
+            <a:avLst/>
+          </a:prstGeom>
+          <a:noFill/>
+        </p:spPr>
+        <p:txBody>
+          <a:bodyPr wrap="square" rtlCol="0">
+            <a:spAutoFit/>
+          </a:bodyPr>
+          <a:p>
+            <a:r>
+              <a:rPr lang="en-US"/>
+              <a:t>School of Computer Science and Cyber Engineering, Guangzhou University</a:t>
+            </a:r>
+            <a:endParaRPr lang="en-US"/>
+          </a:p>
+        </p:txBody>
+      </p:sp>
+      <p:sp>
+        <p:nvSpPr>
+          <p:cNvPr id="6" name="Text Box 5"/>
+          <p:cNvSpPr txBox="1"/>
+          <p:nvPr/>
+        </p:nvSpPr>
+        <p:spPr>
+          <a:xfrm>
+            <a:off x="2154555" y="4705985"/>
+            <a:ext cx="7882890" cy="368300"/>
+          </a:xfrm>
+          <a:prstGeom prst="rect">
+            <a:avLst/>
+          </a:prstGeom>
+          <a:noFill/>
+        </p:spPr>
+        <p:txBody>
+          <a:bodyPr wrap="square" rtlCol="0">
+            <a:spAutoFit/>
+          </a:bodyPr>
+          <a:p>
+            <a:r>
+              <a:rPr lang="en-US" i="1"/>
+              <a:t>Institute of Artificial Intelligence and Blockchain, Guangzhou University</a:t>
+            </a:r>
+            <a:endParaRPr lang="en-US" i="1"/>
           </a:p>
         </p:txBody>
       </p:sp>
@@ -3251,17 +3376,622 @@
   </p:clrMapOvr>
   <mc:AlternateContent xmlns:mc="http://schemas.openxmlformats.org/markup-compatibility/2006">
     <mc:Choice xmlns:p14="http://schemas.microsoft.com/office/powerpoint/2010/main" Requires="p14">
-      <p:transition p14:dur="2000" advClick="1"/>
+      <p:transition p14:dur="2000"/>
     </mc:Choice>
     <mc:Fallback>
-      <p:transition advClick="1"/>
+      <p:transition/>
     </mc:Fallback>
   </mc:AlternateContent>
 </p:sld>
 </file>
 
+<file path=ppt/slides/slide2.xml><?xml version="1.0" encoding="utf-8"?>
+<p:sld xmlns:a="http://schemas.openxmlformats.org/drawingml/2006/main" xmlns:r="http://schemas.openxmlformats.org/officeDocument/2006/relationships" xmlns:p="http://schemas.openxmlformats.org/presentationml/2006/main">
+  <p:cSld>
+    <p:spTree>
+      <p:nvGrpSpPr>
+        <p:cNvPr id="1" name=""/>
+        <p:cNvGrpSpPr/>
+        <p:nvPr/>
+      </p:nvGrpSpPr>
+      <p:grpSpPr/>
+      <p:sp>
+        <p:nvSpPr>
+          <p:cNvPr id="2" name="Title 1"/>
+          <p:cNvSpPr>
+            <a:spLocks noGrp="1"/>
+          </p:cNvSpPr>
+          <p:nvPr>
+            <p:ph type="title"/>
+          </p:nvPr>
+        </p:nvSpPr>
+        <p:spPr>
+          <a:xfrm>
+            <a:off x="838200" y="374015"/>
+            <a:ext cx="10515600" cy="1325563"/>
+          </a:xfrm>
+        </p:spPr>
+        <p:txBody>
+          <a:bodyPr/>
+          <a:p>
+            <a:r>
+              <a:rPr lang="en-US"/>
+              <a:t>Voice-based services</a:t>
+            </a:r>
+            <a:endParaRPr lang="en-US"/>
+          </a:p>
+        </p:txBody>
+      </p:sp>
+      <p:sp>
+        <p:nvSpPr>
+          <p:cNvPr id="3" name="Content Placeholder 2"/>
+          <p:cNvSpPr>
+            <a:spLocks noGrp="1"/>
+          </p:cNvSpPr>
+          <p:nvPr>
+            <p:ph idx="1"/>
+          </p:nvPr>
+        </p:nvSpPr>
+        <p:spPr/>
+        <p:txBody>
+          <a:bodyPr>
+            <a:normAutofit lnSpcReduction="10000"/>
+          </a:bodyPr>
+          <a:p>
+            <a:r>
+              <a:rPr lang="en-US"/>
+              <a:t>Voice assistants</a:t>
+            </a:r>
+            <a:endParaRPr lang="en-US"/>
+          </a:p>
+          <a:p>
+            <a:pPr lvl="1"/>
+            <a:r>
+              <a:rPr lang="en-US" b="1"/>
+              <a:t>Apple</a:t>
+            </a:r>
+            <a:r>
+              <a:rPr lang="en-US"/>
+              <a:t> - Siri</a:t>
+            </a:r>
+            <a:endParaRPr lang="en-US"/>
+          </a:p>
+          <a:p>
+            <a:pPr lvl="1"/>
+            <a:r>
+              <a:rPr lang="en-US" b="1"/>
+              <a:t>Xiaomi</a:t>
+            </a:r>
+            <a:r>
+              <a:rPr lang="en-US"/>
+              <a:t> - Xiao Ai</a:t>
+            </a:r>
+            <a:endParaRPr lang="en-US"/>
+          </a:p>
+          <a:p>
+            <a:pPr lvl="1"/>
+            <a:r>
+              <a:rPr lang="en-US" b="1"/>
+              <a:t>Huawei </a:t>
+            </a:r>
+            <a:r>
+              <a:rPr lang="en-US"/>
+              <a:t>- Xiao Yi / Celia</a:t>
+            </a:r>
+            <a:endParaRPr lang="en-US"/>
+          </a:p>
+          <a:p>
+            <a:r>
+              <a:rPr lang="en-US"/>
+              <a:t>Voice-based input methods</a:t>
+            </a:r>
+            <a:endParaRPr lang="en-US"/>
+          </a:p>
+          <a:p>
+            <a:pPr lvl="1"/>
+            <a:r>
+              <a:rPr lang="en-US" sz="2400" b="1"/>
+              <a:t>iFlyTek </a:t>
+            </a:r>
+            <a:r>
+              <a:rPr lang="en-US" sz="2400"/>
+              <a:t>- Voice input / translation</a:t>
+            </a:r>
+            <a:endParaRPr lang="en-US"/>
+          </a:p>
+          <a:p>
+            <a:r>
+              <a:rPr lang="en-US"/>
+              <a:t>Biometric authentication</a:t>
+            </a:r>
+            <a:endParaRPr lang="en-US"/>
+          </a:p>
+          <a:p>
+            <a:pPr lvl="1"/>
+            <a:r>
+              <a:rPr lang="en-US" sz="2400" b="1"/>
+              <a:t>Apple </a:t>
+            </a:r>
+            <a:r>
+              <a:rPr lang="en-US" sz="2400"/>
+              <a:t>- Siri doesn’t respond to </a:t>
+            </a:r>
+            <a:r>
+              <a:rPr lang="en-US" sz="2400" i="1"/>
+              <a:t>anyone other than you</a:t>
+            </a:r>
+            <a:endParaRPr lang="en-US" i="1"/>
+          </a:p>
+          <a:p>
+            <a:r>
+              <a:rPr lang="en-US"/>
+              <a:t>IoT (</a:t>
+            </a:r>
+            <a:r>
+              <a:rPr lang="en-US" b="1"/>
+              <a:t>I</a:t>
+            </a:r>
+            <a:r>
+              <a:rPr lang="en-US"/>
+              <a:t>nternet </a:t>
+            </a:r>
+            <a:r>
+              <a:rPr lang="en-US" b="1"/>
+              <a:t>o</a:t>
+            </a:r>
+            <a:r>
+              <a:rPr lang="en-US"/>
+              <a:t>f </a:t>
+            </a:r>
+            <a:r>
+              <a:rPr lang="en-US" b="1"/>
+              <a:t>T</a:t>
+            </a:r>
+            <a:r>
+              <a:rPr lang="en-US"/>
+              <a:t>hings) devices</a:t>
+            </a:r>
+            <a:endParaRPr lang="en-US"/>
+          </a:p>
+          <a:p>
+            <a:pPr lvl="1"/>
+            <a:r>
+              <a:rPr lang="en-US"/>
+              <a:t>Voice-enabled door locks</a:t>
+            </a:r>
+            <a:endParaRPr lang="en-US"/>
+          </a:p>
+        </p:txBody>
+      </p:sp>
+      <p:pic>
+        <p:nvPicPr>
+          <p:cNvPr id="4" name="Picture 3"/>
+          <p:cNvPicPr>
+            <a:picLocks noChangeAspect="1"/>
+          </p:cNvPicPr>
+          <p:nvPr/>
+        </p:nvPicPr>
+        <p:blipFill>
+          <a:blip r:embed="rId1"/>
+          <a:stretch>
+            <a:fillRect/>
+          </a:stretch>
+        </p:blipFill>
+        <p:spPr>
+          <a:xfrm>
+            <a:off x="7668895" y="1941830"/>
+            <a:ext cx="986790" cy="564515"/>
+          </a:xfrm>
+          <a:prstGeom prst="rect">
+            <a:avLst/>
+          </a:prstGeom>
+        </p:spPr>
+      </p:pic>
+      <p:pic>
+        <p:nvPicPr>
+          <p:cNvPr id="5" name="Picture 4" descr="Screenshot_20230926_183931"/>
+          <p:cNvPicPr>
+            <a:picLocks noChangeAspect="1"/>
+          </p:cNvPicPr>
+          <p:nvPr/>
+        </p:nvPicPr>
+        <p:blipFill>
+          <a:blip r:embed="rId2"/>
+          <a:stretch>
+            <a:fillRect/>
+          </a:stretch>
+        </p:blipFill>
+        <p:spPr>
+          <a:xfrm>
+            <a:off x="7668895" y="2783205"/>
+            <a:ext cx="1708785" cy="585470"/>
+          </a:xfrm>
+          <a:prstGeom prst="rect">
+            <a:avLst/>
+          </a:prstGeom>
+        </p:spPr>
+      </p:pic>
+      <p:pic>
+        <p:nvPicPr>
+          <p:cNvPr id="6" name="Picture 5" descr="Screenshot_20230926_184332"/>
+          <p:cNvPicPr>
+            <a:picLocks noChangeAspect="1"/>
+          </p:cNvPicPr>
+          <p:nvPr/>
+        </p:nvPicPr>
+        <p:blipFill>
+          <a:blip r:embed="rId3"/>
+          <a:stretch>
+            <a:fillRect/>
+          </a:stretch>
+        </p:blipFill>
+        <p:spPr>
+          <a:xfrm>
+            <a:off x="9682480" y="1825625"/>
+            <a:ext cx="1504950" cy="1543050"/>
+          </a:xfrm>
+          <a:prstGeom prst="rect">
+            <a:avLst/>
+          </a:prstGeom>
+        </p:spPr>
+      </p:pic>
+    </p:spTree>
+  </p:cSld>
+  <p:clrMapOvr>
+    <a:masterClrMapping/>
+  </p:clrMapOvr>
+</p:sld>
+</file>
+
+<file path=ppt/slides/slide3.xml><?xml version="1.0" encoding="utf-8"?>
+<p:sld xmlns:a="http://schemas.openxmlformats.org/drawingml/2006/main" xmlns:r="http://schemas.openxmlformats.org/officeDocument/2006/relationships" xmlns:p="http://schemas.openxmlformats.org/presentationml/2006/main">
+  <p:cSld>
+    <p:spTree>
+      <p:nvGrpSpPr>
+        <p:cNvPr id="1" name=""/>
+        <p:cNvGrpSpPr/>
+        <p:nvPr/>
+      </p:nvGrpSpPr>
+      <p:grpSpPr/>
+      <p:sp>
+        <p:nvSpPr>
+          <p:cNvPr id="2" name="Title 1"/>
+          <p:cNvSpPr>
+            <a:spLocks noGrp="1"/>
+          </p:cNvSpPr>
+          <p:nvPr>
+            <p:ph type="title"/>
+          </p:nvPr>
+        </p:nvSpPr>
+        <p:spPr/>
+        <p:txBody>
+          <a:bodyPr/>
+          <a:p>
+            <a:r>
+              <a:rPr lang="en-US"/>
+              <a:t>Speaker recognition</a:t>
+            </a:r>
+            <a:endParaRPr lang="en-US"/>
+          </a:p>
+        </p:txBody>
+      </p:sp>
+      <p:sp>
+        <p:nvSpPr>
+          <p:cNvPr id="3" name="Content Placeholder 2"/>
+          <p:cNvSpPr>
+            <a:spLocks noGrp="1"/>
+          </p:cNvSpPr>
+          <p:nvPr>
+            <p:ph idx="1"/>
+          </p:nvPr>
+        </p:nvSpPr>
+        <p:spPr>
+          <a:xfrm>
+            <a:off x="838200" y="1825625"/>
+            <a:ext cx="5838825" cy="4351655"/>
+          </a:xfrm>
+        </p:spPr>
+        <p:txBody>
+          <a:bodyPr/>
+          <a:p>
+            <a:r>
+              <a:rPr lang="en-US"/>
+              <a:t>Speaker recognition is the </a:t>
+            </a:r>
+            <a:r>
+              <a:rPr lang="en-US" b="1"/>
+              <a:t>identification </a:t>
+            </a:r>
+            <a:r>
+              <a:rPr lang="en-US"/>
+              <a:t>of a person from characteristics of voices.</a:t>
+            </a:r>
+            <a:endParaRPr lang="en-US"/>
+          </a:p>
+          <a:p>
+            <a:r>
+              <a:rPr lang="en-US"/>
+              <a:t>We call it </a:t>
+            </a:r>
+            <a:r>
+              <a:rPr lang="en-US" b="1"/>
+              <a:t>voiceprint </a:t>
+            </a:r>
+            <a:r>
+              <a:rPr lang="en-US"/>
+              <a:t>in our work.</a:t>
+            </a:r>
+            <a:endParaRPr lang="en-US"/>
+          </a:p>
+          <a:p>
+            <a:r>
+              <a:rPr lang="en-US"/>
+              <a:t>“</a:t>
+            </a:r>
+            <a:r>
+              <a:rPr lang="en-US" b="1"/>
+              <a:t>distinctive</a:t>
+            </a:r>
+            <a:r>
+              <a:rPr lang="en-US"/>
+              <a:t>, </a:t>
+            </a:r>
+            <a:r>
+              <a:rPr lang="en-US" b="1"/>
+              <a:t>measurable </a:t>
+            </a:r>
+            <a:r>
+              <a:rPr lang="en-US"/>
+              <a:t>characteristics used to label and describe individuals” -- </a:t>
+            </a:r>
+            <a:r>
+              <a:rPr lang="en-US" i="1"/>
+              <a:t>Wikipedia (Biometrics)</a:t>
+            </a:r>
+            <a:endParaRPr lang="en-US" i="1"/>
+          </a:p>
+          <a:p>
+            <a:r>
+              <a:rPr lang="en-US"/>
+              <a:t>Voiceprint can be (mostly) easily acquired from many sources.</a:t>
+            </a:r>
+            <a:endParaRPr lang="en-US"/>
+          </a:p>
+        </p:txBody>
+      </p:sp>
+      <p:pic>
+        <p:nvPicPr>
+          <p:cNvPr id="5" name="Picture 4" descr="Screenshot_20230926_191329"/>
+          <p:cNvPicPr>
+            <a:picLocks noChangeAspect="1"/>
+          </p:cNvPicPr>
+          <p:nvPr/>
+        </p:nvPicPr>
+        <p:blipFill>
+          <a:blip r:embed="rId1"/>
+          <a:stretch>
+            <a:fillRect/>
+          </a:stretch>
+        </p:blipFill>
+        <p:spPr>
+          <a:xfrm>
+            <a:off x="7033895" y="712470"/>
+            <a:ext cx="4770120" cy="2265045"/>
+          </a:xfrm>
+          <a:prstGeom prst="rect">
+            <a:avLst/>
+          </a:prstGeom>
+        </p:spPr>
+      </p:pic>
+      <p:sp>
+        <p:nvSpPr>
+          <p:cNvPr id="6" name="Text Box 5"/>
+          <p:cNvSpPr txBox="1"/>
+          <p:nvPr/>
+        </p:nvSpPr>
+        <p:spPr>
+          <a:xfrm>
+            <a:off x="7033895" y="2977515"/>
+            <a:ext cx="4770755" cy="645160"/>
+          </a:xfrm>
+          <a:prstGeom prst="rect">
+            <a:avLst/>
+          </a:prstGeom>
+          <a:noFill/>
+        </p:spPr>
+        <p:txBody>
+          <a:bodyPr wrap="square" rtlCol="0">
+            <a:spAutoFit/>
+          </a:bodyPr>
+          <a:p>
+            <a:pPr algn="l"/>
+            <a:r>
+              <a:rPr lang="en-US"/>
+              <a:t>https://azure.microsoft.com/en-us/products/ai-services/speaker-recognition</a:t>
+            </a:r>
+            <a:endParaRPr lang="en-US"/>
+          </a:p>
+        </p:txBody>
+      </p:sp>
+      <p:pic>
+        <p:nvPicPr>
+          <p:cNvPr id="7" name="Picture 6" descr="Spectrogram-19thC"/>
+          <p:cNvPicPr>
+            <a:picLocks noChangeAspect="1"/>
+          </p:cNvPicPr>
+          <p:nvPr/>
+        </p:nvPicPr>
+        <p:blipFill>
+          <a:blip r:embed="rId2"/>
+          <a:stretch>
+            <a:fillRect/>
+          </a:stretch>
+        </p:blipFill>
+        <p:spPr>
+          <a:xfrm>
+            <a:off x="7033260" y="3622675"/>
+            <a:ext cx="4769485" cy="2480945"/>
+          </a:xfrm>
+          <a:prstGeom prst="rect">
+            <a:avLst/>
+          </a:prstGeom>
+        </p:spPr>
+      </p:pic>
+      <p:sp>
+        <p:nvSpPr>
+          <p:cNvPr id="8" name="Text Box 7"/>
+          <p:cNvSpPr txBox="1"/>
+          <p:nvPr/>
+        </p:nvSpPr>
+        <p:spPr>
+          <a:xfrm>
+            <a:off x="7033260" y="6103620"/>
+            <a:ext cx="2684780" cy="368300"/>
+          </a:xfrm>
+          <a:prstGeom prst="rect">
+            <a:avLst/>
+          </a:prstGeom>
+          <a:noFill/>
+        </p:spPr>
+        <p:txBody>
+          <a:bodyPr wrap="none" rtlCol="0">
+            <a:spAutoFit/>
+          </a:bodyPr>
+          <a:p>
+            <a:pPr algn="l"/>
+            <a:r>
+              <a:rPr lang="en-US"/>
+              <a:t>Wikipedia - Spectrogram</a:t>
+            </a:r>
+            <a:endParaRPr lang="en-US"/>
+          </a:p>
+        </p:txBody>
+      </p:sp>
+    </p:spTree>
+  </p:cSld>
+  <p:clrMapOvr>
+    <a:masterClrMapping/>
+  </p:clrMapOvr>
+</p:sld>
+</file>
+
+<file path=ppt/slides/slide4.xml><?xml version="1.0" encoding="utf-8"?>
+<p:sld xmlns:a="http://schemas.openxmlformats.org/drawingml/2006/main" xmlns:r="http://schemas.openxmlformats.org/officeDocument/2006/relationships" xmlns:p="http://schemas.openxmlformats.org/presentationml/2006/main">
+  <p:cSld>
+    <p:spTree>
+      <p:nvGrpSpPr>
+        <p:cNvPr id="1" name=""/>
+        <p:cNvGrpSpPr/>
+        <p:nvPr/>
+      </p:nvGrpSpPr>
+      <p:grpSpPr/>
+      <p:sp>
+        <p:nvSpPr>
+          <p:cNvPr id="2" name="Title 1"/>
+          <p:cNvSpPr>
+            <a:spLocks noGrp="1"/>
+          </p:cNvSpPr>
+          <p:nvPr>
+            <p:ph type="title"/>
+          </p:nvPr>
+        </p:nvSpPr>
+        <p:spPr/>
+        <p:txBody>
+          <a:bodyPr/>
+          <a:p>
+            <a:r>
+              <a:rPr lang="en-US"/>
+              <a:t>Privacy concerns</a:t>
+            </a:r>
+            <a:endParaRPr lang="en-US"/>
+          </a:p>
+        </p:txBody>
+      </p:sp>
+      <p:sp>
+        <p:nvSpPr>
+          <p:cNvPr id="3" name="Content Placeholder 2"/>
+          <p:cNvSpPr>
+            <a:spLocks noGrp="1"/>
+          </p:cNvSpPr>
+          <p:nvPr>
+            <p:ph idx="1"/>
+          </p:nvPr>
+        </p:nvSpPr>
+        <p:spPr>
+          <a:xfrm>
+            <a:off x="838200" y="1825625"/>
+            <a:ext cx="10515600" cy="1424940"/>
+          </a:xfrm>
+        </p:spPr>
+        <p:txBody>
+          <a:bodyPr>
+            <a:normAutofit lnSpcReduction="10000"/>
+          </a:bodyPr>
+          <a:p>
+            <a:r>
+              <a:rPr lang="en-US"/>
+              <a:t>A brief talk on phone, your identity is captured.</a:t>
+            </a:r>
+            <a:endParaRPr lang="en-US"/>
+          </a:p>
+          <a:p>
+            <a:r>
+              <a:rPr lang="en-US"/>
+              <a:t>A few words out aloud, vendors know who you are.</a:t>
+            </a:r>
+            <a:endParaRPr lang="en-US"/>
+          </a:p>
+          <a:p>
+            <a:r>
+              <a:rPr lang="en-US"/>
+              <a:t>A week or so later, scammers talk in </a:t>
+            </a:r>
+            <a:r>
+              <a:rPr lang="en-US" b="1"/>
+              <a:t>your </a:t>
+            </a:r>
+            <a:r>
+              <a:rPr lang="en-US"/>
+              <a:t>voice!</a:t>
+            </a:r>
+            <a:endParaRPr lang="en-US"/>
+          </a:p>
+        </p:txBody>
+      </p:sp>
+      <p:pic>
+        <p:nvPicPr>
+          <p:cNvPr id="4" name="Picture 3" descr="case2v3"/>
+          <p:cNvPicPr>
+            <a:picLocks noChangeAspect="1"/>
+          </p:cNvPicPr>
+          <p:nvPr/>
+        </p:nvPicPr>
+        <p:blipFill>
+          <a:blip r:embed="rId1"/>
+          <a:stretch>
+            <a:fillRect/>
+          </a:stretch>
+        </p:blipFill>
+        <p:spPr>
+          <a:xfrm>
+            <a:off x="838200" y="3385185"/>
+            <a:ext cx="5501005" cy="2893060"/>
+          </a:xfrm>
+          <a:prstGeom prst="rect">
+            <a:avLst/>
+          </a:prstGeom>
+        </p:spPr>
+      </p:pic>
+    </p:spTree>
+  </p:cSld>
+  <p:clrMapOvr>
+    <a:masterClrMapping/>
+  </p:clrMapOvr>
+</p:sld>
+</file>
+
 <file path=ppt/theme/theme1.xml><?xml version="1.0" encoding="utf-8"?>
-<a:theme xmlns:a="http://schemas.openxmlformats.org/drawingml/2006/main" xmlns:r="http://schemas.openxmlformats.org/officeDocument/2006/relationships" xmlns:p="http://schemas.openxmlformats.org/presentationml/2006/main" name="Office Theme">
+<a:theme xmlns:a="http://schemas.openxmlformats.org/drawingml/2006/main" name="Office Theme">
   <a:themeElements>
     <a:clrScheme name="New Office">
       <a:dk1>
@@ -3463,6 +4193,10 @@
       </a:bgFillStyleLst>
     </a:fmtScheme>
   </a:themeElements>
-  <a:objectDefaults/>
+  <a:extLst>
+    <a:ext uri="{05A4C25C-085E-4340-85A3-A5531E510DB2}">
+      <thm15:themeFamily xmlns:thm15="http://schemas.microsoft.com/office/thememl/2012/main" name="Office Theme" id="{62F939B6-93AF-4DB8-9C6B-D6C7DFDC589F}" vid="{4A3C46E8-61CC-4603-A589-7422A47A8E4A}"/>
+    </a:ext>
+  </a:extLst>
 </a:theme>
 </file>
--- a/pres.pptx
+++ b/pres.pptx
@@ -1,6 +1,6 @@
 
 <file path=ppt/presentation.xml><?xml version="1.0" encoding="utf-8"?>
-<p:presentation xmlns:a="http://schemas.openxmlformats.org/drawingml/2006/main" xmlns:r="http://schemas.openxmlformats.org/officeDocument/2006/relationships" xmlns:p="http://schemas.openxmlformats.org/presentationml/2006/main">
+<p:presentation xmlns:a="http://schemas.openxmlformats.org/drawingml/2006/main" xmlns:r="http://schemas.openxmlformats.org/officeDocument/2006/relationships" xmlns:p="http://schemas.openxmlformats.org/presentationml/2006/main" xmlns:m="http://schemas.openxmlformats.org/officeDocument/2006/math" xmlns:w="http://schemas.openxmlformats.org/wordprocessingml/2006/main">
   <p:sldMasterIdLst>
     <p:sldMasterId id="2147483648" r:id="rId1"/>
   </p:sldMasterIdLst>
@@ -9,6 +9,7 @@
     <p:sldId id="257" r:id="rId4"/>
     <p:sldId id="258" r:id="rId5"/>
     <p:sldId id="259" r:id="rId6"/>
+    <p:sldId id="260" r:id="rId7"/>
   </p:sldIdLst>
   <p:sldSz cx="12192000" cy="6858000"/>
   <p:notesSz cx="12192000" cy="6858000"/>
@@ -111,7 +112,7 @@
 </file>
 
 <file path=ppt/slideLayouts/slideLayout1.xml><?xml version="1.0" encoding="utf-8"?>
-<p:sldLayout xmlns:a="http://schemas.openxmlformats.org/drawingml/2006/main" xmlns:r="http://schemas.openxmlformats.org/officeDocument/2006/relationships" xmlns:p="http://schemas.openxmlformats.org/presentationml/2006/main" type="title" preserve="1" showMasterPhAnim="0" userDrawn="1">
+<p:sldLayout xmlns:a="http://schemas.openxmlformats.org/drawingml/2006/main" xmlns:r="http://schemas.openxmlformats.org/officeDocument/2006/relationships" xmlns:p="http://schemas.openxmlformats.org/presentationml/2006/main" xmlns:m="http://schemas.openxmlformats.org/officeDocument/2006/math" xmlns:w="http://schemas.openxmlformats.org/wordprocessingml/2006/main" matchingName="" preserve="1" showMasterPhAnim="0" type="title" userDrawn="1">
   <p:cSld name="Title Slide">
     <p:spTree>
       <p:nvGrpSpPr>
@@ -249,7 +250,8 @@
               <a:defRPr/>
             </a:pPr>
             <a:fld id="{BCC18F51-09EC-435C-A3BA-64A766E099C0}" type="datetimeFigureOut">
-              <a:rPr lang="zh-CN" altLang="en-US"/>
+              <a:rPr lang="zh-CN"/>
+              <a:t/>
             </a:fld>
             <a:endParaRPr lang="zh-CN"/>
           </a:p>
@@ -297,6 +299,7 @@
             </a:pPr>
             <a:fld id="{08395586-F03A-48D1-94DF-16B239DF4FB5}" type="slidenum">
               <a:rPr lang="zh-CN"/>
+              <a:t/>
             </a:fld>
             <a:endParaRPr lang="zh-CN"/>
           </a:p>
@@ -311,7 +314,7 @@
 </file>
 
 <file path=ppt/slideLayouts/slideLayout10.xml><?xml version="1.0" encoding="utf-8"?>
-<p:sldLayout xmlns:a="http://schemas.openxmlformats.org/drawingml/2006/main" xmlns:r="http://schemas.openxmlformats.org/officeDocument/2006/relationships" xmlns:p="http://schemas.openxmlformats.org/presentationml/2006/main" type="vertTx" preserve="1" showMasterPhAnim="0" userDrawn="1">
+<p:sldLayout xmlns:a="http://schemas.openxmlformats.org/drawingml/2006/main" xmlns:r="http://schemas.openxmlformats.org/officeDocument/2006/relationships" xmlns:p="http://schemas.openxmlformats.org/presentationml/2006/main" xmlns:m="http://schemas.openxmlformats.org/officeDocument/2006/math" xmlns:w="http://schemas.openxmlformats.org/wordprocessingml/2006/main" matchingName="" preserve="1" showMasterPhAnim="0" type="vertTx" userDrawn="1">
   <p:cSld name="Title and Vertical Text">
     <p:spTree>
       <p:nvGrpSpPr>
@@ -438,7 +441,8 @@
               <a:defRPr/>
             </a:pPr>
             <a:fld id="{BCC18F51-09EC-435C-A3BA-64A766E099C0}" type="datetimeFigureOut">
-              <a:rPr lang="zh-CN" altLang="en-US"/>
+              <a:rPr lang="zh-CN"/>
+              <a:t/>
             </a:fld>
             <a:endParaRPr lang="zh-CN"/>
           </a:p>
@@ -486,6 +490,7 @@
             </a:pPr>
             <a:fld id="{08395586-F03A-48D1-94DF-16B239DF4FB5}" type="slidenum">
               <a:rPr lang="zh-CN"/>
+              <a:t/>
             </a:fld>
             <a:endParaRPr lang="zh-CN"/>
           </a:p>
@@ -500,7 +505,7 @@
 </file>
 
 <file path=ppt/slideLayouts/slideLayout11.xml><?xml version="1.0" encoding="utf-8"?>
-<p:sldLayout xmlns:a="http://schemas.openxmlformats.org/drawingml/2006/main" xmlns:r="http://schemas.openxmlformats.org/officeDocument/2006/relationships" xmlns:p="http://schemas.openxmlformats.org/presentationml/2006/main" type="vertTitleAndTx" preserve="1" showMasterPhAnim="0" userDrawn="1">
+<p:sldLayout xmlns:a="http://schemas.openxmlformats.org/drawingml/2006/main" xmlns:r="http://schemas.openxmlformats.org/officeDocument/2006/relationships" xmlns:p="http://schemas.openxmlformats.org/presentationml/2006/main" xmlns:m="http://schemas.openxmlformats.org/officeDocument/2006/math" xmlns:w="http://schemas.openxmlformats.org/wordprocessingml/2006/main" matchingName="" preserve="1" showMasterPhAnim="0" type="vertTitleAndTx" userDrawn="1">
   <p:cSld name="Vertical Title and Text">
     <p:spTree>
       <p:nvGrpSpPr>
@@ -637,7 +642,8 @@
               <a:defRPr/>
             </a:pPr>
             <a:fld id="{BCC18F51-09EC-435C-A3BA-64A766E099C0}" type="datetimeFigureOut">
-              <a:rPr lang="zh-CN" altLang="en-US"/>
+              <a:rPr lang="zh-CN"/>
+              <a:t/>
             </a:fld>
             <a:endParaRPr lang="zh-CN"/>
           </a:p>
@@ -685,6 +691,7 @@
             </a:pPr>
             <a:fld id="{08395586-F03A-48D1-94DF-16B239DF4FB5}" type="slidenum">
               <a:rPr lang="zh-CN"/>
+              <a:t/>
             </a:fld>
             <a:endParaRPr lang="zh-CN"/>
           </a:p>
@@ -699,7 +706,7 @@
 </file>
 
 <file path=ppt/slideLayouts/slideLayout2.xml><?xml version="1.0" encoding="utf-8"?>
-<p:sldLayout xmlns:a="http://schemas.openxmlformats.org/drawingml/2006/main" xmlns:r="http://schemas.openxmlformats.org/officeDocument/2006/relationships" xmlns:p="http://schemas.openxmlformats.org/presentationml/2006/main" type="obj" preserve="1" showMasterPhAnim="0" userDrawn="1">
+<p:sldLayout xmlns:a="http://schemas.openxmlformats.org/drawingml/2006/main" xmlns:r="http://schemas.openxmlformats.org/officeDocument/2006/relationships" xmlns:p="http://schemas.openxmlformats.org/presentationml/2006/main" xmlns:m="http://schemas.openxmlformats.org/officeDocument/2006/math" xmlns:w="http://schemas.openxmlformats.org/wordprocessingml/2006/main" matchingName="" preserve="1" showMasterPhAnim="0" type="obj" userDrawn="1">
   <p:cSld name="Title and Content">
     <p:spTree>
       <p:nvGrpSpPr>
@@ -826,7 +833,8 @@
               <a:defRPr/>
             </a:pPr>
             <a:fld id="{BCC18F51-09EC-435C-A3BA-64A766E099C0}" type="datetimeFigureOut">
-              <a:rPr lang="zh-CN" altLang="en-US"/>
+              <a:rPr lang="zh-CN"/>
+              <a:t/>
             </a:fld>
             <a:endParaRPr lang="zh-CN"/>
           </a:p>
@@ -874,6 +882,7 @@
             </a:pPr>
             <a:fld id="{08395586-F03A-48D1-94DF-16B239DF4FB5}" type="slidenum">
               <a:rPr lang="zh-CN"/>
+              <a:t/>
             </a:fld>
             <a:endParaRPr lang="zh-CN"/>
           </a:p>
@@ -888,7 +897,7 @@
 </file>
 
 <file path=ppt/slideLayouts/slideLayout3.xml><?xml version="1.0" encoding="utf-8"?>
-<p:sldLayout xmlns:a="http://schemas.openxmlformats.org/drawingml/2006/main" xmlns:r="http://schemas.openxmlformats.org/officeDocument/2006/relationships" xmlns:p="http://schemas.openxmlformats.org/presentationml/2006/main" type="secHead" preserve="1" showMasterPhAnim="0" userDrawn="1">
+<p:sldLayout xmlns:a="http://schemas.openxmlformats.org/drawingml/2006/main" xmlns:r="http://schemas.openxmlformats.org/officeDocument/2006/relationships" xmlns:p="http://schemas.openxmlformats.org/presentationml/2006/main" xmlns:m="http://schemas.openxmlformats.org/officeDocument/2006/math" xmlns:w="http://schemas.openxmlformats.org/wordprocessingml/2006/main" matchingName="" preserve="1" showMasterPhAnim="0" type="secHead" userDrawn="1">
   <p:cSld name="Section Header">
     <p:spTree>
       <p:nvGrpSpPr>
@@ -1080,7 +1089,8 @@
               <a:defRPr/>
             </a:pPr>
             <a:fld id="{BCC18F51-09EC-435C-A3BA-64A766E099C0}" type="datetimeFigureOut">
-              <a:rPr lang="zh-CN" altLang="en-US"/>
+              <a:rPr lang="zh-CN"/>
+              <a:t/>
             </a:fld>
             <a:endParaRPr lang="zh-CN"/>
           </a:p>
@@ -1128,6 +1138,7 @@
             </a:pPr>
             <a:fld id="{08395586-F03A-48D1-94DF-16B239DF4FB5}" type="slidenum">
               <a:rPr lang="zh-CN"/>
+              <a:t/>
             </a:fld>
             <a:endParaRPr lang="zh-CN"/>
           </a:p>
@@ -1142,7 +1153,7 @@
 </file>
 
 <file path=ppt/slideLayouts/slideLayout4.xml><?xml version="1.0" encoding="utf-8"?>
-<p:sldLayout xmlns:a="http://schemas.openxmlformats.org/drawingml/2006/main" xmlns:r="http://schemas.openxmlformats.org/officeDocument/2006/relationships" xmlns:p="http://schemas.openxmlformats.org/presentationml/2006/main" type="twoObj" preserve="1" showMasterPhAnim="0" userDrawn="1">
+<p:sldLayout xmlns:a="http://schemas.openxmlformats.org/drawingml/2006/main" xmlns:r="http://schemas.openxmlformats.org/officeDocument/2006/relationships" xmlns:p="http://schemas.openxmlformats.org/presentationml/2006/main" xmlns:m="http://schemas.openxmlformats.org/officeDocument/2006/math" xmlns:w="http://schemas.openxmlformats.org/wordprocessingml/2006/main" matchingName="" preserve="1" showMasterPhAnim="0" type="twoObj" userDrawn="1">
   <p:cSld name="Two Content">
     <p:spTree>
       <p:nvGrpSpPr>
@@ -1345,7 +1356,8 @@
               <a:defRPr/>
             </a:pPr>
             <a:fld id="{BCC18F51-09EC-435C-A3BA-64A766E099C0}" type="datetimeFigureOut">
-              <a:rPr lang="zh-CN" altLang="en-US"/>
+              <a:rPr lang="zh-CN"/>
+              <a:t/>
             </a:fld>
             <a:endParaRPr lang="zh-CN"/>
           </a:p>
@@ -1393,6 +1405,7 @@
             </a:pPr>
             <a:fld id="{08395586-F03A-48D1-94DF-16B239DF4FB5}" type="slidenum">
               <a:rPr lang="zh-CN"/>
+              <a:t/>
             </a:fld>
             <a:endParaRPr lang="zh-CN"/>
           </a:p>
@@ -1407,7 +1420,7 @@
 </file>
 
 <file path=ppt/slideLayouts/slideLayout5.xml><?xml version="1.0" encoding="utf-8"?>
-<p:sldLayout xmlns:a="http://schemas.openxmlformats.org/drawingml/2006/main" xmlns:r="http://schemas.openxmlformats.org/officeDocument/2006/relationships" xmlns:p="http://schemas.openxmlformats.org/presentationml/2006/main" type="twoTxTwoObj" preserve="1" showMasterPhAnim="0" userDrawn="1">
+<p:sldLayout xmlns:a="http://schemas.openxmlformats.org/drawingml/2006/main" xmlns:r="http://schemas.openxmlformats.org/officeDocument/2006/relationships" xmlns:p="http://schemas.openxmlformats.org/presentationml/2006/main" xmlns:m="http://schemas.openxmlformats.org/officeDocument/2006/math" xmlns:w="http://schemas.openxmlformats.org/wordprocessingml/2006/main" matchingName="" preserve="1" showMasterPhAnim="0" type="twoTxTwoObj" userDrawn="1">
   <p:cSld name="Comparison">
     <p:spTree>
       <p:nvGrpSpPr>
@@ -1751,7 +1764,8 @@
               <a:defRPr/>
             </a:pPr>
             <a:fld id="{BCC18F51-09EC-435C-A3BA-64A766E099C0}" type="datetimeFigureOut">
-              <a:rPr lang="zh-CN" altLang="en-US"/>
+              <a:rPr lang="zh-CN"/>
+              <a:t/>
             </a:fld>
             <a:endParaRPr lang="zh-CN"/>
           </a:p>
@@ -1799,6 +1813,7 @@
             </a:pPr>
             <a:fld id="{08395586-F03A-48D1-94DF-16B239DF4FB5}" type="slidenum">
               <a:rPr lang="zh-CN"/>
+              <a:t/>
             </a:fld>
             <a:endParaRPr lang="zh-CN"/>
           </a:p>
@@ -1813,7 +1828,7 @@
 </file>
 
 <file path=ppt/slideLayouts/slideLayout6.xml><?xml version="1.0" encoding="utf-8"?>
-<p:sldLayout xmlns:a="http://schemas.openxmlformats.org/drawingml/2006/main" xmlns:r="http://schemas.openxmlformats.org/officeDocument/2006/relationships" xmlns:p="http://schemas.openxmlformats.org/presentationml/2006/main" type="titleOnly" preserve="1" showMasterPhAnim="0" userDrawn="1">
+<p:sldLayout xmlns:a="http://schemas.openxmlformats.org/drawingml/2006/main" xmlns:r="http://schemas.openxmlformats.org/officeDocument/2006/relationships" xmlns:p="http://schemas.openxmlformats.org/presentationml/2006/main" xmlns:m="http://schemas.openxmlformats.org/officeDocument/2006/math" xmlns:w="http://schemas.openxmlformats.org/wordprocessingml/2006/main" matchingName="" preserve="1" showMasterPhAnim="0" type="titleOnly" userDrawn="1">
   <p:cSld name="Title Only">
     <p:spTree>
       <p:nvGrpSpPr>
@@ -1874,7 +1889,8 @@
               <a:defRPr/>
             </a:pPr>
             <a:fld id="{BCC18F51-09EC-435C-A3BA-64A766E099C0}" type="datetimeFigureOut">
-              <a:rPr lang="zh-CN" altLang="en-US"/>
+              <a:rPr lang="zh-CN"/>
+              <a:t/>
             </a:fld>
             <a:endParaRPr lang="zh-CN"/>
           </a:p>
@@ -1922,6 +1938,7 @@
             </a:pPr>
             <a:fld id="{08395586-F03A-48D1-94DF-16B239DF4FB5}" type="slidenum">
               <a:rPr lang="zh-CN"/>
+              <a:t/>
             </a:fld>
             <a:endParaRPr lang="zh-CN"/>
           </a:p>
@@ -1936,7 +1953,7 @@
 </file>
 
 <file path=ppt/slideLayouts/slideLayout7.xml><?xml version="1.0" encoding="utf-8"?>
-<p:sldLayout xmlns:a="http://schemas.openxmlformats.org/drawingml/2006/main" xmlns:r="http://schemas.openxmlformats.org/officeDocument/2006/relationships" xmlns:p="http://schemas.openxmlformats.org/presentationml/2006/main" type="blank" preserve="1" showMasterPhAnim="0" userDrawn="1">
+<p:sldLayout xmlns:a="http://schemas.openxmlformats.org/drawingml/2006/main" xmlns:r="http://schemas.openxmlformats.org/officeDocument/2006/relationships" xmlns:p="http://schemas.openxmlformats.org/presentationml/2006/main" xmlns:m="http://schemas.openxmlformats.org/officeDocument/2006/math" xmlns:w="http://schemas.openxmlformats.org/wordprocessingml/2006/main" matchingName="" preserve="1" showMasterPhAnim="0" type="blank" userDrawn="1">
   <p:cSld name="Blank">
     <p:spTree>
       <p:nvGrpSpPr>
@@ -1971,7 +1988,8 @@
               <a:defRPr/>
             </a:pPr>
             <a:fld id="{BCC18F51-09EC-435C-A3BA-64A766E099C0}" type="datetimeFigureOut">
-              <a:rPr lang="zh-CN" altLang="en-US"/>
+              <a:rPr lang="zh-CN"/>
+              <a:t/>
             </a:fld>
             <a:endParaRPr lang="zh-CN"/>
           </a:p>
@@ -2019,6 +2037,7 @@
             </a:pPr>
             <a:fld id="{08395586-F03A-48D1-94DF-16B239DF4FB5}" type="slidenum">
               <a:rPr lang="zh-CN"/>
+              <a:t/>
             </a:fld>
             <a:endParaRPr lang="zh-CN"/>
           </a:p>
@@ -2033,7 +2052,7 @@
 </file>
 
 <file path=ppt/slideLayouts/slideLayout8.xml><?xml version="1.0" encoding="utf-8"?>
-<p:sldLayout xmlns:a="http://schemas.openxmlformats.org/drawingml/2006/main" xmlns:r="http://schemas.openxmlformats.org/officeDocument/2006/relationships" xmlns:p="http://schemas.openxmlformats.org/presentationml/2006/main" type="objTx" preserve="1" showMasterPhAnim="0" userDrawn="1">
+<p:sldLayout xmlns:a="http://schemas.openxmlformats.org/drawingml/2006/main" xmlns:r="http://schemas.openxmlformats.org/officeDocument/2006/relationships" xmlns:p="http://schemas.openxmlformats.org/presentationml/2006/main" xmlns:m="http://schemas.openxmlformats.org/officeDocument/2006/math" xmlns:w="http://schemas.openxmlformats.org/wordprocessingml/2006/main" matchingName="" preserve="1" showMasterPhAnim="0" type="objTx" userDrawn="1">
   <p:cSld name="Content with Caption">
     <p:spTree>
       <p:nvGrpSpPr>
@@ -2270,7 +2289,8 @@
               <a:defRPr/>
             </a:pPr>
             <a:fld id="{BCC18F51-09EC-435C-A3BA-64A766E099C0}" type="datetimeFigureOut">
-              <a:rPr lang="zh-CN" altLang="en-US"/>
+              <a:rPr lang="zh-CN"/>
+              <a:t/>
             </a:fld>
             <a:endParaRPr lang="zh-CN"/>
           </a:p>
@@ -2318,6 +2338,7 @@
             </a:pPr>
             <a:fld id="{08395586-F03A-48D1-94DF-16B239DF4FB5}" type="slidenum">
               <a:rPr lang="zh-CN"/>
+              <a:t/>
             </a:fld>
             <a:endParaRPr lang="zh-CN"/>
           </a:p>
@@ -2332,7 +2353,7 @@
 </file>
 
 <file path=ppt/slideLayouts/slideLayout9.xml><?xml version="1.0" encoding="utf-8"?>
-<p:sldLayout xmlns:a="http://schemas.openxmlformats.org/drawingml/2006/main" xmlns:r="http://schemas.openxmlformats.org/officeDocument/2006/relationships" xmlns:p="http://schemas.openxmlformats.org/presentationml/2006/main" type="picTx" preserve="1" showMasterPhAnim="0" userDrawn="1">
+<p:sldLayout xmlns:a="http://schemas.openxmlformats.org/drawingml/2006/main" xmlns:r="http://schemas.openxmlformats.org/officeDocument/2006/relationships" xmlns:p="http://schemas.openxmlformats.org/presentationml/2006/main" xmlns:m="http://schemas.openxmlformats.org/officeDocument/2006/math" xmlns:w="http://schemas.openxmlformats.org/wordprocessingml/2006/main" matchingName="" preserve="1" showMasterPhAnim="0" type="picTx" userDrawn="1">
   <p:cSld name="Picture with Caption">
     <p:spTree>
       <p:nvGrpSpPr>
@@ -2387,7 +2408,7 @@
         <p:nvSpPr>
           <p:cNvPr id="3" name="Picture Placeholder 2"/>
           <p:cNvSpPr>
-            <a:spLocks noGrp="1" noChangeAspect="1"/>
+            <a:spLocks noChangeAspect="1" noGrp="1"/>
           </p:cNvSpPr>
           <p:nvPr>
             <p:ph type="pic" idx="1"/>
@@ -2538,7 +2559,8 @@
               <a:defRPr/>
             </a:pPr>
             <a:fld id="{BCC18F51-09EC-435C-A3BA-64A766E099C0}" type="datetimeFigureOut">
-              <a:rPr lang="zh-CN" altLang="en-US"/>
+              <a:rPr lang="zh-CN"/>
+              <a:t/>
             </a:fld>
             <a:endParaRPr lang="zh-CN"/>
           </a:p>
@@ -2586,6 +2608,7 @@
             </a:pPr>
             <a:fld id="{08395586-F03A-48D1-94DF-16B239DF4FB5}" type="slidenum">
               <a:rPr lang="zh-CN"/>
+              <a:t/>
             </a:fld>
             <a:endParaRPr lang="zh-CN"/>
           </a:p>
@@ -2600,8 +2623,8 @@
 </file>
 
 <file path=ppt/slideMasters/slideMaster1.xml><?xml version="1.0" encoding="utf-8"?>
-<p:sldMaster xmlns:a="http://schemas.openxmlformats.org/drawingml/2006/main" xmlns:r="http://schemas.openxmlformats.org/officeDocument/2006/relationships" xmlns:p="http://schemas.openxmlformats.org/presentationml/2006/main">
-  <p:cSld>
+<p:sldMaster xmlns:a="http://schemas.openxmlformats.org/drawingml/2006/main" xmlns:r="http://schemas.openxmlformats.org/officeDocument/2006/relationships" xmlns:p="http://schemas.openxmlformats.org/presentationml/2006/main" xmlns:m="http://schemas.openxmlformats.org/officeDocument/2006/math" xmlns:w="http://schemas.openxmlformats.org/wordprocessingml/2006/main" preserve="0">
+  <p:cSld name="">
     <p:bg>
       <p:bgRef idx="1001">
         <a:schemeClr val="bg1"/>
@@ -2770,7 +2793,8 @@
               <a:defRPr/>
             </a:pPr>
             <a:fld id="{BCC18F51-09EC-435C-A3BA-64A766E099C0}" type="datetimeFigureOut">
-              <a:rPr lang="zh-CN" altLang="en-US"/>
+              <a:rPr lang="zh-CN"/>
+              <a:t/>
             </a:fld>
             <a:endParaRPr lang="zh-CN"/>
           </a:p>
@@ -2854,6 +2878,7 @@
             </a:pPr>
             <a:fld id="{08395586-F03A-48D1-94DF-16B239DF4FB5}" type="slidenum">
               <a:rPr lang="zh-CN"/>
+              <a:t/>
             </a:fld>
             <a:endParaRPr lang="zh-CN"/>
           </a:p>
@@ -2903,7 +2928,7 @@
         <a:spcBef>
           <a:spcPts val="1000"/>
         </a:spcBef>
-        <a:buFont typeface="Arial" panose="020B0604020202020204"/>
+        <a:buFont typeface="Arial"/>
         <a:buChar char="•"/>
         <a:defRPr sz="2800">
           <a:solidFill>
@@ -2921,7 +2946,7 @@
         <a:spcBef>
           <a:spcPts val="500"/>
         </a:spcBef>
-        <a:buFont typeface="Arial" panose="020B0604020202020204"/>
+        <a:buFont typeface="Arial"/>
         <a:buChar char="•"/>
         <a:defRPr sz="2400">
           <a:solidFill>
@@ -2939,7 +2964,7 @@
         <a:spcBef>
           <a:spcPts val="500"/>
         </a:spcBef>
-        <a:buFont typeface="Arial" panose="020B0604020202020204"/>
+        <a:buFont typeface="Arial"/>
         <a:buChar char="•"/>
         <a:defRPr sz="2000">
           <a:solidFill>
@@ -2957,7 +2982,7 @@
         <a:spcBef>
           <a:spcPts val="500"/>
         </a:spcBef>
-        <a:buFont typeface="Arial" panose="020B0604020202020204"/>
+        <a:buFont typeface="Arial"/>
         <a:buChar char="•"/>
         <a:defRPr sz="1800">
           <a:solidFill>
@@ -2975,7 +3000,7 @@
         <a:spcBef>
           <a:spcPts val="500"/>
         </a:spcBef>
-        <a:buFont typeface="Arial" panose="020B0604020202020204"/>
+        <a:buFont typeface="Arial"/>
         <a:buChar char="•"/>
         <a:defRPr sz="1800">
           <a:solidFill>
@@ -2993,7 +3018,7 @@
         <a:spcBef>
           <a:spcPts val="500"/>
         </a:spcBef>
-        <a:buFont typeface="Arial" panose="020B0604020202020204"/>
+        <a:buFont typeface="Arial"/>
         <a:buChar char="•"/>
         <a:defRPr sz="1800">
           <a:solidFill>
@@ -3011,7 +3036,7 @@
         <a:spcBef>
           <a:spcPts val="500"/>
         </a:spcBef>
-        <a:buFont typeface="Arial" panose="020B0604020202020204"/>
+        <a:buFont typeface="Arial"/>
         <a:buChar char="•"/>
         <a:defRPr sz="1800">
           <a:solidFill>
@@ -3029,7 +3054,7 @@
         <a:spcBef>
           <a:spcPts val="500"/>
         </a:spcBef>
-        <a:buFont typeface="Arial" panose="020B0604020202020204"/>
+        <a:buFont typeface="Arial"/>
         <a:buChar char="•"/>
         <a:defRPr sz="1800">
           <a:solidFill>
@@ -3047,7 +3072,7 @@
         <a:spcBef>
           <a:spcPts val="500"/>
         </a:spcBef>
-        <a:buFont typeface="Arial" panose="020B0604020202020204"/>
+        <a:buFont typeface="Arial"/>
         <a:buChar char="•"/>
         <a:defRPr sz="1800">
           <a:solidFill>
@@ -3159,8 +3184,8 @@
 </file>
 
 <file path=ppt/slides/slide1.xml><?xml version="1.0" encoding="utf-8"?>
-<p:sld xmlns:a="http://schemas.openxmlformats.org/drawingml/2006/main" xmlns:r="http://schemas.openxmlformats.org/officeDocument/2006/relationships" xmlns:p="http://schemas.openxmlformats.org/presentationml/2006/main" showMasterPhAnim="0">
-  <p:cSld>
+<p:sld xmlns:a="http://schemas.openxmlformats.org/drawingml/2006/main" xmlns:r="http://schemas.openxmlformats.org/officeDocument/2006/relationships" xmlns:p="http://schemas.openxmlformats.org/presentationml/2006/main" xmlns:m="http://schemas.openxmlformats.org/officeDocument/2006/math" xmlns:w="http://schemas.openxmlformats.org/wordprocessingml/2006/main" showMasterPhAnim="0" show="1">
+  <p:cSld name="">
     <p:spTree>
       <p:nvGrpSpPr>
         <p:cNvPr id="1" name=""/>
@@ -3288,10 +3313,10 @@
           <p:cNvSpPr txBox="1"/>
           <p:nvPr/>
         </p:nvSpPr>
-        <p:spPr>
-          <a:xfrm rot="21060000">
-            <a:off x="1679575" y="882015"/>
-            <a:ext cx="3272155" cy="521970"/>
+        <p:spPr bwMode="auto">
+          <a:xfrm rot="21060000" flipH="0" flipV="0">
+            <a:off x="1674767" y="823020"/>
+            <a:ext cx="4053761" cy="518519"/>
           </a:xfrm>
           <a:prstGeom prst="rect">
             <a:avLst/>
@@ -3303,6 +3328,9 @@
             <a:spAutoFit/>
           </a:bodyPr>
           <a:p>
+            <a:pPr>
+              <a:defRPr/>
+            </a:pPr>
             <a:r>
               <a:rPr lang="en-US" sz="2800"/>
               <a:t>TALKING ABOUT...</a:t>
@@ -3317,7 +3345,7 @@
           <p:cNvSpPr txBox="1"/>
           <p:nvPr/>
         </p:nvSpPr>
-        <p:spPr>
+        <p:spPr bwMode="auto">
           <a:xfrm>
             <a:off x="2154555" y="4337685"/>
             <a:ext cx="7882890" cy="368300"/>
@@ -3332,6 +3360,9 @@
             <a:spAutoFit/>
           </a:bodyPr>
           <a:p>
+            <a:pPr>
+              <a:defRPr/>
+            </a:pPr>
             <a:r>
               <a:rPr lang="en-US"/>
               <a:t>School of Computer Science and Cyber Engineering, Guangzhou University</a:t>
@@ -3346,7 +3377,7 @@
           <p:cNvSpPr txBox="1"/>
           <p:nvPr/>
         </p:nvSpPr>
-        <p:spPr>
+        <p:spPr bwMode="auto">
           <a:xfrm>
             <a:off x="2154555" y="4705985"/>
             <a:ext cx="7882890" cy="368300"/>
@@ -3361,6 +3392,9 @@
             <a:spAutoFit/>
           </a:bodyPr>
           <a:p>
+            <a:pPr>
+              <a:defRPr/>
+            </a:pPr>
             <a:r>
               <a:rPr lang="en-US" i="1"/>
               <a:t>Institute of Artificial Intelligence and Blockchain, Guangzhou University</a:t>
@@ -3376,25 +3410,32 @@
   </p:clrMapOvr>
   <mc:AlternateContent xmlns:mc="http://schemas.openxmlformats.org/markup-compatibility/2006">
     <mc:Choice xmlns:p14="http://schemas.microsoft.com/office/powerpoint/2010/main" Requires="p14">
-      <p:transition p14:dur="2000"/>
+      <p:transition p14:dur="2000" advClick="1"/>
     </mc:Choice>
     <mc:Fallback>
-      <p:transition/>
+      <p:transition advClick="1"/>
     </mc:Fallback>
   </mc:AlternateContent>
 </p:sld>
 </file>
 
 <file path=ppt/slides/slide2.xml><?xml version="1.0" encoding="utf-8"?>
-<p:sld xmlns:a="http://schemas.openxmlformats.org/drawingml/2006/main" xmlns:r="http://schemas.openxmlformats.org/officeDocument/2006/relationships" xmlns:p="http://schemas.openxmlformats.org/presentationml/2006/main">
-  <p:cSld>
+<p:sld xmlns:a="http://schemas.openxmlformats.org/drawingml/2006/main" xmlns:r="http://schemas.openxmlformats.org/officeDocument/2006/relationships" xmlns:p="http://schemas.openxmlformats.org/presentationml/2006/main" xmlns:m="http://schemas.openxmlformats.org/officeDocument/2006/math" xmlns:w="http://schemas.openxmlformats.org/wordprocessingml/2006/main" showMasterPhAnim="0" show="1">
+  <p:cSld name="">
     <p:spTree>
       <p:nvGrpSpPr>
         <p:cNvPr id="1" name=""/>
         <p:cNvGrpSpPr/>
         <p:nvPr/>
       </p:nvGrpSpPr>
-      <p:grpSpPr/>
+      <p:grpSpPr bwMode="auto">
+        <a:xfrm>
+          <a:off x="0" y="0"/>
+          <a:ext cx="0" cy="0"/>
+          <a:chOff x="0" y="0"/>
+          <a:chExt cx="0" cy="0"/>
+        </a:xfrm>
+      </p:grpSpPr>
       <p:sp>
         <p:nvSpPr>
           <p:cNvPr id="2" name="Title 1"/>
@@ -3405,7 +3446,7 @@
             <p:ph type="title"/>
           </p:nvPr>
         </p:nvSpPr>
-        <p:spPr>
+        <p:spPr bwMode="auto">
           <a:xfrm>
             <a:off x="838200" y="374015"/>
             <a:ext cx="10515600" cy="1325563"/>
@@ -3414,6 +3455,9 @@
         <p:txBody>
           <a:bodyPr/>
           <a:p>
+            <a:pPr>
+              <a:defRPr/>
+            </a:pPr>
             <a:r>
               <a:rPr lang="en-US"/>
               <a:t>Voice-based services</a:t>
@@ -3432,12 +3476,15 @@
             <p:ph idx="1"/>
           </p:nvPr>
         </p:nvSpPr>
-        <p:spPr/>
+        <p:spPr bwMode="auto"/>
         <p:txBody>
           <a:bodyPr>
             <a:normAutofit lnSpcReduction="10000"/>
           </a:bodyPr>
           <a:p>
+            <a:pPr>
+              <a:defRPr/>
+            </a:pPr>
             <a:r>
               <a:rPr lang="en-US"/>
               <a:t>Voice assistants</a:t>
@@ -3445,7 +3492,9 @@
             <a:endParaRPr lang="en-US"/>
           </a:p>
           <a:p>
-            <a:pPr lvl="1"/>
+            <a:pPr lvl="1">
+              <a:defRPr/>
+            </a:pPr>
             <a:r>
               <a:rPr lang="en-US" b="1"/>
               <a:t>Apple</a:t>
@@ -3457,7 +3506,9 @@
             <a:endParaRPr lang="en-US"/>
           </a:p>
           <a:p>
-            <a:pPr lvl="1"/>
+            <a:pPr lvl="1">
+              <a:defRPr/>
+            </a:pPr>
             <a:r>
               <a:rPr lang="en-US" b="1"/>
               <a:t>Xiaomi</a:t>
@@ -3469,7 +3520,9 @@
             <a:endParaRPr lang="en-US"/>
           </a:p>
           <a:p>
-            <a:pPr lvl="1"/>
+            <a:pPr lvl="1">
+              <a:defRPr/>
+            </a:pPr>
             <a:r>
               <a:rPr lang="en-US" b="1"/>
               <a:t>Huawei </a:t>
@@ -3481,6 +3534,9 @@
             <a:endParaRPr lang="en-US"/>
           </a:p>
           <a:p>
+            <a:pPr>
+              <a:defRPr/>
+            </a:pPr>
             <a:r>
               <a:rPr lang="en-US"/>
               <a:t>Voice-based input methods</a:t>
@@ -3488,7 +3544,9 @@
             <a:endParaRPr lang="en-US"/>
           </a:p>
           <a:p>
-            <a:pPr lvl="1"/>
+            <a:pPr lvl="1">
+              <a:defRPr/>
+            </a:pPr>
             <a:r>
               <a:rPr lang="en-US" sz="2400" b="1"/>
               <a:t>iFlyTek </a:t>
@@ -3500,6 +3558,9 @@
             <a:endParaRPr lang="en-US"/>
           </a:p>
           <a:p>
+            <a:pPr>
+              <a:defRPr/>
+            </a:pPr>
             <a:r>
               <a:rPr lang="en-US"/>
               <a:t>Biometric authentication</a:t>
@@ -3507,7 +3568,9 @@
             <a:endParaRPr lang="en-US"/>
           </a:p>
           <a:p>
-            <a:pPr lvl="1"/>
+            <a:pPr lvl="1">
+              <a:defRPr/>
+            </a:pPr>
             <a:r>
               <a:rPr lang="en-US" sz="2400" b="1"/>
               <a:t>Apple </a:t>
@@ -3523,6 +3586,9 @@
             <a:endParaRPr lang="en-US" i="1"/>
           </a:p>
           <a:p>
+            <a:pPr>
+              <a:defRPr/>
+            </a:pPr>
             <a:r>
               <a:rPr lang="en-US"/>
               <a:t>IoT (</a:t>
@@ -3554,7 +3620,9 @@
             <a:endParaRPr lang="en-US"/>
           </a:p>
           <a:p>
-            <a:pPr lvl="1"/>
+            <a:pPr lvl="1">
+              <a:defRPr/>
+            </a:pPr>
             <a:r>
               <a:rPr lang="en-US"/>
               <a:t>Voice-enabled door locks</a:t>
@@ -3572,12 +3640,10 @@
           <p:nvPr/>
         </p:nvPicPr>
         <p:blipFill>
-          <a:blip r:embed="rId1"/>
-          <a:stretch>
-            <a:fillRect/>
-          </a:stretch>
+          <a:blip r:embed="rId2"/>
+          <a:stretch/>
         </p:blipFill>
-        <p:spPr>
+        <p:spPr bwMode="auto">
           <a:xfrm>
             <a:off x="7668895" y="1941830"/>
             <a:ext cx="986790" cy="564515"/>
@@ -3596,12 +3662,10 @@
           <p:nvPr/>
         </p:nvPicPr>
         <p:blipFill>
-          <a:blip r:embed="rId2"/>
-          <a:stretch>
-            <a:fillRect/>
-          </a:stretch>
+          <a:blip r:embed="rId3"/>
+          <a:stretch/>
         </p:blipFill>
-        <p:spPr>
+        <p:spPr bwMode="auto">
           <a:xfrm>
             <a:off x="7668895" y="2783205"/>
             <a:ext cx="1708785" cy="585470"/>
@@ -3620,12 +3684,10 @@
           <p:nvPr/>
         </p:nvPicPr>
         <p:blipFill>
-          <a:blip r:embed="rId3"/>
-          <a:stretch>
-            <a:fillRect/>
-          </a:stretch>
+          <a:blip r:embed="rId4"/>
+          <a:stretch/>
         </p:blipFill>
-        <p:spPr>
+        <p:spPr bwMode="auto">
           <a:xfrm>
             <a:off x="9682480" y="1825625"/>
             <a:ext cx="1504950" cy="1543050"/>
@@ -3640,19 +3702,34 @@
   <p:clrMapOvr>
     <a:masterClrMapping/>
   </p:clrMapOvr>
+  <mc:AlternateContent xmlns:mc="http://schemas.openxmlformats.org/markup-compatibility/2006">
+    <mc:Choice xmlns:p14="http://schemas.microsoft.com/office/powerpoint/2010/main" Requires="p14">
+      <p:transition p14:dur="2000" advClick="1"/>
+    </mc:Choice>
+    <mc:Fallback>
+      <p:transition advClick="1"/>
+    </mc:Fallback>
+  </mc:AlternateContent>
 </p:sld>
 </file>
 
 <file path=ppt/slides/slide3.xml><?xml version="1.0" encoding="utf-8"?>
-<p:sld xmlns:a="http://schemas.openxmlformats.org/drawingml/2006/main" xmlns:r="http://schemas.openxmlformats.org/officeDocument/2006/relationships" xmlns:p="http://schemas.openxmlformats.org/presentationml/2006/main">
-  <p:cSld>
+<p:sld xmlns:a="http://schemas.openxmlformats.org/drawingml/2006/main" xmlns:r="http://schemas.openxmlformats.org/officeDocument/2006/relationships" xmlns:p="http://schemas.openxmlformats.org/presentationml/2006/main" xmlns:m="http://schemas.openxmlformats.org/officeDocument/2006/math" xmlns:w="http://schemas.openxmlformats.org/wordprocessingml/2006/main" showMasterPhAnim="0" show="1">
+  <p:cSld name="">
     <p:spTree>
       <p:nvGrpSpPr>
         <p:cNvPr id="1" name=""/>
         <p:cNvGrpSpPr/>
         <p:nvPr/>
       </p:nvGrpSpPr>
-      <p:grpSpPr/>
+      <p:grpSpPr bwMode="auto">
+        <a:xfrm>
+          <a:off x="0" y="0"/>
+          <a:ext cx="0" cy="0"/>
+          <a:chOff x="0" y="0"/>
+          <a:chExt cx="0" cy="0"/>
+        </a:xfrm>
+      </p:grpSpPr>
       <p:sp>
         <p:nvSpPr>
           <p:cNvPr id="2" name="Title 1"/>
@@ -3663,10 +3740,13 @@
             <p:ph type="title"/>
           </p:nvPr>
         </p:nvSpPr>
-        <p:spPr/>
-        <p:txBody>
-          <a:bodyPr/>
-          <a:p>
+        <p:spPr bwMode="auto"/>
+        <p:txBody>
+          <a:bodyPr/>
+          <a:p>
+            <a:pPr>
+              <a:defRPr/>
+            </a:pPr>
             <a:r>
               <a:rPr lang="en-US"/>
               <a:t>Speaker recognition</a:t>
@@ -3685,7 +3765,7 @@
             <p:ph idx="1"/>
           </p:nvPr>
         </p:nvSpPr>
-        <p:spPr>
+        <p:spPr bwMode="auto">
           <a:xfrm>
             <a:off x="838200" y="1825625"/>
             <a:ext cx="5838825" cy="4351655"/>
@@ -3694,6 +3774,9 @@
         <p:txBody>
           <a:bodyPr/>
           <a:p>
+            <a:pPr>
+              <a:defRPr/>
+            </a:pPr>
             <a:r>
               <a:rPr lang="en-US"/>
               <a:t>Speaker recognition is the </a:t>
@@ -3709,6 +3792,9 @@
             <a:endParaRPr lang="en-US"/>
           </a:p>
           <a:p>
+            <a:pPr>
+              <a:defRPr/>
+            </a:pPr>
             <a:r>
               <a:rPr lang="en-US"/>
               <a:t>We call it </a:t>
@@ -3724,6 +3810,9 @@
             <a:endParaRPr lang="en-US"/>
           </a:p>
           <a:p>
+            <a:pPr>
+              <a:defRPr/>
+            </a:pPr>
             <a:r>
               <a:rPr lang="en-US"/>
               <a:t>“</a:t>
@@ -3751,6 +3840,9 @@
             <a:endParaRPr lang="en-US" i="1"/>
           </a:p>
           <a:p>
+            <a:pPr>
+              <a:defRPr/>
+            </a:pPr>
             <a:r>
               <a:rPr lang="en-US"/>
               <a:t>Voiceprint can be (mostly) easily acquired from many sources.</a:t>
@@ -3768,12 +3860,10 @@
           <p:nvPr/>
         </p:nvPicPr>
         <p:blipFill>
-          <a:blip r:embed="rId1"/>
-          <a:stretch>
-            <a:fillRect/>
-          </a:stretch>
+          <a:blip r:embed="rId2"/>
+          <a:stretch/>
         </p:blipFill>
-        <p:spPr>
+        <p:spPr bwMode="auto">
           <a:xfrm>
             <a:off x="7033895" y="712470"/>
             <a:ext cx="4770120" cy="2265045"/>
@@ -3789,10 +3879,10 @@
           <p:cNvSpPr txBox="1"/>
           <p:nvPr/>
         </p:nvSpPr>
-        <p:spPr>
+        <p:spPr bwMode="auto">
           <a:xfrm>
             <a:off x="7033895" y="2977515"/>
-            <a:ext cx="4770755" cy="645160"/>
+            <a:ext cx="4770755" cy="645159"/>
           </a:xfrm>
           <a:prstGeom prst="rect">
             <a:avLst/>
@@ -3804,7 +3894,9 @@
             <a:spAutoFit/>
           </a:bodyPr>
           <a:p>
-            <a:pPr algn="l"/>
+            <a:pPr algn="l">
+              <a:defRPr/>
+            </a:pPr>
             <a:r>
               <a:rPr lang="en-US"/>
               <a:t>https://azure.microsoft.com/en-us/products/ai-services/speaker-recognition</a:t>
@@ -3822,12 +3914,10 @@
           <p:nvPr/>
         </p:nvPicPr>
         <p:blipFill>
-          <a:blip r:embed="rId2"/>
-          <a:stretch>
-            <a:fillRect/>
-          </a:stretch>
+          <a:blip r:embed="rId3"/>
+          <a:stretch/>
         </p:blipFill>
-        <p:spPr>
+        <p:spPr bwMode="auto">
           <a:xfrm>
             <a:off x="7033260" y="3622675"/>
             <a:ext cx="4769485" cy="2480945"/>
@@ -3843,7 +3933,7 @@
           <p:cNvSpPr txBox="1"/>
           <p:nvPr/>
         </p:nvSpPr>
-        <p:spPr>
+        <p:spPr bwMode="auto">
           <a:xfrm>
             <a:off x="7033260" y="6103620"/>
             <a:ext cx="2684780" cy="368300"/>
@@ -3858,7 +3948,9 @@
             <a:spAutoFit/>
           </a:bodyPr>
           <a:p>
-            <a:pPr algn="l"/>
+            <a:pPr algn="l">
+              <a:defRPr/>
+            </a:pPr>
             <a:r>
               <a:rPr lang="en-US"/>
               <a:t>Wikipedia - Spectrogram</a:t>
@@ -3872,19 +3964,34 @@
   <p:clrMapOvr>
     <a:masterClrMapping/>
   </p:clrMapOvr>
+  <mc:AlternateContent xmlns:mc="http://schemas.openxmlformats.org/markup-compatibility/2006">
+    <mc:Choice xmlns:p14="http://schemas.microsoft.com/office/powerpoint/2010/main" Requires="p14">
+      <p:transition p14:dur="2000" advClick="1"/>
+    </mc:Choice>
+    <mc:Fallback>
+      <p:transition advClick="1"/>
+    </mc:Fallback>
+  </mc:AlternateContent>
 </p:sld>
 </file>
 
 <file path=ppt/slides/slide4.xml><?xml version="1.0" encoding="utf-8"?>
-<p:sld xmlns:a="http://schemas.openxmlformats.org/drawingml/2006/main" xmlns:r="http://schemas.openxmlformats.org/officeDocument/2006/relationships" xmlns:p="http://schemas.openxmlformats.org/presentationml/2006/main">
-  <p:cSld>
+<p:sld xmlns:a="http://schemas.openxmlformats.org/drawingml/2006/main" xmlns:r="http://schemas.openxmlformats.org/officeDocument/2006/relationships" xmlns:p="http://schemas.openxmlformats.org/presentationml/2006/main" xmlns:m="http://schemas.openxmlformats.org/officeDocument/2006/math" xmlns:w="http://schemas.openxmlformats.org/wordprocessingml/2006/main" showMasterPhAnim="0" show="1">
+  <p:cSld name="">
     <p:spTree>
       <p:nvGrpSpPr>
         <p:cNvPr id="1" name=""/>
         <p:cNvGrpSpPr/>
         <p:nvPr/>
       </p:nvGrpSpPr>
-      <p:grpSpPr/>
+      <p:grpSpPr bwMode="auto">
+        <a:xfrm>
+          <a:off x="0" y="0"/>
+          <a:ext cx="0" cy="0"/>
+          <a:chOff x="0" y="0"/>
+          <a:chExt cx="0" cy="0"/>
+        </a:xfrm>
+      </p:grpSpPr>
       <p:sp>
         <p:nvSpPr>
           <p:cNvPr id="2" name="Title 1"/>
@@ -3895,13 +4002,16 @@
             <p:ph type="title"/>
           </p:nvPr>
         </p:nvSpPr>
-        <p:spPr/>
-        <p:txBody>
-          <a:bodyPr/>
-          <a:p>
+        <p:spPr bwMode="auto"/>
+        <p:txBody>
+          <a:bodyPr/>
+          <a:p>
+            <a:pPr>
+              <a:defRPr/>
+            </a:pPr>
             <a:r>
               <a:rPr lang="en-US"/>
-              <a:t>Privacy concerns</a:t>
+              <a:t>Privacy concerns arise!</a:t>
             </a:r>
             <a:endParaRPr lang="en-US"/>
           </a:p>
@@ -3917,17 +4027,20 @@
             <p:ph idx="1"/>
           </p:nvPr>
         </p:nvSpPr>
-        <p:spPr>
+        <p:spPr bwMode="auto">
           <a:xfrm>
             <a:off x="838200" y="1825625"/>
             <a:ext cx="10515600" cy="1424940"/>
           </a:xfrm>
         </p:spPr>
         <p:txBody>
-          <a:bodyPr>
-            <a:normAutofit lnSpcReduction="10000"/>
+          <a:bodyPr vertOverflow="overflow" horzOverflow="overflow" vert="horz" wrap="square" lIns="91440" tIns="45720" rIns="91440" bIns="45720" numCol="1" spcCol="0" rtlCol="0" fromWordArt="0" anchor="t" anchorCtr="0" forceAA="0" upright="0" compatLnSpc="0">
+            <a:normAutofit fontScale="95000" lnSpcReduction="1000"/>
           </a:bodyPr>
           <a:p>
+            <a:pPr>
+              <a:defRPr/>
+            </a:pPr>
             <a:r>
               <a:rPr lang="en-US"/>
               <a:t>A brief talk on phone, your identity is captured.</a:t>
@@ -3935,6 +4048,9 @@
             <a:endParaRPr lang="en-US"/>
           </a:p>
           <a:p>
+            <a:pPr>
+              <a:defRPr/>
+            </a:pPr>
             <a:r>
               <a:rPr lang="en-US"/>
               <a:t>A few words out aloud, vendors know who you are.</a:t>
@@ -3942,9 +4058,12 @@
             <a:endParaRPr lang="en-US"/>
           </a:p>
           <a:p>
+            <a:pPr>
+              <a:defRPr/>
+            </a:pPr>
             <a:r>
               <a:rPr lang="en-US"/>
-              <a:t>A week or so later, scammers talk in </a:t>
+              <a:t>A week or so later, criminals talk in </a:t>
             </a:r>
             <a:r>
               <a:rPr lang="en-US" b="1"/>
@@ -3967,12 +4086,10 @@
           <p:nvPr/>
         </p:nvPicPr>
         <p:blipFill>
-          <a:blip r:embed="rId1"/>
-          <a:stretch>
-            <a:fillRect/>
-          </a:stretch>
+          <a:blip r:embed="rId2"/>
+          <a:stretch/>
         </p:blipFill>
-        <p:spPr>
+        <p:spPr bwMode="auto">
           <a:xfrm>
             <a:off x="838200" y="3385185"/>
             <a:ext cx="5501005" cy="2893060"/>
@@ -3987,11 +4104,132 @@
   <p:clrMapOvr>
     <a:masterClrMapping/>
   </p:clrMapOvr>
+  <mc:AlternateContent xmlns:mc="http://schemas.openxmlformats.org/markup-compatibility/2006">
+    <mc:Choice xmlns:p14="http://schemas.microsoft.com/office/powerpoint/2010/main" Requires="p14">
+      <p:transition p14:dur="2000" advClick="1"/>
+    </mc:Choice>
+    <mc:Fallback>
+      <p:transition advClick="1"/>
+    </mc:Fallback>
+  </mc:AlternateContent>
+</p:sld>
+</file>
+
+<file path=ppt/slides/slide5.xml><?xml version="1.0" encoding="utf-8"?>
+<p:sld xmlns:a="http://schemas.openxmlformats.org/drawingml/2006/main" xmlns:r="http://schemas.openxmlformats.org/officeDocument/2006/relationships" xmlns:p="http://schemas.openxmlformats.org/presentationml/2006/main" xmlns:m="http://schemas.openxmlformats.org/officeDocument/2006/math" xmlns:w="http://schemas.openxmlformats.org/wordprocessingml/2006/main" showMasterPhAnim="0" show="1">
+  <p:cSld name="">
+    <p:spTree>
+      <p:nvGrpSpPr>
+        <p:cNvPr id="1" name=""/>
+        <p:cNvGrpSpPr/>
+        <p:nvPr/>
+      </p:nvGrpSpPr>
+      <p:grpSpPr bwMode="auto">
+        <a:xfrm>
+          <a:off x="0" y="0"/>
+          <a:ext cx="0" cy="0"/>
+          <a:chOff x="0" y="0"/>
+          <a:chExt cx="0" cy="0"/>
+        </a:xfrm>
+      </p:grpSpPr>
+      <p:sp>
+        <p:nvSpPr>
+          <p:cNvPr id="134445676" name="Title 1"/>
+          <p:cNvSpPr>
+            <a:spLocks noGrp="1"/>
+          </p:cNvSpPr>
+          <p:nvPr>
+            <p:ph type="title"/>
+          </p:nvPr>
+        </p:nvSpPr>
+        <p:spPr bwMode="auto"/>
+        <p:txBody>
+          <a:bodyPr/>
+          <a:lstStyle/>
+          <a:p>
+            <a:pPr>
+              <a:defRPr/>
+            </a:pPr>
+            <a:r>
+              <a:rPr lang="en-US"/>
+              <a:t>Removing private information</a:t>
+            </a:r>
+            <a:endParaRPr/>
+          </a:p>
+        </p:txBody>
+      </p:sp>
+      <p:sp>
+        <p:nvSpPr>
+          <p:cNvPr id="910500596" name="Content Placeholder 2"/>
+          <p:cNvSpPr>
+            <a:spLocks noGrp="1"/>
+          </p:cNvSpPr>
+          <p:nvPr>
+            <p:ph idx="1"/>
+          </p:nvPr>
+        </p:nvSpPr>
+        <p:spPr bwMode="auto"/>
+        <p:txBody>
+          <a:bodyPr/>
+          <a:lstStyle/>
+          <a:p>
+            <a:pPr>
+              <a:defRPr/>
+            </a:pPr>
+            <a:endParaRPr/>
+          </a:p>
+        </p:txBody>
+      </p:sp>
+      <p:sp>
+        <p:nvSpPr>
+          <p:cNvPr id="1601417306" name=""/>
+          <p:cNvSpPr txBox="1"/>
+          <p:nvPr/>
+        </p:nvSpPr>
+        <p:spPr bwMode="auto">
+          <a:xfrm flipH="0" flipV="0">
+            <a:off x="4204703" y="365124"/>
+            <a:ext cx="3782593" cy="396599"/>
+          </a:xfrm>
+          <a:prstGeom prst="rect">
+            <a:avLst/>
+          </a:prstGeom>
+          <a:noFill/>
+        </p:spPr>
+        <p:txBody>
+          <a:bodyPr vertOverflow="overflow" horzOverflow="overflow" vert="horz" wrap="none" lIns="91440" tIns="45720" rIns="91440" bIns="45720" numCol="1" spcCol="0" rtlCol="0" fromWordArt="0" anchor="t" anchorCtr="0" forceAA="0" upright="0" compatLnSpc="0">
+            <a:spAutoFit/>
+          </a:bodyPr>
+          <a:p>
+            <a:pPr>
+              <a:defRPr/>
+            </a:pPr>
+            <a:r>
+              <a:rPr lang="en-US" sz="2000" b="1" i="1"/>
+              <a:t>i.e. desensitization, sanitation</a:t>
+            </a:r>
+            <a:endParaRPr sz="2000" b="1" i="1"/>
+          </a:p>
+        </p:txBody>
+      </p:sp>
+    </p:spTree>
+  </p:cSld>
+  <p:clrMapOvr>
+    <a:masterClrMapping/>
+  </p:clrMapOvr>
+  <mc:AlternateContent xmlns:mc="http://schemas.openxmlformats.org/markup-compatibility/2006">
+    <mc:Choice xmlns:p14="http://schemas.microsoft.com/office/powerpoint/2010/main" Requires="p14">
+      <p:transition p14:dur="2000" advClick="1"/>
+    </mc:Choice>
+    <mc:Fallback>
+      <p:transition advClick="1"/>
+    </mc:Fallback>
+  </mc:AlternateContent>
 </p:sld>
 </file>
 
 <file path=ppt/theme/theme1.xml><?xml version="1.0" encoding="utf-8"?>
-<a:theme xmlns:a="http://schemas.openxmlformats.org/drawingml/2006/main" name="Office Theme">
+<a:theme xmlns:a="http://schemas.openxmlformats.org/drawingml/2006/main" xmlns:r="http://schemas.openxmlformats.org/officeDocument/2006/relationships" xmlns:p="http://schemas.openxmlformats.org/presentationml/2006/main" name="Office Theme">
   <a:themeElements>
     <a:clrScheme name="New Office">
       <a:dk1>
@@ -4193,10 +4431,6 @@
       </a:bgFillStyleLst>
     </a:fmtScheme>
   </a:themeElements>
-  <a:extLst>
-    <a:ext uri="{05A4C25C-085E-4340-85A3-A5531E510DB2}">
-      <thm15:themeFamily xmlns:thm15="http://schemas.microsoft.com/office/thememl/2012/main" name="Office Theme" id="{62F939B6-93AF-4DB8-9C6B-D6C7DFDC589F}" vid="{4A3C46E8-61CC-4603-A589-7422A47A8E4A}"/>
-    </a:ext>
-  </a:extLst>
+  <a:objectDefaults/>
 </a:theme>
 </file>
--- a/pres.pptx
+++ b/pres.pptx
@@ -1,6 +1,6 @@
 
 <file path=ppt/presentation.xml><?xml version="1.0" encoding="utf-8"?>
-<p:presentation xmlns:a="http://schemas.openxmlformats.org/drawingml/2006/main" xmlns:r="http://schemas.openxmlformats.org/officeDocument/2006/relationships" xmlns:p="http://schemas.openxmlformats.org/presentationml/2006/main" xmlns:m="http://schemas.openxmlformats.org/officeDocument/2006/math" xmlns:w="http://schemas.openxmlformats.org/wordprocessingml/2006/main">
+<p:presentation xmlns:a="http://schemas.openxmlformats.org/drawingml/2006/main" xmlns:r="http://schemas.openxmlformats.org/officeDocument/2006/relationships" xmlns:p="http://schemas.openxmlformats.org/presentationml/2006/main">
   <p:sldMasterIdLst>
     <p:sldMasterId id="2147483648" r:id="rId1"/>
   </p:sldMasterIdLst>
@@ -8,8 +8,9 @@
     <p:sldId id="256" r:id="rId3"/>
     <p:sldId id="257" r:id="rId4"/>
     <p:sldId id="258" r:id="rId5"/>
-    <p:sldId id="259" r:id="rId6"/>
-    <p:sldId id="260" r:id="rId7"/>
+    <p:sldId id="261" r:id="rId6"/>
+    <p:sldId id="259" r:id="rId7"/>
+    <p:sldId id="260" r:id="rId8"/>
   </p:sldIdLst>
   <p:sldSz cx="12192000" cy="6858000"/>
   <p:notesSz cx="12192000" cy="6858000"/>
@@ -111,8 +112,14 @@
 </p:presentation>
 </file>
 
+<file path=ppt/commentAuthors.xml><?xml version="1.0" encoding="utf-8"?>
+<p:cmAuthorLst xmlns:a="http://schemas.openxmlformats.org/drawingml/2006/main" xmlns:r="http://schemas.openxmlformats.org/officeDocument/2006/relationships" xmlns:p="http://schemas.openxmlformats.org/presentationml/2006/main">
+  <p:cmAuthor id="1" name="konqi" initials="k" lastIdx="1" clrIdx="0"/>
+</p:cmAuthorLst>
+</file>
+
 <file path=ppt/slideLayouts/slideLayout1.xml><?xml version="1.0" encoding="utf-8"?>
-<p:sldLayout xmlns:a="http://schemas.openxmlformats.org/drawingml/2006/main" xmlns:r="http://schemas.openxmlformats.org/officeDocument/2006/relationships" xmlns:p="http://schemas.openxmlformats.org/presentationml/2006/main" xmlns:m="http://schemas.openxmlformats.org/officeDocument/2006/math" xmlns:w="http://schemas.openxmlformats.org/wordprocessingml/2006/main" matchingName="" preserve="1" showMasterPhAnim="0" type="title" userDrawn="1">
+<p:sldLayout xmlns:a="http://schemas.openxmlformats.org/drawingml/2006/main" xmlns:r="http://schemas.openxmlformats.org/officeDocument/2006/relationships" xmlns:p="http://schemas.openxmlformats.org/presentationml/2006/main" type="title" preserve="1" showMasterPhAnim="0" userDrawn="1">
   <p:cSld name="Title Slide">
     <p:spTree>
       <p:nvGrpSpPr>
@@ -250,8 +257,7 @@
               <a:defRPr/>
             </a:pPr>
             <a:fld id="{BCC18F51-09EC-435C-A3BA-64A766E099C0}" type="datetimeFigureOut">
-              <a:rPr lang="zh-CN"/>
-              <a:t/>
+              <a:rPr lang="zh-CN" altLang="en-US"/>
             </a:fld>
             <a:endParaRPr lang="zh-CN"/>
           </a:p>
@@ -299,7 +305,6 @@
             </a:pPr>
             <a:fld id="{08395586-F03A-48D1-94DF-16B239DF4FB5}" type="slidenum">
               <a:rPr lang="zh-CN"/>
-              <a:t/>
             </a:fld>
             <a:endParaRPr lang="zh-CN"/>
           </a:p>
@@ -314,7 +319,7 @@
 </file>
 
 <file path=ppt/slideLayouts/slideLayout10.xml><?xml version="1.0" encoding="utf-8"?>
-<p:sldLayout xmlns:a="http://schemas.openxmlformats.org/drawingml/2006/main" xmlns:r="http://schemas.openxmlformats.org/officeDocument/2006/relationships" xmlns:p="http://schemas.openxmlformats.org/presentationml/2006/main" xmlns:m="http://schemas.openxmlformats.org/officeDocument/2006/math" xmlns:w="http://schemas.openxmlformats.org/wordprocessingml/2006/main" matchingName="" preserve="1" showMasterPhAnim="0" type="vertTx" userDrawn="1">
+<p:sldLayout xmlns:a="http://schemas.openxmlformats.org/drawingml/2006/main" xmlns:r="http://schemas.openxmlformats.org/officeDocument/2006/relationships" xmlns:p="http://schemas.openxmlformats.org/presentationml/2006/main" type="vertTx" preserve="1" showMasterPhAnim="0" userDrawn="1">
   <p:cSld name="Title and Vertical Text">
     <p:spTree>
       <p:nvGrpSpPr>
@@ -441,8 +446,7 @@
               <a:defRPr/>
             </a:pPr>
             <a:fld id="{BCC18F51-09EC-435C-A3BA-64A766E099C0}" type="datetimeFigureOut">
-              <a:rPr lang="zh-CN"/>
-              <a:t/>
+              <a:rPr lang="zh-CN" altLang="en-US"/>
             </a:fld>
             <a:endParaRPr lang="zh-CN"/>
           </a:p>
@@ -490,7 +494,6 @@
             </a:pPr>
             <a:fld id="{08395586-F03A-48D1-94DF-16B239DF4FB5}" type="slidenum">
               <a:rPr lang="zh-CN"/>
-              <a:t/>
             </a:fld>
             <a:endParaRPr lang="zh-CN"/>
           </a:p>
@@ -505,7 +508,7 @@
 </file>
 
 <file path=ppt/slideLayouts/slideLayout11.xml><?xml version="1.0" encoding="utf-8"?>
-<p:sldLayout xmlns:a="http://schemas.openxmlformats.org/drawingml/2006/main" xmlns:r="http://schemas.openxmlformats.org/officeDocument/2006/relationships" xmlns:p="http://schemas.openxmlformats.org/presentationml/2006/main" xmlns:m="http://schemas.openxmlformats.org/officeDocument/2006/math" xmlns:w="http://schemas.openxmlformats.org/wordprocessingml/2006/main" matchingName="" preserve="1" showMasterPhAnim="0" type="vertTitleAndTx" userDrawn="1">
+<p:sldLayout xmlns:a="http://schemas.openxmlformats.org/drawingml/2006/main" xmlns:r="http://schemas.openxmlformats.org/officeDocument/2006/relationships" xmlns:p="http://schemas.openxmlformats.org/presentationml/2006/main" type="vertTitleAndTx" preserve="1" showMasterPhAnim="0" userDrawn="1">
   <p:cSld name="Vertical Title and Text">
     <p:spTree>
       <p:nvGrpSpPr>
@@ -642,8 +645,7 @@
               <a:defRPr/>
             </a:pPr>
             <a:fld id="{BCC18F51-09EC-435C-A3BA-64A766E099C0}" type="datetimeFigureOut">
-              <a:rPr lang="zh-CN"/>
-              <a:t/>
+              <a:rPr lang="zh-CN" altLang="en-US"/>
             </a:fld>
             <a:endParaRPr lang="zh-CN"/>
           </a:p>
@@ -691,7 +693,6 @@
             </a:pPr>
             <a:fld id="{08395586-F03A-48D1-94DF-16B239DF4FB5}" type="slidenum">
               <a:rPr lang="zh-CN"/>
-              <a:t/>
             </a:fld>
             <a:endParaRPr lang="zh-CN"/>
           </a:p>
@@ -706,7 +707,7 @@
 </file>
 
 <file path=ppt/slideLayouts/slideLayout2.xml><?xml version="1.0" encoding="utf-8"?>
-<p:sldLayout xmlns:a="http://schemas.openxmlformats.org/drawingml/2006/main" xmlns:r="http://schemas.openxmlformats.org/officeDocument/2006/relationships" xmlns:p="http://schemas.openxmlformats.org/presentationml/2006/main" xmlns:m="http://schemas.openxmlformats.org/officeDocument/2006/math" xmlns:w="http://schemas.openxmlformats.org/wordprocessingml/2006/main" matchingName="" preserve="1" showMasterPhAnim="0" type="obj" userDrawn="1">
+<p:sldLayout xmlns:a="http://schemas.openxmlformats.org/drawingml/2006/main" xmlns:r="http://schemas.openxmlformats.org/officeDocument/2006/relationships" xmlns:p="http://schemas.openxmlformats.org/presentationml/2006/main" type="obj" preserve="1" showMasterPhAnim="0" userDrawn="1">
   <p:cSld name="Title and Content">
     <p:spTree>
       <p:nvGrpSpPr>
@@ -833,8 +834,7 @@
               <a:defRPr/>
             </a:pPr>
             <a:fld id="{BCC18F51-09EC-435C-A3BA-64A766E099C0}" type="datetimeFigureOut">
-              <a:rPr lang="zh-CN"/>
-              <a:t/>
+              <a:rPr lang="zh-CN" altLang="en-US"/>
             </a:fld>
             <a:endParaRPr lang="zh-CN"/>
           </a:p>
@@ -882,7 +882,6 @@
             </a:pPr>
             <a:fld id="{08395586-F03A-48D1-94DF-16B239DF4FB5}" type="slidenum">
               <a:rPr lang="zh-CN"/>
-              <a:t/>
             </a:fld>
             <a:endParaRPr lang="zh-CN"/>
           </a:p>
@@ -897,7 +896,7 @@
 </file>
 
 <file path=ppt/slideLayouts/slideLayout3.xml><?xml version="1.0" encoding="utf-8"?>
-<p:sldLayout xmlns:a="http://schemas.openxmlformats.org/drawingml/2006/main" xmlns:r="http://schemas.openxmlformats.org/officeDocument/2006/relationships" xmlns:p="http://schemas.openxmlformats.org/presentationml/2006/main" xmlns:m="http://schemas.openxmlformats.org/officeDocument/2006/math" xmlns:w="http://schemas.openxmlformats.org/wordprocessingml/2006/main" matchingName="" preserve="1" showMasterPhAnim="0" type="secHead" userDrawn="1">
+<p:sldLayout xmlns:a="http://schemas.openxmlformats.org/drawingml/2006/main" xmlns:r="http://schemas.openxmlformats.org/officeDocument/2006/relationships" xmlns:p="http://schemas.openxmlformats.org/presentationml/2006/main" type="secHead" preserve="1" showMasterPhAnim="0" userDrawn="1">
   <p:cSld name="Section Header">
     <p:spTree>
       <p:nvGrpSpPr>
@@ -1089,8 +1088,7 @@
               <a:defRPr/>
             </a:pPr>
             <a:fld id="{BCC18F51-09EC-435C-A3BA-64A766E099C0}" type="datetimeFigureOut">
-              <a:rPr lang="zh-CN"/>
-              <a:t/>
+              <a:rPr lang="zh-CN" altLang="en-US"/>
             </a:fld>
             <a:endParaRPr lang="zh-CN"/>
           </a:p>
@@ -1138,7 +1136,6 @@
             </a:pPr>
             <a:fld id="{08395586-F03A-48D1-94DF-16B239DF4FB5}" type="slidenum">
               <a:rPr lang="zh-CN"/>
-              <a:t/>
             </a:fld>
             <a:endParaRPr lang="zh-CN"/>
           </a:p>
@@ -1153,7 +1150,7 @@
 </file>
 
 <file path=ppt/slideLayouts/slideLayout4.xml><?xml version="1.0" encoding="utf-8"?>
-<p:sldLayout xmlns:a="http://schemas.openxmlformats.org/drawingml/2006/main" xmlns:r="http://schemas.openxmlformats.org/officeDocument/2006/relationships" xmlns:p="http://schemas.openxmlformats.org/presentationml/2006/main" xmlns:m="http://schemas.openxmlformats.org/officeDocument/2006/math" xmlns:w="http://schemas.openxmlformats.org/wordprocessingml/2006/main" matchingName="" preserve="1" showMasterPhAnim="0" type="twoObj" userDrawn="1">
+<p:sldLayout xmlns:a="http://schemas.openxmlformats.org/drawingml/2006/main" xmlns:r="http://schemas.openxmlformats.org/officeDocument/2006/relationships" xmlns:p="http://schemas.openxmlformats.org/presentationml/2006/main" type="twoObj" preserve="1" showMasterPhAnim="0" userDrawn="1">
   <p:cSld name="Two Content">
     <p:spTree>
       <p:nvGrpSpPr>
@@ -1356,8 +1353,7 @@
               <a:defRPr/>
             </a:pPr>
             <a:fld id="{BCC18F51-09EC-435C-A3BA-64A766E099C0}" type="datetimeFigureOut">
-              <a:rPr lang="zh-CN"/>
-              <a:t/>
+              <a:rPr lang="zh-CN" altLang="en-US"/>
             </a:fld>
             <a:endParaRPr lang="zh-CN"/>
           </a:p>
@@ -1405,7 +1401,6 @@
             </a:pPr>
             <a:fld id="{08395586-F03A-48D1-94DF-16B239DF4FB5}" type="slidenum">
               <a:rPr lang="zh-CN"/>
-              <a:t/>
             </a:fld>
             <a:endParaRPr lang="zh-CN"/>
           </a:p>
@@ -1420,7 +1415,7 @@
 </file>
 
 <file path=ppt/slideLayouts/slideLayout5.xml><?xml version="1.0" encoding="utf-8"?>
-<p:sldLayout xmlns:a="http://schemas.openxmlformats.org/drawingml/2006/main" xmlns:r="http://schemas.openxmlformats.org/officeDocument/2006/relationships" xmlns:p="http://schemas.openxmlformats.org/presentationml/2006/main" xmlns:m="http://schemas.openxmlformats.org/officeDocument/2006/math" xmlns:w="http://schemas.openxmlformats.org/wordprocessingml/2006/main" matchingName="" preserve="1" showMasterPhAnim="0" type="twoTxTwoObj" userDrawn="1">
+<p:sldLayout xmlns:a="http://schemas.openxmlformats.org/drawingml/2006/main" xmlns:r="http://schemas.openxmlformats.org/officeDocument/2006/relationships" xmlns:p="http://schemas.openxmlformats.org/presentationml/2006/main" type="twoTxTwoObj" preserve="1" showMasterPhAnim="0" userDrawn="1">
   <p:cSld name="Comparison">
     <p:spTree>
       <p:nvGrpSpPr>
@@ -1764,8 +1759,7 @@
               <a:defRPr/>
             </a:pPr>
             <a:fld id="{BCC18F51-09EC-435C-A3BA-64A766E099C0}" type="datetimeFigureOut">
-              <a:rPr lang="zh-CN"/>
-              <a:t/>
+              <a:rPr lang="zh-CN" altLang="en-US"/>
             </a:fld>
             <a:endParaRPr lang="zh-CN"/>
           </a:p>
@@ -1813,7 +1807,6 @@
             </a:pPr>
             <a:fld id="{08395586-F03A-48D1-94DF-16B239DF4FB5}" type="slidenum">
               <a:rPr lang="zh-CN"/>
-              <a:t/>
             </a:fld>
             <a:endParaRPr lang="zh-CN"/>
           </a:p>
@@ -1828,7 +1821,7 @@
 </file>
 
 <file path=ppt/slideLayouts/slideLayout6.xml><?xml version="1.0" encoding="utf-8"?>
-<p:sldLayout xmlns:a="http://schemas.openxmlformats.org/drawingml/2006/main" xmlns:r="http://schemas.openxmlformats.org/officeDocument/2006/relationships" xmlns:p="http://schemas.openxmlformats.org/presentationml/2006/main" xmlns:m="http://schemas.openxmlformats.org/officeDocument/2006/math" xmlns:w="http://schemas.openxmlformats.org/wordprocessingml/2006/main" matchingName="" preserve="1" showMasterPhAnim="0" type="titleOnly" userDrawn="1">
+<p:sldLayout xmlns:a="http://schemas.openxmlformats.org/drawingml/2006/main" xmlns:r="http://schemas.openxmlformats.org/officeDocument/2006/relationships" xmlns:p="http://schemas.openxmlformats.org/presentationml/2006/main" type="titleOnly" preserve="1" showMasterPhAnim="0" userDrawn="1">
   <p:cSld name="Title Only">
     <p:spTree>
       <p:nvGrpSpPr>
@@ -1889,8 +1882,7 @@
               <a:defRPr/>
             </a:pPr>
             <a:fld id="{BCC18F51-09EC-435C-A3BA-64A766E099C0}" type="datetimeFigureOut">
-              <a:rPr lang="zh-CN"/>
-              <a:t/>
+              <a:rPr lang="zh-CN" altLang="en-US"/>
             </a:fld>
             <a:endParaRPr lang="zh-CN"/>
           </a:p>
@@ -1938,7 +1930,6 @@
             </a:pPr>
             <a:fld id="{08395586-F03A-48D1-94DF-16B239DF4FB5}" type="slidenum">
               <a:rPr lang="zh-CN"/>
-              <a:t/>
             </a:fld>
             <a:endParaRPr lang="zh-CN"/>
           </a:p>
@@ -1953,7 +1944,7 @@
 </file>
 
 <file path=ppt/slideLayouts/slideLayout7.xml><?xml version="1.0" encoding="utf-8"?>
-<p:sldLayout xmlns:a="http://schemas.openxmlformats.org/drawingml/2006/main" xmlns:r="http://schemas.openxmlformats.org/officeDocument/2006/relationships" xmlns:p="http://schemas.openxmlformats.org/presentationml/2006/main" xmlns:m="http://schemas.openxmlformats.org/officeDocument/2006/math" xmlns:w="http://schemas.openxmlformats.org/wordprocessingml/2006/main" matchingName="" preserve="1" showMasterPhAnim="0" type="blank" userDrawn="1">
+<p:sldLayout xmlns:a="http://schemas.openxmlformats.org/drawingml/2006/main" xmlns:r="http://schemas.openxmlformats.org/officeDocument/2006/relationships" xmlns:p="http://schemas.openxmlformats.org/presentationml/2006/main" type="blank" preserve="1" showMasterPhAnim="0" userDrawn="1">
   <p:cSld name="Blank">
     <p:spTree>
       <p:nvGrpSpPr>
@@ -1988,8 +1979,7 @@
               <a:defRPr/>
             </a:pPr>
             <a:fld id="{BCC18F51-09EC-435C-A3BA-64A766E099C0}" type="datetimeFigureOut">
-              <a:rPr lang="zh-CN"/>
-              <a:t/>
+              <a:rPr lang="zh-CN" altLang="en-US"/>
             </a:fld>
             <a:endParaRPr lang="zh-CN"/>
           </a:p>
@@ -2037,7 +2027,6 @@
             </a:pPr>
             <a:fld id="{08395586-F03A-48D1-94DF-16B239DF4FB5}" type="slidenum">
               <a:rPr lang="zh-CN"/>
-              <a:t/>
             </a:fld>
             <a:endParaRPr lang="zh-CN"/>
           </a:p>
@@ -2052,7 +2041,7 @@
 </file>
 
 <file path=ppt/slideLayouts/slideLayout8.xml><?xml version="1.0" encoding="utf-8"?>
-<p:sldLayout xmlns:a="http://schemas.openxmlformats.org/drawingml/2006/main" xmlns:r="http://schemas.openxmlformats.org/officeDocument/2006/relationships" xmlns:p="http://schemas.openxmlformats.org/presentationml/2006/main" xmlns:m="http://schemas.openxmlformats.org/officeDocument/2006/math" xmlns:w="http://schemas.openxmlformats.org/wordprocessingml/2006/main" matchingName="" preserve="1" showMasterPhAnim="0" type="objTx" userDrawn="1">
+<p:sldLayout xmlns:a="http://schemas.openxmlformats.org/drawingml/2006/main" xmlns:r="http://schemas.openxmlformats.org/officeDocument/2006/relationships" xmlns:p="http://schemas.openxmlformats.org/presentationml/2006/main" type="objTx" preserve="1" showMasterPhAnim="0" userDrawn="1">
   <p:cSld name="Content with Caption">
     <p:spTree>
       <p:nvGrpSpPr>
@@ -2289,8 +2278,7 @@
               <a:defRPr/>
             </a:pPr>
             <a:fld id="{BCC18F51-09EC-435C-A3BA-64A766E099C0}" type="datetimeFigureOut">
-              <a:rPr lang="zh-CN"/>
-              <a:t/>
+              <a:rPr lang="zh-CN" altLang="en-US"/>
             </a:fld>
             <a:endParaRPr lang="zh-CN"/>
           </a:p>
@@ -2338,7 +2326,6 @@
             </a:pPr>
             <a:fld id="{08395586-F03A-48D1-94DF-16B239DF4FB5}" type="slidenum">
               <a:rPr lang="zh-CN"/>
-              <a:t/>
             </a:fld>
             <a:endParaRPr lang="zh-CN"/>
           </a:p>
@@ -2353,7 +2340,7 @@
 </file>
 
 <file path=ppt/slideLayouts/slideLayout9.xml><?xml version="1.0" encoding="utf-8"?>
-<p:sldLayout xmlns:a="http://schemas.openxmlformats.org/drawingml/2006/main" xmlns:r="http://schemas.openxmlformats.org/officeDocument/2006/relationships" xmlns:p="http://schemas.openxmlformats.org/presentationml/2006/main" xmlns:m="http://schemas.openxmlformats.org/officeDocument/2006/math" xmlns:w="http://schemas.openxmlformats.org/wordprocessingml/2006/main" matchingName="" preserve="1" showMasterPhAnim="0" type="picTx" userDrawn="1">
+<p:sldLayout xmlns:a="http://schemas.openxmlformats.org/drawingml/2006/main" xmlns:r="http://schemas.openxmlformats.org/officeDocument/2006/relationships" xmlns:p="http://schemas.openxmlformats.org/presentationml/2006/main" type="picTx" preserve="1" showMasterPhAnim="0" userDrawn="1">
   <p:cSld name="Picture with Caption">
     <p:spTree>
       <p:nvGrpSpPr>
@@ -2408,7 +2395,7 @@
         <p:nvSpPr>
           <p:cNvPr id="3" name="Picture Placeholder 2"/>
           <p:cNvSpPr>
-            <a:spLocks noChangeAspect="1" noGrp="1"/>
+            <a:spLocks noGrp="1" noChangeAspect="1"/>
           </p:cNvSpPr>
           <p:nvPr>
             <p:ph type="pic" idx="1"/>
@@ -2559,8 +2546,7 @@
               <a:defRPr/>
             </a:pPr>
             <a:fld id="{BCC18F51-09EC-435C-A3BA-64A766E099C0}" type="datetimeFigureOut">
-              <a:rPr lang="zh-CN"/>
-              <a:t/>
+              <a:rPr lang="zh-CN" altLang="en-US"/>
             </a:fld>
             <a:endParaRPr lang="zh-CN"/>
           </a:p>
@@ -2608,7 +2594,6 @@
             </a:pPr>
             <a:fld id="{08395586-F03A-48D1-94DF-16B239DF4FB5}" type="slidenum">
               <a:rPr lang="zh-CN"/>
-              <a:t/>
             </a:fld>
             <a:endParaRPr lang="zh-CN"/>
           </a:p>
@@ -2623,8 +2608,8 @@
 </file>
 
 <file path=ppt/slideMasters/slideMaster1.xml><?xml version="1.0" encoding="utf-8"?>
-<p:sldMaster xmlns:a="http://schemas.openxmlformats.org/drawingml/2006/main" xmlns:r="http://schemas.openxmlformats.org/officeDocument/2006/relationships" xmlns:p="http://schemas.openxmlformats.org/presentationml/2006/main" xmlns:m="http://schemas.openxmlformats.org/officeDocument/2006/math" xmlns:w="http://schemas.openxmlformats.org/wordprocessingml/2006/main" preserve="0">
-  <p:cSld name="">
+<p:sldMaster xmlns:a="http://schemas.openxmlformats.org/drawingml/2006/main" xmlns:r="http://schemas.openxmlformats.org/officeDocument/2006/relationships" xmlns:p="http://schemas.openxmlformats.org/presentationml/2006/main">
+  <p:cSld>
     <p:bg>
       <p:bgRef idx="1001">
         <a:schemeClr val="bg1"/>
@@ -2793,8 +2778,7 @@
               <a:defRPr/>
             </a:pPr>
             <a:fld id="{BCC18F51-09EC-435C-A3BA-64A766E099C0}" type="datetimeFigureOut">
-              <a:rPr lang="zh-CN"/>
-              <a:t/>
+              <a:rPr lang="zh-CN" altLang="en-US"/>
             </a:fld>
             <a:endParaRPr lang="zh-CN"/>
           </a:p>
@@ -2878,7 +2862,6 @@
             </a:pPr>
             <a:fld id="{08395586-F03A-48D1-94DF-16B239DF4FB5}" type="slidenum">
               <a:rPr lang="zh-CN"/>
-              <a:t/>
             </a:fld>
             <a:endParaRPr lang="zh-CN"/>
           </a:p>
@@ -2928,7 +2911,7 @@
         <a:spcBef>
           <a:spcPts val="1000"/>
         </a:spcBef>
-        <a:buFont typeface="Arial"/>
+        <a:buFont typeface="Arial" panose="020B0604020202020204"/>
         <a:buChar char="•"/>
         <a:defRPr sz="2800">
           <a:solidFill>
@@ -2946,7 +2929,7 @@
         <a:spcBef>
           <a:spcPts val="500"/>
         </a:spcBef>
-        <a:buFont typeface="Arial"/>
+        <a:buFont typeface="Arial" panose="020B0604020202020204"/>
         <a:buChar char="•"/>
         <a:defRPr sz="2400">
           <a:solidFill>
@@ -2964,7 +2947,7 @@
         <a:spcBef>
           <a:spcPts val="500"/>
         </a:spcBef>
-        <a:buFont typeface="Arial"/>
+        <a:buFont typeface="Arial" panose="020B0604020202020204"/>
         <a:buChar char="•"/>
         <a:defRPr sz="2000">
           <a:solidFill>
@@ -2982,7 +2965,7 @@
         <a:spcBef>
           <a:spcPts val="500"/>
         </a:spcBef>
-        <a:buFont typeface="Arial"/>
+        <a:buFont typeface="Arial" panose="020B0604020202020204"/>
         <a:buChar char="•"/>
         <a:defRPr sz="1800">
           <a:solidFill>
@@ -3000,7 +2983,7 @@
         <a:spcBef>
           <a:spcPts val="500"/>
         </a:spcBef>
-        <a:buFont typeface="Arial"/>
+        <a:buFont typeface="Arial" panose="020B0604020202020204"/>
         <a:buChar char="•"/>
         <a:defRPr sz="1800">
           <a:solidFill>
@@ -3018,7 +3001,7 @@
         <a:spcBef>
           <a:spcPts val="500"/>
         </a:spcBef>
-        <a:buFont typeface="Arial"/>
+        <a:buFont typeface="Arial" panose="020B0604020202020204"/>
         <a:buChar char="•"/>
         <a:defRPr sz="1800">
           <a:solidFill>
@@ -3036,7 +3019,7 @@
         <a:spcBef>
           <a:spcPts val="500"/>
         </a:spcBef>
-        <a:buFont typeface="Arial"/>
+        <a:buFont typeface="Arial" panose="020B0604020202020204"/>
         <a:buChar char="•"/>
         <a:defRPr sz="1800">
           <a:solidFill>
@@ -3054,7 +3037,7 @@
         <a:spcBef>
           <a:spcPts val="500"/>
         </a:spcBef>
-        <a:buFont typeface="Arial"/>
+        <a:buFont typeface="Arial" panose="020B0604020202020204"/>
         <a:buChar char="•"/>
         <a:defRPr sz="1800">
           <a:solidFill>
@@ -3072,7 +3055,7 @@
         <a:spcBef>
           <a:spcPts val="500"/>
         </a:spcBef>
-        <a:buFont typeface="Arial"/>
+        <a:buFont typeface="Arial" panose="020B0604020202020204"/>
         <a:buChar char="•"/>
         <a:defRPr sz="1800">
           <a:solidFill>
@@ -3184,8 +3167,8 @@
 </file>
 
 <file path=ppt/slides/slide1.xml><?xml version="1.0" encoding="utf-8"?>
-<p:sld xmlns:a="http://schemas.openxmlformats.org/drawingml/2006/main" xmlns:r="http://schemas.openxmlformats.org/officeDocument/2006/relationships" xmlns:p="http://schemas.openxmlformats.org/presentationml/2006/main" xmlns:m="http://schemas.openxmlformats.org/officeDocument/2006/math" xmlns:w="http://schemas.openxmlformats.org/wordprocessingml/2006/main" showMasterPhAnim="0" show="1">
-  <p:cSld name="">
+<p:sld xmlns:a="http://schemas.openxmlformats.org/drawingml/2006/main" xmlns:r="http://schemas.openxmlformats.org/officeDocument/2006/relationships" xmlns:p="http://schemas.openxmlformats.org/presentationml/2006/main" showMasterPhAnim="0">
+  <p:cSld>
     <p:spTree>
       <p:nvGrpSpPr>
         <p:cNvPr id="1" name=""/>
@@ -3314,7 +3297,7 @@
           <p:nvPr/>
         </p:nvSpPr>
         <p:spPr bwMode="auto">
-          <a:xfrm rot="21060000" flipH="0" flipV="0">
+          <a:xfrm rot="21060000">
             <a:off x="1674767" y="823020"/>
             <a:ext cx="4053761" cy="518519"/>
           </a:xfrm>
@@ -3410,18 +3393,18 @@
   </p:clrMapOvr>
   <mc:AlternateContent xmlns:mc="http://schemas.openxmlformats.org/markup-compatibility/2006">
     <mc:Choice xmlns:p14="http://schemas.microsoft.com/office/powerpoint/2010/main" Requires="p14">
-      <p:transition p14:dur="2000" advClick="1"/>
+      <p:transition p14:dur="2000"/>
     </mc:Choice>
     <mc:Fallback>
-      <p:transition advClick="1"/>
+      <p:transition/>
     </mc:Fallback>
   </mc:AlternateContent>
 </p:sld>
 </file>
 
 <file path=ppt/slides/slide2.xml><?xml version="1.0" encoding="utf-8"?>
-<p:sld xmlns:a="http://schemas.openxmlformats.org/drawingml/2006/main" xmlns:r="http://schemas.openxmlformats.org/officeDocument/2006/relationships" xmlns:p="http://schemas.openxmlformats.org/presentationml/2006/main" xmlns:m="http://schemas.openxmlformats.org/officeDocument/2006/math" xmlns:w="http://schemas.openxmlformats.org/wordprocessingml/2006/main" showMasterPhAnim="0" show="1">
-  <p:cSld name="">
+<p:sld xmlns:a="http://schemas.openxmlformats.org/drawingml/2006/main" xmlns:r="http://schemas.openxmlformats.org/officeDocument/2006/relationships" xmlns:p="http://schemas.openxmlformats.org/presentationml/2006/main" showMasterPhAnim="0">
+  <p:cSld>
     <p:spTree>
       <p:nvGrpSpPr>
         <p:cNvPr id="1" name=""/>
@@ -3640,12 +3623,14 @@
           <p:nvPr/>
         </p:nvPicPr>
         <p:blipFill>
-          <a:blip r:embed="rId2"/>
-          <a:stretch/>
+          <a:blip r:embed="rId1"/>
+          <a:stretch>
+            <a:fillRect/>
+          </a:stretch>
         </p:blipFill>
         <p:spPr bwMode="auto">
           <a:xfrm>
-            <a:off x="7668895" y="1941830"/>
+            <a:off x="7668895" y="2781300"/>
             <a:ext cx="986790" cy="564515"/>
           </a:xfrm>
           <a:prstGeom prst="rect">
@@ -3662,12 +3647,14 @@
           <p:nvPr/>
         </p:nvPicPr>
         <p:blipFill>
-          <a:blip r:embed="rId3"/>
-          <a:stretch/>
+          <a:blip r:embed="rId2"/>
+          <a:stretch>
+            <a:fillRect/>
+          </a:stretch>
         </p:blipFill>
         <p:spPr bwMode="auto">
           <a:xfrm>
-            <a:off x="7668895" y="2783205"/>
+            <a:off x="7668895" y="3622675"/>
             <a:ext cx="1708785" cy="585470"/>
           </a:xfrm>
           <a:prstGeom prst="rect">
@@ -3684,12 +3671,14 @@
           <p:nvPr/>
         </p:nvPicPr>
         <p:blipFill>
-          <a:blip r:embed="rId4"/>
-          <a:stretch/>
+          <a:blip r:embed="rId3"/>
+          <a:stretch>
+            <a:fillRect/>
+          </a:stretch>
         </p:blipFill>
         <p:spPr bwMode="auto">
           <a:xfrm>
-            <a:off x="9682480" y="1825625"/>
+            <a:off x="9682480" y="2665095"/>
             <a:ext cx="1504950" cy="1543050"/>
           </a:xfrm>
           <a:prstGeom prst="rect">
@@ -3697,6 +3686,64 @@
           </a:prstGeom>
         </p:spPr>
       </p:pic>
+      <p:sp>
+        <p:nvSpPr>
+          <p:cNvPr id="7" name="Text Box 6"/>
+          <p:cNvSpPr txBox="1"/>
+          <p:nvPr/>
+        </p:nvSpPr>
+        <p:spPr>
+          <a:xfrm rot="20940000">
+            <a:off x="6704965" y="902970"/>
+            <a:ext cx="4940300" cy="1076325"/>
+          </a:xfrm>
+          <a:prstGeom prst="rect">
+            <a:avLst/>
+          </a:prstGeom>
+          <a:noFill/>
+        </p:spPr>
+        <p:txBody>
+          <a:bodyPr wrap="square" rtlCol="0">
+            <a:spAutoFit/>
+          </a:bodyPr>
+          <a:p>
+            <a:r>
+              <a:rPr lang="en-US" sz="3200" b="1"/>
+              <a:t>Voice is integral for our lives on the Internet! </a:t>
+            </a:r>
+            <a:endParaRPr lang="en-US" sz="3200" b="1"/>
+          </a:p>
+        </p:txBody>
+      </p:sp>
+      <p:sp>
+        <p:nvSpPr>
+          <p:cNvPr id="8" name="Text Box 7"/>
+          <p:cNvSpPr txBox="1"/>
+          <p:nvPr/>
+        </p:nvSpPr>
+        <p:spPr>
+          <a:xfrm>
+            <a:off x="0" y="6489700"/>
+            <a:ext cx="6494780" cy="368300"/>
+          </a:xfrm>
+          <a:prstGeom prst="rect">
+            <a:avLst/>
+          </a:prstGeom>
+          <a:noFill/>
+        </p:spPr>
+        <p:txBody>
+          <a:bodyPr wrap="none" rtlCol="0">
+            <a:spAutoFit/>
+          </a:bodyPr>
+          <a:p>
+            <a:r>
+              <a:rPr lang="en-US"/>
+              <a:t>Pictures clipped from Siri, Celia and Xiao AI’s official websites.</a:t>
+            </a:r>
+            <a:endParaRPr lang="en-US"/>
+          </a:p>
+        </p:txBody>
+      </p:sp>
     </p:spTree>
   </p:cSld>
   <p:clrMapOvr>
@@ -3704,18 +3751,18 @@
   </p:clrMapOvr>
   <mc:AlternateContent xmlns:mc="http://schemas.openxmlformats.org/markup-compatibility/2006">
     <mc:Choice xmlns:p14="http://schemas.microsoft.com/office/powerpoint/2010/main" Requires="p14">
-      <p:transition p14:dur="2000" advClick="1"/>
+      <p:transition p14:dur="2000"/>
     </mc:Choice>
     <mc:Fallback>
-      <p:transition advClick="1"/>
+      <p:transition/>
     </mc:Fallback>
   </mc:AlternateContent>
 </p:sld>
 </file>
 
 <file path=ppt/slides/slide3.xml><?xml version="1.0" encoding="utf-8"?>
-<p:sld xmlns:a="http://schemas.openxmlformats.org/drawingml/2006/main" xmlns:r="http://schemas.openxmlformats.org/officeDocument/2006/relationships" xmlns:p="http://schemas.openxmlformats.org/presentationml/2006/main" xmlns:m="http://schemas.openxmlformats.org/officeDocument/2006/math" xmlns:w="http://schemas.openxmlformats.org/wordprocessingml/2006/main" showMasterPhAnim="0" show="1">
-  <p:cSld name="">
+<p:sld xmlns:a="http://schemas.openxmlformats.org/drawingml/2006/main" xmlns:r="http://schemas.openxmlformats.org/officeDocument/2006/relationships" xmlns:p="http://schemas.openxmlformats.org/presentationml/2006/main" showMasterPhAnim="0">
+  <p:cSld>
     <p:spTree>
       <p:nvGrpSpPr>
         <p:cNvPr id="1" name=""/>
@@ -3860,8 +3907,10 @@
           <p:nvPr/>
         </p:nvPicPr>
         <p:blipFill>
-          <a:blip r:embed="rId2"/>
-          <a:stretch/>
+          <a:blip r:embed="rId1"/>
+          <a:stretch>
+            <a:fillRect/>
+          </a:stretch>
         </p:blipFill>
         <p:spPr bwMode="auto">
           <a:xfrm>
@@ -3914,8 +3963,10 @@
           <p:nvPr/>
         </p:nvPicPr>
         <p:blipFill>
-          <a:blip r:embed="rId3"/>
-          <a:stretch/>
+          <a:blip r:embed="rId2"/>
+          <a:stretch>
+            <a:fillRect/>
+          </a:stretch>
         </p:blipFill>
         <p:spPr bwMode="auto">
           <a:xfrm>
@@ -3966,18 +4017,176 @@
   </p:clrMapOvr>
   <mc:AlternateContent xmlns:mc="http://schemas.openxmlformats.org/markup-compatibility/2006">
     <mc:Choice xmlns:p14="http://schemas.microsoft.com/office/powerpoint/2010/main" Requires="p14">
-      <p:transition p14:dur="2000" advClick="1"/>
+      <p:transition p14:dur="2000"/>
     </mc:Choice>
     <mc:Fallback>
-      <p:transition advClick="1"/>
+      <p:transition/>
     </mc:Fallback>
   </mc:AlternateContent>
 </p:sld>
 </file>
 
 <file path=ppt/slides/slide4.xml><?xml version="1.0" encoding="utf-8"?>
-<p:sld xmlns:a="http://schemas.openxmlformats.org/drawingml/2006/main" xmlns:r="http://schemas.openxmlformats.org/officeDocument/2006/relationships" xmlns:p="http://schemas.openxmlformats.org/presentationml/2006/main" xmlns:m="http://schemas.openxmlformats.org/officeDocument/2006/math" xmlns:w="http://schemas.openxmlformats.org/wordprocessingml/2006/main" showMasterPhAnim="0" show="1">
-  <p:cSld name="">
+<p:sld xmlns:a="http://schemas.openxmlformats.org/drawingml/2006/main" xmlns:r="http://schemas.openxmlformats.org/officeDocument/2006/relationships" xmlns:p="http://schemas.openxmlformats.org/presentationml/2006/main">
+  <p:cSld>
+    <p:spTree>
+      <p:nvGrpSpPr>
+        <p:cNvPr id="1" name=""/>
+        <p:cNvGrpSpPr/>
+        <p:nvPr/>
+      </p:nvGrpSpPr>
+      <p:grpSpPr/>
+      <p:sp>
+        <p:nvSpPr>
+          <p:cNvPr id="2" name="Title 1"/>
+          <p:cNvSpPr>
+            <a:spLocks noGrp="1"/>
+          </p:cNvSpPr>
+          <p:nvPr>
+            <p:ph type="title"/>
+          </p:nvPr>
+        </p:nvSpPr>
+        <p:spPr/>
+        <p:txBody>
+          <a:bodyPr>
+            <a:normAutofit/>
+          </a:bodyPr>
+          <a:p>
+            <a:r>
+              <a:rPr lang="en-US"/>
+              <a:t>Wait... I want just voice services!</a:t>
+            </a:r>
+            <a:endParaRPr lang="en-US"/>
+          </a:p>
+        </p:txBody>
+      </p:sp>
+      <p:sp>
+        <p:nvSpPr>
+          <p:cNvPr id="3" name="Content Placeholder 2"/>
+          <p:cNvSpPr>
+            <a:spLocks noGrp="1"/>
+          </p:cNvSpPr>
+          <p:nvPr>
+            <p:ph idx="1"/>
+          </p:nvPr>
+        </p:nvSpPr>
+        <p:spPr>
+          <a:xfrm>
+            <a:off x="838200" y="1825625"/>
+            <a:ext cx="5386070" cy="4351655"/>
+          </a:xfrm>
+        </p:spPr>
+        <p:txBody>
+          <a:bodyPr/>
+          <a:p>
+            <a:r>
+              <a:rPr lang="en-US"/>
+              <a:t>There is just </a:t>
+            </a:r>
+            <a:r>
+              <a:rPr lang="en-US" b="1"/>
+              <a:t>way too much</a:t>
+            </a:r>
+            <a:r>
+              <a:rPr lang="en-US"/>
+              <a:t> information in our speeches.</a:t>
+            </a:r>
+            <a:endParaRPr lang="en-US"/>
+          </a:p>
+          <a:p>
+            <a:pPr lvl="1"/>
+            <a:r>
+              <a:rPr lang="en-US"/>
+              <a:t>Probably user’s intention is just to utilize</a:t>
+            </a:r>
+            <a:r>
+              <a:rPr lang="en-US" b="1"/>
+              <a:t> </a:t>
+            </a:r>
+            <a:r>
+              <a:rPr lang="en-US" i="1"/>
+              <a:t>content (text, emotion, etc.)</a:t>
+            </a:r>
+            <a:r>
+              <a:rPr lang="en-US"/>
+              <a:t> of voice, not </a:t>
+            </a:r>
+            <a:r>
+              <a:rPr lang="en-US" i="1"/>
+              <a:t>voiceprint</a:t>
+            </a:r>
+            <a:r>
+              <a:rPr lang="en-US"/>
+              <a:t>.</a:t>
+            </a:r>
+            <a:endParaRPr lang="en-US"/>
+          </a:p>
+          <a:p>
+            <a:pPr lvl="1"/>
+            <a:r>
+              <a:rPr lang="en-US"/>
+              <a:t>Users may accidently speak sensitive information aloud (address, password, etc.)</a:t>
+            </a:r>
+            <a:endParaRPr lang="en-US"/>
+          </a:p>
+          <a:p>
+            <a:pPr lvl="1"/>
+            <a:r>
+              <a:rPr lang="en-US"/>
+              <a:t>Raw voice sequences contain </a:t>
+            </a:r>
+            <a:r>
+              <a:rPr lang="en-US" b="1"/>
+              <a:t>everything</a:t>
+            </a:r>
+            <a:r>
+              <a:rPr lang="en-US"/>
+              <a:t>, whether you want it or not.</a:t>
+            </a:r>
+            <a:endParaRPr lang="en-US"/>
+          </a:p>
+        </p:txBody>
+      </p:sp>
+      <p:sp>
+        <p:nvSpPr>
+          <p:cNvPr id="4" name="Text Box 3"/>
+          <p:cNvSpPr txBox="1"/>
+          <p:nvPr/>
+        </p:nvSpPr>
+        <p:spPr>
+          <a:xfrm rot="21120000">
+            <a:off x="6228080" y="5826125"/>
+            <a:ext cx="5769610" cy="460375"/>
+          </a:xfrm>
+          <a:prstGeom prst="rect">
+            <a:avLst/>
+          </a:prstGeom>
+          <a:noFill/>
+        </p:spPr>
+        <p:txBody>
+          <a:bodyPr wrap="none" rtlCol="0">
+            <a:spAutoFit/>
+          </a:bodyPr>
+          <a:p>
+            <a:r>
+              <a:rPr lang="en-US" sz="2400" b="1" i="1"/>
+              <a:t>Our work focus on voiceprint security!</a:t>
+            </a:r>
+            <a:endParaRPr lang="en-US" sz="2400" b="1" i="1"/>
+          </a:p>
+        </p:txBody>
+      </p:sp>
+    </p:spTree>
+  </p:cSld>
+  <p:clrMapOvr>
+    <a:masterClrMapping/>
+  </p:clrMapOvr>
+</p:sld>
+</file>
+
+<file path=ppt/slides/slide5.xml><?xml version="1.0" encoding="utf-8"?>
+<p:sld xmlns:a="http://schemas.openxmlformats.org/drawingml/2006/main" xmlns:r="http://schemas.openxmlformats.org/officeDocument/2006/relationships" xmlns:p="http://schemas.openxmlformats.org/presentationml/2006/main" showMasterPhAnim="0">
+  <p:cSld>
     <p:spTree>
       <p:nvGrpSpPr>
         <p:cNvPr id="1" name=""/>
@@ -4011,7 +4220,7 @@
             </a:pPr>
             <a:r>
               <a:rPr lang="en-US"/>
-              <a:t>Privacy concerns arise!</a:t>
+              <a:t>Critical privacy concerns</a:t>
             </a:r>
             <a:endParaRPr lang="en-US"/>
           </a:p>
@@ -4030,12 +4239,12 @@
         <p:spPr bwMode="auto">
           <a:xfrm>
             <a:off x="838200" y="1825625"/>
-            <a:ext cx="10515600" cy="1424940"/>
+            <a:ext cx="4860925" cy="4528820"/>
           </a:xfrm>
         </p:spPr>
         <p:txBody>
           <a:bodyPr vertOverflow="overflow" horzOverflow="overflow" vert="horz" wrap="square" lIns="91440" tIns="45720" rIns="91440" bIns="45720" numCol="1" spcCol="0" rtlCol="0" fromWordArt="0" anchor="t" anchorCtr="0" forceAA="0" upright="0" compatLnSpc="0">
-            <a:normAutofit fontScale="95000" lnSpcReduction="1000"/>
+            <a:normAutofit/>
           </a:bodyPr>
           <a:p>
             <a:pPr>
@@ -4072,6 +4281,16 @@
             <a:r>
               <a:rPr lang="en-US"/>
               <a:t>voice!</a:t>
+            </a:r>
+            <a:endParaRPr lang="en-US"/>
+          </a:p>
+          <a:p>
+            <a:pPr>
+              <a:defRPr/>
+            </a:pPr>
+            <a:r>
+              <a:rPr lang="en-US"/>
+              <a:t>Unmodified (not-treated) voice sequences leak speakers’ identities!</a:t>
             </a:r>
             <a:endParaRPr lang="en-US"/>
           </a:p>
@@ -4086,19 +4305,50 @@
           <p:nvPr/>
         </p:nvPicPr>
         <p:blipFill>
-          <a:blip r:embed="rId2"/>
-          <a:stretch/>
+          <a:blip r:embed="rId1"/>
+          <a:stretch>
+            <a:fillRect/>
+          </a:stretch>
         </p:blipFill>
         <p:spPr bwMode="auto">
           <a:xfrm>
-            <a:off x="838200" y="3385185"/>
-            <a:ext cx="5501005" cy="2893060"/>
+            <a:off x="5920740" y="1691005"/>
+            <a:ext cx="5889625" cy="3097530"/>
           </a:xfrm>
           <a:prstGeom prst="rect">
             <a:avLst/>
           </a:prstGeom>
         </p:spPr>
       </p:pic>
+      <p:sp>
+        <p:nvSpPr>
+          <p:cNvPr id="5" name="Text Box 4"/>
+          <p:cNvSpPr txBox="1"/>
+          <p:nvPr/>
+        </p:nvSpPr>
+        <p:spPr>
+          <a:xfrm>
+            <a:off x="5920740" y="4871085"/>
+            <a:ext cx="1021080" cy="368300"/>
+          </a:xfrm>
+          <a:prstGeom prst="rect">
+            <a:avLst/>
+          </a:prstGeom>
+          <a:noFill/>
+        </p:spPr>
+        <p:txBody>
+          <a:bodyPr wrap="none" rtlCol="0">
+            <a:spAutoFit/>
+          </a:bodyPr>
+          <a:p>
+            <a:r>
+              <a:rPr lang="en-US"/>
+              <a:t>Figure 1</a:t>
+            </a:r>
+            <a:endParaRPr lang="en-US"/>
+          </a:p>
+        </p:txBody>
+      </p:sp>
     </p:spTree>
   </p:cSld>
   <p:clrMapOvr>
@@ -4106,18 +4356,18 @@
   </p:clrMapOvr>
   <mc:AlternateContent xmlns:mc="http://schemas.openxmlformats.org/markup-compatibility/2006">
     <mc:Choice xmlns:p14="http://schemas.microsoft.com/office/powerpoint/2010/main" Requires="p14">
-      <p:transition p14:dur="2000" advClick="1"/>
+      <p:transition p14:dur="2000"/>
     </mc:Choice>
     <mc:Fallback>
-      <p:transition advClick="1"/>
+      <p:transition/>
     </mc:Fallback>
   </mc:AlternateContent>
 </p:sld>
 </file>
 
-<file path=ppt/slides/slide5.xml><?xml version="1.0" encoding="utf-8"?>
-<p:sld xmlns:a="http://schemas.openxmlformats.org/drawingml/2006/main" xmlns:r="http://schemas.openxmlformats.org/officeDocument/2006/relationships" xmlns:p="http://schemas.openxmlformats.org/presentationml/2006/main" xmlns:m="http://schemas.openxmlformats.org/officeDocument/2006/math" xmlns:w="http://schemas.openxmlformats.org/wordprocessingml/2006/main" showMasterPhAnim="0" show="1">
-  <p:cSld name="">
+<file path=ppt/slides/slide6.xml><?xml version="1.0" encoding="utf-8"?>
+<p:sld xmlns:a="http://schemas.openxmlformats.org/drawingml/2006/main" xmlns:r="http://schemas.openxmlformats.org/officeDocument/2006/relationships" xmlns:p="http://schemas.openxmlformats.org/presentationml/2006/main" showMasterPhAnim="0">
+  <p:cSld>
     <p:spTree>
       <p:nvGrpSpPr>
         <p:cNvPr id="1" name=""/>
@@ -4154,7 +4404,7 @@
               <a:rPr lang="en-US"/>
               <a:t>Removing private information</a:t>
             </a:r>
-            <a:endParaRPr/>
+            <a:endParaRPr lang="en-US"/>
           </a:p>
         </p:txBody>
       </p:sp>
@@ -4168,26 +4418,47 @@
             <p:ph idx="1"/>
           </p:nvPr>
         </p:nvSpPr>
-        <p:spPr bwMode="auto"/>
-        <p:txBody>
-          <a:bodyPr/>
-          <a:lstStyle/>
-          <a:p>
-            <a:pPr>
-              <a:defRPr/>
-            </a:pPr>
-            <a:endParaRPr/>
-          </a:p>
-        </p:txBody>
-      </p:sp>
-      <p:sp>
-        <p:nvSpPr>
-          <p:cNvPr id="1601417306" name=""/>
+        <p:spPr bwMode="auto">
+          <a:xfrm>
+            <a:off x="838200" y="1825625"/>
+            <a:ext cx="10515600" cy="991235"/>
+          </a:xfrm>
+        </p:spPr>
+        <p:txBody>
+          <a:bodyPr>
+            <a:normAutofit lnSpcReduction="10000"/>
+          </a:bodyPr>
+          <a:lstStyle/>
+          <a:p>
+            <a:pPr>
+              <a:defRPr/>
+            </a:pPr>
+            <a:r>
+              <a:rPr lang="en-US"/>
+              <a:t>There isn’t user’s voiceprint  =  Attackers have nothing to steal</a:t>
+            </a:r>
+            <a:endParaRPr lang="en-US"/>
+          </a:p>
+          <a:p>
+            <a:pPr>
+              <a:defRPr/>
+            </a:pPr>
+            <a:r>
+              <a:rPr lang="en-US"/>
+              <a:t>Remove user’s voiceprint  =  Replace it with a random one</a:t>
+            </a:r>
+            <a:endParaRPr lang="en-US"/>
+          </a:p>
+        </p:txBody>
+      </p:sp>
+      <p:sp>
+        <p:nvSpPr>
+          <p:cNvPr id="1601417306" name="Text Box 1601417305"/>
           <p:cNvSpPr txBox="1"/>
           <p:nvPr/>
         </p:nvSpPr>
         <p:spPr bwMode="auto">
-          <a:xfrm flipH="0" flipV="0">
+          <a:xfrm>
             <a:off x="4204703" y="365124"/>
             <a:ext cx="3782593" cy="396599"/>
           </a:xfrm>
@@ -4209,6 +4480,59 @@
               <a:t>i.e. desensitization, sanitation</a:t>
             </a:r>
             <a:endParaRPr sz="2000" b="1" i="1"/>
+          </a:p>
+        </p:txBody>
+      </p:sp>
+      <p:pic>
+        <p:nvPicPr>
+          <p:cNvPr id="2" name="Picture 1" descr="case3v3"/>
+          <p:cNvPicPr>
+            <a:picLocks noChangeAspect="1"/>
+          </p:cNvPicPr>
+          <p:nvPr/>
+        </p:nvPicPr>
+        <p:blipFill>
+          <a:blip r:embed="rId1"/>
+          <a:stretch>
+            <a:fillRect/>
+          </a:stretch>
+        </p:blipFill>
+        <p:spPr>
+          <a:xfrm>
+            <a:off x="6574790" y="2924175"/>
+            <a:ext cx="5233035" cy="3591560"/>
+          </a:xfrm>
+          <a:prstGeom prst="rect">
+            <a:avLst/>
+          </a:prstGeom>
+        </p:spPr>
+      </p:pic>
+      <p:sp>
+        <p:nvSpPr>
+          <p:cNvPr id="3" name="Text Box 2"/>
+          <p:cNvSpPr txBox="1"/>
+          <p:nvPr/>
+        </p:nvSpPr>
+        <p:spPr>
+          <a:xfrm>
+            <a:off x="1042670" y="3170555"/>
+            <a:ext cx="4899660" cy="368300"/>
+          </a:xfrm>
+          <a:prstGeom prst="rect">
+            <a:avLst/>
+          </a:prstGeom>
+          <a:noFill/>
+        </p:spPr>
+        <p:txBody>
+          <a:bodyPr wrap="square" rtlCol="0">
+            <a:spAutoFit/>
+          </a:bodyPr>
+          <a:p>
+            <a:r>
+              <a:rPr lang="en-US"/>
+              <a:t>Solution: Utilize convolutional </a:t>
+            </a:r>
+            <a:endParaRPr lang="en-US"/>
           </a:p>
         </p:txBody>
       </p:sp>
@@ -4219,17 +4543,17 @@
   </p:clrMapOvr>
   <mc:AlternateContent xmlns:mc="http://schemas.openxmlformats.org/markup-compatibility/2006">
     <mc:Choice xmlns:p14="http://schemas.microsoft.com/office/powerpoint/2010/main" Requires="p14">
-      <p:transition p14:dur="2000" advClick="1"/>
+      <p:transition p14:dur="2000"/>
     </mc:Choice>
     <mc:Fallback>
-      <p:transition advClick="1"/>
+      <p:transition/>
     </mc:Fallback>
   </mc:AlternateContent>
 </p:sld>
 </file>
 
 <file path=ppt/theme/theme1.xml><?xml version="1.0" encoding="utf-8"?>
-<a:theme xmlns:a="http://schemas.openxmlformats.org/drawingml/2006/main" xmlns:r="http://schemas.openxmlformats.org/officeDocument/2006/relationships" xmlns:p="http://schemas.openxmlformats.org/presentationml/2006/main" name="Office Theme">
+<a:theme xmlns:a="http://schemas.openxmlformats.org/drawingml/2006/main" name="Office Theme">
   <a:themeElements>
     <a:clrScheme name="New Office">
       <a:dk1>
@@ -4431,6 +4755,10 @@
       </a:bgFillStyleLst>
     </a:fmtScheme>
   </a:themeElements>
-  <a:objectDefaults/>
+  <a:extLst>
+    <a:ext uri="{05A4C25C-085E-4340-85A3-A5531E510DB2}">
+      <thm15:themeFamily xmlns:thm15="http://schemas.microsoft.com/office/thememl/2012/main" name="Office Theme" id="{62F939B6-93AF-4DB8-9C6B-D6C7DFDC589F}" vid="{4A3C46E8-61CC-4603-A589-7422A47A8E4A}"/>
+    </a:ext>
+  </a:extLst>
 </a:theme>
 </file>
--- a/pres.pptx
+++ b/pres.pptx
@@ -1,6 +1,6 @@
 
 <file path=ppt/presentation.xml><?xml version="1.0" encoding="utf-8"?>
-<p:presentation xmlns:a="http://schemas.openxmlformats.org/drawingml/2006/main" xmlns:r="http://schemas.openxmlformats.org/officeDocument/2006/relationships" xmlns:p="http://schemas.openxmlformats.org/presentationml/2006/main">
+<p:presentation xmlns:a="http://schemas.openxmlformats.org/drawingml/2006/main" xmlns:r="http://schemas.openxmlformats.org/officeDocument/2006/relationships" xmlns:p="http://schemas.openxmlformats.org/presentationml/2006/main" xmlns:m="http://schemas.openxmlformats.org/officeDocument/2006/math" xmlns:w="http://schemas.openxmlformats.org/wordprocessingml/2006/main">
   <p:sldMasterIdLst>
     <p:sldMasterId id="2147483648" r:id="rId1"/>
   </p:sldMasterIdLst>
@@ -8,15 +8,30 @@
     <p:sldId id="256" r:id="rId3"/>
     <p:sldId id="257" r:id="rId4"/>
     <p:sldId id="258" r:id="rId5"/>
-    <p:sldId id="261" r:id="rId6"/>
-    <p:sldId id="259" r:id="rId7"/>
-    <p:sldId id="260" r:id="rId8"/>
+    <p:sldId id="259" r:id="rId6"/>
+    <p:sldId id="260" r:id="rId7"/>
+    <p:sldId id="261" r:id="rId8"/>
+    <p:sldId id="262" r:id="rId9"/>
+    <p:sldId id="263" r:id="rId10"/>
+    <p:sldId id="264" r:id="rId11"/>
+    <p:sldId id="265" r:id="rId12"/>
+    <p:sldId id="266" r:id="rId13"/>
+    <p:sldId id="267" r:id="rId14"/>
+    <p:sldId id="268" r:id="rId15"/>
+    <p:sldId id="269" r:id="rId16"/>
+    <p:sldId id="270" r:id="rId17"/>
+    <p:sldId id="271" r:id="rId18"/>
+    <p:sldId id="272" r:id="rId19"/>
+    <p:sldId id="273" r:id="rId20"/>
+    <p:sldId id="274" r:id="rId21"/>
+    <p:sldId id="275" r:id="rId22"/>
+    <p:sldId id="276" r:id="rId23"/>
   </p:sldIdLst>
   <p:sldSz cx="12192000" cy="6858000"/>
   <p:notesSz cx="12192000" cy="6858000"/>
   <p:defaultTextStyle>
     <a:defPPr>
-      <a:defRPr lang="zh-CN"/>
+      <a:defRPr lang="en-US"/>
     </a:defPPr>
     <a:lvl1pPr marL="0" algn="l" defTabSz="914400">
       <a:defRPr sz="1800">
@@ -112,14 +127,8 @@
 </p:presentation>
 </file>
 
-<file path=ppt/commentAuthors.xml><?xml version="1.0" encoding="utf-8"?>
-<p:cmAuthorLst xmlns:a="http://schemas.openxmlformats.org/drawingml/2006/main" xmlns:r="http://schemas.openxmlformats.org/officeDocument/2006/relationships" xmlns:p="http://schemas.openxmlformats.org/presentationml/2006/main">
-  <p:cmAuthor id="1" name="konqi" initials="k" lastIdx="1" clrIdx="0"/>
-</p:cmAuthorLst>
-</file>
-
 <file path=ppt/slideLayouts/slideLayout1.xml><?xml version="1.0" encoding="utf-8"?>
-<p:sldLayout xmlns:a="http://schemas.openxmlformats.org/drawingml/2006/main" xmlns:r="http://schemas.openxmlformats.org/officeDocument/2006/relationships" xmlns:p="http://schemas.openxmlformats.org/presentationml/2006/main" type="title" preserve="1" showMasterPhAnim="0" userDrawn="1">
+<p:sldLayout xmlns:a="http://schemas.openxmlformats.org/drawingml/2006/main" xmlns:r="http://schemas.openxmlformats.org/officeDocument/2006/relationships" xmlns:p="http://schemas.openxmlformats.org/presentationml/2006/main" xmlns:m="http://schemas.openxmlformats.org/officeDocument/2006/math" xmlns:w="http://schemas.openxmlformats.org/wordprocessingml/2006/main" matchingName="" preserve="1" showMasterPhAnim="0" type="title" userDrawn="1">
   <p:cSld name="Title Slide">
     <p:spTree>
       <p:nvGrpSpPr>
@@ -257,7 +266,8 @@
               <a:defRPr/>
             </a:pPr>
             <a:fld id="{BCC18F51-09EC-435C-A3BA-64A766E099C0}" type="datetimeFigureOut">
-              <a:rPr lang="zh-CN" altLang="en-US"/>
+              <a:rPr lang="zh-CN"/>
+              <a:t/>
             </a:fld>
             <a:endParaRPr lang="zh-CN"/>
           </a:p>
@@ -305,6 +315,7 @@
             </a:pPr>
             <a:fld id="{08395586-F03A-48D1-94DF-16B239DF4FB5}" type="slidenum">
               <a:rPr lang="zh-CN"/>
+              <a:t/>
             </a:fld>
             <a:endParaRPr lang="zh-CN"/>
           </a:p>
@@ -319,7 +330,7 @@
 </file>
 
 <file path=ppt/slideLayouts/slideLayout10.xml><?xml version="1.0" encoding="utf-8"?>
-<p:sldLayout xmlns:a="http://schemas.openxmlformats.org/drawingml/2006/main" xmlns:r="http://schemas.openxmlformats.org/officeDocument/2006/relationships" xmlns:p="http://schemas.openxmlformats.org/presentationml/2006/main" type="vertTx" preserve="1" showMasterPhAnim="0" userDrawn="1">
+<p:sldLayout xmlns:a="http://schemas.openxmlformats.org/drawingml/2006/main" xmlns:r="http://schemas.openxmlformats.org/officeDocument/2006/relationships" xmlns:p="http://schemas.openxmlformats.org/presentationml/2006/main" xmlns:m="http://schemas.openxmlformats.org/officeDocument/2006/math" xmlns:w="http://schemas.openxmlformats.org/wordprocessingml/2006/main" matchingName="" preserve="1" showMasterPhAnim="0" type="vertTx" userDrawn="1">
   <p:cSld name="Title and Vertical Text">
     <p:spTree>
       <p:nvGrpSpPr>
@@ -446,7 +457,8 @@
               <a:defRPr/>
             </a:pPr>
             <a:fld id="{BCC18F51-09EC-435C-A3BA-64A766E099C0}" type="datetimeFigureOut">
-              <a:rPr lang="zh-CN" altLang="en-US"/>
+              <a:rPr lang="zh-CN"/>
+              <a:t/>
             </a:fld>
             <a:endParaRPr lang="zh-CN"/>
           </a:p>
@@ -494,6 +506,7 @@
             </a:pPr>
             <a:fld id="{08395586-F03A-48D1-94DF-16B239DF4FB5}" type="slidenum">
               <a:rPr lang="zh-CN"/>
+              <a:t/>
             </a:fld>
             <a:endParaRPr lang="zh-CN"/>
           </a:p>
@@ -508,7 +521,7 @@
 </file>
 
 <file path=ppt/slideLayouts/slideLayout11.xml><?xml version="1.0" encoding="utf-8"?>
-<p:sldLayout xmlns:a="http://schemas.openxmlformats.org/drawingml/2006/main" xmlns:r="http://schemas.openxmlformats.org/officeDocument/2006/relationships" xmlns:p="http://schemas.openxmlformats.org/presentationml/2006/main" type="vertTitleAndTx" preserve="1" showMasterPhAnim="0" userDrawn="1">
+<p:sldLayout xmlns:a="http://schemas.openxmlformats.org/drawingml/2006/main" xmlns:r="http://schemas.openxmlformats.org/officeDocument/2006/relationships" xmlns:p="http://schemas.openxmlformats.org/presentationml/2006/main" xmlns:m="http://schemas.openxmlformats.org/officeDocument/2006/math" xmlns:w="http://schemas.openxmlformats.org/wordprocessingml/2006/main" matchingName="" preserve="1" showMasterPhAnim="0" type="vertTitleAndTx" userDrawn="1">
   <p:cSld name="Vertical Title and Text">
     <p:spTree>
       <p:nvGrpSpPr>
@@ -645,7 +658,8 @@
               <a:defRPr/>
             </a:pPr>
             <a:fld id="{BCC18F51-09EC-435C-A3BA-64A766E099C0}" type="datetimeFigureOut">
-              <a:rPr lang="zh-CN" altLang="en-US"/>
+              <a:rPr lang="zh-CN"/>
+              <a:t/>
             </a:fld>
             <a:endParaRPr lang="zh-CN"/>
           </a:p>
@@ -693,6 +707,7 @@
             </a:pPr>
             <a:fld id="{08395586-F03A-48D1-94DF-16B239DF4FB5}" type="slidenum">
               <a:rPr lang="zh-CN"/>
+              <a:t/>
             </a:fld>
             <a:endParaRPr lang="zh-CN"/>
           </a:p>
@@ -707,7 +722,7 @@
 </file>
 
 <file path=ppt/slideLayouts/slideLayout2.xml><?xml version="1.0" encoding="utf-8"?>
-<p:sldLayout xmlns:a="http://schemas.openxmlformats.org/drawingml/2006/main" xmlns:r="http://schemas.openxmlformats.org/officeDocument/2006/relationships" xmlns:p="http://schemas.openxmlformats.org/presentationml/2006/main" type="obj" preserve="1" showMasterPhAnim="0" userDrawn="1">
+<p:sldLayout xmlns:a="http://schemas.openxmlformats.org/drawingml/2006/main" xmlns:r="http://schemas.openxmlformats.org/officeDocument/2006/relationships" xmlns:p="http://schemas.openxmlformats.org/presentationml/2006/main" xmlns:m="http://schemas.openxmlformats.org/officeDocument/2006/math" xmlns:w="http://schemas.openxmlformats.org/wordprocessingml/2006/main" matchingName="" preserve="1" showMasterPhAnim="0" type="obj" userDrawn="1">
   <p:cSld name="Title and Content">
     <p:spTree>
       <p:nvGrpSpPr>
@@ -834,7 +849,8 @@
               <a:defRPr/>
             </a:pPr>
             <a:fld id="{BCC18F51-09EC-435C-A3BA-64A766E099C0}" type="datetimeFigureOut">
-              <a:rPr lang="zh-CN" altLang="en-US"/>
+              <a:rPr lang="zh-CN"/>
+              <a:t/>
             </a:fld>
             <a:endParaRPr lang="zh-CN"/>
           </a:p>
@@ -882,6 +898,7 @@
             </a:pPr>
             <a:fld id="{08395586-F03A-48D1-94DF-16B239DF4FB5}" type="slidenum">
               <a:rPr lang="zh-CN"/>
+              <a:t/>
             </a:fld>
             <a:endParaRPr lang="zh-CN"/>
           </a:p>
@@ -896,7 +913,7 @@
 </file>
 
 <file path=ppt/slideLayouts/slideLayout3.xml><?xml version="1.0" encoding="utf-8"?>
-<p:sldLayout xmlns:a="http://schemas.openxmlformats.org/drawingml/2006/main" xmlns:r="http://schemas.openxmlformats.org/officeDocument/2006/relationships" xmlns:p="http://schemas.openxmlformats.org/presentationml/2006/main" type="secHead" preserve="1" showMasterPhAnim="0" userDrawn="1">
+<p:sldLayout xmlns:a="http://schemas.openxmlformats.org/drawingml/2006/main" xmlns:r="http://schemas.openxmlformats.org/officeDocument/2006/relationships" xmlns:p="http://schemas.openxmlformats.org/presentationml/2006/main" xmlns:m="http://schemas.openxmlformats.org/officeDocument/2006/math" xmlns:w="http://schemas.openxmlformats.org/wordprocessingml/2006/main" matchingName="" preserve="1" showMasterPhAnim="0" type="secHead" userDrawn="1">
   <p:cSld name="Section Header">
     <p:spTree>
       <p:nvGrpSpPr>
@@ -1088,7 +1105,8 @@
               <a:defRPr/>
             </a:pPr>
             <a:fld id="{BCC18F51-09EC-435C-A3BA-64A766E099C0}" type="datetimeFigureOut">
-              <a:rPr lang="zh-CN" altLang="en-US"/>
+              <a:rPr lang="zh-CN"/>
+              <a:t/>
             </a:fld>
             <a:endParaRPr lang="zh-CN"/>
           </a:p>
@@ -1136,6 +1154,7 @@
             </a:pPr>
             <a:fld id="{08395586-F03A-48D1-94DF-16B239DF4FB5}" type="slidenum">
               <a:rPr lang="zh-CN"/>
+              <a:t/>
             </a:fld>
             <a:endParaRPr lang="zh-CN"/>
           </a:p>
@@ -1150,7 +1169,7 @@
 </file>
 
 <file path=ppt/slideLayouts/slideLayout4.xml><?xml version="1.0" encoding="utf-8"?>
-<p:sldLayout xmlns:a="http://schemas.openxmlformats.org/drawingml/2006/main" xmlns:r="http://schemas.openxmlformats.org/officeDocument/2006/relationships" xmlns:p="http://schemas.openxmlformats.org/presentationml/2006/main" type="twoObj" preserve="1" showMasterPhAnim="0" userDrawn="1">
+<p:sldLayout xmlns:a="http://schemas.openxmlformats.org/drawingml/2006/main" xmlns:r="http://schemas.openxmlformats.org/officeDocument/2006/relationships" xmlns:p="http://schemas.openxmlformats.org/presentationml/2006/main" xmlns:m="http://schemas.openxmlformats.org/officeDocument/2006/math" xmlns:w="http://schemas.openxmlformats.org/wordprocessingml/2006/main" matchingName="" preserve="1" showMasterPhAnim="0" type="twoObj" userDrawn="1">
   <p:cSld name="Two Content">
     <p:spTree>
       <p:nvGrpSpPr>
@@ -1353,7 +1372,8 @@
               <a:defRPr/>
             </a:pPr>
             <a:fld id="{BCC18F51-09EC-435C-A3BA-64A766E099C0}" type="datetimeFigureOut">
-              <a:rPr lang="zh-CN" altLang="en-US"/>
+              <a:rPr lang="zh-CN"/>
+              <a:t/>
             </a:fld>
             <a:endParaRPr lang="zh-CN"/>
           </a:p>
@@ -1401,6 +1421,7 @@
             </a:pPr>
             <a:fld id="{08395586-F03A-48D1-94DF-16B239DF4FB5}" type="slidenum">
               <a:rPr lang="zh-CN"/>
+              <a:t/>
             </a:fld>
             <a:endParaRPr lang="zh-CN"/>
           </a:p>
@@ -1415,7 +1436,7 @@
 </file>
 
 <file path=ppt/slideLayouts/slideLayout5.xml><?xml version="1.0" encoding="utf-8"?>
-<p:sldLayout xmlns:a="http://schemas.openxmlformats.org/drawingml/2006/main" xmlns:r="http://schemas.openxmlformats.org/officeDocument/2006/relationships" xmlns:p="http://schemas.openxmlformats.org/presentationml/2006/main" type="twoTxTwoObj" preserve="1" showMasterPhAnim="0" userDrawn="1">
+<p:sldLayout xmlns:a="http://schemas.openxmlformats.org/drawingml/2006/main" xmlns:r="http://schemas.openxmlformats.org/officeDocument/2006/relationships" xmlns:p="http://schemas.openxmlformats.org/presentationml/2006/main" xmlns:m="http://schemas.openxmlformats.org/officeDocument/2006/math" xmlns:w="http://schemas.openxmlformats.org/wordprocessingml/2006/main" matchingName="" preserve="1" showMasterPhAnim="0" type="twoTxTwoObj" userDrawn="1">
   <p:cSld name="Comparison">
     <p:spTree>
       <p:nvGrpSpPr>
@@ -1759,7 +1780,8 @@
               <a:defRPr/>
             </a:pPr>
             <a:fld id="{BCC18F51-09EC-435C-A3BA-64A766E099C0}" type="datetimeFigureOut">
-              <a:rPr lang="zh-CN" altLang="en-US"/>
+              <a:rPr lang="zh-CN"/>
+              <a:t/>
             </a:fld>
             <a:endParaRPr lang="zh-CN"/>
           </a:p>
@@ -1807,6 +1829,7 @@
             </a:pPr>
             <a:fld id="{08395586-F03A-48D1-94DF-16B239DF4FB5}" type="slidenum">
               <a:rPr lang="zh-CN"/>
+              <a:t/>
             </a:fld>
             <a:endParaRPr lang="zh-CN"/>
           </a:p>
@@ -1821,7 +1844,7 @@
 </file>
 
 <file path=ppt/slideLayouts/slideLayout6.xml><?xml version="1.0" encoding="utf-8"?>
-<p:sldLayout xmlns:a="http://schemas.openxmlformats.org/drawingml/2006/main" xmlns:r="http://schemas.openxmlformats.org/officeDocument/2006/relationships" xmlns:p="http://schemas.openxmlformats.org/presentationml/2006/main" type="titleOnly" preserve="1" showMasterPhAnim="0" userDrawn="1">
+<p:sldLayout xmlns:a="http://schemas.openxmlformats.org/drawingml/2006/main" xmlns:r="http://schemas.openxmlformats.org/officeDocument/2006/relationships" xmlns:p="http://schemas.openxmlformats.org/presentationml/2006/main" xmlns:m="http://schemas.openxmlformats.org/officeDocument/2006/math" xmlns:w="http://schemas.openxmlformats.org/wordprocessingml/2006/main" matchingName="" preserve="1" showMasterPhAnim="0" type="titleOnly" userDrawn="1">
   <p:cSld name="Title Only">
     <p:spTree>
       <p:nvGrpSpPr>
@@ -1882,7 +1905,8 @@
               <a:defRPr/>
             </a:pPr>
             <a:fld id="{BCC18F51-09EC-435C-A3BA-64A766E099C0}" type="datetimeFigureOut">
-              <a:rPr lang="zh-CN" altLang="en-US"/>
+              <a:rPr lang="zh-CN"/>
+              <a:t/>
             </a:fld>
             <a:endParaRPr lang="zh-CN"/>
           </a:p>
@@ -1930,6 +1954,7 @@
             </a:pPr>
             <a:fld id="{08395586-F03A-48D1-94DF-16B239DF4FB5}" type="slidenum">
               <a:rPr lang="zh-CN"/>
+              <a:t/>
             </a:fld>
             <a:endParaRPr lang="zh-CN"/>
           </a:p>
@@ -1944,7 +1969,7 @@
 </file>
 
 <file path=ppt/slideLayouts/slideLayout7.xml><?xml version="1.0" encoding="utf-8"?>
-<p:sldLayout xmlns:a="http://schemas.openxmlformats.org/drawingml/2006/main" xmlns:r="http://schemas.openxmlformats.org/officeDocument/2006/relationships" xmlns:p="http://schemas.openxmlformats.org/presentationml/2006/main" type="blank" preserve="1" showMasterPhAnim="0" userDrawn="1">
+<p:sldLayout xmlns:a="http://schemas.openxmlformats.org/drawingml/2006/main" xmlns:r="http://schemas.openxmlformats.org/officeDocument/2006/relationships" xmlns:p="http://schemas.openxmlformats.org/presentationml/2006/main" xmlns:m="http://schemas.openxmlformats.org/officeDocument/2006/math" xmlns:w="http://schemas.openxmlformats.org/wordprocessingml/2006/main" matchingName="" preserve="1" showMasterPhAnim="0" type="blank" userDrawn="1">
   <p:cSld name="Blank">
     <p:spTree>
       <p:nvGrpSpPr>
@@ -1979,7 +2004,8 @@
               <a:defRPr/>
             </a:pPr>
             <a:fld id="{BCC18F51-09EC-435C-A3BA-64A766E099C0}" type="datetimeFigureOut">
-              <a:rPr lang="zh-CN" altLang="en-US"/>
+              <a:rPr lang="zh-CN"/>
+              <a:t/>
             </a:fld>
             <a:endParaRPr lang="zh-CN"/>
           </a:p>
@@ -2027,6 +2053,7 @@
             </a:pPr>
             <a:fld id="{08395586-F03A-48D1-94DF-16B239DF4FB5}" type="slidenum">
               <a:rPr lang="zh-CN"/>
+              <a:t/>
             </a:fld>
             <a:endParaRPr lang="zh-CN"/>
           </a:p>
@@ -2041,7 +2068,7 @@
 </file>
 
 <file path=ppt/slideLayouts/slideLayout8.xml><?xml version="1.0" encoding="utf-8"?>
-<p:sldLayout xmlns:a="http://schemas.openxmlformats.org/drawingml/2006/main" xmlns:r="http://schemas.openxmlformats.org/officeDocument/2006/relationships" xmlns:p="http://schemas.openxmlformats.org/presentationml/2006/main" type="objTx" preserve="1" showMasterPhAnim="0" userDrawn="1">
+<p:sldLayout xmlns:a="http://schemas.openxmlformats.org/drawingml/2006/main" xmlns:r="http://schemas.openxmlformats.org/officeDocument/2006/relationships" xmlns:p="http://schemas.openxmlformats.org/presentationml/2006/main" xmlns:m="http://schemas.openxmlformats.org/officeDocument/2006/math" xmlns:w="http://schemas.openxmlformats.org/wordprocessingml/2006/main" matchingName="" preserve="1" showMasterPhAnim="0" type="objTx" userDrawn="1">
   <p:cSld name="Content with Caption">
     <p:spTree>
       <p:nvGrpSpPr>
@@ -2278,7 +2305,8 @@
               <a:defRPr/>
             </a:pPr>
             <a:fld id="{BCC18F51-09EC-435C-A3BA-64A766E099C0}" type="datetimeFigureOut">
-              <a:rPr lang="zh-CN" altLang="en-US"/>
+              <a:rPr lang="zh-CN"/>
+              <a:t/>
             </a:fld>
             <a:endParaRPr lang="zh-CN"/>
           </a:p>
@@ -2326,6 +2354,7 @@
             </a:pPr>
             <a:fld id="{08395586-F03A-48D1-94DF-16B239DF4FB5}" type="slidenum">
               <a:rPr lang="zh-CN"/>
+              <a:t/>
             </a:fld>
             <a:endParaRPr lang="zh-CN"/>
           </a:p>
@@ -2340,7 +2369,7 @@
 </file>
 
 <file path=ppt/slideLayouts/slideLayout9.xml><?xml version="1.0" encoding="utf-8"?>
-<p:sldLayout xmlns:a="http://schemas.openxmlformats.org/drawingml/2006/main" xmlns:r="http://schemas.openxmlformats.org/officeDocument/2006/relationships" xmlns:p="http://schemas.openxmlformats.org/presentationml/2006/main" type="picTx" preserve="1" showMasterPhAnim="0" userDrawn="1">
+<p:sldLayout xmlns:a="http://schemas.openxmlformats.org/drawingml/2006/main" xmlns:r="http://schemas.openxmlformats.org/officeDocument/2006/relationships" xmlns:p="http://schemas.openxmlformats.org/presentationml/2006/main" xmlns:m="http://schemas.openxmlformats.org/officeDocument/2006/math" xmlns:w="http://schemas.openxmlformats.org/wordprocessingml/2006/main" matchingName="" preserve="1" showMasterPhAnim="0" type="picTx" userDrawn="1">
   <p:cSld name="Picture with Caption">
     <p:spTree>
       <p:nvGrpSpPr>
@@ -2395,7 +2424,7 @@
         <p:nvSpPr>
           <p:cNvPr id="3" name="Picture Placeholder 2"/>
           <p:cNvSpPr>
-            <a:spLocks noGrp="1" noChangeAspect="1"/>
+            <a:spLocks noChangeAspect="1" noGrp="1"/>
           </p:cNvSpPr>
           <p:nvPr>
             <p:ph type="pic" idx="1"/>
@@ -2546,7 +2575,8 @@
               <a:defRPr/>
             </a:pPr>
             <a:fld id="{BCC18F51-09EC-435C-A3BA-64A766E099C0}" type="datetimeFigureOut">
-              <a:rPr lang="zh-CN" altLang="en-US"/>
+              <a:rPr lang="zh-CN"/>
+              <a:t/>
             </a:fld>
             <a:endParaRPr lang="zh-CN"/>
           </a:p>
@@ -2594,6 +2624,7 @@
             </a:pPr>
             <a:fld id="{08395586-F03A-48D1-94DF-16B239DF4FB5}" type="slidenum">
               <a:rPr lang="zh-CN"/>
+              <a:t/>
             </a:fld>
             <a:endParaRPr lang="zh-CN"/>
           </a:p>
@@ -2608,8 +2639,8 @@
 </file>
 
 <file path=ppt/slideMasters/slideMaster1.xml><?xml version="1.0" encoding="utf-8"?>
-<p:sldMaster xmlns:a="http://schemas.openxmlformats.org/drawingml/2006/main" xmlns:r="http://schemas.openxmlformats.org/officeDocument/2006/relationships" xmlns:p="http://schemas.openxmlformats.org/presentationml/2006/main">
-  <p:cSld>
+<p:sldMaster xmlns:a="http://schemas.openxmlformats.org/drawingml/2006/main" xmlns:r="http://schemas.openxmlformats.org/officeDocument/2006/relationships" xmlns:p="http://schemas.openxmlformats.org/presentationml/2006/main" xmlns:m="http://schemas.openxmlformats.org/officeDocument/2006/math" xmlns:w="http://schemas.openxmlformats.org/wordprocessingml/2006/main" preserve="0">
+  <p:cSld name="">
     <p:bg>
       <p:bgRef idx="1001">
         <a:schemeClr val="bg1"/>
@@ -2778,7 +2809,8 @@
               <a:defRPr/>
             </a:pPr>
             <a:fld id="{BCC18F51-09EC-435C-A3BA-64A766E099C0}" type="datetimeFigureOut">
-              <a:rPr lang="zh-CN" altLang="en-US"/>
+              <a:rPr lang="zh-CN"/>
+              <a:t/>
             </a:fld>
             <a:endParaRPr lang="zh-CN"/>
           </a:p>
@@ -2862,6 +2894,7 @@
             </a:pPr>
             <a:fld id="{08395586-F03A-48D1-94DF-16B239DF4FB5}" type="slidenum">
               <a:rPr lang="zh-CN"/>
+              <a:t/>
             </a:fld>
             <a:endParaRPr lang="zh-CN"/>
           </a:p>
@@ -2911,7 +2944,7 @@
         <a:spcBef>
           <a:spcPts val="1000"/>
         </a:spcBef>
-        <a:buFont typeface="Arial" panose="020B0604020202020204"/>
+        <a:buFont typeface="Arial"/>
         <a:buChar char="•"/>
         <a:defRPr sz="2800">
           <a:solidFill>
@@ -2929,7 +2962,7 @@
         <a:spcBef>
           <a:spcPts val="500"/>
         </a:spcBef>
-        <a:buFont typeface="Arial" panose="020B0604020202020204"/>
+        <a:buFont typeface="Arial"/>
         <a:buChar char="•"/>
         <a:defRPr sz="2400">
           <a:solidFill>
@@ -2947,7 +2980,7 @@
         <a:spcBef>
           <a:spcPts val="500"/>
         </a:spcBef>
-        <a:buFont typeface="Arial" panose="020B0604020202020204"/>
+        <a:buFont typeface="Arial"/>
         <a:buChar char="•"/>
         <a:defRPr sz="2000">
           <a:solidFill>
@@ -2965,7 +2998,7 @@
         <a:spcBef>
           <a:spcPts val="500"/>
         </a:spcBef>
-        <a:buFont typeface="Arial" panose="020B0604020202020204"/>
+        <a:buFont typeface="Arial"/>
         <a:buChar char="•"/>
         <a:defRPr sz="1800">
           <a:solidFill>
@@ -2983,7 +3016,7 @@
         <a:spcBef>
           <a:spcPts val="500"/>
         </a:spcBef>
-        <a:buFont typeface="Arial" panose="020B0604020202020204"/>
+        <a:buFont typeface="Arial"/>
         <a:buChar char="•"/>
         <a:defRPr sz="1800">
           <a:solidFill>
@@ -3001,7 +3034,7 @@
         <a:spcBef>
           <a:spcPts val="500"/>
         </a:spcBef>
-        <a:buFont typeface="Arial" panose="020B0604020202020204"/>
+        <a:buFont typeface="Arial"/>
         <a:buChar char="•"/>
         <a:defRPr sz="1800">
           <a:solidFill>
@@ -3019,7 +3052,7 @@
         <a:spcBef>
           <a:spcPts val="500"/>
         </a:spcBef>
-        <a:buFont typeface="Arial" panose="020B0604020202020204"/>
+        <a:buFont typeface="Arial"/>
         <a:buChar char="•"/>
         <a:defRPr sz="1800">
           <a:solidFill>
@@ -3037,7 +3070,7 @@
         <a:spcBef>
           <a:spcPts val="500"/>
         </a:spcBef>
-        <a:buFont typeface="Arial" panose="020B0604020202020204"/>
+        <a:buFont typeface="Arial"/>
         <a:buChar char="•"/>
         <a:defRPr sz="1800">
           <a:solidFill>
@@ -3055,7 +3088,7 @@
         <a:spcBef>
           <a:spcPts val="500"/>
         </a:spcBef>
-        <a:buFont typeface="Arial" panose="020B0604020202020204"/>
+        <a:buFont typeface="Arial"/>
         <a:buChar char="•"/>
         <a:defRPr sz="1800">
           <a:solidFill>
@@ -3167,8 +3200,8 @@
 </file>
 
 <file path=ppt/slides/slide1.xml><?xml version="1.0" encoding="utf-8"?>
-<p:sld xmlns:a="http://schemas.openxmlformats.org/drawingml/2006/main" xmlns:r="http://schemas.openxmlformats.org/officeDocument/2006/relationships" xmlns:p="http://schemas.openxmlformats.org/presentationml/2006/main" showMasterPhAnim="0">
-  <p:cSld>
+<p:sld xmlns:a="http://schemas.openxmlformats.org/drawingml/2006/main" xmlns:r="http://schemas.openxmlformats.org/officeDocument/2006/relationships" xmlns:p="http://schemas.openxmlformats.org/presentationml/2006/main" xmlns:m="http://schemas.openxmlformats.org/officeDocument/2006/math" xmlns:w="http://schemas.openxmlformats.org/wordprocessingml/2006/main" showMasterPhAnim="0" show="1">
+  <p:cSld name="">
     <p:spTree>
       <p:nvGrpSpPr>
         <p:cNvPr id="1" name=""/>
@@ -3235,7 +3268,7 @@
         </p:nvSpPr>
         <p:spPr bwMode="auto">
           <a:xfrm>
-            <a:off x="1113790" y="5601970"/>
+            <a:off x="1113789" y="4630974"/>
             <a:ext cx="9965055" cy="557530"/>
           </a:xfrm>
         </p:spPr>
@@ -3330,7 +3363,7 @@
         </p:nvSpPr>
         <p:spPr bwMode="auto">
           <a:xfrm>
-            <a:off x="2154555" y="4337685"/>
+            <a:off x="2154555" y="5273335"/>
             <a:ext cx="7882890" cy="368300"/>
           </a:xfrm>
           <a:prstGeom prst="rect">
@@ -3362,7 +3395,7 @@
         </p:nvSpPr>
         <p:spPr bwMode="auto">
           <a:xfrm>
-            <a:off x="2154555" y="4705985"/>
+            <a:off x="2154555" y="5641635"/>
             <a:ext cx="7882890" cy="368300"/>
           </a:xfrm>
           <a:prstGeom prst="rect">
@@ -3393,18 +3426,18 @@
   </p:clrMapOvr>
   <mc:AlternateContent xmlns:mc="http://schemas.openxmlformats.org/markup-compatibility/2006">
     <mc:Choice xmlns:p14="http://schemas.microsoft.com/office/powerpoint/2010/main" Requires="p14">
-      <p:transition p14:dur="2000"/>
+      <p:transition p14:dur="2000" advClick="1"/>
     </mc:Choice>
     <mc:Fallback>
-      <p:transition/>
+      <p:transition advClick="1"/>
     </mc:Fallback>
   </mc:AlternateContent>
 </p:sld>
 </file>
 
-<file path=ppt/slides/slide2.xml><?xml version="1.0" encoding="utf-8"?>
-<p:sld xmlns:a="http://schemas.openxmlformats.org/drawingml/2006/main" xmlns:r="http://schemas.openxmlformats.org/officeDocument/2006/relationships" xmlns:p="http://schemas.openxmlformats.org/presentationml/2006/main" showMasterPhAnim="0">
-  <p:cSld>
+<file path=ppt/slides/slide10.xml><?xml version="1.0" encoding="utf-8"?>
+<p:sld xmlns:a="http://schemas.openxmlformats.org/drawingml/2006/main" xmlns:r="http://schemas.openxmlformats.org/officeDocument/2006/relationships" xmlns:p="http://schemas.openxmlformats.org/presentationml/2006/main" xmlns:m="http://schemas.openxmlformats.org/officeDocument/2006/math" xmlns:w="http://schemas.openxmlformats.org/wordprocessingml/2006/main" showMasterPhAnim="0" show="1">
+  <p:cSld name="">
     <p:spTree>
       <p:nvGrpSpPr>
         <p:cNvPr id="1" name=""/>
@@ -3421,6 +3454,2045 @@
       </p:grpSpPr>
       <p:sp>
         <p:nvSpPr>
+          <p:cNvPr id="1354687713" name="Title 1"/>
+          <p:cNvSpPr>
+            <a:spLocks noGrp="1"/>
+          </p:cNvSpPr>
+          <p:nvPr>
+            <p:ph type="title"/>
+          </p:nvPr>
+        </p:nvSpPr>
+        <p:spPr bwMode="auto"/>
+        <p:txBody>
+          <a:bodyPr/>
+          <a:lstStyle/>
+          <a:p>
+            <a:pPr>
+              <a:defRPr/>
+            </a:pPr>
+            <a:r>
+              <a:rPr/>
+              <a:t>Prior art — Subverting protection models</a:t>
+            </a:r>
+            <a:endParaRPr/>
+          </a:p>
+        </p:txBody>
+      </p:sp>
+      <p:sp>
+        <p:nvSpPr>
+          <p:cNvPr id="1008882593" name="Content Placeholder 2"/>
+          <p:cNvSpPr>
+            <a:spLocks noGrp="1"/>
+          </p:cNvSpPr>
+          <p:nvPr>
+            <p:ph idx="1"/>
+          </p:nvPr>
+        </p:nvSpPr>
+        <p:spPr bwMode="auto">
+          <a:xfrm flipH="0" flipV="0">
+            <a:off x="838198" y="1514984"/>
+            <a:ext cx="4850003" cy="4351338"/>
+          </a:xfrm>
+        </p:spPr>
+        <p:txBody>
+          <a:bodyPr vertOverflow="overflow" horzOverflow="overflow" vert="horz" wrap="square" lIns="91440" tIns="45720" rIns="91440" bIns="45720" numCol="1" spcCol="0" rtlCol="0" fromWordArt="0" anchor="t" anchorCtr="0" forceAA="0" upright="0" compatLnSpc="0">
+            <a:normAutofit/>
+          </a:bodyPr>
+          <a:lstStyle/>
+          <a:p>
+            <a:pPr>
+              <a:defRPr/>
+            </a:pPr>
+            <a:r>
+              <a:rPr/>
+              <a:t>Targeted at PPRL-VGAN</a:t>
+            </a:r>
+            <a:endParaRPr/>
+          </a:p>
+          <a:p>
+            <a:pPr lvl="1">
+              <a:defRPr/>
+            </a:pPr>
+            <a:r>
+              <a:rPr/>
+              <a:t>Referred as PP-GANs in the work</a:t>
+            </a:r>
+            <a:endParaRPr/>
+          </a:p>
+          <a:p>
+            <a:pPr lvl="0">
+              <a:defRPr/>
+            </a:pPr>
+            <a:r>
+              <a:rPr/>
+              <a:t>Use stenography to embed identity vector.</a:t>
+            </a:r>
+            <a:endParaRPr/>
+          </a:p>
+          <a:p>
+            <a:pPr lvl="0">
+              <a:defRPr/>
+            </a:pPr>
+            <a:r>
+              <a:rPr/>
+              <a:t>Minimal changes to the carrier.</a:t>
+            </a:r>
+            <a:endParaRPr/>
+          </a:p>
+          <a:p>
+            <a:pPr lvl="0">
+              <a:defRPr/>
+            </a:pPr>
+            <a:r>
+              <a:rPr/>
+              <a:t>Not commonly considered in evaluation.</a:t>
+            </a:r>
+            <a:endParaRPr/>
+          </a:p>
+          <a:p>
+            <a:pPr lvl="0">
+              <a:defRPr/>
+            </a:pPr>
+            <a:r>
+              <a:rPr/>
+              <a:t>Hidden as additional layers.</a:t>
+            </a:r>
+            <a:endParaRPr/>
+          </a:p>
+        </p:txBody>
+      </p:sp>
+      <p:pic>
+        <p:nvPicPr>
+          <p:cNvPr id="946793659" name="图片 7"/>
+          <p:cNvPicPr>
+            <a:picLocks noChangeAspect="1"/>
+          </p:cNvPicPr>
+          <p:nvPr/>
+        </p:nvPicPr>
+        <p:blipFill>
+          <a:blip r:embed="rId2"/>
+          <a:srcRect l="0" t="5398" r="-302" b="0"/>
+          <a:stretch/>
+        </p:blipFill>
+        <p:spPr bwMode="auto">
+          <a:xfrm flipH="0" flipV="0">
+            <a:off x="8406990" y="1308247"/>
+            <a:ext cx="3726105" cy="2558109"/>
+          </a:xfrm>
+          <a:prstGeom prst="rect">
+            <a:avLst/>
+          </a:prstGeom>
+        </p:spPr>
+      </p:pic>
+      <p:pic>
+        <p:nvPicPr>
+          <p:cNvPr id="894347606" name="图片 8"/>
+          <p:cNvPicPr>
+            <a:picLocks noChangeAspect="1"/>
+          </p:cNvPicPr>
+          <p:nvPr/>
+        </p:nvPicPr>
+        <p:blipFill>
+          <a:blip r:embed="rId3"/>
+          <a:stretch/>
+        </p:blipFill>
+        <p:spPr bwMode="auto">
+          <a:xfrm flipH="0" flipV="0">
+            <a:off x="6235858" y="3820119"/>
+            <a:ext cx="5802533" cy="2221906"/>
+          </a:xfrm>
+          <a:prstGeom prst="rect">
+            <a:avLst/>
+          </a:prstGeom>
+        </p:spPr>
+      </p:pic>
+      <p:sp>
+        <p:nvSpPr>
+          <p:cNvPr id="963162246" name=""/>
+          <p:cNvSpPr txBox="1"/>
+          <p:nvPr/>
+        </p:nvSpPr>
+        <p:spPr bwMode="auto">
+          <a:xfrm flipH="0" flipV="0">
+            <a:off x="6150582" y="1701553"/>
+            <a:ext cx="2109166" cy="1463400"/>
+          </a:xfrm>
+          <a:prstGeom prst="rect">
+            <a:avLst/>
+          </a:prstGeom>
+          <a:noFill/>
+        </p:spPr>
+        <p:txBody>
+          <a:bodyPr vertOverflow="overflow" horzOverflow="overflow" vert="horz" wrap="square" lIns="91440" tIns="45720" rIns="91440" bIns="45720" numCol="1" spcCol="0" rtlCol="0" fromWordArt="0" anchor="t" anchorCtr="0" forceAA="0" upright="0" compatLnSpc="0">
+            <a:spAutoFit/>
+          </a:bodyPr>
+          <a:p>
+            <a:pPr>
+              <a:defRPr/>
+            </a:pPr>
+            <a:r>
+              <a:rPr/>
+              <a:t>Right — Adversary workflow</a:t>
+            </a:r>
+            <a:endParaRPr/>
+          </a:p>
+          <a:p>
+            <a:pPr>
+              <a:defRPr/>
+            </a:pPr>
+            <a:endParaRPr/>
+          </a:p>
+          <a:p>
+            <a:pPr>
+              <a:defRPr/>
+            </a:pPr>
+            <a:r>
+              <a:rPr/>
+              <a:t>Bottom — Model structure</a:t>
+            </a:r>
+            <a:endParaRPr/>
+          </a:p>
+        </p:txBody>
+      </p:sp>
+      <p:sp>
+        <p:nvSpPr>
+          <p:cNvPr id="1970992626" name=""/>
+          <p:cNvSpPr txBox="1"/>
+          <p:nvPr/>
+        </p:nvSpPr>
+        <p:spPr bwMode="auto">
+          <a:xfrm flipH="0" flipV="0">
+            <a:off x="213640" y="6042025"/>
+            <a:ext cx="7603458" cy="640440"/>
+          </a:xfrm>
+          <a:prstGeom prst="rect">
+            <a:avLst/>
+          </a:prstGeom>
+          <a:noFill/>
+        </p:spPr>
+        <p:txBody>
+          <a:bodyPr vertOverflow="overflow" horzOverflow="overflow" vert="horz" wrap="none" lIns="91440" tIns="45720" rIns="91440" bIns="45720" numCol="1" spcCol="0" rtlCol="0" fromWordArt="0" anchor="t" anchorCtr="0" forceAA="0" upright="0" compatLnSpc="0">
+            <a:spAutoFit/>
+          </a:bodyPr>
+          <a:p>
+            <a:pPr>
+              <a:defRPr/>
+            </a:pPr>
+            <a:r>
+              <a:rPr lang="zh-CN" sz="1800" b="0" i="0" u="none" strike="noStrike" cap="none" spc="0">
+                <a:solidFill>
+                  <a:schemeClr val="tx1"/>
+                </a:solidFill>
+                <a:latin typeface="Arial"/>
+                <a:ea typeface="Arial"/>
+                <a:cs typeface="Arial"/>
+              </a:rPr>
+              <a:t>Subverting Privacy-Preserving GANs: Hiding Secrets in Sanitized Images</a:t>
+            </a:r>
+            <a:endParaRPr lang="zh-CN" sz="1800" b="0" i="0" u="none" strike="noStrike" cap="none" spc="0">
+              <a:solidFill>
+                <a:schemeClr val="tx1"/>
+              </a:solidFill>
+              <a:latin typeface="Arial"/>
+              <a:ea typeface="Arial"/>
+              <a:cs typeface="Arial"/>
+            </a:endParaRPr>
+          </a:p>
+          <a:p>
+            <a:pPr>
+              <a:defRPr/>
+            </a:pPr>
+            <a:r>
+              <a:rPr lang="zh-CN" sz="1800" b="0" i="0" u="none" strike="noStrike" cap="none" spc="0">
+                <a:solidFill>
+                  <a:schemeClr val="tx1"/>
+                </a:solidFill>
+                <a:latin typeface="Arial"/>
+                <a:ea typeface="Arial"/>
+                <a:cs typeface="Arial"/>
+              </a:rPr>
+              <a:t>Liu et al. 2021 — DOI: </a:t>
+            </a:r>
+            <a:r>
+              <a:rPr lang="zh-CN" sz="1800" b="0" i="0" u="none" strike="noStrike" cap="none" spc="0">
+                <a:solidFill>
+                  <a:schemeClr val="tx1"/>
+                </a:solidFill>
+                <a:latin typeface="Arial"/>
+                <a:ea typeface="Arial"/>
+                <a:cs typeface="Arial"/>
+              </a:rPr>
+              <a:t>10.1609/aaai.v35i17.17743</a:t>
+            </a:r>
+            <a:endParaRPr/>
+          </a:p>
+        </p:txBody>
+      </p:sp>
+    </p:spTree>
+  </p:cSld>
+  <p:clrMapOvr>
+    <a:masterClrMapping/>
+  </p:clrMapOvr>
+  <mc:AlternateContent xmlns:mc="http://schemas.openxmlformats.org/markup-compatibility/2006">
+    <mc:Choice xmlns:p14="http://schemas.microsoft.com/office/powerpoint/2010/main" Requires="p14">
+      <p:transition p14:dur="2000" advClick="1"/>
+    </mc:Choice>
+    <mc:Fallback>
+      <p:transition advClick="1"/>
+    </mc:Fallback>
+  </mc:AlternateContent>
+</p:sld>
+</file>
+
+<file path=ppt/slides/slide11.xml><?xml version="1.0" encoding="utf-8"?>
+<p:sld xmlns:a="http://schemas.openxmlformats.org/drawingml/2006/main" xmlns:r="http://schemas.openxmlformats.org/officeDocument/2006/relationships" xmlns:p="http://schemas.openxmlformats.org/presentationml/2006/main" xmlns:m="http://schemas.openxmlformats.org/officeDocument/2006/math" xmlns:w="http://schemas.openxmlformats.org/wordprocessingml/2006/main" showMasterPhAnim="0" show="1">
+  <p:cSld name="">
+    <p:spTree>
+      <p:nvGrpSpPr>
+        <p:cNvPr id="1" name=""/>
+        <p:cNvGrpSpPr/>
+        <p:nvPr/>
+      </p:nvGrpSpPr>
+      <p:grpSpPr bwMode="auto">
+        <a:xfrm>
+          <a:off x="0" y="0"/>
+          <a:ext cx="0" cy="0"/>
+          <a:chOff x="0" y="0"/>
+          <a:chExt cx="0" cy="0"/>
+        </a:xfrm>
+      </p:grpSpPr>
+      <p:sp>
+        <p:nvSpPr>
+          <p:cNvPr id="2079928841" name="Title 1"/>
+          <p:cNvSpPr>
+            <a:spLocks noGrp="1"/>
+          </p:cNvSpPr>
+          <p:nvPr>
+            <p:ph type="title"/>
+          </p:nvPr>
+        </p:nvSpPr>
+        <p:spPr bwMode="auto"/>
+        <p:txBody>
+          <a:bodyPr/>
+          <a:lstStyle/>
+          <a:p>
+            <a:pPr>
+              <a:defRPr/>
+            </a:pPr>
+            <a:r>
+              <a:rPr/>
+              <a:t>Prior art — Stenography for speeches</a:t>
+            </a:r>
+            <a:endParaRPr/>
+          </a:p>
+        </p:txBody>
+      </p:sp>
+      <p:sp>
+        <p:nvSpPr>
+          <p:cNvPr id="1880389755" name="Content Placeholder 2"/>
+          <p:cNvSpPr>
+            <a:spLocks noGrp="1"/>
+          </p:cNvSpPr>
+          <p:nvPr>
+            <p:ph idx="1"/>
+          </p:nvPr>
+        </p:nvSpPr>
+        <p:spPr bwMode="auto">
+          <a:xfrm flipH="0" flipV="0">
+            <a:off x="838199" y="1825624"/>
+            <a:ext cx="3712552" cy="4351338"/>
+          </a:xfrm>
+        </p:spPr>
+        <p:txBody>
+          <a:bodyPr/>
+          <a:lstStyle/>
+          <a:p>
+            <a:pPr>
+              <a:defRPr/>
+            </a:pPr>
+            <a:r>
+              <a:rPr lang="zh-CN" sz="2800" b="0" i="0" u="none" strike="noStrike" cap="none" spc="0">
+                <a:solidFill>
+                  <a:schemeClr val="tx1"/>
+                </a:solidFill>
+                <a:latin typeface="Arial"/>
+                <a:ea typeface="Arial"/>
+                <a:cs typeface="Arial"/>
+              </a:rPr>
+              <a:t>Hide and Speak</a:t>
+            </a:r>
+            <a:endParaRPr lang="zh-CN" sz="2800" b="0" i="0" u="none" strike="noStrike" cap="none" spc="0">
+              <a:solidFill>
+                <a:schemeClr val="tx1"/>
+              </a:solidFill>
+              <a:latin typeface="Arial"/>
+              <a:ea typeface="Arial"/>
+              <a:cs typeface="Arial"/>
+            </a:endParaRPr>
+          </a:p>
+          <a:p>
+            <a:pPr>
+              <a:defRPr/>
+            </a:pPr>
+            <a:r>
+              <a:rPr lang="zh-CN" sz="2800" b="0" i="0" u="none" strike="noStrike" cap="none" spc="0">
+                <a:solidFill>
+                  <a:schemeClr val="tx1"/>
+                </a:solidFill>
+                <a:latin typeface="Arial"/>
+                <a:ea typeface="Arial"/>
+                <a:cs typeface="Arial"/>
+              </a:rPr>
+              <a:t>Optimized for audio, specifically speeches.</a:t>
+            </a:r>
+            <a:endParaRPr lang="zh-CN" sz="2800" b="0" i="0" u="none" strike="noStrike" cap="none" spc="0">
+              <a:solidFill>
+                <a:schemeClr val="tx1"/>
+              </a:solidFill>
+              <a:latin typeface="Arial"/>
+              <a:ea typeface="Arial"/>
+              <a:cs typeface="Arial"/>
+            </a:endParaRPr>
+          </a:p>
+          <a:p>
+            <a:pPr>
+              <a:defRPr/>
+            </a:pPr>
+            <a:r>
+              <a:rPr lang="zh-CN" sz="2800" b="0" i="0" u="none" strike="noStrike" cap="none" spc="0">
+                <a:solidFill>
+                  <a:schemeClr val="tx1"/>
+                </a:solidFill>
+                <a:latin typeface="Arial"/>
+                <a:ea typeface="Arial"/>
+                <a:cs typeface="Arial"/>
+              </a:rPr>
+              <a:t>Minimal changes to carrier, no audible distortion</a:t>
+            </a:r>
+            <a:endParaRPr lang="zh-CN" sz="2800" b="0" i="0" u="none" strike="noStrike" cap="none" spc="0">
+              <a:solidFill>
+                <a:schemeClr val="tx1"/>
+              </a:solidFill>
+              <a:latin typeface="Arial"/>
+              <a:ea typeface="Arial"/>
+              <a:cs typeface="Arial"/>
+            </a:endParaRPr>
+          </a:p>
+          <a:p>
+            <a:pPr>
+              <a:defRPr/>
+            </a:pPr>
+            <a:r>
+              <a:rPr lang="zh-CN" sz="2800" b="0" i="0" u="none" strike="noStrike" cap="none" spc="0">
+                <a:solidFill>
+                  <a:schemeClr val="tx1"/>
+                </a:solidFill>
+                <a:latin typeface="Arial"/>
+                <a:ea typeface="Arial"/>
+                <a:cs typeface="Arial"/>
+              </a:rPr>
+              <a:t>Robust to degradations</a:t>
+            </a:r>
+            <a:endParaRPr lang="zh-CN"/>
+          </a:p>
+        </p:txBody>
+      </p:sp>
+      <p:pic>
+        <p:nvPicPr>
+          <p:cNvPr id="1298015377" name="图片 17"/>
+          <p:cNvPicPr>
+            <a:picLocks noChangeAspect="1"/>
+          </p:cNvPicPr>
+          <p:nvPr/>
+        </p:nvPicPr>
+        <p:blipFill>
+          <a:blip r:embed="rId2"/>
+          <a:stretch/>
+        </p:blipFill>
+        <p:spPr bwMode="auto">
+          <a:xfrm flipH="0" flipV="0">
+            <a:off x="4789344" y="1690687"/>
+            <a:ext cx="7335169" cy="2523153"/>
+          </a:xfrm>
+          <a:prstGeom prst="rect">
+            <a:avLst/>
+          </a:prstGeom>
+        </p:spPr>
+      </p:pic>
+      <p:sp>
+        <p:nvSpPr>
+          <p:cNvPr id="1765308996" name=""/>
+          <p:cNvSpPr txBox="1"/>
+          <p:nvPr/>
+        </p:nvSpPr>
+        <p:spPr bwMode="auto">
+          <a:xfrm flipH="0" flipV="0">
+            <a:off x="4911407" y="4213841"/>
+            <a:ext cx="6943689" cy="1463400"/>
+          </a:xfrm>
+          <a:prstGeom prst="rect">
+            <a:avLst/>
+          </a:prstGeom>
+          <a:noFill/>
+        </p:spPr>
+        <p:txBody>
+          <a:bodyPr vertOverflow="overflow" horzOverflow="overflow" vert="horz" wrap="square" lIns="91440" tIns="45720" rIns="91440" bIns="45720" numCol="1" spcCol="0" rtlCol="0" fromWordArt="0" anchor="t" anchorCtr="0" forceAA="0" upright="0" compatLnSpc="0">
+            <a:spAutoFit/>
+          </a:bodyPr>
+          <a:p>
+            <a:pPr>
+              <a:defRPr/>
+            </a:pPr>
+            <a:r>
+              <a:rPr lang="zh-CN" sz="1800" b="0" i="0" u="none" strike="noStrike" cap="none" spc="0">
+                <a:solidFill>
+                  <a:schemeClr val="tx1"/>
+                </a:solidFill>
+                <a:latin typeface="Arial"/>
+                <a:ea typeface="Arial"/>
+                <a:cs typeface="Arial"/>
+              </a:rPr>
+              <a:t>“The </a:t>
+            </a:r>
+            <a:r>
+              <a:rPr lang="zh-CN" sz="1800" b="1" i="1" u="none" strike="noStrike" cap="none" spc="0">
+                <a:solidFill>
+                  <a:schemeClr val="tx1"/>
+                </a:solidFill>
+                <a:latin typeface="Arial"/>
+                <a:ea typeface="Arial"/>
+                <a:cs typeface="Arial"/>
+              </a:rPr>
+              <a:t>encoder E</a:t>
+            </a:r>
+            <a:r>
+              <a:rPr lang="zh-CN" sz="1800" b="0" i="0" u="none" strike="noStrike" cap="none" spc="0">
+                <a:solidFill>
+                  <a:schemeClr val="tx1"/>
+                </a:solidFill>
+                <a:latin typeface="Arial"/>
+                <a:ea typeface="Arial"/>
+                <a:cs typeface="Arial"/>
+              </a:rPr>
+              <a:t> gets as input the </a:t>
+            </a:r>
+            <a:r>
+              <a:rPr lang="zh-CN" sz="1800" b="1" i="1" u="none" strike="noStrike" cap="none" spc="0">
+                <a:solidFill>
+                  <a:schemeClr val="tx1"/>
+                </a:solidFill>
+                <a:latin typeface="Arial"/>
+                <a:ea typeface="Arial"/>
+                <a:cs typeface="Arial"/>
+              </a:rPr>
+              <a:t>carrier C</a:t>
+            </a:r>
+            <a:r>
+              <a:rPr lang="zh-CN" sz="1800" b="0" i="0" u="none" strike="noStrike" cap="none" spc="0">
+                <a:solidFill>
+                  <a:schemeClr val="tx1"/>
+                </a:solidFill>
+                <a:latin typeface="Arial"/>
+                <a:ea typeface="Arial"/>
+                <a:cs typeface="Arial"/>
+              </a:rPr>
+              <a:t>, its output is then concatenated with </a:t>
+            </a:r>
+            <a:r>
+              <a:rPr lang="zh-CN" sz="1800" b="1" i="1" u="none" strike="noStrike" cap="none" spc="0">
+                <a:solidFill>
+                  <a:schemeClr val="tx1"/>
+                </a:solidFill>
+                <a:latin typeface="Arial"/>
+                <a:ea typeface="Arial"/>
+                <a:cs typeface="Arial"/>
+              </a:rPr>
+              <a:t>C and M to </a:t>
+            </a:r>
+            <a:r>
+              <a:rPr lang="zh-CN" sz="1800" b="1" i="1" u="none" strike="noStrike" cap="none" spc="0">
+                <a:solidFill>
+                  <a:schemeClr val="tx1"/>
+                </a:solidFill>
+                <a:latin typeface="Arial"/>
+                <a:ea typeface="Arial"/>
+                <a:cs typeface="Arial"/>
+              </a:rPr>
+              <a:t>create H</a:t>
+            </a:r>
+            <a:r>
+              <a:rPr lang="zh-CN" sz="1800" b="0" i="0" u="none" strike="noStrike" cap="none" spc="0">
+                <a:solidFill>
+                  <a:schemeClr val="tx1"/>
+                </a:solidFill>
+                <a:latin typeface="Arial"/>
+                <a:ea typeface="Arial"/>
+                <a:cs typeface="Arial"/>
+              </a:rPr>
+              <a:t>. Then, the </a:t>
+            </a:r>
+            <a:r>
+              <a:rPr lang="zh-CN" sz="1800" b="1" i="1" u="none" strike="noStrike" cap="none" spc="0">
+                <a:solidFill>
+                  <a:schemeClr val="tx1"/>
+                </a:solidFill>
+                <a:latin typeface="Arial"/>
+                <a:ea typeface="Arial"/>
+                <a:cs typeface="Arial"/>
+              </a:rPr>
+              <a:t>carrier decoder D</a:t>
+            </a:r>
+            <a:r>
+              <a:rPr lang="zh-CN" sz="1800" b="1" i="1" u="none" strike="noStrike" cap="none" spc="0" baseline="-25000">
+                <a:solidFill>
+                  <a:schemeClr val="tx1"/>
+                </a:solidFill>
+                <a:latin typeface="Arial"/>
+                <a:ea typeface="Arial"/>
+                <a:cs typeface="Arial"/>
+              </a:rPr>
+              <a:t>c</a:t>
+            </a:r>
+            <a:r>
+              <a:rPr lang="zh-CN" sz="1800" b="0" i="0" u="none" strike="noStrike" cap="none" spc="0">
+                <a:solidFill>
+                  <a:schemeClr val="tx1"/>
+                </a:solidFill>
+                <a:latin typeface="Arial"/>
+                <a:ea typeface="Arial"/>
+                <a:cs typeface="Arial"/>
+              </a:rPr>
+              <a:t> generates the new </a:t>
+            </a:r>
+            <a:r>
+              <a:rPr lang="zh-CN" sz="1800" b="0" i="0" u="none" strike="noStrike" cap="none" spc="0">
+                <a:solidFill>
+                  <a:schemeClr val="tx1"/>
+                </a:solidFill>
+                <a:latin typeface="Arial"/>
+                <a:ea typeface="Arial"/>
+                <a:cs typeface="Arial"/>
+              </a:rPr>
+              <a:t>embedded carrier, from which the </a:t>
+            </a:r>
+            <a:r>
+              <a:rPr lang="zh-CN" sz="1800" b="1" i="1" u="none" strike="noStrike" cap="none" spc="0">
+                <a:solidFill>
+                  <a:schemeClr val="tx1"/>
+                </a:solidFill>
+                <a:latin typeface="Arial"/>
+                <a:ea typeface="Arial"/>
+                <a:cs typeface="Arial"/>
+              </a:rPr>
+              <a:t>message decoder D</a:t>
+            </a:r>
+            <a:r>
+              <a:rPr lang="zh-CN" sz="1800" b="1" i="1" u="none" strike="noStrike" cap="none" spc="0" baseline="-25000">
+                <a:solidFill>
+                  <a:schemeClr val="tx1"/>
+                </a:solidFill>
+                <a:latin typeface="Arial"/>
+                <a:ea typeface="Arial"/>
+                <a:cs typeface="Arial"/>
+              </a:rPr>
+              <a:t>m</a:t>
+            </a:r>
+            <a:r>
+              <a:rPr lang="zh-CN" sz="1800" b="0" i="0" u="none" strike="noStrike" cap="none" spc="0">
+                <a:solidFill>
+                  <a:schemeClr val="tx1"/>
+                </a:solidFill>
+                <a:latin typeface="Arial"/>
+                <a:ea typeface="Arial"/>
+                <a:cs typeface="Arial"/>
+              </a:rPr>
+              <a:t> </a:t>
+            </a:r>
+            <a:r>
+              <a:rPr lang="zh-CN" sz="1800" b="1" i="1" u="none" strike="noStrike" cap="none" spc="0">
+                <a:solidFill>
+                  <a:schemeClr val="tx1"/>
+                </a:solidFill>
+                <a:latin typeface="Arial"/>
+                <a:ea typeface="Arial"/>
+                <a:cs typeface="Arial"/>
+              </a:rPr>
+              <a:t>decodes </a:t>
+            </a:r>
+            <a:r>
+              <a:rPr lang="zh-CN" sz="1800" b="1" i="1" u="none" strike="noStrike" cap="none" spc="0">
+                <a:solidFill>
+                  <a:schemeClr val="tx1"/>
+                </a:solidFill>
+                <a:latin typeface="Arial"/>
+                <a:ea typeface="Arial"/>
+                <a:cs typeface="Arial"/>
+              </a:rPr>
+              <a:t>the message ˆM</a:t>
+            </a:r>
+            <a:r>
+              <a:rPr lang="zh-CN" sz="1800" b="0" i="0" u="none" strike="noStrike" cap="none" spc="0">
+                <a:solidFill>
+                  <a:schemeClr val="tx1"/>
+                </a:solidFill>
+                <a:latin typeface="Arial"/>
+                <a:ea typeface="Arial"/>
+                <a:cs typeface="Arial"/>
+              </a:rPr>
+              <a:t>; Sub-figure (A) depicts the baseline model, (B) </a:t>
+            </a:r>
+            <a:r>
+              <a:rPr lang="zh-CN" sz="1800" b="0" i="0" u="none" strike="noStrike" cap="none" spc="0">
+                <a:solidFill>
+                  <a:schemeClr val="tx1"/>
+                </a:solidFill>
+                <a:latin typeface="Arial"/>
+                <a:ea typeface="Arial"/>
+                <a:cs typeface="Arial"/>
+              </a:rPr>
+              <a:t>depicts our </a:t>
+            </a:r>
+            <a:r>
+              <a:rPr lang="zh-CN" sz="1800" b="0" i="1" u="none" strike="noStrike" cap="none" spc="0">
+                <a:solidFill>
+                  <a:schemeClr val="tx1"/>
+                </a:solidFill>
+                <a:latin typeface="Arial"/>
+                <a:ea typeface="Arial"/>
+                <a:cs typeface="Arial"/>
+              </a:rPr>
+              <a:t>proposed model</a:t>
+            </a:r>
+            <a:r>
+              <a:rPr lang="zh-CN" sz="1800" b="0" i="0" u="none" strike="noStrike" cap="none" spc="0">
+                <a:solidFill>
+                  <a:schemeClr val="tx1"/>
+                </a:solidFill>
+                <a:latin typeface="Arial"/>
+                <a:ea typeface="Arial"/>
+                <a:cs typeface="Arial"/>
+              </a:rPr>
+              <a:t>.</a:t>
+            </a:r>
+            <a:r>
+              <a:rPr/>
+              <a:t>”</a:t>
+            </a:r>
+            <a:endParaRPr lang="zh-CN" sz="1800" b="0" i="0" u="none" strike="noStrike" cap="none" spc="0">
+              <a:solidFill>
+                <a:schemeClr val="tx1"/>
+              </a:solidFill>
+              <a:latin typeface="Arial"/>
+              <a:cs typeface="Arial"/>
+            </a:endParaRPr>
+          </a:p>
+        </p:txBody>
+      </p:sp>
+      <p:sp>
+        <p:nvSpPr>
+          <p:cNvPr id="1477124344" name=""/>
+          <p:cNvSpPr txBox="1"/>
+          <p:nvPr/>
+        </p:nvSpPr>
+        <p:spPr bwMode="auto">
+          <a:xfrm flipH="0" flipV="0">
+            <a:off x="509563" y="6010922"/>
+            <a:ext cx="7960313" cy="640440"/>
+          </a:xfrm>
+          <a:prstGeom prst="rect">
+            <a:avLst/>
+          </a:prstGeom>
+          <a:noFill/>
+        </p:spPr>
+        <p:txBody>
+          <a:bodyPr vertOverflow="overflow" horzOverflow="overflow" vert="horz" wrap="none" lIns="91440" tIns="45720" rIns="91440" bIns="45720" numCol="1" spcCol="0" rtlCol="0" fromWordArt="0" anchor="t" anchorCtr="0" forceAA="0" upright="0" compatLnSpc="0">
+            <a:spAutoFit/>
+          </a:bodyPr>
+          <a:p>
+            <a:pPr>
+              <a:defRPr/>
+            </a:pPr>
+            <a:r>
+              <a:rPr lang="zh-CN" sz="1800" b="0" i="0" u="none" strike="noStrike" cap="none" spc="0">
+                <a:solidFill>
+                  <a:schemeClr val="tx1"/>
+                </a:solidFill>
+                <a:latin typeface="Arial"/>
+                <a:ea typeface="Arial"/>
+                <a:cs typeface="Arial"/>
+              </a:rPr>
+              <a:t>Hide and Speak: Towards Deep Neural Networks for Speech Steganography</a:t>
+            </a:r>
+            <a:endParaRPr/>
+          </a:p>
+          <a:p>
+            <a:pPr>
+              <a:defRPr/>
+            </a:pPr>
+            <a:r>
+              <a:rPr lang="zh-CN" sz="1800" b="0" i="0" u="none" strike="noStrike" cap="none" spc="0">
+                <a:solidFill>
+                  <a:schemeClr val="tx1"/>
+                </a:solidFill>
+                <a:latin typeface="Arial"/>
+                <a:ea typeface="Arial"/>
+                <a:cs typeface="Arial"/>
+              </a:rPr>
+              <a:t>Kreuk</a:t>
+            </a:r>
+            <a:r>
+              <a:rPr/>
+              <a:t> et al. 2020 — </a:t>
+            </a:r>
+            <a:r>
+              <a:rPr lang="zh-CN" sz="1800" b="0" i="0" u="none" strike="noStrike" cap="none" spc="0">
+                <a:solidFill>
+                  <a:schemeClr val="tx1"/>
+                </a:solidFill>
+                <a:latin typeface="Arial"/>
+                <a:ea typeface="Arial"/>
+                <a:cs typeface="Arial"/>
+              </a:rPr>
+              <a:t>arXiv:1902.03083 [cs.SD]</a:t>
+            </a:r>
+            <a:endParaRPr/>
+          </a:p>
+        </p:txBody>
+      </p:sp>
+    </p:spTree>
+  </p:cSld>
+  <p:clrMapOvr>
+    <a:masterClrMapping/>
+  </p:clrMapOvr>
+  <mc:AlternateContent xmlns:mc="http://schemas.openxmlformats.org/markup-compatibility/2006">
+    <mc:Choice xmlns:p14="http://schemas.microsoft.com/office/powerpoint/2010/main" Requires="p14">
+      <p:transition p14:dur="2000" advClick="1"/>
+    </mc:Choice>
+    <mc:Fallback>
+      <p:transition advClick="1"/>
+    </mc:Fallback>
+  </mc:AlternateContent>
+</p:sld>
+</file>
+
+<file path=ppt/slides/slide12.xml><?xml version="1.0" encoding="utf-8"?>
+<p:sld xmlns:a="http://schemas.openxmlformats.org/drawingml/2006/main" xmlns:r="http://schemas.openxmlformats.org/officeDocument/2006/relationships" xmlns:p="http://schemas.openxmlformats.org/presentationml/2006/main" xmlns:m="http://schemas.openxmlformats.org/officeDocument/2006/math" xmlns:w="http://schemas.openxmlformats.org/wordprocessingml/2006/main" showMasterPhAnim="0" show="1">
+  <p:cSld name="">
+    <p:spTree>
+      <p:nvGrpSpPr>
+        <p:cNvPr id="1" name=""/>
+        <p:cNvGrpSpPr/>
+        <p:nvPr/>
+      </p:nvGrpSpPr>
+      <p:grpSpPr bwMode="auto">
+        <a:xfrm>
+          <a:off x="0" y="0"/>
+          <a:ext cx="0" cy="0"/>
+          <a:chOff x="0" y="0"/>
+          <a:chExt cx="0" cy="0"/>
+        </a:xfrm>
+      </p:grpSpPr>
+      <p:sp>
+        <p:nvSpPr>
+          <p:cNvPr id="659464549" name="Title 1"/>
+          <p:cNvSpPr>
+            <a:spLocks noGrp="1"/>
+          </p:cNvSpPr>
+          <p:nvPr>
+            <p:ph type="title"/>
+          </p:nvPr>
+        </p:nvSpPr>
+        <p:spPr bwMode="auto"/>
+        <p:txBody>
+          <a:bodyPr/>
+          <a:lstStyle/>
+          <a:p>
+            <a:pPr>
+              <a:defRPr/>
+            </a:pPr>
+            <a:r>
+              <a:rPr/>
+              <a:t>Framework for our adversary</a:t>
+            </a:r>
+            <a:endParaRPr/>
+          </a:p>
+        </p:txBody>
+      </p:sp>
+      <p:pic>
+        <p:nvPicPr>
+          <p:cNvPr id="1734930354" name="Picture 2"/>
+          <p:cNvPicPr>
+            <a:picLocks noChangeAspect="1" noChangeArrowheads="1"/>
+          </p:cNvPicPr>
+          <p:nvPr/>
+        </p:nvPicPr>
+        <p:blipFill>
+          <a:blip r:embed="rId2"/>
+          <a:stretch/>
+        </p:blipFill>
+        <p:spPr bwMode="auto">
+          <a:xfrm flipH="0" flipV="0">
+            <a:off x="838198" y="1690687"/>
+            <a:ext cx="8783620" cy="4508406"/>
+          </a:xfrm>
+          <a:prstGeom prst="rect">
+            <a:avLst/>
+          </a:prstGeom>
+          <a:noFill/>
+        </p:spPr>
+      </p:pic>
+    </p:spTree>
+  </p:cSld>
+  <p:clrMapOvr>
+    <a:masterClrMapping/>
+  </p:clrMapOvr>
+  <mc:AlternateContent xmlns:mc="http://schemas.openxmlformats.org/markup-compatibility/2006">
+    <mc:Choice xmlns:p14="http://schemas.microsoft.com/office/powerpoint/2010/main" Requires="p14">
+      <p:transition p14:dur="2000" advClick="1"/>
+    </mc:Choice>
+    <mc:Fallback>
+      <p:transition advClick="1"/>
+    </mc:Fallback>
+  </mc:AlternateContent>
+</p:sld>
+</file>
+
+<file path=ppt/slides/slide13.xml><?xml version="1.0" encoding="utf-8"?>
+<p:sld xmlns:a="http://schemas.openxmlformats.org/drawingml/2006/main" xmlns:r="http://schemas.openxmlformats.org/officeDocument/2006/relationships" xmlns:p="http://schemas.openxmlformats.org/presentationml/2006/main" xmlns:m="http://schemas.openxmlformats.org/officeDocument/2006/math" xmlns:w="http://schemas.openxmlformats.org/wordprocessingml/2006/main" showMasterPhAnim="0" show="1">
+  <p:cSld name="">
+    <p:spTree>
+      <p:nvGrpSpPr>
+        <p:cNvPr id="1" name=""/>
+        <p:cNvGrpSpPr/>
+        <p:nvPr/>
+      </p:nvGrpSpPr>
+      <p:grpSpPr bwMode="auto">
+        <a:xfrm>
+          <a:off x="0" y="0"/>
+          <a:ext cx="0" cy="0"/>
+          <a:chOff x="0" y="0"/>
+          <a:chExt cx="0" cy="0"/>
+        </a:xfrm>
+      </p:grpSpPr>
+      <p:sp>
+        <p:nvSpPr>
+          <p:cNvPr id="763005818" name="Title 1"/>
+          <p:cNvSpPr>
+            <a:spLocks noGrp="1"/>
+          </p:cNvSpPr>
+          <p:nvPr>
+            <p:ph type="title"/>
+          </p:nvPr>
+        </p:nvSpPr>
+        <p:spPr bwMode="auto"/>
+        <p:txBody>
+          <a:bodyPr/>
+          <a:lstStyle/>
+          <a:p>
+            <a:pPr>
+              <a:defRPr/>
+            </a:pPr>
+            <a:r>
+              <a:rPr/>
+              <a:t>Implementation of our adversary</a:t>
+            </a:r>
+            <a:endParaRPr/>
+          </a:p>
+        </p:txBody>
+      </p:sp>
+      <p:pic>
+        <p:nvPicPr>
+          <p:cNvPr id="136455182" name="Picture 2"/>
+          <p:cNvPicPr>
+            <a:picLocks noChangeAspect="1" noChangeArrowheads="1"/>
+          </p:cNvPicPr>
+          <p:nvPr/>
+        </p:nvPicPr>
+        <p:blipFill>
+          <a:blip r:embed="rId2"/>
+          <a:stretch/>
+        </p:blipFill>
+        <p:spPr bwMode="auto">
+          <a:xfrm flipH="0" flipV="0">
+            <a:off x="838198" y="1690687"/>
+            <a:ext cx="8783620" cy="4508406"/>
+          </a:xfrm>
+          <a:prstGeom prst="rect">
+            <a:avLst/>
+          </a:prstGeom>
+          <a:noFill/>
+        </p:spPr>
+      </p:pic>
+      <p:sp>
+        <p:nvSpPr>
+          <p:cNvPr id="3162948" name=""/>
+          <p:cNvSpPr/>
+          <p:nvPr/>
+        </p:nvSpPr>
+        <p:spPr bwMode="auto">
+          <a:xfrm flipH="0" flipV="0">
+            <a:off x="2987912" y="4129842"/>
+            <a:ext cx="1636819" cy="401467"/>
+          </a:xfrm>
+          <a:prstGeom prst="wedgeRoundRectCallout">
+            <a:avLst>
+              <a:gd name="adj1" fmla="val 52824"/>
+              <a:gd name="adj2" fmla="val -334674"/>
+              <a:gd name="adj3" fmla="val 16667"/>
+            </a:avLst>
+          </a:prstGeom>
+          <a:solidFill>
+            <a:schemeClr val="accent4">
+              <a:lumMod val="20000"/>
+              <a:lumOff val="80000"/>
+            </a:schemeClr>
+          </a:solidFill>
+        </p:spPr>
+        <p:style>
+          <a:lnRef idx="2">
+            <a:schemeClr val="accent1">
+              <a:shade val="50000"/>
+            </a:schemeClr>
+          </a:lnRef>
+          <a:fillRef idx="1">
+            <a:schemeClr val="accent1"/>
+          </a:fillRef>
+          <a:effectRef idx="0">
+            <a:schemeClr val="accent1"/>
+          </a:effectRef>
+          <a:fontRef idx="minor">
+            <a:schemeClr val="lt1"/>
+          </a:fontRef>
+        </p:style>
+        <p:txBody>
+          <a:bodyPr/>
+          <a:p>
+            <a:pPr>
+              <a:defRPr/>
+            </a:pPr>
+            <a:r>
+              <a:rPr b="1">
+                <a:solidFill>
+                  <a:schemeClr val="tx1"/>
+                </a:solidFill>
+              </a:rPr>
+              <a:t>StarGAN-VC</a:t>
+            </a:r>
+            <a:endParaRPr b="1">
+              <a:solidFill>
+                <a:schemeClr val="tx1"/>
+              </a:solidFill>
+            </a:endParaRPr>
+          </a:p>
+        </p:txBody>
+      </p:sp>
+      <p:sp>
+        <p:nvSpPr>
+          <p:cNvPr id="1815039904" name=""/>
+          <p:cNvSpPr/>
+          <p:nvPr/>
+        </p:nvSpPr>
+        <p:spPr bwMode="auto">
+          <a:xfrm flipH="0" flipV="0">
+            <a:off x="7412690" y="4423052"/>
+            <a:ext cx="2131750" cy="687032"/>
+          </a:xfrm>
+          <a:prstGeom prst="wedgeRoundRectCallout">
+            <a:avLst>
+              <a:gd name="adj1" fmla="val -93661"/>
+              <a:gd name="adj2" fmla="val 58632"/>
+              <a:gd name="adj3" fmla="val 16667"/>
+            </a:avLst>
+          </a:prstGeom>
+          <a:solidFill>
+            <a:schemeClr val="accent4">
+              <a:lumMod val="20000"/>
+              <a:lumOff val="80000"/>
+            </a:schemeClr>
+          </a:solidFill>
+        </p:spPr>
+        <p:style>
+          <a:lnRef idx="2">
+            <a:schemeClr val="accent1">
+              <a:shade val="50000"/>
+            </a:schemeClr>
+          </a:lnRef>
+          <a:fillRef idx="1">
+            <a:schemeClr val="accent1"/>
+          </a:fillRef>
+          <a:effectRef idx="0">
+            <a:schemeClr val="accent1"/>
+          </a:effectRef>
+          <a:fontRef idx="minor">
+            <a:schemeClr val="lt1"/>
+          </a:fontRef>
+        </p:style>
+        <p:txBody>
+          <a:bodyPr/>
+          <a:p>
+            <a:pPr>
+              <a:defRPr/>
+            </a:pPr>
+            <a:r>
+              <a:rPr b="1">
+                <a:solidFill>
+                  <a:schemeClr val="tx1"/>
+                </a:solidFill>
+              </a:rPr>
+              <a:t>Hide and Speak extraction model</a:t>
+            </a:r>
+            <a:endParaRPr b="1">
+              <a:solidFill>
+                <a:schemeClr val="tx1"/>
+              </a:solidFill>
+            </a:endParaRPr>
+          </a:p>
+        </p:txBody>
+      </p:sp>
+      <p:sp>
+        <p:nvSpPr>
+          <p:cNvPr id="1852420596" name=""/>
+          <p:cNvSpPr/>
+          <p:nvPr/>
+        </p:nvSpPr>
+        <p:spPr bwMode="auto">
+          <a:xfrm flipH="0" flipV="0">
+            <a:off x="7338710" y="1599829"/>
+            <a:ext cx="1937551" cy="453746"/>
+          </a:xfrm>
+          <a:prstGeom prst="wedgeRoundRectCallout">
+            <a:avLst>
+              <a:gd name="adj1" fmla="val -44501"/>
+              <a:gd name="adj2" fmla="val 255707"/>
+              <a:gd name="adj3" fmla="val 16667"/>
+            </a:avLst>
+          </a:prstGeom>
+          <a:solidFill>
+            <a:schemeClr val="accent4">
+              <a:lumMod val="20000"/>
+              <a:lumOff val="80000"/>
+            </a:schemeClr>
+          </a:solidFill>
+        </p:spPr>
+        <p:style>
+          <a:lnRef idx="2">
+            <a:schemeClr val="accent1">
+              <a:shade val="50000"/>
+            </a:schemeClr>
+          </a:lnRef>
+          <a:fillRef idx="1">
+            <a:schemeClr val="accent1"/>
+          </a:fillRef>
+          <a:effectRef idx="0">
+            <a:schemeClr val="accent1"/>
+          </a:effectRef>
+          <a:fontRef idx="minor">
+            <a:schemeClr val="lt1"/>
+          </a:fontRef>
+        </p:style>
+        <p:txBody>
+          <a:bodyPr/>
+          <a:p>
+            <a:pPr>
+              <a:defRPr/>
+            </a:pPr>
+            <a:r>
+              <a:rPr b="1">
+                <a:solidFill>
+                  <a:schemeClr val="tx1"/>
+                </a:solidFill>
+              </a:rPr>
+              <a:t>Hide and Speak</a:t>
+            </a:r>
+            <a:endParaRPr b="1">
+              <a:solidFill>
+                <a:schemeClr val="tx1"/>
+              </a:solidFill>
+            </a:endParaRPr>
+          </a:p>
+        </p:txBody>
+      </p:sp>
+    </p:spTree>
+  </p:cSld>
+  <p:clrMapOvr>
+    <a:masterClrMapping/>
+  </p:clrMapOvr>
+  <mc:AlternateContent xmlns:mc="http://schemas.openxmlformats.org/markup-compatibility/2006">
+    <mc:Choice xmlns:p14="http://schemas.microsoft.com/office/powerpoint/2010/main" Requires="p14">
+      <p:transition p14:dur="2000" advClick="1"/>
+    </mc:Choice>
+    <mc:Fallback>
+      <p:transition advClick="1"/>
+    </mc:Fallback>
+  </mc:AlternateContent>
+</p:sld>
+</file>
+
+<file path=ppt/slides/slide14.xml><?xml version="1.0" encoding="utf-8"?>
+<p:sld xmlns:a="http://schemas.openxmlformats.org/drawingml/2006/main" xmlns:r="http://schemas.openxmlformats.org/officeDocument/2006/relationships" xmlns:p="http://schemas.openxmlformats.org/presentationml/2006/main" xmlns:m="http://schemas.openxmlformats.org/officeDocument/2006/math" xmlns:w="http://schemas.openxmlformats.org/wordprocessingml/2006/main" showMasterPhAnim="0" show="1">
+  <p:cSld name="">
+    <p:spTree>
+      <p:nvGrpSpPr>
+        <p:cNvPr id="1" name=""/>
+        <p:cNvGrpSpPr/>
+        <p:nvPr/>
+      </p:nvGrpSpPr>
+      <p:grpSpPr bwMode="auto">
+        <a:xfrm>
+          <a:off x="0" y="0"/>
+          <a:ext cx="0" cy="0"/>
+          <a:chOff x="0" y="0"/>
+          <a:chExt cx="0" cy="0"/>
+        </a:xfrm>
+      </p:grpSpPr>
+      <p:sp>
+        <p:nvSpPr>
+          <p:cNvPr id="1102094071" name="Title 1"/>
+          <p:cNvSpPr>
+            <a:spLocks noGrp="1"/>
+          </p:cNvSpPr>
+          <p:nvPr>
+            <p:ph type="title"/>
+          </p:nvPr>
+        </p:nvSpPr>
+        <p:spPr bwMode="auto"/>
+        <p:txBody>
+          <a:bodyPr/>
+          <a:lstStyle/>
+          <a:p>
+            <a:pPr>
+              <a:defRPr/>
+            </a:pPr>
+            <a:r>
+              <a:rPr/>
+              <a:t>Evaluation setup</a:t>
+            </a:r>
+            <a:endParaRPr/>
+          </a:p>
+        </p:txBody>
+      </p:sp>
+      <p:sp>
+        <p:nvSpPr>
+          <p:cNvPr id="1744039401" name="Content Placeholder 2"/>
+          <p:cNvSpPr>
+            <a:spLocks noGrp="1"/>
+          </p:cNvSpPr>
+          <p:nvPr>
+            <p:ph idx="1"/>
+          </p:nvPr>
+        </p:nvSpPr>
+        <p:spPr bwMode="auto"/>
+        <p:txBody>
+          <a:bodyPr vertOverflow="overflow" horzOverflow="overflow" vert="horz" wrap="square" lIns="91440" tIns="45720" rIns="91440" bIns="45720" numCol="1" spcCol="0" rtlCol="0" fromWordArt="0" anchor="t" anchorCtr="0" forceAA="0" upright="0" compatLnSpc="0">
+            <a:normAutofit fontScale="95000" lnSpcReduction="1000"/>
+          </a:bodyPr>
+          <a:lstStyle/>
+          <a:p>
+            <a:pPr>
+              <a:defRPr/>
+            </a:pPr>
+            <a:r>
+              <a:rPr/>
+              <a:t>Dataset: VCC (Voice Conversion Challenge) 2016</a:t>
+            </a:r>
+            <a:endParaRPr/>
+          </a:p>
+          <a:p>
+            <a:pPr lvl="1">
+              <a:defRPr/>
+            </a:pPr>
+            <a:r>
+              <a:rPr/>
+              <a:t>10 speakers (5</a:t>
+            </a:r>
+            <a:r>
+              <a:rPr lang="zh-CN" sz="2400" b="0" i="0" u="none" strike="noStrike" cap="none" spc="0">
+                <a:solidFill>
+                  <a:schemeClr val="tx1"/>
+                </a:solidFill>
+                <a:latin typeface="Arial"/>
+                <a:ea typeface="Arial"/>
+                <a:cs typeface="Arial"/>
+              </a:rPr>
+              <a:t>*♂</a:t>
+            </a:r>
+            <a:r>
+              <a:rPr/>
+              <a:t> &amp; 5</a:t>
+            </a:r>
+            <a:r>
+              <a:rPr lang="zh-CN" sz="2400" b="0" i="0" u="none" strike="noStrike" cap="none" spc="0">
+                <a:solidFill>
+                  <a:schemeClr val="tx1"/>
+                </a:solidFill>
+                <a:latin typeface="Arial"/>
+                <a:ea typeface="Arial"/>
+                <a:cs typeface="Arial"/>
+              </a:rPr>
+              <a:t>*♀</a:t>
+            </a:r>
+            <a:r>
+              <a:rPr/>
+              <a:t>), each: 162 — training &amp; 53 — testing.</a:t>
+            </a:r>
+            <a:endParaRPr/>
+          </a:p>
+          <a:p>
+            <a:pPr lvl="1">
+              <a:defRPr/>
+            </a:pPr>
+            <a:r>
+              <a:rPr/>
+              <a:t>4 chosen (</a:t>
+            </a:r>
+            <a:r>
+              <a:rPr lang="zh-CN" sz="2400" b="0" i="0" u="none" strike="noStrike" cap="none" spc="0">
+                <a:solidFill>
+                  <a:schemeClr val="tx1"/>
+                </a:solidFill>
+                <a:latin typeface="+mn-lt"/>
+                <a:ea typeface="+mn-ea"/>
+                <a:cs typeface="+mn-cs"/>
+              </a:rPr>
+              <a:t>2</a:t>
+            </a:r>
+            <a:r>
+              <a:rPr lang="zh-CN" sz="2400" b="0" i="0" u="none" strike="noStrike" cap="none" spc="0">
+                <a:solidFill>
+                  <a:schemeClr val="tx1"/>
+                </a:solidFill>
+                <a:latin typeface="Arial"/>
+                <a:ea typeface="Arial"/>
+                <a:cs typeface="Arial"/>
+              </a:rPr>
+              <a:t>*♂</a:t>
+            </a:r>
+            <a:r>
+              <a:rPr lang="zh-CN" sz="2400" b="0" i="0" u="none" strike="noStrike" cap="none" spc="0">
+                <a:solidFill>
+                  <a:schemeClr val="tx1"/>
+                </a:solidFill>
+                <a:latin typeface="+mn-lt"/>
+                <a:ea typeface="+mn-ea"/>
+                <a:cs typeface="+mn-cs"/>
+              </a:rPr>
+              <a:t> &amp; 2</a:t>
+            </a:r>
+            <a:r>
+              <a:rPr lang="zh-CN" sz="2400" b="0" i="0" u="none" strike="noStrike" cap="none" spc="0">
+                <a:solidFill>
+                  <a:schemeClr val="tx1"/>
+                </a:solidFill>
+                <a:latin typeface="Arial"/>
+                <a:ea typeface="Arial"/>
+                <a:cs typeface="Arial"/>
+              </a:rPr>
+              <a:t>*♀</a:t>
+            </a:r>
+            <a:r>
+              <a:rPr/>
+              <a:t>): TM1, TM2, SF1, SF2, same as ones used for StarGAN-VC impl. training.</a:t>
+            </a:r>
+            <a:endParaRPr/>
+          </a:p>
+          <a:p>
+            <a:pPr>
+              <a:defRPr/>
+            </a:pPr>
+            <a:r>
+              <a:rPr/>
+              <a:t>StarGAN-VC implementation: StarGanVCDialectConversion</a:t>
+            </a:r>
+            <a:endParaRPr/>
+          </a:p>
+          <a:p>
+            <a:pPr lvl="1">
+              <a:defRPr/>
+            </a:pPr>
+            <a:r>
+              <a:rPr/>
+              <a:t>GitHub: </a:t>
+            </a:r>
+            <a:r>
+              <a:rPr lang="zh-CN" sz="2400" b="0" i="0" u="none" strike="noStrike" cap="none" spc="0">
+                <a:solidFill>
+                  <a:schemeClr val="tx1"/>
+                </a:solidFill>
+                <a:latin typeface="Noto Sans Mono"/>
+                <a:ea typeface="Noto Sans Mono"/>
+                <a:cs typeface="Noto Sans Mono"/>
+              </a:rPr>
+              <a:t>Didnelpsun/StarGanVCDialectConversion</a:t>
+            </a:r>
+            <a:endParaRPr>
+              <a:latin typeface="Noto Sans Mono"/>
+              <a:ea typeface="Noto Sans Mono"/>
+              <a:cs typeface="Noto Sans Mono"/>
+            </a:endParaRPr>
+          </a:p>
+          <a:p>
+            <a:pPr lvl="1">
+              <a:defRPr/>
+            </a:pPr>
+            <a:r>
+              <a:rPr>
+                <a:latin typeface="Arial"/>
+                <a:ea typeface="Arial"/>
+                <a:cs typeface="Arial"/>
+              </a:rPr>
+              <a:t>Trained with official settings</a:t>
+            </a:r>
+            <a:endParaRPr>
+              <a:latin typeface="Arial"/>
+              <a:cs typeface="Arial"/>
+            </a:endParaRPr>
+          </a:p>
+          <a:p>
+            <a:pPr>
+              <a:defRPr/>
+            </a:pPr>
+            <a:r>
+              <a:rPr/>
+              <a:t>Hide and Speak implementation: Official sources</a:t>
+            </a:r>
+            <a:endParaRPr/>
+          </a:p>
+          <a:p>
+            <a:pPr>
+              <a:defRPr/>
+            </a:pPr>
+            <a:r>
+              <a:rPr/>
+              <a:t>Voiceprint analysis: iFlyTek online voiceprint service</a:t>
+            </a:r>
+            <a:endParaRPr/>
+          </a:p>
+          <a:p>
+            <a:pPr lvl="1">
+              <a:defRPr/>
+            </a:pPr>
+            <a:r>
+              <a:rPr/>
+              <a:t>Scores given for speakers, values &gt; 0.6 are considered “confirmed”.</a:t>
+            </a:r>
+            <a:endParaRPr/>
+          </a:p>
+        </p:txBody>
+      </p:sp>
+    </p:spTree>
+  </p:cSld>
+  <p:clrMapOvr>
+    <a:masterClrMapping/>
+  </p:clrMapOvr>
+  <mc:AlternateContent xmlns:mc="http://schemas.openxmlformats.org/markup-compatibility/2006">
+    <mc:Choice xmlns:p14="http://schemas.microsoft.com/office/powerpoint/2010/main" Requires="p14">
+      <p:transition p14:dur="2000" advClick="1"/>
+    </mc:Choice>
+    <mc:Fallback>
+      <p:transition advClick="1"/>
+    </mc:Fallback>
+  </mc:AlternateContent>
+</p:sld>
+</file>
+
+<file path=ppt/slides/slide15.xml><?xml version="1.0" encoding="utf-8"?>
+<p:sld xmlns:a="http://schemas.openxmlformats.org/drawingml/2006/main" xmlns:r="http://schemas.openxmlformats.org/officeDocument/2006/relationships" xmlns:p="http://schemas.openxmlformats.org/presentationml/2006/main" xmlns:m="http://schemas.openxmlformats.org/officeDocument/2006/math" xmlns:w="http://schemas.openxmlformats.org/wordprocessingml/2006/main" showMasterPhAnim="0" show="1">
+  <p:cSld name="">
+    <p:spTree>
+      <p:nvGrpSpPr>
+        <p:cNvPr id="1" name=""/>
+        <p:cNvGrpSpPr/>
+        <p:nvPr/>
+      </p:nvGrpSpPr>
+      <p:grpSpPr bwMode="auto">
+        <a:xfrm>
+          <a:off x="0" y="0"/>
+          <a:ext cx="0" cy="0"/>
+          <a:chOff x="0" y="0"/>
+          <a:chExt cx="0" cy="0"/>
+        </a:xfrm>
+      </p:grpSpPr>
+      <p:sp>
+        <p:nvSpPr>
+          <p:cNvPr id="1131669604" name="Title 1"/>
+          <p:cNvSpPr>
+            <a:spLocks noGrp="1"/>
+          </p:cNvSpPr>
+          <p:nvPr>
+            <p:ph type="title"/>
+          </p:nvPr>
+        </p:nvSpPr>
+        <p:spPr bwMode="auto"/>
+        <p:txBody>
+          <a:bodyPr/>
+          <a:lstStyle/>
+          <a:p>
+            <a:pPr>
+              <a:defRPr/>
+            </a:pPr>
+            <a:r>
+              <a:rPr/>
+              <a:t>Evaluation experiment</a:t>
+            </a:r>
+            <a:endParaRPr/>
+          </a:p>
+        </p:txBody>
+      </p:sp>
+      <p:sp>
+        <p:nvSpPr>
+          <p:cNvPr id="1202894994" name="Content Placeholder 2"/>
+          <p:cNvSpPr>
+            <a:spLocks noGrp="1"/>
+          </p:cNvSpPr>
+          <p:nvPr>
+            <p:ph idx="1"/>
+          </p:nvPr>
+        </p:nvSpPr>
+        <p:spPr bwMode="auto"/>
+        <p:txBody>
+          <a:bodyPr/>
+          <a:lstStyle/>
+          <a:p>
+            <a:pPr>
+              <a:defRPr/>
+            </a:pPr>
+            <a:r>
+              <a:rPr/>
+              <a:t>Training set of StarGAN-VC impl. used for voice input.</a:t>
+            </a:r>
+            <a:endParaRPr/>
+          </a:p>
+          <a:p>
+            <a:pPr lvl="1">
+              <a:defRPr/>
+            </a:pPr>
+            <a:r>
+              <a:rPr/>
+              <a:t>Generalization of </a:t>
+            </a:r>
+            <a:r>
+              <a:rPr lang="en-US"/>
+              <a:t>benign model is not our main concern, and naturally it performs better on training set.</a:t>
+            </a:r>
+            <a:endParaRPr lang="en-US"/>
+          </a:p>
+          <a:p>
+            <a:pPr lvl="0">
+              <a:defRPr/>
+            </a:pPr>
+            <a:r>
+              <a:rPr lang="en-US"/>
+              <a:t>A complete run of adversary produce 3 results for each sample.</a:t>
+            </a:r>
+            <a:endParaRPr lang="en-US"/>
+          </a:p>
+          <a:p>
+            <a:pPr lvl="1">
+              <a:defRPr/>
+            </a:pPr>
+            <a:r>
+              <a:rPr lang="en-US"/>
+              <a:t>A total of 1944 (intermediate) results are generated.</a:t>
+            </a:r>
+            <a:endParaRPr lang="en-US"/>
+          </a:p>
+          <a:p>
+            <a:pPr lvl="0">
+              <a:defRPr/>
+            </a:pPr>
+            <a:r>
+              <a:rPr lang="en-US"/>
+              <a:t>Every single result sample is included in voiceprint analysis.</a:t>
+            </a:r>
+            <a:endParaRPr lang="en-US"/>
+          </a:p>
+          <a:p>
+            <a:pPr lvl="0">
+              <a:defRPr/>
+            </a:pPr>
+            <a:r>
+              <a:rPr lang="en-US"/>
+              <a:t>Additional ABX test is conducted on a few people.</a:t>
+            </a:r>
+            <a:endParaRPr lang="en-US"/>
+          </a:p>
+          <a:p>
+            <a:pPr lvl="1">
+              <a:defRPr/>
+            </a:pPr>
+            <a:r>
+              <a:rPr lang="en-US"/>
+              <a:t>Won’t be mentioned in detail, please refer to the paper for details.</a:t>
+            </a:r>
+            <a:endParaRPr lang="en-US"/>
+          </a:p>
+        </p:txBody>
+      </p:sp>
+    </p:spTree>
+  </p:cSld>
+  <p:clrMapOvr>
+    <a:masterClrMapping/>
+  </p:clrMapOvr>
+  <mc:AlternateContent xmlns:mc="http://schemas.openxmlformats.org/markup-compatibility/2006">
+    <mc:Choice xmlns:p14="http://schemas.microsoft.com/office/powerpoint/2010/main" Requires="p14">
+      <p:transition p14:dur="2000" advClick="1"/>
+    </mc:Choice>
+    <mc:Fallback>
+      <p:transition advClick="1"/>
+    </mc:Fallback>
+  </mc:AlternateContent>
+</p:sld>
+</file>
+
+<file path=ppt/slides/slide16.xml><?xml version="1.0" encoding="utf-8"?>
+<p:sld xmlns:a="http://schemas.openxmlformats.org/drawingml/2006/main" xmlns:r="http://schemas.openxmlformats.org/officeDocument/2006/relationships" xmlns:p="http://schemas.openxmlformats.org/presentationml/2006/main" xmlns:m="http://schemas.openxmlformats.org/officeDocument/2006/math" xmlns:w="http://schemas.openxmlformats.org/wordprocessingml/2006/main" showMasterPhAnim="0" show="1">
+  <p:cSld name="">
+    <p:spTree>
+      <p:nvGrpSpPr>
+        <p:cNvPr id="1" name=""/>
+        <p:cNvGrpSpPr/>
+        <p:nvPr/>
+      </p:nvGrpSpPr>
+      <p:grpSpPr bwMode="auto">
+        <a:xfrm>
+          <a:off x="0" y="0"/>
+          <a:ext cx="0" cy="0"/>
+          <a:chOff x="0" y="0"/>
+          <a:chExt cx="0" cy="0"/>
+        </a:xfrm>
+      </p:grpSpPr>
+      <p:sp>
+        <p:nvSpPr>
+          <p:cNvPr id="311221525" name="Title 1"/>
+          <p:cNvSpPr>
+            <a:spLocks noGrp="1"/>
+          </p:cNvSpPr>
+          <p:nvPr>
+            <p:ph type="title"/>
+          </p:nvPr>
+        </p:nvSpPr>
+        <p:spPr bwMode="auto"/>
+        <p:txBody>
+          <a:bodyPr/>
+          <a:lstStyle/>
+          <a:p>
+            <a:pPr>
+              <a:defRPr/>
+            </a:pPr>
+            <a:r>
+              <a:rPr/>
+              <a:t>Statistical metrics</a:t>
+            </a:r>
+            <a:endParaRPr/>
+          </a:p>
+        </p:txBody>
+      </p:sp>
+      <p:sp>
+        <p:nvSpPr>
+          <p:cNvPr id="167259181" name="Content Placeholder 2"/>
+          <p:cNvSpPr>
+            <a:spLocks noGrp="1"/>
+          </p:cNvSpPr>
+          <p:nvPr>
+            <p:ph idx="1"/>
+          </p:nvPr>
+        </p:nvSpPr>
+        <p:spPr bwMode="auto"/>
+        <p:txBody>
+          <a:bodyPr/>
+          <a:lstStyle/>
+          <a:p>
+            <a:pPr>
+              <a:defRPr/>
+            </a:pPr>
+            <a:r>
+              <a:rPr b="1"/>
+              <a:t>Mean </a:t>
+            </a:r>
+            <a:r>
+              <a:rPr/>
+              <a:t>— Average score (High = Close to original speaker)</a:t>
+            </a:r>
+            <a:endParaRPr/>
+          </a:p>
+          <a:p>
+            <a:pPr>
+              <a:defRPr/>
+            </a:pPr>
+            <a:r>
+              <a:rPr b="1"/>
+              <a:t>Certainty </a:t>
+            </a:r>
+            <a:r>
+              <a:rPr/>
+              <a:t>— Ratio of scores higher than 0.6 (i.e. confirmed to be the original speaker)</a:t>
+            </a:r>
+            <a:endParaRPr/>
+          </a:p>
+          <a:p>
+            <a:pPr>
+              <a:defRPr/>
+            </a:pPr>
+            <a:r>
+              <a:rPr b="1"/>
+              <a:t>Best </a:t>
+            </a:r>
+            <a:r>
+              <a:rPr/>
+              <a:t>— Best score (The one closest to original)</a:t>
+            </a:r>
+            <a:endParaRPr/>
+          </a:p>
+          <a:p>
+            <a:pPr>
+              <a:defRPr/>
+            </a:pPr>
+            <a:r>
+              <a:rPr b="1"/>
+              <a:t>Worst </a:t>
+            </a:r>
+            <a:r>
+              <a:rPr/>
+              <a:t>— Worst score (The one farthest to original)</a:t>
+            </a:r>
+            <a:endParaRPr/>
+          </a:p>
+          <a:p>
+            <a:pPr>
+              <a:defRPr/>
+            </a:pPr>
+            <a:r>
+              <a:rPr b="1"/>
+              <a:t>Class Ratio</a:t>
+            </a:r>
+            <a:r>
+              <a:rPr/>
+              <a:t> — Ratio of samples being classified into original speaker (&gt; 0.5), higher value mean higher probability an generic model would think it’s the original speaker.</a:t>
+            </a:r>
+            <a:endParaRPr/>
+          </a:p>
+        </p:txBody>
+      </p:sp>
+    </p:spTree>
+  </p:cSld>
+  <p:clrMapOvr>
+    <a:masterClrMapping/>
+  </p:clrMapOvr>
+  <mc:AlternateContent xmlns:mc="http://schemas.openxmlformats.org/markup-compatibility/2006">
+    <mc:Choice xmlns:p14="http://schemas.microsoft.com/office/powerpoint/2010/main" Requires="p14">
+      <p:transition p14:dur="2000" advClick="1"/>
+    </mc:Choice>
+    <mc:Fallback>
+      <p:transition advClick="1"/>
+    </mc:Fallback>
+  </mc:AlternateContent>
+</p:sld>
+</file>
+
+<file path=ppt/slides/slide17.xml><?xml version="1.0" encoding="utf-8"?>
+<p:sld xmlns:a="http://schemas.openxmlformats.org/drawingml/2006/main" xmlns:r="http://schemas.openxmlformats.org/officeDocument/2006/relationships" xmlns:p="http://schemas.openxmlformats.org/presentationml/2006/main" xmlns:m="http://schemas.openxmlformats.org/officeDocument/2006/math" xmlns:w="http://schemas.openxmlformats.org/wordprocessingml/2006/main" showMasterPhAnim="0" show="1">
+  <p:cSld name="">
+    <p:spTree>
+      <p:nvGrpSpPr>
+        <p:cNvPr id="1" name=""/>
+        <p:cNvGrpSpPr/>
+        <p:nvPr/>
+      </p:nvGrpSpPr>
+      <p:grpSpPr bwMode="auto">
+        <a:xfrm>
+          <a:off x="0" y="0"/>
+          <a:ext cx="0" cy="0"/>
+          <a:chOff x="0" y="0"/>
+          <a:chExt cx="0" cy="0"/>
+        </a:xfrm>
+      </p:grpSpPr>
+      <p:sp>
+        <p:nvSpPr>
+          <p:cNvPr id="986946962" name="Title 1"/>
+          <p:cNvSpPr>
+            <a:spLocks noGrp="1"/>
+          </p:cNvSpPr>
+          <p:nvPr>
+            <p:ph type="title"/>
+          </p:nvPr>
+        </p:nvSpPr>
+        <p:spPr bwMode="auto"/>
+        <p:txBody>
+          <a:bodyPr/>
+          <a:lstStyle/>
+          <a:p>
+            <a:pPr>
+              <a:defRPr/>
+            </a:pPr>
+            <a:r>
+              <a:rPr/>
+              <a:t>Future work...</a:t>
+            </a:r>
+            <a:endParaRPr/>
+          </a:p>
+        </p:txBody>
+      </p:sp>
+      <p:sp>
+        <p:nvSpPr>
+          <p:cNvPr id="733060007" name="Content Placeholder 2"/>
+          <p:cNvSpPr>
+            <a:spLocks noGrp="1"/>
+          </p:cNvSpPr>
+          <p:nvPr>
+            <p:ph idx="1"/>
+          </p:nvPr>
+        </p:nvSpPr>
+        <p:spPr bwMode="auto"/>
+        <p:txBody>
+          <a:bodyPr/>
+          <a:lstStyle/>
+          <a:p>
+            <a:pPr>
+              <a:defRPr/>
+            </a:pPr>
+            <a:r>
+              <a:rPr/>
+              <a:t>Newer voice conversion methods provide results significantly better than StarGAN-VC, may be suitable as better victims.</a:t>
+            </a:r>
+            <a:endParaRPr/>
+          </a:p>
+          <a:p>
+            <a:pPr>
+              <a:defRPr/>
+            </a:pPr>
+            <a:r>
+              <a:rPr/>
+              <a:t>Prior art in images (Liu et al.) integrate with the victim.</a:t>
+            </a:r>
+            <a:endParaRPr/>
+          </a:p>
+          <a:p>
+            <a:pPr>
+              <a:defRPr/>
+            </a:pPr>
+            <a:r>
+              <a:rPr/>
+              <a:t>It’s possible to defend / mitigate such adversary.</a:t>
+            </a:r>
+            <a:endParaRPr/>
+          </a:p>
+          <a:p>
+            <a:pPr>
+              <a:defRPr/>
+            </a:pPr>
+            <a:r>
+              <a:rPr/>
+              <a:t>Workflow may be possible for other cases...</a:t>
+            </a:r>
+            <a:endParaRPr/>
+          </a:p>
+        </p:txBody>
+      </p:sp>
+    </p:spTree>
+  </p:cSld>
+  <p:clrMapOvr>
+    <a:masterClrMapping/>
+  </p:clrMapOvr>
+  <mc:AlternateContent xmlns:mc="http://schemas.openxmlformats.org/markup-compatibility/2006">
+    <mc:Choice xmlns:p14="http://schemas.microsoft.com/office/powerpoint/2010/main" Requires="p14">
+      <p:transition p14:dur="2000" advClick="1"/>
+    </mc:Choice>
+    <mc:Fallback>
+      <p:transition advClick="1"/>
+    </mc:Fallback>
+  </mc:AlternateContent>
+</p:sld>
+</file>
+
+<file path=ppt/slides/slide18.xml><?xml version="1.0" encoding="utf-8"?>
+<p:sld xmlns:a="http://schemas.openxmlformats.org/drawingml/2006/main" xmlns:r="http://schemas.openxmlformats.org/officeDocument/2006/relationships" xmlns:p="http://schemas.openxmlformats.org/presentationml/2006/main" xmlns:m="http://schemas.openxmlformats.org/officeDocument/2006/math" xmlns:w="http://schemas.openxmlformats.org/wordprocessingml/2006/main" showMasterPhAnim="0" show="1">
+  <p:cSld name="">
+    <p:spTree>
+      <p:nvGrpSpPr>
+        <p:cNvPr id="1" name=""/>
+        <p:cNvGrpSpPr/>
+        <p:nvPr/>
+      </p:nvGrpSpPr>
+      <p:grpSpPr bwMode="auto">
+        <a:xfrm>
+          <a:off x="0" y="0"/>
+          <a:ext cx="0" cy="0"/>
+          <a:chOff x="0" y="0"/>
+          <a:chExt cx="0" cy="0"/>
+        </a:xfrm>
+      </p:grpSpPr>
+      <p:sp>
+        <p:nvSpPr>
+          <p:cNvPr id="1389451925" name="Title 1"/>
+          <p:cNvSpPr>
+            <a:spLocks noGrp="1"/>
+          </p:cNvSpPr>
+          <p:nvPr>
+            <p:ph type="title"/>
+          </p:nvPr>
+        </p:nvSpPr>
+        <p:spPr bwMode="auto"/>
+        <p:txBody>
+          <a:bodyPr/>
+          <a:lstStyle/>
+          <a:p>
+            <a:pPr>
+              <a:defRPr/>
+            </a:pPr>
+            <a:r>
+              <a:rPr/>
+              <a:t>What about devices without </a:t>
+            </a:r>
+            <a:r>
+              <a:rPr b="1" i="1"/>
+              <a:t>Internet</a:t>
+            </a:r>
+            <a:r>
+              <a:rPr/>
+              <a:t> ?</a:t>
+            </a:r>
+            <a:endParaRPr/>
+          </a:p>
+        </p:txBody>
+      </p:sp>
+      <p:sp>
+        <p:nvSpPr>
+          <p:cNvPr id="1805409597" name="Content Placeholder 2"/>
+          <p:cNvSpPr>
+            <a:spLocks noGrp="1"/>
+          </p:cNvSpPr>
+          <p:nvPr>
+            <p:ph idx="1"/>
+          </p:nvPr>
+        </p:nvSpPr>
+        <p:spPr bwMode="auto"/>
+        <p:txBody>
+          <a:bodyPr/>
+          <a:lstStyle/>
+          <a:p>
+            <a:pPr>
+              <a:defRPr/>
+            </a:pPr>
+            <a:endParaRPr/>
+          </a:p>
+        </p:txBody>
+      </p:sp>
+    </p:spTree>
+  </p:cSld>
+  <p:clrMapOvr>
+    <a:masterClrMapping/>
+  </p:clrMapOvr>
+  <mc:AlternateContent xmlns:mc="http://schemas.openxmlformats.org/markup-compatibility/2006">
+    <mc:Choice xmlns:p14="http://schemas.microsoft.com/office/powerpoint/2010/main" Requires="p14">
+      <p:transition p14:dur="2000" advClick="1"/>
+    </mc:Choice>
+    <mc:Fallback>
+      <p:transition advClick="1"/>
+    </mc:Fallback>
+  </mc:AlternateContent>
+</p:sld>
+</file>
+
+<file path=ppt/slides/slide19.xml><?xml version="1.0" encoding="utf-8"?>
+<p:sld xmlns:a="http://schemas.openxmlformats.org/drawingml/2006/main" xmlns:r="http://schemas.openxmlformats.org/officeDocument/2006/relationships" xmlns:p="http://schemas.openxmlformats.org/presentationml/2006/main" xmlns:m="http://schemas.openxmlformats.org/officeDocument/2006/math" xmlns:w="http://schemas.openxmlformats.org/wordprocessingml/2006/main" showMasterPhAnim="0" show="1">
+  <p:cSld name="">
+    <p:spTree>
+      <p:nvGrpSpPr>
+        <p:cNvPr id="1" name=""/>
+        <p:cNvGrpSpPr/>
+        <p:nvPr/>
+      </p:nvGrpSpPr>
+      <p:grpSpPr bwMode="auto">
+        <a:xfrm>
+          <a:off x="0" y="0"/>
+          <a:ext cx="0" cy="0"/>
+          <a:chOff x="0" y="0"/>
+          <a:chExt cx="0" cy="0"/>
+        </a:xfrm>
+      </p:grpSpPr>
+      <p:sp>
+        <p:nvSpPr>
+          <p:cNvPr id="692973131" name="Title 1"/>
+          <p:cNvSpPr>
+            <a:spLocks noGrp="1"/>
+          </p:cNvSpPr>
+          <p:nvPr>
+            <p:ph type="title"/>
+          </p:nvPr>
+        </p:nvSpPr>
+        <p:spPr bwMode="auto"/>
+        <p:txBody>
+          <a:bodyPr/>
+          <a:lstStyle/>
+          <a:p>
+            <a:pPr>
+              <a:defRPr/>
+            </a:pPr>
+            <a:r>
+              <a:rPr/>
+              <a:t>Conclusion</a:t>
+            </a:r>
+            <a:endParaRPr/>
+          </a:p>
+        </p:txBody>
+      </p:sp>
+      <p:sp>
+        <p:nvSpPr>
+          <p:cNvPr id="610923068" name="Content Placeholder 2"/>
+          <p:cNvSpPr>
+            <a:spLocks noGrp="1"/>
+          </p:cNvSpPr>
+          <p:nvPr>
+            <p:ph idx="1"/>
+          </p:nvPr>
+        </p:nvSpPr>
+        <p:spPr bwMode="auto"/>
+        <p:txBody>
+          <a:bodyPr/>
+          <a:lstStyle/>
+          <a:p>
+            <a:pPr>
+              <a:defRPr/>
+            </a:pPr>
+            <a:endParaRPr/>
+          </a:p>
+        </p:txBody>
+      </p:sp>
+    </p:spTree>
+  </p:cSld>
+  <p:clrMapOvr>
+    <a:masterClrMapping/>
+  </p:clrMapOvr>
+  <mc:AlternateContent xmlns:mc="http://schemas.openxmlformats.org/markup-compatibility/2006">
+    <mc:Choice xmlns:p14="http://schemas.microsoft.com/office/powerpoint/2010/main" Requires="p14">
+      <p:transition p14:dur="2000" advClick="1"/>
+    </mc:Choice>
+    <mc:Fallback>
+      <p:transition advClick="1"/>
+    </mc:Fallback>
+  </mc:AlternateContent>
+</p:sld>
+</file>
+
+<file path=ppt/slides/slide2.xml><?xml version="1.0" encoding="utf-8"?>
+<p:sld xmlns:a="http://schemas.openxmlformats.org/drawingml/2006/main" xmlns:r="http://schemas.openxmlformats.org/officeDocument/2006/relationships" xmlns:p="http://schemas.openxmlformats.org/presentationml/2006/main" xmlns:m="http://schemas.openxmlformats.org/officeDocument/2006/math" xmlns:w="http://schemas.openxmlformats.org/wordprocessingml/2006/main" showMasterPhAnim="0" show="1">
+  <p:cSld name="">
+    <p:spTree>
+      <p:nvGrpSpPr>
+        <p:cNvPr id="1" name=""/>
+        <p:cNvGrpSpPr/>
+        <p:nvPr/>
+      </p:nvGrpSpPr>
+      <p:grpSpPr bwMode="auto">
+        <a:xfrm>
+          <a:off x="0" y="0"/>
+          <a:ext cx="0" cy="0"/>
+          <a:chOff x="0" y="0"/>
+          <a:chExt cx="0" cy="0"/>
+        </a:xfrm>
+      </p:grpSpPr>
+      <p:sp>
+        <p:nvSpPr>
           <p:cNvPr id="2" name="Title 1"/>
           <p:cNvSpPr>
             <a:spLocks noGrp="1"/>
@@ -3484,7 +5556,7 @@
             </a:r>
             <a:r>
               <a:rPr lang="en-US"/>
-              <a:t> - Siri</a:t>
+              <a:t> — Siri</a:t>
             </a:r>
             <a:endParaRPr lang="en-US"/>
           </a:p>
@@ -3498,7 +5570,7 @@
             </a:r>
             <a:r>
               <a:rPr lang="en-US"/>
-              <a:t> - Xiao Ai</a:t>
+              <a:t> — Xiao Ai</a:t>
             </a:r>
             <a:endParaRPr lang="en-US"/>
           </a:p>
@@ -3512,7 +5584,7 @@
             </a:r>
             <a:r>
               <a:rPr lang="en-US"/>
-              <a:t>- Xiao Yi / Celia</a:t>
+              <a:t>— Xiao Yi / Celia</a:t>
             </a:r>
             <a:endParaRPr lang="en-US"/>
           </a:p>
@@ -3536,7 +5608,7 @@
             </a:r>
             <a:r>
               <a:rPr lang="en-US" sz="2400"/>
-              <a:t>- Voice input / translation</a:t>
+              <a:t>— Voice input / translation</a:t>
             </a:r>
             <a:endParaRPr lang="en-US"/>
           </a:p>
@@ -3560,7 +5632,7 @@
             </a:r>
             <a:r>
               <a:rPr lang="en-US" sz="2400"/>
-              <a:t>- Siri doesn’t respond to </a:t>
+              <a:t>— Siri doesn’t respond to </a:t>
             </a:r>
             <a:r>
               <a:rPr lang="en-US" sz="2400" i="1"/>
@@ -3623,10 +5695,8 @@
           <p:nvPr/>
         </p:nvPicPr>
         <p:blipFill>
-          <a:blip r:embed="rId1"/>
-          <a:stretch>
-            <a:fillRect/>
-          </a:stretch>
+          <a:blip r:embed="rId2"/>
+          <a:stretch/>
         </p:blipFill>
         <p:spPr bwMode="auto">
           <a:xfrm>
@@ -3647,10 +5717,8 @@
           <p:nvPr/>
         </p:nvPicPr>
         <p:blipFill>
-          <a:blip r:embed="rId2"/>
-          <a:stretch>
-            <a:fillRect/>
-          </a:stretch>
+          <a:blip r:embed="rId3"/>
+          <a:stretch/>
         </p:blipFill>
         <p:spPr bwMode="auto">
           <a:xfrm>
@@ -3671,10 +5739,8 @@
           <p:nvPr/>
         </p:nvPicPr>
         <p:blipFill>
-          <a:blip r:embed="rId3"/>
-          <a:stretch>
-            <a:fillRect/>
-          </a:stretch>
+          <a:blip r:embed="rId4"/>
+          <a:stretch/>
         </p:blipFill>
         <p:spPr bwMode="auto">
           <a:xfrm>
@@ -3692,7 +5758,7 @@
           <p:cNvSpPr txBox="1"/>
           <p:nvPr/>
         </p:nvSpPr>
-        <p:spPr>
+        <p:spPr bwMode="auto">
           <a:xfrm rot="20940000">
             <a:off x="6704965" y="902970"/>
             <a:ext cx="4940300" cy="1076325"/>
@@ -3707,6 +5773,9 @@
             <a:spAutoFit/>
           </a:bodyPr>
           <a:p>
+            <a:pPr>
+              <a:defRPr/>
+            </a:pPr>
             <a:r>
               <a:rPr lang="en-US" sz="3200" b="1"/>
               <a:t>Voice is integral for our lives on the Internet! </a:t>
@@ -3721,10 +5790,10 @@
           <p:cNvSpPr txBox="1"/>
           <p:nvPr/>
         </p:nvSpPr>
-        <p:spPr>
-          <a:xfrm>
-            <a:off x="0" y="6489700"/>
-            <a:ext cx="6494780" cy="368300"/>
+        <p:spPr bwMode="auto">
+          <a:xfrm flipH="0" flipV="0">
+            <a:off x="7668894" y="5407472"/>
+            <a:ext cx="3829020" cy="640440"/>
           </a:xfrm>
           <a:prstGeom prst="rect">
             <a:avLst/>
@@ -3732,10 +5801,13 @@
           <a:noFill/>
         </p:spPr>
         <p:txBody>
-          <a:bodyPr wrap="none" rtlCol="0">
+          <a:bodyPr wrap="square" rtlCol="0">
             <a:spAutoFit/>
           </a:bodyPr>
           <a:p>
+            <a:pPr>
+              <a:defRPr/>
+            </a:pPr>
             <a:r>
               <a:rPr lang="en-US"/>
               <a:t>Pictures clipped from Siri, Celia and Xiao AI’s official websites.</a:t>
@@ -3751,18 +5823,18 @@
   </p:clrMapOvr>
   <mc:AlternateContent xmlns:mc="http://schemas.openxmlformats.org/markup-compatibility/2006">
     <mc:Choice xmlns:p14="http://schemas.microsoft.com/office/powerpoint/2010/main" Requires="p14">
-      <p:transition p14:dur="2000"/>
+      <p:transition p14:dur="2000" advClick="1"/>
     </mc:Choice>
     <mc:Fallback>
-      <p:transition/>
+      <p:transition advClick="1"/>
     </mc:Fallback>
   </mc:AlternateContent>
 </p:sld>
 </file>
 
-<file path=ppt/slides/slide3.xml><?xml version="1.0" encoding="utf-8"?>
-<p:sld xmlns:a="http://schemas.openxmlformats.org/drawingml/2006/main" xmlns:r="http://schemas.openxmlformats.org/officeDocument/2006/relationships" xmlns:p="http://schemas.openxmlformats.org/presentationml/2006/main" showMasterPhAnim="0">
-  <p:cSld>
+<file path=ppt/slides/slide20.xml><?xml version="1.0" encoding="utf-8"?>
+<p:sld xmlns:a="http://schemas.openxmlformats.org/drawingml/2006/main" xmlns:r="http://schemas.openxmlformats.org/officeDocument/2006/relationships" xmlns:p="http://schemas.openxmlformats.org/presentationml/2006/main" xmlns:m="http://schemas.openxmlformats.org/officeDocument/2006/math" xmlns:w="http://schemas.openxmlformats.org/wordprocessingml/2006/main" showMasterPhAnim="0" show="1">
+  <p:cSld name="">
     <p:spTree>
       <p:nvGrpSpPr>
         <p:cNvPr id="1" name=""/>
@@ -3779,7 +5851,7 @@
       </p:grpSpPr>
       <p:sp>
         <p:nvSpPr>
-          <p:cNvPr id="2" name="Title 1"/>
+          <p:cNvPr id="1526330754" name="Title 1"/>
           <p:cNvSpPr>
             <a:spLocks noGrp="1"/>
           </p:cNvSpPr>
@@ -3790,223 +5862,16 @@
         <p:spPr bwMode="auto"/>
         <p:txBody>
           <a:bodyPr/>
-          <a:p>
-            <a:pPr>
-              <a:defRPr/>
-            </a:pPr>
-            <a:r>
-              <a:rPr lang="en-US"/>
-              <a:t>Speaker recognition</a:t>
-            </a:r>
-            <a:endParaRPr lang="en-US"/>
-          </a:p>
-        </p:txBody>
-      </p:sp>
-      <p:sp>
-        <p:nvSpPr>
-          <p:cNvPr id="3" name="Content Placeholder 2"/>
-          <p:cNvSpPr>
-            <a:spLocks noGrp="1"/>
-          </p:cNvSpPr>
-          <p:nvPr>
-            <p:ph idx="1"/>
-          </p:nvPr>
-        </p:nvSpPr>
-        <p:spPr bwMode="auto">
-          <a:xfrm>
-            <a:off x="838200" y="1825625"/>
-            <a:ext cx="5838825" cy="4351655"/>
-          </a:xfrm>
-        </p:spPr>
-        <p:txBody>
-          <a:bodyPr/>
-          <a:p>
-            <a:pPr>
-              <a:defRPr/>
-            </a:pPr>
-            <a:r>
-              <a:rPr lang="en-US"/>
-              <a:t>Speaker recognition is the </a:t>
-            </a:r>
-            <a:r>
-              <a:rPr lang="en-US" b="1"/>
-              <a:t>identification </a:t>
-            </a:r>
-            <a:r>
-              <a:rPr lang="en-US"/>
-              <a:t>of a person from characteristics of voices.</a:t>
-            </a:r>
-            <a:endParaRPr lang="en-US"/>
-          </a:p>
-          <a:p>
-            <a:pPr>
-              <a:defRPr/>
-            </a:pPr>
-            <a:r>
-              <a:rPr lang="en-US"/>
-              <a:t>We call it </a:t>
-            </a:r>
-            <a:r>
-              <a:rPr lang="en-US" b="1"/>
-              <a:t>voiceprint </a:t>
-            </a:r>
-            <a:r>
-              <a:rPr lang="en-US"/>
-              <a:t>in our work.</a:t>
-            </a:r>
-            <a:endParaRPr lang="en-US"/>
-          </a:p>
-          <a:p>
-            <a:pPr>
-              <a:defRPr/>
-            </a:pPr>
-            <a:r>
-              <a:rPr lang="en-US"/>
-              <a:t>“</a:t>
-            </a:r>
-            <a:r>
-              <a:rPr lang="en-US" b="1"/>
-              <a:t>distinctive</a:t>
-            </a:r>
-            <a:r>
-              <a:rPr lang="en-US"/>
-              <a:t>, </a:t>
-            </a:r>
-            <a:r>
-              <a:rPr lang="en-US" b="1"/>
-              <a:t>measurable </a:t>
-            </a:r>
-            <a:r>
-              <a:rPr lang="en-US"/>
-              <a:t>characteristics used to label and describe individuals” -- </a:t>
-            </a:r>
-            <a:r>
-              <a:rPr lang="en-US" i="1"/>
-              <a:t>Wikipedia (Biometrics)</a:t>
-            </a:r>
-            <a:endParaRPr lang="en-US" i="1"/>
-          </a:p>
-          <a:p>
-            <a:pPr>
-              <a:defRPr/>
-            </a:pPr>
-            <a:r>
-              <a:rPr lang="en-US"/>
-              <a:t>Voiceprint can be (mostly) easily acquired from many sources.</a:t>
-            </a:r>
-            <a:endParaRPr lang="en-US"/>
-          </a:p>
-        </p:txBody>
-      </p:sp>
-      <p:pic>
-        <p:nvPicPr>
-          <p:cNvPr id="5" name="Picture 4" descr="Screenshot_20230926_191329"/>
-          <p:cNvPicPr>
-            <a:picLocks noChangeAspect="1"/>
-          </p:cNvPicPr>
-          <p:nvPr/>
-        </p:nvPicPr>
-        <p:blipFill>
-          <a:blip r:embed="rId1"/>
-          <a:stretch>
-            <a:fillRect/>
-          </a:stretch>
-        </p:blipFill>
-        <p:spPr bwMode="auto">
-          <a:xfrm>
-            <a:off x="7033895" y="712470"/>
-            <a:ext cx="4770120" cy="2265045"/>
-          </a:xfrm>
-          <a:prstGeom prst="rect">
-            <a:avLst/>
-          </a:prstGeom>
-        </p:spPr>
-      </p:pic>
-      <p:sp>
-        <p:nvSpPr>
-          <p:cNvPr id="6" name="Text Box 5"/>
-          <p:cNvSpPr txBox="1"/>
-          <p:nvPr/>
-        </p:nvSpPr>
-        <p:spPr bwMode="auto">
-          <a:xfrm>
-            <a:off x="7033895" y="2977515"/>
-            <a:ext cx="4770755" cy="645159"/>
-          </a:xfrm>
-          <a:prstGeom prst="rect">
-            <a:avLst/>
-          </a:prstGeom>
-          <a:noFill/>
-        </p:spPr>
-        <p:txBody>
-          <a:bodyPr wrap="square" rtlCol="0">
-            <a:spAutoFit/>
-          </a:bodyPr>
-          <a:p>
-            <a:pPr algn="l">
-              <a:defRPr/>
-            </a:pPr>
-            <a:r>
-              <a:rPr lang="en-US"/>
-              <a:t>https://azure.microsoft.com/en-us/products/ai-services/speaker-recognition</a:t>
-            </a:r>
-            <a:endParaRPr lang="en-US"/>
-          </a:p>
-        </p:txBody>
-      </p:sp>
-      <p:pic>
-        <p:nvPicPr>
-          <p:cNvPr id="7" name="Picture 6" descr="Spectrogram-19thC"/>
-          <p:cNvPicPr>
-            <a:picLocks noChangeAspect="1"/>
-          </p:cNvPicPr>
-          <p:nvPr/>
-        </p:nvPicPr>
-        <p:blipFill>
-          <a:blip r:embed="rId2"/>
-          <a:stretch>
-            <a:fillRect/>
-          </a:stretch>
-        </p:blipFill>
-        <p:spPr bwMode="auto">
-          <a:xfrm>
-            <a:off x="7033260" y="3622675"/>
-            <a:ext cx="4769485" cy="2480945"/>
-          </a:xfrm>
-          <a:prstGeom prst="rect">
-            <a:avLst/>
-          </a:prstGeom>
-        </p:spPr>
-      </p:pic>
-      <p:sp>
-        <p:nvSpPr>
-          <p:cNvPr id="8" name="Text Box 7"/>
-          <p:cNvSpPr txBox="1"/>
-          <p:nvPr/>
-        </p:nvSpPr>
-        <p:spPr bwMode="auto">
-          <a:xfrm>
-            <a:off x="7033260" y="6103620"/>
-            <a:ext cx="2684780" cy="368300"/>
-          </a:xfrm>
-          <a:prstGeom prst="rect">
-            <a:avLst/>
-          </a:prstGeom>
-          <a:noFill/>
-        </p:spPr>
-        <p:txBody>
-          <a:bodyPr wrap="none" rtlCol="0">
-            <a:spAutoFit/>
-          </a:bodyPr>
-          <a:p>
-            <a:pPr algn="l">
-              <a:defRPr/>
-            </a:pPr>
-            <a:r>
-              <a:rPr lang="en-US"/>
-              <a:t>Wikipedia - Spectrogram</a:t>
-            </a:r>
-            <a:endParaRPr lang="en-US"/>
+          <a:lstStyle/>
+          <a:p>
+            <a:pPr>
+              <a:defRPr/>
+            </a:pPr>
+            <a:r>
+              <a:rPr/>
+              <a:t>Any questions?</a:t>
+            </a:r>
+            <a:endParaRPr/>
           </a:p>
         </p:txBody>
       </p:sp>
@@ -4017,176 +5882,18 @@
   </p:clrMapOvr>
   <mc:AlternateContent xmlns:mc="http://schemas.openxmlformats.org/markup-compatibility/2006">
     <mc:Choice xmlns:p14="http://schemas.microsoft.com/office/powerpoint/2010/main" Requires="p14">
-      <p:transition p14:dur="2000"/>
+      <p:transition p14:dur="2000" advClick="1"/>
     </mc:Choice>
     <mc:Fallback>
-      <p:transition/>
+      <p:transition advClick="1"/>
     </mc:Fallback>
   </mc:AlternateContent>
 </p:sld>
 </file>
 
-<file path=ppt/slides/slide4.xml><?xml version="1.0" encoding="utf-8"?>
-<p:sld xmlns:a="http://schemas.openxmlformats.org/drawingml/2006/main" xmlns:r="http://schemas.openxmlformats.org/officeDocument/2006/relationships" xmlns:p="http://schemas.openxmlformats.org/presentationml/2006/main">
-  <p:cSld>
-    <p:spTree>
-      <p:nvGrpSpPr>
-        <p:cNvPr id="1" name=""/>
-        <p:cNvGrpSpPr/>
-        <p:nvPr/>
-      </p:nvGrpSpPr>
-      <p:grpSpPr/>
-      <p:sp>
-        <p:nvSpPr>
-          <p:cNvPr id="2" name="Title 1"/>
-          <p:cNvSpPr>
-            <a:spLocks noGrp="1"/>
-          </p:cNvSpPr>
-          <p:nvPr>
-            <p:ph type="title"/>
-          </p:nvPr>
-        </p:nvSpPr>
-        <p:spPr/>
-        <p:txBody>
-          <a:bodyPr>
-            <a:normAutofit/>
-          </a:bodyPr>
-          <a:p>
-            <a:r>
-              <a:rPr lang="en-US"/>
-              <a:t>Wait... I want just voice services!</a:t>
-            </a:r>
-            <a:endParaRPr lang="en-US"/>
-          </a:p>
-        </p:txBody>
-      </p:sp>
-      <p:sp>
-        <p:nvSpPr>
-          <p:cNvPr id="3" name="Content Placeholder 2"/>
-          <p:cNvSpPr>
-            <a:spLocks noGrp="1"/>
-          </p:cNvSpPr>
-          <p:nvPr>
-            <p:ph idx="1"/>
-          </p:nvPr>
-        </p:nvSpPr>
-        <p:spPr>
-          <a:xfrm>
-            <a:off x="838200" y="1825625"/>
-            <a:ext cx="5386070" cy="4351655"/>
-          </a:xfrm>
-        </p:spPr>
-        <p:txBody>
-          <a:bodyPr/>
-          <a:p>
-            <a:r>
-              <a:rPr lang="en-US"/>
-              <a:t>There is just </a:t>
-            </a:r>
-            <a:r>
-              <a:rPr lang="en-US" b="1"/>
-              <a:t>way too much</a:t>
-            </a:r>
-            <a:r>
-              <a:rPr lang="en-US"/>
-              <a:t> information in our speeches.</a:t>
-            </a:r>
-            <a:endParaRPr lang="en-US"/>
-          </a:p>
-          <a:p>
-            <a:pPr lvl="1"/>
-            <a:r>
-              <a:rPr lang="en-US"/>
-              <a:t>Probably user’s intention is just to utilize</a:t>
-            </a:r>
-            <a:r>
-              <a:rPr lang="en-US" b="1"/>
-              <a:t> </a:t>
-            </a:r>
-            <a:r>
-              <a:rPr lang="en-US" i="1"/>
-              <a:t>content (text, emotion, etc.)</a:t>
-            </a:r>
-            <a:r>
-              <a:rPr lang="en-US"/>
-              <a:t> of voice, not </a:t>
-            </a:r>
-            <a:r>
-              <a:rPr lang="en-US" i="1"/>
-              <a:t>voiceprint</a:t>
-            </a:r>
-            <a:r>
-              <a:rPr lang="en-US"/>
-              <a:t>.</a:t>
-            </a:r>
-            <a:endParaRPr lang="en-US"/>
-          </a:p>
-          <a:p>
-            <a:pPr lvl="1"/>
-            <a:r>
-              <a:rPr lang="en-US"/>
-              <a:t>Users may accidently speak sensitive information aloud (address, password, etc.)</a:t>
-            </a:r>
-            <a:endParaRPr lang="en-US"/>
-          </a:p>
-          <a:p>
-            <a:pPr lvl="1"/>
-            <a:r>
-              <a:rPr lang="en-US"/>
-              <a:t>Raw voice sequences contain </a:t>
-            </a:r>
-            <a:r>
-              <a:rPr lang="en-US" b="1"/>
-              <a:t>everything</a:t>
-            </a:r>
-            <a:r>
-              <a:rPr lang="en-US"/>
-              <a:t>, whether you want it or not.</a:t>
-            </a:r>
-            <a:endParaRPr lang="en-US"/>
-          </a:p>
-        </p:txBody>
-      </p:sp>
-      <p:sp>
-        <p:nvSpPr>
-          <p:cNvPr id="4" name="Text Box 3"/>
-          <p:cNvSpPr txBox="1"/>
-          <p:nvPr/>
-        </p:nvSpPr>
-        <p:spPr>
-          <a:xfrm rot="21120000">
-            <a:off x="6228080" y="5826125"/>
-            <a:ext cx="5769610" cy="460375"/>
-          </a:xfrm>
-          <a:prstGeom prst="rect">
-            <a:avLst/>
-          </a:prstGeom>
-          <a:noFill/>
-        </p:spPr>
-        <p:txBody>
-          <a:bodyPr wrap="none" rtlCol="0">
-            <a:spAutoFit/>
-          </a:bodyPr>
-          <a:p>
-            <a:r>
-              <a:rPr lang="en-US" sz="2400" b="1" i="1"/>
-              <a:t>Our work focus on voiceprint security!</a:t>
-            </a:r>
-            <a:endParaRPr lang="en-US" sz="2400" b="1" i="1"/>
-          </a:p>
-        </p:txBody>
-      </p:sp>
-    </p:spTree>
-  </p:cSld>
-  <p:clrMapOvr>
-    <a:masterClrMapping/>
-  </p:clrMapOvr>
-</p:sld>
-</file>
-
-<file path=ppt/slides/slide5.xml><?xml version="1.0" encoding="utf-8"?>
-<p:sld xmlns:a="http://schemas.openxmlformats.org/drawingml/2006/main" xmlns:r="http://schemas.openxmlformats.org/officeDocument/2006/relationships" xmlns:p="http://schemas.openxmlformats.org/presentationml/2006/main" showMasterPhAnim="0">
-  <p:cSld>
+<file path=ppt/slides/slide21.xml><?xml version="1.0" encoding="utf-8"?>
+<p:sld xmlns:a="http://schemas.openxmlformats.org/drawingml/2006/main" xmlns:r="http://schemas.openxmlformats.org/officeDocument/2006/relationships" xmlns:p="http://schemas.openxmlformats.org/presentationml/2006/main" xmlns:m="http://schemas.openxmlformats.org/officeDocument/2006/math" xmlns:w="http://schemas.openxmlformats.org/wordprocessingml/2006/main" showMasterPhAnim="0" show="1">
+  <p:cSld name="">
     <p:spTree>
       <p:nvGrpSpPr>
         <p:cNvPr id="1" name=""/>
@@ -4203,152 +5910,149 @@
       </p:grpSpPr>
       <p:sp>
         <p:nvSpPr>
-          <p:cNvPr id="2" name="Title 1"/>
-          <p:cNvSpPr>
-            <a:spLocks noGrp="1"/>
-          </p:cNvSpPr>
-          <p:nvPr>
-            <p:ph type="title"/>
-          </p:nvPr>
-        </p:nvSpPr>
-        <p:spPr bwMode="auto"/>
-        <p:txBody>
-          <a:bodyPr/>
-          <a:p>
-            <a:pPr>
-              <a:defRPr/>
-            </a:pPr>
-            <a:r>
-              <a:rPr lang="en-US"/>
-              <a:t>Critical privacy concerns</a:t>
-            </a:r>
-            <a:endParaRPr lang="en-US"/>
-          </a:p>
-        </p:txBody>
-      </p:sp>
-      <p:sp>
-        <p:nvSpPr>
-          <p:cNvPr id="3" name="Content Placeholder 2"/>
-          <p:cNvSpPr>
-            <a:spLocks noGrp="1"/>
-          </p:cNvSpPr>
-          <p:nvPr>
-            <p:ph idx="1"/>
+          <p:cNvPr id="969147506" name="Title 1"/>
+          <p:cNvSpPr>
+            <a:spLocks noGrp="1"/>
+          </p:cNvSpPr>
+          <p:nvPr>
+            <p:ph type="ctrTitle"/>
           </p:nvPr>
         </p:nvSpPr>
         <p:spPr bwMode="auto">
-          <a:xfrm>
-            <a:off x="838200" y="1825625"/>
-            <a:ext cx="4860925" cy="4528820"/>
+          <a:xfrm rot="20758146" flipH="0" flipV="0">
+            <a:off x="576704" y="3582819"/>
+            <a:ext cx="9867256" cy="1352881"/>
           </a:xfrm>
         </p:spPr>
         <p:txBody>
-          <a:bodyPr vertOverflow="overflow" horzOverflow="overflow" vert="horz" wrap="square" lIns="91440" tIns="45720" rIns="91440" bIns="45720" numCol="1" spcCol="0" rtlCol="0" fromWordArt="0" anchor="t" anchorCtr="0" forceAA="0" upright="0" compatLnSpc="0">
-            <a:normAutofit/>
-          </a:bodyPr>
-          <a:p>
-            <a:pPr>
-              <a:defRPr/>
-            </a:pPr>
-            <a:r>
-              <a:rPr lang="en-US"/>
-              <a:t>A brief talk on phone, your identity is captured.</a:t>
-            </a:r>
-            <a:endParaRPr lang="en-US"/>
-          </a:p>
-          <a:p>
-            <a:pPr>
-              <a:defRPr/>
-            </a:pPr>
-            <a:r>
-              <a:rPr lang="en-US"/>
-              <a:t>A few words out aloud, vendors know who you are.</a:t>
-            </a:r>
-            <a:endParaRPr lang="en-US"/>
-          </a:p>
-          <a:p>
-            <a:pPr>
-              <a:defRPr/>
-            </a:pPr>
-            <a:r>
-              <a:rPr lang="en-US"/>
-              <a:t>A week or so later, criminals talk in </a:t>
-            </a:r>
-            <a:r>
-              <a:rPr lang="en-US" b="1"/>
-              <a:t>your </a:t>
-            </a:r>
-            <a:r>
-              <a:rPr lang="en-US"/>
-              <a:t>voice!</a:t>
-            </a:r>
-            <a:endParaRPr lang="en-US"/>
-          </a:p>
-          <a:p>
-            <a:pPr>
-              <a:defRPr/>
-            </a:pPr>
-            <a:r>
-              <a:rPr lang="en-US"/>
-              <a:t>Unmodified (not-treated) voice sequences leak speakers’ identities!</a:t>
-            </a:r>
-            <a:endParaRPr lang="en-US"/>
+          <a:bodyPr anchor="b"/>
+          <a:lstStyle>
+            <a:lvl1pPr algn="ctr">
+              <a:defRPr sz="6000"/>
+            </a:lvl1pPr>
+          </a:lstStyle>
+          <a:p>
+            <a:pPr>
+              <a:defRPr/>
+            </a:pPr>
+            <a:r>
+              <a:rPr sz="7200" b="1" i="1"/>
+              <a:t>Thanks for listening!</a:t>
+            </a:r>
+            <a:endParaRPr sz="7200" b="1" i="1"/>
           </a:p>
         </p:txBody>
       </p:sp>
       <p:pic>
         <p:nvPicPr>
-          <p:cNvPr id="4" name="Picture 3" descr="case2v3"/>
+          <p:cNvPr id="496952105" name=""/>
           <p:cNvPicPr>
             <a:picLocks noChangeAspect="1"/>
           </p:cNvPicPr>
           <p:nvPr/>
         </p:nvPicPr>
         <p:blipFill>
-          <a:blip r:embed="rId1"/>
-          <a:stretch>
-            <a:fillRect/>
-          </a:stretch>
+          <a:blip r:embed="rId2"/>
+          <a:stretch/>
         </p:blipFill>
         <p:spPr bwMode="auto">
-          <a:xfrm>
-            <a:off x="5920740" y="1691005"/>
-            <a:ext cx="5889625" cy="3097530"/>
+          <a:xfrm rot="19944878" flipH="0" flipV="0">
+            <a:off x="880714" y="3503591"/>
+            <a:ext cx="1239614" cy="885438"/>
           </a:xfrm>
           <a:prstGeom prst="rect">
             <a:avLst/>
           </a:prstGeom>
         </p:spPr>
       </p:pic>
-      <p:sp>
-        <p:nvSpPr>
-          <p:cNvPr id="5" name="Text Box 4"/>
-          <p:cNvSpPr txBox="1"/>
+      <p:pic>
+        <p:nvPicPr>
+          <p:cNvPr id="1641216812" name=""/>
+          <p:cNvPicPr>
+            <a:picLocks noChangeAspect="1"/>
+          </p:cNvPicPr>
           <p:nvPr/>
-        </p:nvSpPr>
-        <p:spPr>
-          <a:xfrm>
-            <a:off x="5920740" y="4871085"/>
-            <a:ext cx="1021080" cy="368300"/>
+        </p:nvPicPr>
+        <p:blipFill>
+          <a:blip r:embed="rId3"/>
+          <a:stretch/>
+        </p:blipFill>
+        <p:spPr bwMode="auto">
+          <a:xfrm rot="1292695" flipH="0" flipV="0">
+            <a:off x="7057863" y="2248481"/>
+            <a:ext cx="882802" cy="882802"/>
           </a:xfrm>
           <a:prstGeom prst="rect">
             <a:avLst/>
           </a:prstGeom>
-          <a:noFill/>
         </p:spPr>
-        <p:txBody>
-          <a:bodyPr wrap="none" rtlCol="0">
-            <a:spAutoFit/>
-          </a:bodyPr>
-          <a:p>
-            <a:r>
-              <a:rPr lang="en-US"/>
-              <a:t>Figure 1</a:t>
-            </a:r>
-            <a:endParaRPr lang="en-US"/>
-          </a:p>
-        </p:txBody>
-      </p:sp>
+      </p:pic>
+      <p:pic>
+        <p:nvPicPr>
+          <p:cNvPr id="1080907128" name=""/>
+          <p:cNvPicPr>
+            <a:picLocks noChangeAspect="1"/>
+          </p:cNvPicPr>
+          <p:nvPr/>
+        </p:nvPicPr>
+        <p:blipFill>
+          <a:blip r:embed="rId4"/>
+          <a:stretch/>
+        </p:blipFill>
+        <p:spPr bwMode="auto">
+          <a:xfrm rot="1320026" flipH="0" flipV="0">
+            <a:off x="2843132" y="3133280"/>
+            <a:ext cx="1318447" cy="955572"/>
+          </a:xfrm>
+          <a:prstGeom prst="rect">
+            <a:avLst/>
+          </a:prstGeom>
+        </p:spPr>
+      </p:pic>
+      <p:pic>
+        <p:nvPicPr>
+          <p:cNvPr id="1274820052" name=""/>
+          <p:cNvPicPr>
+            <a:picLocks noChangeAspect="1"/>
+          </p:cNvPicPr>
+          <p:nvPr/>
+        </p:nvPicPr>
+        <p:blipFill>
+          <a:blip r:embed="rId5"/>
+          <a:stretch/>
+        </p:blipFill>
+        <p:spPr bwMode="auto">
+          <a:xfrm rot="20102327" flipH="0" flipV="0">
+            <a:off x="4802209" y="2355811"/>
+            <a:ext cx="1622500" cy="1198754"/>
+          </a:xfrm>
+          <a:prstGeom prst="rect">
+            <a:avLst/>
+          </a:prstGeom>
+        </p:spPr>
+      </p:pic>
+      <p:pic>
+        <p:nvPicPr>
+          <p:cNvPr id="785614410" name=""/>
+          <p:cNvPicPr>
+            <a:picLocks noChangeAspect="1"/>
+          </p:cNvPicPr>
+          <p:nvPr/>
+        </p:nvPicPr>
+        <p:blipFill>
+          <a:blip r:embed="rId6"/>
+          <a:stretch/>
+        </p:blipFill>
+        <p:spPr bwMode="auto">
+          <a:xfrm rot="19819675" flipH="0" flipV="0">
+            <a:off x="8528645" y="1593894"/>
+            <a:ext cx="1235953" cy="1046662"/>
+          </a:xfrm>
+          <a:prstGeom prst="rect">
+            <a:avLst/>
+          </a:prstGeom>
+        </p:spPr>
+      </p:pic>
     </p:spTree>
   </p:cSld>
   <p:clrMapOvr>
@@ -4356,18 +6060,18 @@
   </p:clrMapOvr>
   <mc:AlternateContent xmlns:mc="http://schemas.openxmlformats.org/markup-compatibility/2006">
     <mc:Choice xmlns:p14="http://schemas.microsoft.com/office/powerpoint/2010/main" Requires="p14">
-      <p:transition p14:dur="2000"/>
+      <p:transition p14:dur="2000" advClick="1"/>
     </mc:Choice>
     <mc:Fallback>
-      <p:transition/>
+      <p:transition advClick="1"/>
     </mc:Fallback>
   </mc:AlternateContent>
 </p:sld>
 </file>
 
-<file path=ppt/slides/slide6.xml><?xml version="1.0" encoding="utf-8"?>
-<p:sld xmlns:a="http://schemas.openxmlformats.org/drawingml/2006/main" xmlns:r="http://schemas.openxmlformats.org/officeDocument/2006/relationships" xmlns:p="http://schemas.openxmlformats.org/presentationml/2006/main" showMasterPhAnim="0">
-  <p:cSld>
+<file path=ppt/slides/slide3.xml><?xml version="1.0" encoding="utf-8"?>
+<p:sld xmlns:a="http://schemas.openxmlformats.org/drawingml/2006/main" xmlns:r="http://schemas.openxmlformats.org/officeDocument/2006/relationships" xmlns:p="http://schemas.openxmlformats.org/presentationml/2006/main" xmlns:m="http://schemas.openxmlformats.org/officeDocument/2006/math" xmlns:w="http://schemas.openxmlformats.org/wordprocessingml/2006/main" showMasterPhAnim="0" show="1">
+  <p:cSld name="">
     <p:spTree>
       <p:nvGrpSpPr>
         <p:cNvPr id="1" name=""/>
@@ -4384,6 +6088,646 @@
       </p:grpSpPr>
       <p:sp>
         <p:nvSpPr>
+          <p:cNvPr id="2" name="Title 1"/>
+          <p:cNvSpPr>
+            <a:spLocks noGrp="1"/>
+          </p:cNvSpPr>
+          <p:nvPr>
+            <p:ph type="title"/>
+          </p:nvPr>
+        </p:nvSpPr>
+        <p:spPr bwMode="auto"/>
+        <p:txBody>
+          <a:bodyPr/>
+          <a:p>
+            <a:pPr>
+              <a:defRPr/>
+            </a:pPr>
+            <a:r>
+              <a:rPr lang="en-US"/>
+              <a:t>Speaker recognition</a:t>
+            </a:r>
+            <a:endParaRPr lang="en-US"/>
+          </a:p>
+        </p:txBody>
+      </p:sp>
+      <p:sp>
+        <p:nvSpPr>
+          <p:cNvPr id="3" name="Content Placeholder 2"/>
+          <p:cNvSpPr>
+            <a:spLocks noGrp="1"/>
+          </p:cNvSpPr>
+          <p:nvPr>
+            <p:ph idx="1"/>
+          </p:nvPr>
+        </p:nvSpPr>
+        <p:spPr bwMode="auto">
+          <a:xfrm>
+            <a:off x="838200" y="1825625"/>
+            <a:ext cx="5838825" cy="4351655"/>
+          </a:xfrm>
+        </p:spPr>
+        <p:txBody>
+          <a:bodyPr/>
+          <a:p>
+            <a:pPr>
+              <a:defRPr/>
+            </a:pPr>
+            <a:r>
+              <a:rPr lang="en-US"/>
+              <a:t>Speaker recognition is the </a:t>
+            </a:r>
+            <a:r>
+              <a:rPr lang="en-US" b="1"/>
+              <a:t>identification </a:t>
+            </a:r>
+            <a:r>
+              <a:rPr lang="en-US"/>
+              <a:t>of a person from characteristics of voices.</a:t>
+            </a:r>
+            <a:endParaRPr lang="en-US"/>
+          </a:p>
+          <a:p>
+            <a:pPr>
+              <a:defRPr/>
+            </a:pPr>
+            <a:r>
+              <a:rPr lang="en-US"/>
+              <a:t>We call it </a:t>
+            </a:r>
+            <a:r>
+              <a:rPr lang="en-US" b="1"/>
+              <a:t>voiceprint </a:t>
+            </a:r>
+            <a:r>
+              <a:rPr lang="en-US"/>
+              <a:t>in our work.</a:t>
+            </a:r>
+            <a:endParaRPr lang="en-US"/>
+          </a:p>
+          <a:p>
+            <a:pPr>
+              <a:defRPr/>
+            </a:pPr>
+            <a:r>
+              <a:rPr lang="en-US"/>
+              <a:t>“</a:t>
+            </a:r>
+            <a:r>
+              <a:rPr lang="en-US" b="1"/>
+              <a:t>distinctive</a:t>
+            </a:r>
+            <a:r>
+              <a:rPr lang="en-US"/>
+              <a:t>, </a:t>
+            </a:r>
+            <a:r>
+              <a:rPr lang="en-US" b="1"/>
+              <a:t>measurable </a:t>
+            </a:r>
+            <a:r>
+              <a:rPr lang="en-US"/>
+              <a:t>characteristics used to label and describe individuals” -- </a:t>
+            </a:r>
+            <a:r>
+              <a:rPr lang="en-US" i="1"/>
+              <a:t>Wikipedia (Biometrics)</a:t>
+            </a:r>
+            <a:endParaRPr lang="en-US" i="1"/>
+          </a:p>
+          <a:p>
+            <a:pPr>
+              <a:defRPr/>
+            </a:pPr>
+            <a:r>
+              <a:rPr lang="en-US"/>
+              <a:t>Voiceprint can be (mostly) easily acquired from many sources.</a:t>
+            </a:r>
+            <a:endParaRPr lang="en-US"/>
+          </a:p>
+        </p:txBody>
+      </p:sp>
+      <p:pic>
+        <p:nvPicPr>
+          <p:cNvPr id="5" name="Picture 4" descr="Screenshot_20230926_191329"/>
+          <p:cNvPicPr>
+            <a:picLocks noChangeAspect="1"/>
+          </p:cNvPicPr>
+          <p:nvPr/>
+        </p:nvPicPr>
+        <p:blipFill>
+          <a:blip r:embed="rId2"/>
+          <a:stretch/>
+        </p:blipFill>
+        <p:spPr bwMode="auto">
+          <a:xfrm>
+            <a:off x="7033895" y="712470"/>
+            <a:ext cx="4770120" cy="2265045"/>
+          </a:xfrm>
+          <a:prstGeom prst="rect">
+            <a:avLst/>
+          </a:prstGeom>
+        </p:spPr>
+      </p:pic>
+      <p:sp>
+        <p:nvSpPr>
+          <p:cNvPr id="6" name="Text Box 5"/>
+          <p:cNvSpPr txBox="1"/>
+          <p:nvPr/>
+        </p:nvSpPr>
+        <p:spPr bwMode="auto">
+          <a:xfrm>
+            <a:off x="7033895" y="2977515"/>
+            <a:ext cx="4770755" cy="645159"/>
+          </a:xfrm>
+          <a:prstGeom prst="rect">
+            <a:avLst/>
+          </a:prstGeom>
+          <a:noFill/>
+        </p:spPr>
+        <p:txBody>
+          <a:bodyPr wrap="square" rtlCol="0">
+            <a:spAutoFit/>
+          </a:bodyPr>
+          <a:p>
+            <a:pPr algn="l">
+              <a:defRPr/>
+            </a:pPr>
+            <a:r>
+              <a:rPr lang="en-US"/>
+              <a:t>https://azure.microsoft.com/en-us/products/ai-services/speaker-recognition</a:t>
+            </a:r>
+            <a:endParaRPr lang="en-US"/>
+          </a:p>
+        </p:txBody>
+      </p:sp>
+      <p:pic>
+        <p:nvPicPr>
+          <p:cNvPr id="7" name="Picture 6" descr="Spectrogram-19thC"/>
+          <p:cNvPicPr>
+            <a:picLocks noChangeAspect="1"/>
+          </p:cNvPicPr>
+          <p:nvPr/>
+        </p:nvPicPr>
+        <p:blipFill>
+          <a:blip r:embed="rId3"/>
+          <a:stretch/>
+        </p:blipFill>
+        <p:spPr bwMode="auto">
+          <a:xfrm>
+            <a:off x="7033260" y="3622675"/>
+            <a:ext cx="4769485" cy="2480945"/>
+          </a:xfrm>
+          <a:prstGeom prst="rect">
+            <a:avLst/>
+          </a:prstGeom>
+        </p:spPr>
+      </p:pic>
+      <p:sp>
+        <p:nvSpPr>
+          <p:cNvPr id="8" name="Text Box 7"/>
+          <p:cNvSpPr txBox="1"/>
+          <p:nvPr/>
+        </p:nvSpPr>
+        <p:spPr bwMode="auto">
+          <a:xfrm>
+            <a:off x="7033260" y="6103620"/>
+            <a:ext cx="2684780" cy="368300"/>
+          </a:xfrm>
+          <a:prstGeom prst="rect">
+            <a:avLst/>
+          </a:prstGeom>
+          <a:noFill/>
+        </p:spPr>
+        <p:txBody>
+          <a:bodyPr wrap="none" rtlCol="0">
+            <a:spAutoFit/>
+          </a:bodyPr>
+          <a:p>
+            <a:pPr algn="l">
+              <a:defRPr/>
+            </a:pPr>
+            <a:r>
+              <a:rPr lang="en-US"/>
+              <a:t>Wikipedia - Spectrogram</a:t>
+            </a:r>
+            <a:endParaRPr lang="en-US"/>
+          </a:p>
+        </p:txBody>
+      </p:sp>
+    </p:spTree>
+  </p:cSld>
+  <p:clrMapOvr>
+    <a:masterClrMapping/>
+  </p:clrMapOvr>
+  <mc:AlternateContent xmlns:mc="http://schemas.openxmlformats.org/markup-compatibility/2006">
+    <mc:Choice xmlns:p14="http://schemas.microsoft.com/office/powerpoint/2010/main" Requires="p14">
+      <p:transition p14:dur="2000" advClick="1"/>
+    </mc:Choice>
+    <mc:Fallback>
+      <p:transition advClick="1"/>
+    </mc:Fallback>
+  </mc:AlternateContent>
+</p:sld>
+</file>
+
+<file path=ppt/slides/slide4.xml><?xml version="1.0" encoding="utf-8"?>
+<p:sld xmlns:a="http://schemas.openxmlformats.org/drawingml/2006/main" xmlns:r="http://schemas.openxmlformats.org/officeDocument/2006/relationships" xmlns:p="http://schemas.openxmlformats.org/presentationml/2006/main" xmlns:m="http://schemas.openxmlformats.org/officeDocument/2006/math" xmlns:w="http://schemas.openxmlformats.org/wordprocessingml/2006/main" showMasterPhAnim="0" show="1">
+  <p:cSld name="">
+    <p:spTree>
+      <p:nvGrpSpPr>
+        <p:cNvPr id="1" name=""/>
+        <p:cNvGrpSpPr/>
+        <p:nvPr/>
+      </p:nvGrpSpPr>
+      <p:grpSpPr bwMode="auto">
+        <a:xfrm>
+          <a:off x="0" y="0"/>
+          <a:ext cx="0" cy="0"/>
+          <a:chOff x="0" y="0"/>
+          <a:chExt cx="0" cy="0"/>
+        </a:xfrm>
+      </p:grpSpPr>
+      <p:sp>
+        <p:nvSpPr>
+          <p:cNvPr id="2" name="Title 1"/>
+          <p:cNvSpPr>
+            <a:spLocks noGrp="1"/>
+          </p:cNvSpPr>
+          <p:nvPr>
+            <p:ph type="title"/>
+          </p:nvPr>
+        </p:nvSpPr>
+        <p:spPr bwMode="auto"/>
+        <p:txBody>
+          <a:bodyPr>
+            <a:normAutofit/>
+          </a:bodyPr>
+          <a:p>
+            <a:pPr>
+              <a:defRPr/>
+            </a:pPr>
+            <a:r>
+              <a:rPr lang="en-US"/>
+              <a:t>Wait... I want just </a:t>
+            </a:r>
+            <a:r>
+              <a:rPr lang="en-US" i="1"/>
+              <a:t>what I asked</a:t>
+            </a:r>
+            <a:r>
+              <a:rPr lang="en-US"/>
+              <a:t> !</a:t>
+            </a:r>
+            <a:endParaRPr lang="en-US"/>
+          </a:p>
+        </p:txBody>
+      </p:sp>
+      <p:sp>
+        <p:nvSpPr>
+          <p:cNvPr id="3" name="Content Placeholder 2"/>
+          <p:cNvSpPr>
+            <a:spLocks noGrp="1"/>
+          </p:cNvSpPr>
+          <p:nvPr>
+            <p:ph idx="1"/>
+          </p:nvPr>
+        </p:nvSpPr>
+        <p:spPr bwMode="auto">
+          <a:xfrm flipH="0" flipV="0">
+            <a:off x="838199" y="1825624"/>
+            <a:ext cx="10515600" cy="3189750"/>
+          </a:xfrm>
+        </p:spPr>
+        <p:txBody>
+          <a:bodyPr/>
+          <a:p>
+            <a:pPr>
+              <a:defRPr/>
+            </a:pPr>
+            <a:r>
+              <a:rPr lang="en-US"/>
+              <a:t>There is just </a:t>
+            </a:r>
+            <a:r>
+              <a:rPr lang="en-US" b="1"/>
+              <a:t>way too much</a:t>
+            </a:r>
+            <a:r>
+              <a:rPr lang="en-US"/>
+              <a:t> information in our speeches.</a:t>
+            </a:r>
+            <a:endParaRPr lang="en-US"/>
+          </a:p>
+          <a:p>
+            <a:pPr lvl="0">
+              <a:defRPr/>
+            </a:pPr>
+            <a:r>
+              <a:rPr lang="en-US"/>
+              <a:t>Probably user’s intention is just to utilize</a:t>
+            </a:r>
+            <a:r>
+              <a:rPr lang="en-US" b="1"/>
+              <a:t> </a:t>
+            </a:r>
+            <a:r>
+              <a:rPr lang="en-US" i="1"/>
+              <a:t>content (text, emotion, etc.)</a:t>
+            </a:r>
+            <a:r>
+              <a:rPr lang="en-US"/>
+              <a:t> of voice, not </a:t>
+            </a:r>
+            <a:r>
+              <a:rPr lang="en-US" i="1"/>
+              <a:t>voiceprint</a:t>
+            </a:r>
+            <a:r>
+              <a:rPr lang="en-US"/>
+              <a:t>.</a:t>
+            </a:r>
+            <a:endParaRPr lang="en-US"/>
+          </a:p>
+          <a:p>
+            <a:pPr lvl="0">
+              <a:defRPr/>
+            </a:pPr>
+            <a:r>
+              <a:rPr lang="en-US"/>
+              <a:t>Users may accidently speak sensitive information aloud (address, password, etc.)</a:t>
+            </a:r>
+            <a:endParaRPr lang="en-US"/>
+          </a:p>
+          <a:p>
+            <a:pPr lvl="0">
+              <a:defRPr/>
+            </a:pPr>
+            <a:r>
+              <a:rPr lang="en-US"/>
+              <a:t>Raw voice sequences contain </a:t>
+            </a:r>
+            <a:r>
+              <a:rPr lang="en-US" b="1"/>
+              <a:t>everything</a:t>
+            </a:r>
+            <a:r>
+              <a:rPr lang="en-US"/>
+              <a:t>, whether you want it or not.</a:t>
+            </a:r>
+            <a:endParaRPr lang="en-US"/>
+          </a:p>
+        </p:txBody>
+      </p:sp>
+      <p:sp>
+        <p:nvSpPr>
+          <p:cNvPr id="4" name="Text Box 3"/>
+          <p:cNvSpPr txBox="1"/>
+          <p:nvPr/>
+        </p:nvSpPr>
+        <p:spPr bwMode="auto">
+          <a:xfrm rot="21175798">
+            <a:off x="5989070" y="5069005"/>
+            <a:ext cx="5769610" cy="460375"/>
+          </a:xfrm>
+          <a:prstGeom prst="rect">
+            <a:avLst/>
+          </a:prstGeom>
+          <a:noFill/>
+        </p:spPr>
+        <p:txBody>
+          <a:bodyPr wrap="none" rtlCol="0">
+            <a:spAutoFit/>
+          </a:bodyPr>
+          <a:p>
+            <a:pPr>
+              <a:defRPr/>
+            </a:pPr>
+            <a:r>
+              <a:rPr lang="en-US" sz="2400" b="1" i="1"/>
+              <a:t>Our work focus on voiceprint security!</a:t>
+            </a:r>
+            <a:endParaRPr lang="en-US" sz="2400" b="1" i="1"/>
+          </a:p>
+        </p:txBody>
+      </p:sp>
+    </p:spTree>
+  </p:cSld>
+  <p:clrMapOvr>
+    <a:masterClrMapping/>
+  </p:clrMapOvr>
+  <mc:AlternateContent xmlns:mc="http://schemas.openxmlformats.org/markup-compatibility/2006">
+    <mc:Choice xmlns:p14="http://schemas.microsoft.com/office/powerpoint/2010/main" Requires="p14">
+      <p:transition p14:dur="2000" advClick="1"/>
+    </mc:Choice>
+    <mc:Fallback>
+      <p:transition advClick="1"/>
+    </mc:Fallback>
+  </mc:AlternateContent>
+</p:sld>
+</file>
+
+<file path=ppt/slides/slide5.xml><?xml version="1.0" encoding="utf-8"?>
+<p:sld xmlns:a="http://schemas.openxmlformats.org/drawingml/2006/main" xmlns:r="http://schemas.openxmlformats.org/officeDocument/2006/relationships" xmlns:p="http://schemas.openxmlformats.org/presentationml/2006/main" xmlns:m="http://schemas.openxmlformats.org/officeDocument/2006/math" xmlns:w="http://schemas.openxmlformats.org/wordprocessingml/2006/main" showMasterPhAnim="0" show="1">
+  <p:cSld name="">
+    <p:spTree>
+      <p:nvGrpSpPr>
+        <p:cNvPr id="1" name=""/>
+        <p:cNvGrpSpPr/>
+        <p:nvPr/>
+      </p:nvGrpSpPr>
+      <p:grpSpPr bwMode="auto">
+        <a:xfrm>
+          <a:off x="0" y="0"/>
+          <a:ext cx="0" cy="0"/>
+          <a:chOff x="0" y="0"/>
+          <a:chExt cx="0" cy="0"/>
+        </a:xfrm>
+      </p:grpSpPr>
+      <p:sp>
+        <p:nvSpPr>
+          <p:cNvPr id="2" name="Title 1"/>
+          <p:cNvSpPr>
+            <a:spLocks noGrp="1"/>
+          </p:cNvSpPr>
+          <p:nvPr>
+            <p:ph type="title"/>
+          </p:nvPr>
+        </p:nvSpPr>
+        <p:spPr bwMode="auto"/>
+        <p:txBody>
+          <a:bodyPr/>
+          <a:p>
+            <a:pPr>
+              <a:defRPr/>
+            </a:pPr>
+            <a:r>
+              <a:rPr lang="en-US"/>
+              <a:t>Critical privacy concerns</a:t>
+            </a:r>
+            <a:endParaRPr lang="en-US"/>
+          </a:p>
+        </p:txBody>
+      </p:sp>
+      <p:sp>
+        <p:nvSpPr>
+          <p:cNvPr id="3" name="Content Placeholder 2"/>
+          <p:cNvSpPr>
+            <a:spLocks noGrp="1"/>
+          </p:cNvSpPr>
+          <p:nvPr>
+            <p:ph idx="1"/>
+          </p:nvPr>
+        </p:nvSpPr>
+        <p:spPr bwMode="auto">
+          <a:xfrm>
+            <a:off x="838200" y="1825625"/>
+            <a:ext cx="4860925" cy="4528820"/>
+          </a:xfrm>
+        </p:spPr>
+        <p:txBody>
+          <a:bodyPr vertOverflow="overflow" horzOverflow="overflow" vert="horz" wrap="square" lIns="91440" tIns="45720" rIns="91440" bIns="45720" numCol="1" spcCol="0" rtlCol="0" fromWordArt="0" anchor="t" anchorCtr="0" forceAA="0" upright="0" compatLnSpc="0">
+            <a:normAutofit/>
+          </a:bodyPr>
+          <a:p>
+            <a:pPr>
+              <a:defRPr/>
+            </a:pPr>
+            <a:r>
+              <a:rPr lang="en-US"/>
+              <a:t>A brief talk on phone, your identity is captured.</a:t>
+            </a:r>
+            <a:endParaRPr lang="en-US"/>
+          </a:p>
+          <a:p>
+            <a:pPr>
+              <a:defRPr/>
+            </a:pPr>
+            <a:r>
+              <a:rPr lang="en-US"/>
+              <a:t>A few words out aloud, vendors know who you are.</a:t>
+            </a:r>
+            <a:endParaRPr lang="en-US"/>
+          </a:p>
+          <a:p>
+            <a:pPr>
+              <a:defRPr/>
+            </a:pPr>
+            <a:r>
+              <a:rPr lang="en-US"/>
+              <a:t>A week or so later, criminals talk in </a:t>
+            </a:r>
+            <a:r>
+              <a:rPr lang="en-US" b="1"/>
+              <a:t>your </a:t>
+            </a:r>
+            <a:r>
+              <a:rPr lang="en-US"/>
+              <a:t>voice!</a:t>
+            </a:r>
+            <a:endParaRPr lang="en-US"/>
+          </a:p>
+          <a:p>
+            <a:pPr>
+              <a:defRPr/>
+            </a:pPr>
+            <a:r>
+              <a:rPr lang="en-US"/>
+              <a:t>Unmodified (not-treated) voice sequences leak speakers’ identities!</a:t>
+            </a:r>
+            <a:endParaRPr lang="en-US"/>
+          </a:p>
+        </p:txBody>
+      </p:sp>
+      <p:pic>
+        <p:nvPicPr>
+          <p:cNvPr id="4" name="Picture 3" descr="case2v3"/>
+          <p:cNvPicPr>
+            <a:picLocks noChangeAspect="1"/>
+          </p:cNvPicPr>
+          <p:nvPr/>
+        </p:nvPicPr>
+        <p:blipFill>
+          <a:blip r:embed="rId2"/>
+          <a:stretch/>
+        </p:blipFill>
+        <p:spPr bwMode="auto">
+          <a:xfrm>
+            <a:off x="5920740" y="1691005"/>
+            <a:ext cx="5889625" cy="3097530"/>
+          </a:xfrm>
+          <a:prstGeom prst="rect">
+            <a:avLst/>
+          </a:prstGeom>
+        </p:spPr>
+      </p:pic>
+      <p:sp>
+        <p:nvSpPr>
+          <p:cNvPr id="5" name="Text Box 4"/>
+          <p:cNvSpPr txBox="1"/>
+          <p:nvPr/>
+        </p:nvSpPr>
+        <p:spPr bwMode="auto">
+          <a:xfrm>
+            <a:off x="5920740" y="4871085"/>
+            <a:ext cx="1021080" cy="368300"/>
+          </a:xfrm>
+          <a:prstGeom prst="rect">
+            <a:avLst/>
+          </a:prstGeom>
+          <a:noFill/>
+        </p:spPr>
+        <p:txBody>
+          <a:bodyPr wrap="none" rtlCol="0">
+            <a:spAutoFit/>
+          </a:bodyPr>
+          <a:p>
+            <a:pPr>
+              <a:defRPr/>
+            </a:pPr>
+            <a:r>
+              <a:rPr lang="en-US"/>
+              <a:t>Figure 1</a:t>
+            </a:r>
+            <a:endParaRPr lang="en-US"/>
+          </a:p>
+        </p:txBody>
+      </p:sp>
+    </p:spTree>
+  </p:cSld>
+  <p:clrMapOvr>
+    <a:masterClrMapping/>
+  </p:clrMapOvr>
+  <mc:AlternateContent xmlns:mc="http://schemas.openxmlformats.org/markup-compatibility/2006">
+    <mc:Choice xmlns:p14="http://schemas.microsoft.com/office/powerpoint/2010/main" Requires="p14">
+      <p:transition p14:dur="2000" advClick="1"/>
+    </mc:Choice>
+    <mc:Fallback>
+      <p:transition advClick="1"/>
+    </mc:Fallback>
+  </mc:AlternateContent>
+</p:sld>
+</file>
+
+<file path=ppt/slides/slide6.xml><?xml version="1.0" encoding="utf-8"?>
+<p:sld xmlns:a="http://schemas.openxmlformats.org/drawingml/2006/main" xmlns:r="http://schemas.openxmlformats.org/officeDocument/2006/relationships" xmlns:p="http://schemas.openxmlformats.org/presentationml/2006/main" xmlns:m="http://schemas.openxmlformats.org/officeDocument/2006/math" xmlns:w="http://schemas.openxmlformats.org/wordprocessingml/2006/main" showMasterPhAnim="0" show="1">
+  <p:cSld name="">
+    <p:spTree>
+      <p:nvGrpSpPr>
+        <p:cNvPr id="1" name=""/>
+        <p:cNvGrpSpPr/>
+        <p:nvPr/>
+      </p:nvGrpSpPr>
+      <p:grpSpPr bwMode="auto">
+        <a:xfrm>
+          <a:off x="0" y="0"/>
+          <a:ext cx="0" cy="0"/>
+          <a:chOff x="0" y="0"/>
+          <a:chExt cx="0" cy="0"/>
+        </a:xfrm>
+      </p:grpSpPr>
+      <p:sp>
+        <p:nvSpPr>
           <p:cNvPr id="134445676" name="Title 1"/>
           <p:cNvSpPr>
             <a:spLocks noGrp="1"/>
@@ -4402,7 +6746,7 @@
             </a:pPr>
             <a:r>
               <a:rPr lang="en-US"/>
-              <a:t>Removing private information</a:t>
+              <a:t>Mitigating identity privacy problem</a:t>
             </a:r>
             <a:endParaRPr lang="en-US"/>
           </a:p>
@@ -4459,8 +6803,8 @@
         </p:nvSpPr>
         <p:spPr bwMode="auto">
           <a:xfrm>
-            <a:off x="4204703" y="365124"/>
-            <a:ext cx="3782593" cy="396599"/>
+            <a:off x="8237059" y="365124"/>
+            <a:ext cx="3570764" cy="396599"/>
           </a:xfrm>
           <a:prstGeom prst="rect">
             <a:avLst/>
@@ -4477,7 +6821,7 @@
             </a:pPr>
             <a:r>
               <a:rPr lang="en-US" sz="2000" b="1" i="1"/>
-              <a:t>i.e. desensitization, sanitation</a:t>
+              <a:t>desensitization, sanitation...</a:t>
             </a:r>
             <a:endParaRPr sz="2000" b="1" i="1"/>
           </a:p>
@@ -4492,12 +6836,10 @@
           <p:nvPr/>
         </p:nvPicPr>
         <p:blipFill>
-          <a:blip r:embed="rId1"/>
-          <a:stretch>
-            <a:fillRect/>
-          </a:stretch>
+          <a:blip r:embed="rId2"/>
+          <a:stretch/>
         </p:blipFill>
-        <p:spPr>
+        <p:spPr bwMode="auto">
           <a:xfrm>
             <a:off x="6574790" y="2924175"/>
             <a:ext cx="5233035" cy="3591560"/>
@@ -4513,10 +6855,10 @@
           <p:cNvSpPr txBox="1"/>
           <p:nvPr/>
         </p:nvSpPr>
-        <p:spPr>
-          <a:xfrm>
-            <a:off x="1042670" y="3170555"/>
-            <a:ext cx="4899660" cy="368300"/>
+        <p:spPr bwMode="auto">
+          <a:xfrm flipH="0" flipV="0">
+            <a:off x="838198" y="2924174"/>
+            <a:ext cx="5563865" cy="3139799"/>
           </a:xfrm>
           <a:prstGeom prst="rect">
             <a:avLst/>
@@ -4528,9 +6870,174 @@
             <a:spAutoFit/>
           </a:bodyPr>
           <a:p>
+            <a:pPr marL="283879" indent="-283879">
+              <a:buFont typeface="Arial"/>
+              <a:buChar char="•"/>
+              <a:defRPr/>
+            </a:pPr>
+            <a:r>
+              <a:rPr lang="en-US" sz="2000"/>
+              <a:t>Use frequency domain transforms</a:t>
+            </a:r>
+            <a:r>
+              <a:rPr lang="en-US" sz="2000"/>
+              <a:t>?</a:t>
+            </a:r>
+            <a:endParaRPr lang="en-US" sz="2000"/>
+          </a:p>
+          <a:p>
+            <a:pPr marL="683929" lvl="1" indent="-283879">
+              <a:buFont typeface="Arial"/>
+              <a:buChar char="•"/>
+              <a:defRPr/>
+            </a:pPr>
+            <a:r>
+              <a:rPr lang="en-US" sz="2000">
+                <a:solidFill>
+                  <a:srgbClr val="FF0000"/>
+                </a:solidFill>
+              </a:rPr>
+              <a:t>Potentially low quality results</a:t>
+            </a:r>
+            <a:endParaRPr sz="2000">
+              <a:solidFill>
+                <a:srgbClr val="FF0000"/>
+              </a:solidFill>
+            </a:endParaRPr>
+          </a:p>
+          <a:p>
+            <a:pPr marL="683929" lvl="1" indent="-283879">
+              <a:buFont typeface="Arial"/>
+              <a:buChar char="•"/>
+              <a:defRPr/>
+            </a:pPr>
+            <a:r>
+              <a:rPr lang="en-US" sz="2000">
+                <a:solidFill>
+                  <a:srgbClr val="FF0000"/>
+                </a:solidFill>
+              </a:rPr>
+              <a:t>Likely not secure enough</a:t>
+            </a:r>
+            <a:endParaRPr lang="en-US" sz="2000"/>
+          </a:p>
+          <a:p>
+            <a:pPr marL="283879" indent="-283879">
+              <a:buFont typeface="Arial"/>
+              <a:buChar char="•"/>
+              <a:defRPr/>
+            </a:pPr>
+            <a:r>
+              <a:rPr lang="en-US" sz="2000"/>
+              <a:t>Run speech recognition, then TTS?</a:t>
+            </a:r>
+            <a:endParaRPr lang="en-US" sz="2000"/>
+          </a:p>
+          <a:p>
+            <a:pPr marL="683929" lvl="1" indent="-283879">
+              <a:buFont typeface="Arial"/>
+              <a:buChar char="•"/>
+              <a:defRPr/>
+            </a:pPr>
+            <a:r>
+              <a:rPr lang="en-US" sz="2000">
+                <a:solidFill>
+                  <a:srgbClr val="FF0000"/>
+                </a:solidFill>
+              </a:rPr>
+              <a:t>Lose all information other than the words</a:t>
+            </a:r>
+            <a:endParaRPr lang="en-US" sz="2000"/>
+          </a:p>
+          <a:p>
+            <a:pPr marL="283879" indent="-283879">
+              <a:buFont typeface="Arial"/>
+              <a:buChar char="•"/>
+              <a:defRPr/>
+            </a:pPr>
+            <a:r>
+              <a:rPr lang="en-US" sz="2000" i="1"/>
+              <a:t>Use (train) a NN for voice conversion</a:t>
+            </a:r>
+            <a:endParaRPr sz="2000" i="1"/>
+          </a:p>
+          <a:p>
+            <a:pPr marL="683929" lvl="1" indent="-283879">
+              <a:buFont typeface="Arial"/>
+              <a:buChar char="•"/>
+              <a:defRPr/>
+            </a:pPr>
+            <a:r>
+              <a:rPr lang="en-US" sz="2000"/>
+              <a:t>Widely researched &amp; used</a:t>
+            </a:r>
+            <a:endParaRPr lang="en-US" sz="2000"/>
+          </a:p>
+          <a:p>
+            <a:pPr marL="683929" lvl="1" indent="-283879">
+              <a:buFont typeface="Arial"/>
+              <a:buChar char="•"/>
+              <a:defRPr/>
+            </a:pPr>
+            <a:r>
+              <a:rPr lang="en-US" sz="2000"/>
+              <a:t>Better data &amp; model = Better quality</a:t>
+            </a:r>
+            <a:endParaRPr lang="en-US" sz="2000"/>
+          </a:p>
+          <a:p>
+            <a:pPr marL="683929" lvl="1" indent="-283879">
+              <a:buFont typeface="Arial"/>
+              <a:buChar char="•"/>
+              <a:defRPr/>
+            </a:pPr>
+            <a:r>
+              <a:rPr lang="en-US" sz="2000"/>
+              <a:t>Fast with acceleration hardware</a:t>
+            </a:r>
+            <a:endParaRPr lang="en-US" sz="2000"/>
+          </a:p>
+          <a:p>
+            <a:pPr marL="683929" lvl="1" indent="-283879">
+              <a:buFont typeface="Arial"/>
+              <a:buChar char="•"/>
+              <a:defRPr/>
+            </a:pPr>
+            <a:r>
+              <a:rPr lang="en-US" sz="2000"/>
+              <a:t>Better chances to be more secure</a:t>
+            </a:r>
+            <a:endParaRPr lang="en-US" sz="2000"/>
+          </a:p>
+        </p:txBody>
+      </p:sp>
+      <p:sp>
+        <p:nvSpPr>
+          <p:cNvPr id="940390599" name="Text Box 4"/>
+          <p:cNvSpPr txBox="1"/>
+          <p:nvPr/>
+        </p:nvSpPr>
+        <p:spPr bwMode="auto">
+          <a:xfrm>
+            <a:off x="10785620" y="2450739"/>
+            <a:ext cx="1022203" cy="366119"/>
+          </a:xfrm>
+          <a:prstGeom prst="rect">
+            <a:avLst/>
+          </a:prstGeom>
+          <a:noFill/>
+        </p:spPr>
+        <p:txBody>
+          <a:bodyPr wrap="none" rtlCol="0">
+            <a:spAutoFit/>
+          </a:bodyPr>
+          <a:p>
+            <a:pPr>
+              <a:defRPr/>
+            </a:pPr>
             <a:r>
               <a:rPr lang="en-US"/>
-              <a:t>Solution: Utilize convolutional </a:t>
+              <a:t>Figure 2</a:t>
             </a:r>
             <a:endParaRPr lang="en-US"/>
           </a:p>
@@ -4543,17 +7050,616 @@
   </p:clrMapOvr>
   <mc:AlternateContent xmlns:mc="http://schemas.openxmlformats.org/markup-compatibility/2006">
     <mc:Choice xmlns:p14="http://schemas.microsoft.com/office/powerpoint/2010/main" Requires="p14">
-      <p:transition p14:dur="2000"/>
+      <p:transition p14:dur="2000" advClick="1"/>
     </mc:Choice>
     <mc:Fallback>
-      <p:transition/>
+      <p:transition advClick="1"/>
+    </mc:Fallback>
+  </mc:AlternateContent>
+</p:sld>
+</file>
+
+<file path=ppt/slides/slide7.xml><?xml version="1.0" encoding="utf-8"?>
+<p:sld xmlns:a="http://schemas.openxmlformats.org/drawingml/2006/main" xmlns:r="http://schemas.openxmlformats.org/officeDocument/2006/relationships" xmlns:p="http://schemas.openxmlformats.org/presentationml/2006/main" xmlns:m="http://schemas.openxmlformats.org/officeDocument/2006/math" xmlns:w="http://schemas.openxmlformats.org/wordprocessingml/2006/main" showMasterPhAnim="0" show="1">
+  <p:cSld name="">
+    <p:spTree>
+      <p:nvGrpSpPr>
+        <p:cNvPr id="1" name=""/>
+        <p:cNvGrpSpPr/>
+        <p:nvPr/>
+      </p:nvGrpSpPr>
+      <p:grpSpPr bwMode="auto">
+        <a:xfrm>
+          <a:off x="0" y="0"/>
+          <a:ext cx="0" cy="0"/>
+          <a:chOff x="0" y="0"/>
+          <a:chExt cx="0" cy="0"/>
+        </a:xfrm>
+      </p:grpSpPr>
+      <p:sp>
+        <p:nvSpPr>
+          <p:cNvPr id="638499975" name="Title 1"/>
+          <p:cNvSpPr>
+            <a:spLocks noGrp="1"/>
+          </p:cNvSpPr>
+          <p:nvPr>
+            <p:ph type="title"/>
+          </p:nvPr>
+        </p:nvSpPr>
+        <p:spPr bwMode="auto"/>
+        <p:txBody>
+          <a:bodyPr/>
+          <a:lstStyle/>
+          <a:p>
+            <a:pPr>
+              <a:defRPr/>
+            </a:pPr>
+            <a:r>
+              <a:rPr/>
+              <a:t>Prior art — </a:t>
+            </a:r>
+            <a:r>
+              <a:rPr b="1" i="1"/>
+              <a:t>V</a:t>
+            </a:r>
+            <a:r>
+              <a:rPr/>
+              <a:t>oice </a:t>
+            </a:r>
+            <a:r>
+              <a:rPr b="1" i="1"/>
+              <a:t>C</a:t>
+            </a:r>
+            <a:r>
+              <a:rPr/>
+              <a:t>onversion</a:t>
+            </a:r>
+            <a:endParaRPr/>
+          </a:p>
+        </p:txBody>
+      </p:sp>
+      <p:sp>
+        <p:nvSpPr>
+          <p:cNvPr id="391068853" name="Content Placeholder 2"/>
+          <p:cNvSpPr>
+            <a:spLocks noGrp="1"/>
+          </p:cNvSpPr>
+          <p:nvPr>
+            <p:ph idx="1"/>
+          </p:nvPr>
+        </p:nvSpPr>
+        <p:spPr bwMode="auto">
+          <a:xfrm flipH="0" flipV="0">
+            <a:off x="838198" y="1825624"/>
+            <a:ext cx="3591154" cy="3574957"/>
+          </a:xfrm>
+        </p:spPr>
+        <p:txBody>
+          <a:bodyPr vertOverflow="overflow" horzOverflow="overflow" vert="horz" wrap="square" lIns="91440" tIns="45720" rIns="91440" bIns="45720" numCol="1" spcCol="0" rtlCol="0" fromWordArt="0" anchor="t" anchorCtr="0" forceAA="0" upright="0" compatLnSpc="0">
+            <a:normAutofit fontScale="95000" lnSpcReduction="1000"/>
+          </a:bodyPr>
+          <a:lstStyle/>
+          <a:p>
+            <a:pPr>
+              <a:defRPr/>
+            </a:pPr>
+            <a:r>
+              <a:rPr/>
+              <a:t>StarGAN-VC</a:t>
+            </a:r>
+            <a:endParaRPr/>
+          </a:p>
+          <a:p>
+            <a:pPr lvl="1">
+              <a:defRPr/>
+            </a:pPr>
+            <a:r>
+              <a:rPr/>
+              <a:t>It’s StarGAN, for VC</a:t>
+            </a:r>
+            <a:endParaRPr/>
+          </a:p>
+          <a:p>
+            <a:pPr>
+              <a:defRPr/>
+            </a:pPr>
+            <a:r>
+              <a:rPr/>
+              <a:t>Many to many conversion, non-parallel and quick.</a:t>
+            </a:r>
+            <a:endParaRPr/>
+          </a:p>
+          <a:p>
+            <a:pPr>
+              <a:defRPr/>
+            </a:pPr>
+            <a:r>
+              <a:rPr/>
+              <a:t>Produce high-quality natural (to human ears) results.</a:t>
+            </a:r>
+            <a:endParaRPr/>
+          </a:p>
+        </p:txBody>
+      </p:sp>
+      <p:pic>
+        <p:nvPicPr>
+          <p:cNvPr id="805157561" name="图片 10"/>
+          <p:cNvPicPr>
+            <a:picLocks noChangeAspect="1"/>
+          </p:cNvPicPr>
+          <p:nvPr/>
+        </p:nvPicPr>
+        <p:blipFill>
+          <a:blip r:embed="rId2"/>
+          <a:stretch/>
+        </p:blipFill>
+        <p:spPr bwMode="auto">
+          <a:xfrm flipH="0" flipV="0">
+            <a:off x="4429354" y="1468543"/>
+            <a:ext cx="7532908" cy="4029771"/>
+          </a:xfrm>
+          <a:prstGeom prst="rect">
+            <a:avLst/>
+          </a:prstGeom>
+        </p:spPr>
+      </p:pic>
+      <p:sp>
+        <p:nvSpPr>
+          <p:cNvPr id="30833368" name=""/>
+          <p:cNvSpPr txBox="1"/>
+          <p:nvPr/>
+        </p:nvSpPr>
+        <p:spPr bwMode="auto">
+          <a:xfrm flipH="0" flipV="0">
+            <a:off x="796237" y="6016179"/>
+            <a:ext cx="5234846" cy="366119"/>
+          </a:xfrm>
+          <a:prstGeom prst="rect">
+            <a:avLst/>
+          </a:prstGeom>
+          <a:noFill/>
+        </p:spPr>
+        <p:txBody>
+          <a:bodyPr vertOverflow="overflow" horzOverflow="overflow" vert="horz" wrap="square" lIns="91440" tIns="45720" rIns="91440" bIns="45720" numCol="1" spcCol="0" rtlCol="0" fromWordArt="0" anchor="t" anchorCtr="0" forceAA="0" upright="0" compatLnSpc="0">
+            <a:spAutoFit/>
+          </a:bodyPr>
+          <a:p>
+            <a:pPr>
+              <a:defRPr/>
+            </a:pPr>
+            <a:r>
+              <a:rPr lang="zh-CN" sz="1800" b="0" i="0" u="none" strike="noStrike" cap="none" spc="0">
+                <a:solidFill>
+                  <a:schemeClr val="tx1"/>
+                </a:solidFill>
+                <a:latin typeface="Arial"/>
+                <a:ea typeface="Arial"/>
+                <a:cs typeface="Arial"/>
+              </a:rPr>
+              <a:t>Kameoka et al. 2018 — arXiv:1806.02169 [cs.SD]</a:t>
+            </a:r>
+            <a:endParaRPr/>
+          </a:p>
+        </p:txBody>
+      </p:sp>
+      <p:sp>
+        <p:nvSpPr>
+          <p:cNvPr id="1780537919" name=""/>
+          <p:cNvSpPr txBox="1"/>
+          <p:nvPr/>
+        </p:nvSpPr>
+        <p:spPr bwMode="auto">
+          <a:xfrm flipH="0" flipV="0">
+            <a:off x="796237" y="5650058"/>
+            <a:ext cx="10347537" cy="366119"/>
+          </a:xfrm>
+          <a:prstGeom prst="rect">
+            <a:avLst/>
+          </a:prstGeom>
+          <a:noFill/>
+        </p:spPr>
+        <p:txBody>
+          <a:bodyPr vertOverflow="overflow" horzOverflow="overflow" vert="horz" wrap="none" lIns="91440" tIns="45720" rIns="91440" bIns="45720" numCol="1" spcCol="0" rtlCol="0" fromWordArt="0" anchor="t" anchorCtr="0" forceAA="0" upright="0" compatLnSpc="0">
+            <a:spAutoFit/>
+          </a:bodyPr>
+          <a:p>
+            <a:pPr>
+              <a:defRPr/>
+            </a:pPr>
+            <a:r>
+              <a:rPr sz="1800" b="0" i="0" u="none">
+                <a:solidFill>
+                  <a:srgbClr val="000000"/>
+                </a:solidFill>
+                <a:latin typeface="Arial"/>
+                <a:ea typeface="Arial"/>
+                <a:cs typeface="Arial"/>
+              </a:rPr>
+              <a:t>StarGAN-VC: Non-parallel many-to-many voice conversion with star generative adversarial networks</a:t>
+            </a:r>
+            <a:endParaRPr sz="1800" b="0">
+              <a:latin typeface="Arial"/>
+              <a:cs typeface="Arial"/>
+            </a:endParaRPr>
+          </a:p>
+        </p:txBody>
+      </p:sp>
+    </p:spTree>
+  </p:cSld>
+  <p:clrMapOvr>
+    <a:masterClrMapping/>
+  </p:clrMapOvr>
+  <mc:AlternateContent xmlns:mc="http://schemas.openxmlformats.org/markup-compatibility/2006">
+    <mc:Choice xmlns:p14="http://schemas.microsoft.com/office/powerpoint/2010/main" Requires="p14">
+      <p:transition p14:dur="2000" advClick="1"/>
+    </mc:Choice>
+    <mc:Fallback>
+      <p:transition advClick="1"/>
+    </mc:Fallback>
+  </mc:AlternateContent>
+</p:sld>
+</file>
+
+<file path=ppt/slides/slide8.xml><?xml version="1.0" encoding="utf-8"?>
+<p:sld xmlns:a="http://schemas.openxmlformats.org/drawingml/2006/main" xmlns:r="http://schemas.openxmlformats.org/officeDocument/2006/relationships" xmlns:p="http://schemas.openxmlformats.org/presentationml/2006/main" xmlns:m="http://schemas.openxmlformats.org/officeDocument/2006/math" xmlns:w="http://schemas.openxmlformats.org/wordprocessingml/2006/main" showMasterPhAnim="0" show="1">
+  <p:cSld name="">
+    <p:spTree>
+      <p:nvGrpSpPr>
+        <p:cNvPr id="1" name=""/>
+        <p:cNvGrpSpPr/>
+        <p:nvPr/>
+      </p:nvGrpSpPr>
+      <p:grpSpPr bwMode="auto">
+        <a:xfrm>
+          <a:off x="0" y="0"/>
+          <a:ext cx="0" cy="0"/>
+          <a:chOff x="0" y="0"/>
+          <a:chExt cx="0" cy="0"/>
+        </a:xfrm>
+      </p:grpSpPr>
+      <p:sp>
+        <p:nvSpPr>
+          <p:cNvPr id="101530814" name="Title 1"/>
+          <p:cNvSpPr>
+            <a:spLocks noGrp="1"/>
+          </p:cNvSpPr>
+          <p:nvPr>
+            <p:ph type="title"/>
+          </p:nvPr>
+        </p:nvSpPr>
+        <p:spPr bwMode="auto"/>
+        <p:txBody>
+          <a:bodyPr/>
+          <a:lstStyle/>
+          <a:p>
+            <a:pPr>
+              <a:defRPr/>
+            </a:pPr>
+            <a:r>
+              <a:rPr/>
+              <a:t>Prior art — Identity protection</a:t>
+            </a:r>
+            <a:endParaRPr/>
+          </a:p>
+        </p:txBody>
+      </p:sp>
+      <p:sp>
+        <p:nvSpPr>
+          <p:cNvPr id="1855731646" name="Content Placeholder 2"/>
+          <p:cNvSpPr>
+            <a:spLocks noGrp="1"/>
+          </p:cNvSpPr>
+          <p:nvPr>
+            <p:ph idx="1"/>
+          </p:nvPr>
+        </p:nvSpPr>
+        <p:spPr bwMode="auto">
+          <a:xfrm flipH="0" flipV="0">
+            <a:off x="838198" y="1825623"/>
+            <a:ext cx="3879009" cy="3556463"/>
+          </a:xfrm>
+        </p:spPr>
+        <p:txBody>
+          <a:bodyPr vertOverflow="overflow" horzOverflow="overflow" vert="horz" wrap="square" lIns="91440" tIns="45720" rIns="91440" bIns="45720" numCol="1" spcCol="0" rtlCol="0" fromWordArt="0" anchor="t" anchorCtr="0" forceAA="0" upright="0" compatLnSpc="0">
+            <a:normAutofit/>
+          </a:bodyPr>
+          <a:lstStyle/>
+          <a:p>
+            <a:pPr>
+              <a:defRPr/>
+            </a:pPr>
+            <a:r>
+              <a:rPr sz="2800"/>
+              <a:t>PPRL-VGAN</a:t>
+            </a:r>
+            <a:endParaRPr sz="2800"/>
+          </a:p>
+          <a:p>
+            <a:pPr>
+              <a:defRPr/>
+            </a:pPr>
+            <a:r>
+              <a:rPr sz="2800"/>
+              <a:t>Generative, like StarGAN(-VC)</a:t>
+            </a:r>
+            <a:endParaRPr sz="2800"/>
+          </a:p>
+          <a:p>
+            <a:pPr>
+              <a:defRPr/>
+            </a:pPr>
+            <a:r>
+              <a:rPr sz="2800"/>
+              <a:t>Targeted specifically for privacy use cases</a:t>
+            </a:r>
+            <a:endParaRPr sz="2800"/>
+          </a:p>
+          <a:p>
+            <a:pPr>
+              <a:defRPr/>
+            </a:pPr>
+            <a:r>
+              <a:rPr sz="2800"/>
+              <a:t>Privacy preserved without sacrificing most features</a:t>
+            </a:r>
+            <a:endParaRPr sz="2800"/>
+          </a:p>
+        </p:txBody>
+      </p:sp>
+      <p:sp>
+        <p:nvSpPr>
+          <p:cNvPr id="1469253426" name=""/>
+          <p:cNvSpPr txBox="1"/>
+          <p:nvPr/>
+        </p:nvSpPr>
+        <p:spPr bwMode="auto">
+          <a:xfrm flipH="0" flipV="0">
+            <a:off x="838198" y="5687775"/>
+            <a:ext cx="10272193" cy="640440"/>
+          </a:xfrm>
+          <a:prstGeom prst="rect">
+            <a:avLst/>
+          </a:prstGeom>
+          <a:noFill/>
+        </p:spPr>
+        <p:txBody>
+          <a:bodyPr vertOverflow="overflow" horzOverflow="overflow" vert="horz" wrap="none" lIns="91440" tIns="45720" rIns="91440" bIns="45720" numCol="1" spcCol="0" rtlCol="0" fromWordArt="0" anchor="t" anchorCtr="0" forceAA="0" upright="0" compatLnSpc="0">
+            <a:spAutoFit/>
+          </a:bodyPr>
+          <a:p>
+            <a:pPr>
+              <a:defRPr/>
+            </a:pPr>
+            <a:r>
+              <a:rPr lang="zh-CN" sz="1800" b="0" i="0" u="none" strike="noStrike" cap="none" spc="0">
+                <a:solidFill>
+                  <a:schemeClr val="tx1"/>
+                </a:solidFill>
+                <a:latin typeface="Arial"/>
+                <a:ea typeface="Arial"/>
+                <a:cs typeface="Arial"/>
+              </a:rPr>
+              <a:t>VGAN-Based Image Representation Learning </a:t>
+            </a:r>
+            <a:r>
+              <a:rPr lang="zh-CN" sz="1800" b="0" i="0" u="none" strike="noStrike" cap="none" spc="0">
+                <a:solidFill>
+                  <a:schemeClr val="tx1"/>
+                </a:solidFill>
+                <a:latin typeface="Arial"/>
+                <a:ea typeface="Arial"/>
+                <a:cs typeface="Arial"/>
+              </a:rPr>
+              <a:t>for Privacy-Preserving Facial Expression Recognition</a:t>
+            </a:r>
+            <a:endParaRPr lang="zh-CN" sz="1800" b="0" i="0" u="none" strike="noStrike" cap="none" spc="0">
+              <a:solidFill>
+                <a:schemeClr val="tx1"/>
+              </a:solidFill>
+              <a:latin typeface="Arial"/>
+              <a:ea typeface="Arial"/>
+              <a:cs typeface="Arial"/>
+            </a:endParaRPr>
+          </a:p>
+          <a:p>
+            <a:pPr>
+              <a:defRPr/>
+            </a:pPr>
+            <a:r>
+              <a:rPr lang="zh-CN" sz="1800" b="0" i="0" u="none" strike="noStrike" cap="none" spc="0">
+                <a:solidFill>
+                  <a:schemeClr val="tx1"/>
+                </a:solidFill>
+                <a:latin typeface="Arial"/>
+                <a:ea typeface="Arial"/>
+                <a:cs typeface="Arial"/>
+              </a:rPr>
+              <a:t>Chen et al. 2018 — </a:t>
+            </a:r>
+            <a:r>
+              <a:rPr lang="zh-CN" sz="1800" b="0" i="0" u="none" strike="noStrike" cap="none" spc="0">
+                <a:solidFill>
+                  <a:schemeClr val="tx1"/>
+                </a:solidFill>
+                <a:latin typeface="Arial"/>
+                <a:ea typeface="Arial"/>
+                <a:cs typeface="Arial"/>
+              </a:rPr>
+              <a:t>arXiv:1803.07100 [cs.CV]</a:t>
+            </a:r>
+            <a:endParaRPr lang="zh-CN" sz="1800" b="0" i="0" u="none" strike="noStrike" cap="none" spc="0">
+              <a:solidFill>
+                <a:schemeClr val="tx1"/>
+              </a:solidFill>
+              <a:latin typeface="Arial"/>
+              <a:cs typeface="Arial"/>
+            </a:endParaRPr>
+          </a:p>
+        </p:txBody>
+      </p:sp>
+      <p:pic>
+        <p:nvPicPr>
+          <p:cNvPr id="1140016773" name=""/>
+          <p:cNvPicPr>
+            <a:picLocks noChangeAspect="1"/>
+          </p:cNvPicPr>
+          <p:nvPr/>
+        </p:nvPicPr>
+        <p:blipFill>
+          <a:blip r:embed="rId2"/>
+          <a:stretch/>
+        </p:blipFill>
+        <p:spPr bwMode="auto">
+          <a:xfrm flipH="0" flipV="0">
+            <a:off x="4556072" y="2010575"/>
+            <a:ext cx="7487965" cy="2697305"/>
+          </a:xfrm>
+          <a:prstGeom prst="rect">
+            <a:avLst/>
+          </a:prstGeom>
+        </p:spPr>
+      </p:pic>
+    </p:spTree>
+  </p:cSld>
+  <p:clrMapOvr>
+    <a:masterClrMapping/>
+  </p:clrMapOvr>
+  <mc:AlternateContent xmlns:mc="http://schemas.openxmlformats.org/markup-compatibility/2006">
+    <mc:Choice xmlns:p14="http://schemas.microsoft.com/office/powerpoint/2010/main" Requires="p14">
+      <p:transition p14:dur="2000" advClick="1"/>
+    </mc:Choice>
+    <mc:Fallback>
+      <p:transition advClick="1"/>
+    </mc:Fallback>
+  </mc:AlternateContent>
+</p:sld>
+</file>
+
+<file path=ppt/slides/slide9.xml><?xml version="1.0" encoding="utf-8"?>
+<p:sld xmlns:a="http://schemas.openxmlformats.org/drawingml/2006/main" xmlns:r="http://schemas.openxmlformats.org/officeDocument/2006/relationships" xmlns:p="http://schemas.openxmlformats.org/presentationml/2006/main" xmlns:m="http://schemas.openxmlformats.org/officeDocument/2006/math" xmlns:w="http://schemas.openxmlformats.org/wordprocessingml/2006/main" showMasterPhAnim="0" show="1">
+  <p:cSld name="">
+    <p:spTree>
+      <p:nvGrpSpPr>
+        <p:cNvPr id="1" name=""/>
+        <p:cNvGrpSpPr/>
+        <p:nvPr/>
+      </p:nvGrpSpPr>
+      <p:grpSpPr bwMode="auto">
+        <a:xfrm>
+          <a:off x="0" y="0"/>
+          <a:ext cx="0" cy="0"/>
+          <a:chOff x="0" y="0"/>
+          <a:chExt cx="0" cy="0"/>
+        </a:xfrm>
+      </p:grpSpPr>
+      <p:sp>
+        <p:nvSpPr>
+          <p:cNvPr id="246524319" name="Title 1"/>
+          <p:cNvSpPr>
+            <a:spLocks noGrp="1"/>
+          </p:cNvSpPr>
+          <p:nvPr>
+            <p:ph type="title"/>
+          </p:nvPr>
+        </p:nvSpPr>
+        <p:spPr bwMode="auto"/>
+        <p:txBody>
+          <a:bodyPr/>
+          <a:lstStyle/>
+          <a:p>
+            <a:pPr>
+              <a:defRPr/>
+            </a:pPr>
+            <a:r>
+              <a:rPr/>
+              <a:t>Could anything go wrong?</a:t>
+            </a:r>
+            <a:endParaRPr/>
+          </a:p>
+        </p:txBody>
+      </p:sp>
+      <p:sp>
+        <p:nvSpPr>
+          <p:cNvPr id="290004736" name="Content Placeholder 2"/>
+          <p:cNvSpPr>
+            <a:spLocks noGrp="1"/>
+          </p:cNvSpPr>
+          <p:nvPr>
+            <p:ph idx="1"/>
+          </p:nvPr>
+        </p:nvSpPr>
+        <p:spPr bwMode="auto"/>
+        <p:txBody>
+          <a:bodyPr/>
+          <a:lstStyle/>
+          <a:p>
+            <a:pPr>
+              <a:defRPr/>
+            </a:pPr>
+            <a:r>
+              <a:rPr/>
+              <a:t>Protection involves replacing the identity of speech.</a:t>
+            </a:r>
+            <a:endParaRPr/>
+          </a:p>
+          <a:p>
+            <a:pPr>
+              <a:defRPr/>
+            </a:pPr>
+            <a:r>
+              <a:rPr/>
+              <a:t>Performace is usually the first metric.</a:t>
+            </a:r>
+            <a:endParaRPr/>
+          </a:p>
+          <a:p>
+            <a:pPr>
+              <a:defRPr/>
+            </a:pPr>
+            <a:r>
+              <a:rPr/>
+              <a:t>What will attacker do with a </a:t>
+            </a:r>
+            <a:r>
+              <a:rPr i="1"/>
+              <a:t>desensitization model</a:t>
+            </a:r>
+            <a:r>
+              <a:rPr/>
+              <a:t> ?</a:t>
+            </a:r>
+            <a:endParaRPr/>
+          </a:p>
+          <a:p>
+            <a:pPr>
+              <a:defRPr/>
+            </a:pPr>
+            <a:r>
+              <a:rPr/>
+              <a:t>Could we somehow hide traces of original recording in desensitized data?</a:t>
+            </a:r>
+            <a:endParaRPr/>
+          </a:p>
+        </p:txBody>
+      </p:sp>
+    </p:spTree>
+  </p:cSld>
+  <p:clrMapOvr>
+    <a:masterClrMapping/>
+  </p:clrMapOvr>
+  <mc:AlternateContent xmlns:mc="http://schemas.openxmlformats.org/markup-compatibility/2006">
+    <mc:Choice xmlns:p14="http://schemas.microsoft.com/office/powerpoint/2010/main" Requires="p14">
+      <p:transition p14:dur="2000" advClick="1"/>
+    </mc:Choice>
+    <mc:Fallback>
+      <p:transition advClick="1"/>
     </mc:Fallback>
   </mc:AlternateContent>
 </p:sld>
 </file>
 
 <file path=ppt/theme/theme1.xml><?xml version="1.0" encoding="utf-8"?>
-<a:theme xmlns:a="http://schemas.openxmlformats.org/drawingml/2006/main" name="Office Theme">
+<a:theme xmlns:a="http://schemas.openxmlformats.org/drawingml/2006/main" xmlns:r="http://schemas.openxmlformats.org/officeDocument/2006/relationships" xmlns:p="http://schemas.openxmlformats.org/presentationml/2006/main" name="Office Theme">
   <a:themeElements>
     <a:clrScheme name="New Office">
       <a:dk1>
@@ -4755,10 +7861,6 @@
       </a:bgFillStyleLst>
     </a:fmtScheme>
   </a:themeElements>
-  <a:extLst>
-    <a:ext uri="{05A4C25C-085E-4340-85A3-A5531E510DB2}">
-      <thm15:themeFamily xmlns:thm15="http://schemas.microsoft.com/office/thememl/2012/main" name="Office Theme" id="{62F939B6-93AF-4DB8-9C6B-D6C7DFDC589F}" vid="{4A3C46E8-61CC-4603-A589-7422A47A8E4A}"/>
-    </a:ext>
-  </a:extLst>
+  <a:objectDefaults/>
 </a:theme>
 </file>
--- a/pres.pptx
+++ b/pres.pptx
@@ -26,6 +26,7 @@
     <p:sldId id="274" r:id="rId21"/>
     <p:sldId id="275" r:id="rId22"/>
     <p:sldId id="276" r:id="rId23"/>
+    <p:sldId id="277" r:id="rId24"/>
   </p:sldIdLst>
   <p:sldSz cx="12192000" cy="6858000"/>
   <p:notesSz cx="12192000" cy="6858000"/>
@@ -5208,7 +5209,7 @@
       </p:grpSpPr>
       <p:sp>
         <p:nvSpPr>
-          <p:cNvPr id="986946962" name="Title 1"/>
+          <p:cNvPr id="830038326" name="Title 1"/>
           <p:cNvSpPr>
             <a:spLocks noGrp="1"/>
           </p:cNvSpPr>
@@ -5226,68 +5227,100 @@
             </a:pPr>
             <a:r>
               <a:rPr/>
-              <a:t>Future work...</a:t>
+              <a:t>Evaluation statistics</a:t>
             </a:r>
             <a:endParaRPr/>
           </a:p>
         </p:txBody>
       </p:sp>
-      <p:sp>
-        <p:nvSpPr>
-          <p:cNvPr id="733060007" name="Content Placeholder 2"/>
-          <p:cNvSpPr>
-            <a:spLocks noGrp="1"/>
-          </p:cNvSpPr>
-          <p:nvPr>
-            <p:ph idx="1"/>
-          </p:nvPr>
-        </p:nvSpPr>
-        <p:spPr bwMode="auto"/>
-        <p:txBody>
-          <a:bodyPr/>
-          <a:lstStyle/>
-          <a:p>
-            <a:pPr>
-              <a:defRPr/>
-            </a:pPr>
-            <a:r>
-              <a:rPr/>
-              <a:t>Newer voice conversion methods provide results significantly better than StarGAN-VC, may be suitable as better victims.</a:t>
-            </a:r>
-            <a:endParaRPr/>
-          </a:p>
-          <a:p>
-            <a:pPr>
-              <a:defRPr/>
-            </a:pPr>
-            <a:r>
-              <a:rPr/>
-              <a:t>Prior art in images (Liu et al.) integrate with the victim.</a:t>
-            </a:r>
-            <a:endParaRPr/>
-          </a:p>
-          <a:p>
-            <a:pPr>
-              <a:defRPr/>
-            </a:pPr>
-            <a:r>
-              <a:rPr/>
-              <a:t>It’s possible to defend / mitigate such adversary.</a:t>
-            </a:r>
-            <a:endParaRPr/>
-          </a:p>
-          <a:p>
-            <a:pPr>
-              <a:defRPr/>
-            </a:pPr>
-            <a:r>
-              <a:rPr/>
-              <a:t>Workflow may be possible for other cases...</a:t>
-            </a:r>
-            <a:endParaRPr/>
-          </a:p>
-        </p:txBody>
-      </p:sp>
+      <p:pic>
+        <p:nvPicPr>
+          <p:cNvPr id="991197358" name=""/>
+          <p:cNvPicPr>
+            <a:picLocks noChangeAspect="1"/>
+          </p:cNvPicPr>
+          <p:nvPr/>
+        </p:nvPicPr>
+        <p:blipFill>
+          <a:blip r:embed="rId2"/>
+          <a:stretch/>
+        </p:blipFill>
+        <p:spPr bwMode="auto">
+          <a:xfrm flipH="0" flipV="0">
+            <a:off x="187216" y="1800608"/>
+            <a:ext cx="5908783" cy="2031941"/>
+          </a:xfrm>
+          <a:prstGeom prst="rect">
+            <a:avLst/>
+          </a:prstGeom>
+        </p:spPr>
+      </p:pic>
+      <p:pic>
+        <p:nvPicPr>
+          <p:cNvPr id="1272211674" name=""/>
+          <p:cNvPicPr>
+            <a:picLocks noChangeAspect="1"/>
+          </p:cNvPicPr>
+          <p:nvPr/>
+        </p:nvPicPr>
+        <p:blipFill>
+          <a:blip r:embed="rId3"/>
+          <a:stretch/>
+        </p:blipFill>
+        <p:spPr bwMode="auto">
+          <a:xfrm flipH="0" flipV="0">
+            <a:off x="6095999" y="1851619"/>
+            <a:ext cx="5951292" cy="1980930"/>
+          </a:xfrm>
+          <a:prstGeom prst="rect">
+            <a:avLst/>
+          </a:prstGeom>
+        </p:spPr>
+      </p:pic>
+      <p:pic>
+        <p:nvPicPr>
+          <p:cNvPr id="761264571" name=""/>
+          <p:cNvPicPr>
+            <a:picLocks noChangeAspect="1"/>
+          </p:cNvPicPr>
+          <p:nvPr/>
+        </p:nvPicPr>
+        <p:blipFill>
+          <a:blip r:embed="rId4"/>
+          <a:stretch/>
+        </p:blipFill>
+        <p:spPr bwMode="auto">
+          <a:xfrm flipH="0" flipV="0">
+            <a:off x="110700" y="3832549"/>
+            <a:ext cx="5985299" cy="2099955"/>
+          </a:xfrm>
+          <a:prstGeom prst="rect">
+            <a:avLst/>
+          </a:prstGeom>
+        </p:spPr>
+      </p:pic>
+      <p:pic>
+        <p:nvPicPr>
+          <p:cNvPr id="108222913" name=""/>
+          <p:cNvPicPr>
+            <a:picLocks noChangeAspect="1"/>
+          </p:cNvPicPr>
+          <p:nvPr/>
+        </p:nvPicPr>
+        <p:blipFill>
+          <a:blip r:embed="rId5"/>
+          <a:stretch/>
+        </p:blipFill>
+        <p:spPr bwMode="auto">
+          <a:xfrm flipH="0" flipV="0">
+            <a:off x="6095999" y="3951612"/>
+            <a:ext cx="5951292" cy="1972428"/>
+          </a:xfrm>
+          <a:prstGeom prst="rect">
+            <a:avLst/>
+          </a:prstGeom>
+        </p:spPr>
+      </p:pic>
     </p:spTree>
   </p:cSld>
   <p:clrMapOvr>
@@ -5323,7 +5356,7 @@
       </p:grpSpPr>
       <p:sp>
         <p:nvSpPr>
-          <p:cNvPr id="1389451925" name="Title 1"/>
+          <p:cNvPr id="986946962" name="Title 1"/>
           <p:cNvSpPr>
             <a:spLocks noGrp="1"/>
           </p:cNvSpPr>
@@ -5341,15 +5374,7 @@
             </a:pPr>
             <a:r>
               <a:rPr/>
-              <a:t>What about devices without </a:t>
-            </a:r>
-            <a:r>
-              <a:rPr b="1" i="1"/>
-              <a:t>Internet</a:t>
-            </a:r>
-            <a:r>
-              <a:rPr/>
-              <a:t> ?</a:t>
+              <a:t>Future work...</a:t>
             </a:r>
             <a:endParaRPr/>
           </a:p>
@@ -5357,7 +5382,7 @@
       </p:sp>
       <p:sp>
         <p:nvSpPr>
-          <p:cNvPr id="1805409597" name="Content Placeholder 2"/>
+          <p:cNvPr id="733060007" name="Content Placeholder 2"/>
           <p:cNvSpPr>
             <a:spLocks noGrp="1"/>
           </p:cNvSpPr>
@@ -5373,6 +5398,40 @@
             <a:pPr>
               <a:defRPr/>
             </a:pPr>
+            <a:r>
+              <a:rPr/>
+              <a:t>Newer voice conversion methods provide results significantly better than StarGAN-VC, may be suitable as better victims.</a:t>
+            </a:r>
+            <a:endParaRPr/>
+          </a:p>
+          <a:p>
+            <a:pPr>
+              <a:defRPr/>
+            </a:pPr>
+            <a:r>
+              <a:rPr/>
+              <a:t>Prior art in images (Liu et al.) integrate with the victim.</a:t>
+            </a:r>
+            <a:endParaRPr/>
+          </a:p>
+          <a:p>
+            <a:pPr>
+              <a:defRPr/>
+            </a:pPr>
+            <a:r>
+              <a:rPr/>
+              <a:t>It’s possible to defend / mitigate such adversary.</a:t>
+            </a:r>
+            <a:endParaRPr/>
+          </a:p>
+          <a:p>
+            <a:pPr>
+              <a:defRPr/>
+            </a:pPr>
+            <a:r>
+              <a:rPr/>
+              <a:t>Workflow may be possible for other cases...</a:t>
+            </a:r>
             <a:endParaRPr/>
           </a:p>
         </p:txBody>
@@ -5412,7 +5471,7 @@
       </p:grpSpPr>
       <p:sp>
         <p:nvSpPr>
-          <p:cNvPr id="692973131" name="Title 1"/>
+          <p:cNvPr id="1389451925" name="Title 1"/>
           <p:cNvSpPr>
             <a:spLocks noGrp="1"/>
           </p:cNvSpPr>
@@ -5430,7 +5489,19 @@
             </a:pPr>
             <a:r>
               <a:rPr/>
-              <a:t>Conclusion</a:t>
+              <a:t>What about devices </a:t>
+            </a:r>
+            <a:r>
+              <a:rPr b="1" i="1"/>
+              <a:t>without </a:t>
+            </a:r>
+            <a:r>
+              <a:rPr b="1" i="1"/>
+              <a:t>Internet</a:t>
+            </a:r>
+            <a:r>
+              <a:rPr/>
+              <a:t> ?</a:t>
             </a:r>
             <a:endParaRPr/>
           </a:p>
@@ -5438,7 +5509,7 @@
       </p:sp>
       <p:sp>
         <p:nvSpPr>
-          <p:cNvPr id="610923068" name="Content Placeholder 2"/>
+          <p:cNvPr id="1805409597" name="Content Placeholder 2"/>
           <p:cNvSpPr>
             <a:spLocks noGrp="1"/>
           </p:cNvSpPr>
@@ -5454,6 +5525,54 @@
             <a:pPr>
               <a:defRPr/>
             </a:pPr>
+            <a:r>
+              <a:rPr/>
+              <a:t>IoT (</a:t>
+            </a:r>
+            <a:r>
+              <a:rPr b="1" i="1"/>
+              <a:t>I</a:t>
+            </a:r>
+            <a:r>
+              <a:rPr/>
+              <a:t>nternet </a:t>
+            </a:r>
+            <a:r>
+              <a:rPr b="1" i="1"/>
+              <a:t>o</a:t>
+            </a:r>
+            <a:r>
+              <a:rPr/>
+              <a:t>f </a:t>
+            </a:r>
+            <a:r>
+              <a:rPr b="1" i="1"/>
+              <a:t>T</a:t>
+            </a:r>
+            <a:r>
+              <a:rPr/>
+              <a:t>hings) devices typically connect to each other instead of connecting to the Internet.</a:t>
+            </a:r>
+            <a:endParaRPr/>
+          </a:p>
+          <a:p>
+            <a:pPr>
+              <a:defRPr/>
+            </a:pPr>
+            <a:r>
+              <a:rPr/>
+              <a:t>During maintenance / synchronization, one device may need to connect to other device for data transmission.</a:t>
+            </a:r>
+            <a:endParaRPr/>
+          </a:p>
+          <a:p>
+            <a:pPr>
+              <a:defRPr/>
+            </a:pPr>
+            <a:r>
+              <a:rPr/>
+              <a:t>May only 1 online device (e.g. user’s smartphone) is present in the chain, users are not safe from such attack.</a:t>
+            </a:r>
             <a:endParaRPr/>
           </a:p>
         </p:txBody>
@@ -5851,7 +5970,7 @@
       </p:grpSpPr>
       <p:sp>
         <p:nvSpPr>
-          <p:cNvPr id="1526330754" name="Title 1"/>
+          <p:cNvPr id="692973131" name="Title 1"/>
           <p:cNvSpPr>
             <a:spLocks noGrp="1"/>
           </p:cNvSpPr>
@@ -5869,7 +5988,63 @@
             </a:pPr>
             <a:r>
               <a:rPr/>
-              <a:t>Any questions?</a:t>
+              <a:t>Conclusion</a:t>
+            </a:r>
+            <a:endParaRPr/>
+          </a:p>
+        </p:txBody>
+      </p:sp>
+      <p:sp>
+        <p:nvSpPr>
+          <p:cNvPr id="610923068" name="Content Placeholder 2"/>
+          <p:cNvSpPr>
+            <a:spLocks noGrp="1"/>
+          </p:cNvSpPr>
+          <p:nvPr>
+            <p:ph idx="1"/>
+          </p:nvPr>
+        </p:nvSpPr>
+        <p:spPr bwMode="auto"/>
+        <p:txBody>
+          <a:bodyPr/>
+          <a:lstStyle/>
+          <a:p>
+            <a:pPr>
+              <a:defRPr/>
+            </a:pPr>
+            <a:r>
+              <a:rPr/>
+              <a:t>We designed a workflow on hiding identity data in desensitized voice sequences, and conducted experiment on it.</a:t>
+            </a:r>
+            <a:endParaRPr/>
+          </a:p>
+          <a:p>
+            <a:pPr>
+              <a:defRPr/>
+            </a:pPr>
+            <a:r>
+              <a:rPr/>
+              <a:t>We proved vulnerability of current solutions to such attack.</a:t>
+            </a:r>
+            <a:endParaRPr/>
+          </a:p>
+          <a:p>
+            <a:pPr>
+              <a:defRPr/>
+            </a:pPr>
+            <a:r>
+              <a:rPr/>
+              <a:t>It’s safe to consider publicly-released voice changing solutions have potential for adversaries.</a:t>
+            </a:r>
+            <a:endParaRPr/>
+          </a:p>
+          <a:p>
+            <a:pPr>
+              <a:defRPr/>
+            </a:pPr>
+            <a:r>
+              <a:rPr/>
+              <a:t>It may now be necessary to consider anti-stenography measures on desensitization models.</a:t>
             </a:r>
             <a:endParaRPr/>
           </a:p>
@@ -5892,6 +6067,69 @@
 </file>
 
 <file path=ppt/slides/slide21.xml><?xml version="1.0" encoding="utf-8"?>
+<p:sld xmlns:a="http://schemas.openxmlformats.org/drawingml/2006/main" xmlns:r="http://schemas.openxmlformats.org/officeDocument/2006/relationships" xmlns:p="http://schemas.openxmlformats.org/presentationml/2006/main" xmlns:m="http://schemas.openxmlformats.org/officeDocument/2006/math" xmlns:w="http://schemas.openxmlformats.org/wordprocessingml/2006/main" showMasterPhAnim="0" show="1">
+  <p:cSld name="">
+    <p:spTree>
+      <p:nvGrpSpPr>
+        <p:cNvPr id="1" name=""/>
+        <p:cNvGrpSpPr/>
+        <p:nvPr/>
+      </p:nvGrpSpPr>
+      <p:grpSpPr bwMode="auto">
+        <a:xfrm>
+          <a:off x="0" y="0"/>
+          <a:ext cx="0" cy="0"/>
+          <a:chOff x="0" y="0"/>
+          <a:chExt cx="0" cy="0"/>
+        </a:xfrm>
+      </p:grpSpPr>
+      <p:sp>
+        <p:nvSpPr>
+          <p:cNvPr id="1526330754" name="Title 1"/>
+          <p:cNvSpPr>
+            <a:spLocks noGrp="1"/>
+          </p:cNvSpPr>
+          <p:nvPr>
+            <p:ph type="title"/>
+          </p:nvPr>
+        </p:nvSpPr>
+        <p:spPr bwMode="auto"/>
+        <p:txBody>
+          <a:bodyPr/>
+          <a:lstStyle/>
+          <a:p>
+            <a:pPr>
+              <a:defRPr/>
+            </a:pPr>
+            <a:r>
+              <a:rPr/>
+              <a:t>Any questions</a:t>
+            </a:r>
+            <a:r>
+              <a:rPr sz="12000" b="1"/>
+              <a:t>?</a:t>
+            </a:r>
+            <a:endParaRPr/>
+          </a:p>
+        </p:txBody>
+      </p:sp>
+    </p:spTree>
+  </p:cSld>
+  <p:clrMapOvr>
+    <a:masterClrMapping/>
+  </p:clrMapOvr>
+  <mc:AlternateContent xmlns:mc="http://schemas.openxmlformats.org/markup-compatibility/2006">
+    <mc:Choice xmlns:p14="http://schemas.microsoft.com/office/powerpoint/2010/main" Requires="p14">
+      <p:transition p14:dur="2000" advClick="1"/>
+    </mc:Choice>
+    <mc:Fallback>
+      <p:transition advClick="1"/>
+    </mc:Fallback>
+  </mc:AlternateContent>
+</p:sld>
+</file>
+
+<file path=ppt/slides/slide22.xml><?xml version="1.0" encoding="utf-8"?>
 <p:sld xmlns:a="http://schemas.openxmlformats.org/drawingml/2006/main" xmlns:r="http://schemas.openxmlformats.org/officeDocument/2006/relationships" xmlns:p="http://schemas.openxmlformats.org/presentationml/2006/main" xmlns:m="http://schemas.openxmlformats.org/officeDocument/2006/math" xmlns:w="http://schemas.openxmlformats.org/wordprocessingml/2006/main" showMasterPhAnim="0" show="1">
   <p:cSld name="">
     <p:spTree>

--- a/pres.pptx
+++ b/pres.pptx
@@ -26,7 +26,6 @@
     <p:sldId id="274" r:id="rId21"/>
     <p:sldId id="275" r:id="rId22"/>
     <p:sldId id="276" r:id="rId23"/>
-    <p:sldId id="277" r:id="rId24"/>
   </p:sldIdLst>
   <p:sldSz cx="12192000" cy="6858000"/>
   <p:notesSz cx="12192000" cy="6858000"/>
@@ -3800,7 +3799,7 @@
         </p:nvSpPr>
         <p:spPr bwMode="auto">
           <a:xfrm flipH="0" flipV="0">
-            <a:off x="838199" y="1825624"/>
+            <a:off x="838198" y="1825624"/>
             <a:ext cx="3712552" cy="4351338"/>
           </a:xfrm>
         </p:spPr>
@@ -5023,7 +5022,7 @@
             </a:pPr>
             <a:r>
               <a:rPr lang="en-US"/>
-              <a:t>Won’t be mentioned in detail, please refer to the paper for details.</a:t>
+              <a:t>Won’t be mentioned, please refer to the paper for details.</a:t>
             </a:r>
             <a:endParaRPr lang="en-US"/>
           </a:p>
@@ -5168,7 +5167,7 @@
             </a:r>
             <a:r>
               <a:rPr/>
-              <a:t> — Ratio of samples being classified into original speaker (&gt; 0.5), higher value mean higher probability an generic model would think it’s the original speaker.</a:t>
+              <a:t> — Ratio of samples being classified into original speaker (highest in all), higher value mean higher probability an generic model would think it’s the original speaker.</a:t>
             </a:r>
             <a:endParaRPr/>
           </a:p>
@@ -5291,7 +5290,7 @@
         </p:blipFill>
         <p:spPr bwMode="auto">
           <a:xfrm flipH="0" flipV="0">
-            <a:off x="110700" y="3832549"/>
+            <a:off x="110700" y="3832548"/>
             <a:ext cx="5985299" cy="2099955"/>
           </a:xfrm>
           <a:prstGeom prst="rect">
@@ -6085,69 +6084,6 @@
       </p:grpSpPr>
       <p:sp>
         <p:nvSpPr>
-          <p:cNvPr id="1526330754" name="Title 1"/>
-          <p:cNvSpPr>
-            <a:spLocks noGrp="1"/>
-          </p:cNvSpPr>
-          <p:nvPr>
-            <p:ph type="title"/>
-          </p:nvPr>
-        </p:nvSpPr>
-        <p:spPr bwMode="auto"/>
-        <p:txBody>
-          <a:bodyPr/>
-          <a:lstStyle/>
-          <a:p>
-            <a:pPr>
-              <a:defRPr/>
-            </a:pPr>
-            <a:r>
-              <a:rPr/>
-              <a:t>Any questions</a:t>
-            </a:r>
-            <a:r>
-              <a:rPr sz="12000" b="1"/>
-              <a:t>?</a:t>
-            </a:r>
-            <a:endParaRPr/>
-          </a:p>
-        </p:txBody>
-      </p:sp>
-    </p:spTree>
-  </p:cSld>
-  <p:clrMapOvr>
-    <a:masterClrMapping/>
-  </p:clrMapOvr>
-  <mc:AlternateContent xmlns:mc="http://schemas.openxmlformats.org/markup-compatibility/2006">
-    <mc:Choice xmlns:p14="http://schemas.microsoft.com/office/powerpoint/2010/main" Requires="p14">
-      <p:transition p14:dur="2000" advClick="1"/>
-    </mc:Choice>
-    <mc:Fallback>
-      <p:transition advClick="1"/>
-    </mc:Fallback>
-  </mc:AlternateContent>
-</p:sld>
-</file>
-
-<file path=ppt/slides/slide22.xml><?xml version="1.0" encoding="utf-8"?>
-<p:sld xmlns:a="http://schemas.openxmlformats.org/drawingml/2006/main" xmlns:r="http://schemas.openxmlformats.org/officeDocument/2006/relationships" xmlns:p="http://schemas.openxmlformats.org/presentationml/2006/main" xmlns:m="http://schemas.openxmlformats.org/officeDocument/2006/math" xmlns:w="http://schemas.openxmlformats.org/wordprocessingml/2006/main" showMasterPhAnim="0" show="1">
-  <p:cSld name="">
-    <p:spTree>
-      <p:nvGrpSpPr>
-        <p:cNvPr id="1" name=""/>
-        <p:cNvGrpSpPr/>
-        <p:nvPr/>
-      </p:nvGrpSpPr>
-      <p:grpSpPr bwMode="auto">
-        <a:xfrm>
-          <a:off x="0" y="0"/>
-          <a:ext cx="0" cy="0"/>
-          <a:chOff x="0" y="0"/>
-          <a:chExt cx="0" cy="0"/>
-        </a:xfrm>
-      </p:grpSpPr>
-      <p:sp>
-        <p:nvSpPr>
           <p:cNvPr id="969147506" name="Title 1"/>
           <p:cNvSpPr>
             <a:spLocks noGrp="1"/>
@@ -6158,7 +6094,7 @@
         </p:nvSpPr>
         <p:spPr bwMode="auto">
           <a:xfrm rot="20758146" flipH="0" flipV="0">
-            <a:off x="576704" y="3582819"/>
+            <a:off x="232364" y="2543815"/>
             <a:ext cx="9867256" cy="1352881"/>
           </a:xfrm>
         </p:spPr>
@@ -6195,7 +6131,7 @@
         </p:blipFill>
         <p:spPr bwMode="auto">
           <a:xfrm rot="19944878" flipH="0" flipV="0">
-            <a:off x="880714" y="3503591"/>
+            <a:off x="536375" y="2464587"/>
             <a:ext cx="1239614" cy="885438"/>
           </a:xfrm>
           <a:prstGeom prst="rect">
@@ -6216,8 +6152,8 @@
           <a:stretch/>
         </p:blipFill>
         <p:spPr bwMode="auto">
-          <a:xfrm rot="1292695" flipH="0" flipV="0">
-            <a:off x="7057863" y="2248481"/>
+          <a:xfrm rot="1292694" flipH="0" flipV="0">
+            <a:off x="6713524" y="1209477"/>
             <a:ext cx="882802" cy="882802"/>
           </a:xfrm>
           <a:prstGeom prst="rect">
@@ -6239,7 +6175,7 @@
         </p:blipFill>
         <p:spPr bwMode="auto">
           <a:xfrm rot="1320026" flipH="0" flipV="0">
-            <a:off x="2843132" y="3133280"/>
+            <a:off x="2498793" y="2094276"/>
             <a:ext cx="1318447" cy="955572"/>
           </a:xfrm>
           <a:prstGeom prst="rect">
@@ -6261,7 +6197,7 @@
         </p:blipFill>
         <p:spPr bwMode="auto">
           <a:xfrm rot="20102327" flipH="0" flipV="0">
-            <a:off x="4802209" y="2355811"/>
+            <a:off x="4457869" y="1316807"/>
             <a:ext cx="1622500" cy="1198754"/>
           </a:xfrm>
           <a:prstGeom prst="rect">
@@ -6283,7 +6219,7 @@
         </p:blipFill>
         <p:spPr bwMode="auto">
           <a:xfrm rot="19819675" flipH="0" flipV="0">
-            <a:off x="8528645" y="1593894"/>
+            <a:off x="8184306" y="554890"/>
             <a:ext cx="1235953" cy="1046662"/>
           </a:xfrm>
           <a:prstGeom prst="rect">
@@ -6291,6 +6227,59 @@
           </a:prstGeom>
         </p:spPr>
       </p:pic>
+      <p:sp>
+        <p:nvSpPr>
+          <p:cNvPr id="223862595" name="Title 1"/>
+          <p:cNvSpPr>
+            <a:spLocks noGrp="1"/>
+          </p:cNvSpPr>
+          <p:nvPr/>
+        </p:nvSpPr>
+        <p:spPr bwMode="auto">
+          <a:xfrm flipH="0" flipV="0">
+            <a:off x="5274231" y="4431210"/>
+            <a:ext cx="6271396" cy="1691551"/>
+          </a:xfrm>
+        </p:spPr>
+        <p:txBody>
+          <a:bodyPr vertOverflow="overflow" horzOverflow="overflow" vert="horz" wrap="square" lIns="91440" tIns="45720" rIns="91440" bIns="45720" numCol="1" spcCol="0" rtlCol="0" fromWordArt="0" anchor="b" anchorCtr="0" forceAA="0" upright="0" compatLnSpc="0">
+            <a:normAutofit/>
+          </a:bodyPr>
+          <a:lstStyle>
+            <a:lvl1pPr algn="ctr" defTabSz="914400">
+              <a:lnSpc>
+                <a:spcPct val="90000"/>
+              </a:lnSpc>
+              <a:spcBef>
+                <a:spcPts val="0"/>
+              </a:spcBef>
+              <a:buNone/>
+              <a:defRPr sz="6000">
+                <a:solidFill>
+                  <a:schemeClr val="tx1"/>
+                </a:solidFill>
+                <a:latin typeface="+mj-lt"/>
+                <a:ea typeface="+mj-ea"/>
+                <a:cs typeface="+mj-cs"/>
+              </a:defRPr>
+            </a:lvl1pPr>
+          </a:lstStyle>
+          <a:p>
+            <a:pPr>
+              <a:defRPr/>
+            </a:pPr>
+            <a:r>
+              <a:rPr/>
+              <a:t>Any questions</a:t>
+            </a:r>
+            <a:r>
+              <a:rPr sz="12000" b="1"/>
+              <a:t>?</a:t>
+            </a:r>
+            <a:endParaRPr/>
+          </a:p>
+        </p:txBody>
+      </p:sp>
     </p:spTree>
   </p:cSld>
   <p:clrMapOvr>
@@ -6633,7 +6622,7 @@
         </p:nvSpPr>
         <p:spPr bwMode="auto">
           <a:xfrm flipH="0" flipV="0">
-            <a:off x="838199" y="1825624"/>
+            <a:off x="838198" y="1825624"/>
             <a:ext cx="10515600" cy="3189750"/>
           </a:xfrm>
         </p:spPr>
@@ -6724,7 +6713,7 @@
           <p:nvPr/>
         </p:nvSpPr>
         <p:spPr bwMode="auto">
-          <a:xfrm rot="21175798">
+          <a:xfrm rot="21175797">
             <a:off x="5989070" y="5069005"/>
             <a:ext cx="5769610" cy="460375"/>
           </a:xfrm>
